--- a/STSWorkspace/Spring.pptx
+++ b/STSWorkspace/Spring.pptx
@@ -11,6 +11,8 @@
     <p:sldId id="259" r:id="rId5"/>
     <p:sldId id="260" r:id="rId6"/>
     <p:sldId id="261" r:id="rId7"/>
+    <p:sldId id="263" r:id="rId8"/>
+    <p:sldId id="262" r:id="rId9"/>
   </p:sldIdLst>
   <p:sldSz cx="12192000" cy="6858000"/>
   <p:notesSz cx="6858000" cy="9144000"/>
@@ -264,7 +266,7 @@
           <a:p>
             <a:fld id="{26853DDB-FB21-4B86-AE9E-F20AFD11A4B3}" type="datetimeFigureOut">
               <a:rPr lang="ko-KR" altLang="en-US" smtClean="0"/>
-              <a:t>2023-05-17</a:t>
+              <a:t>2023-05-18</a:t>
             </a:fld>
             <a:endParaRPr lang="ko-KR" altLang="en-US"/>
           </a:p>
@@ -462,7 +464,7 @@
           <a:p>
             <a:fld id="{26853DDB-FB21-4B86-AE9E-F20AFD11A4B3}" type="datetimeFigureOut">
               <a:rPr lang="ko-KR" altLang="en-US" smtClean="0"/>
-              <a:t>2023-05-17</a:t>
+              <a:t>2023-05-18</a:t>
             </a:fld>
             <a:endParaRPr lang="ko-KR" altLang="en-US"/>
           </a:p>
@@ -670,7 +672,7 @@
           <a:p>
             <a:fld id="{26853DDB-FB21-4B86-AE9E-F20AFD11A4B3}" type="datetimeFigureOut">
               <a:rPr lang="ko-KR" altLang="en-US" smtClean="0"/>
-              <a:t>2023-05-17</a:t>
+              <a:t>2023-05-18</a:t>
             </a:fld>
             <a:endParaRPr lang="ko-KR" altLang="en-US"/>
           </a:p>
@@ -868,7 +870,7 @@
           <a:p>
             <a:fld id="{26853DDB-FB21-4B86-AE9E-F20AFD11A4B3}" type="datetimeFigureOut">
               <a:rPr lang="ko-KR" altLang="en-US" smtClean="0"/>
-              <a:t>2023-05-17</a:t>
+              <a:t>2023-05-18</a:t>
             </a:fld>
             <a:endParaRPr lang="ko-KR" altLang="en-US"/>
           </a:p>
@@ -1143,7 +1145,7 @@
           <a:p>
             <a:fld id="{26853DDB-FB21-4B86-AE9E-F20AFD11A4B3}" type="datetimeFigureOut">
               <a:rPr lang="ko-KR" altLang="en-US" smtClean="0"/>
-              <a:t>2023-05-17</a:t>
+              <a:t>2023-05-18</a:t>
             </a:fld>
             <a:endParaRPr lang="ko-KR" altLang="en-US"/>
           </a:p>
@@ -1408,7 +1410,7 @@
           <a:p>
             <a:fld id="{26853DDB-FB21-4B86-AE9E-F20AFD11A4B3}" type="datetimeFigureOut">
               <a:rPr lang="ko-KR" altLang="en-US" smtClean="0"/>
-              <a:t>2023-05-17</a:t>
+              <a:t>2023-05-18</a:t>
             </a:fld>
             <a:endParaRPr lang="ko-KR" altLang="en-US"/>
           </a:p>
@@ -1820,7 +1822,7 @@
           <a:p>
             <a:fld id="{26853DDB-FB21-4B86-AE9E-F20AFD11A4B3}" type="datetimeFigureOut">
               <a:rPr lang="ko-KR" altLang="en-US" smtClean="0"/>
-              <a:t>2023-05-17</a:t>
+              <a:t>2023-05-18</a:t>
             </a:fld>
             <a:endParaRPr lang="ko-KR" altLang="en-US"/>
           </a:p>
@@ -1961,7 +1963,7 @@
           <a:p>
             <a:fld id="{26853DDB-FB21-4B86-AE9E-F20AFD11A4B3}" type="datetimeFigureOut">
               <a:rPr lang="ko-KR" altLang="en-US" smtClean="0"/>
-              <a:t>2023-05-17</a:t>
+              <a:t>2023-05-18</a:t>
             </a:fld>
             <a:endParaRPr lang="ko-KR" altLang="en-US"/>
           </a:p>
@@ -2074,7 +2076,7 @@
           <a:p>
             <a:fld id="{26853DDB-FB21-4B86-AE9E-F20AFD11A4B3}" type="datetimeFigureOut">
               <a:rPr lang="ko-KR" altLang="en-US" smtClean="0"/>
-              <a:t>2023-05-17</a:t>
+              <a:t>2023-05-18</a:t>
             </a:fld>
             <a:endParaRPr lang="ko-KR" altLang="en-US"/>
           </a:p>
@@ -2385,7 +2387,7 @@
           <a:p>
             <a:fld id="{26853DDB-FB21-4B86-AE9E-F20AFD11A4B3}" type="datetimeFigureOut">
               <a:rPr lang="ko-KR" altLang="en-US" smtClean="0"/>
-              <a:t>2023-05-17</a:t>
+              <a:t>2023-05-18</a:t>
             </a:fld>
             <a:endParaRPr lang="ko-KR" altLang="en-US"/>
           </a:p>
@@ -2673,7 +2675,7 @@
           <a:p>
             <a:fld id="{26853DDB-FB21-4B86-AE9E-F20AFD11A4B3}" type="datetimeFigureOut">
               <a:rPr lang="ko-KR" altLang="en-US" smtClean="0"/>
-              <a:t>2023-05-17</a:t>
+              <a:t>2023-05-18</a:t>
             </a:fld>
             <a:endParaRPr lang="ko-KR" altLang="en-US"/>
           </a:p>
@@ -2914,7 +2916,7 @@
           <a:p>
             <a:fld id="{26853DDB-FB21-4B86-AE9E-F20AFD11A4B3}" type="datetimeFigureOut">
               <a:rPr lang="ko-KR" altLang="en-US" smtClean="0"/>
-              <a:t>2023-05-17</a:t>
+              <a:t>2023-05-18</a:t>
             </a:fld>
             <a:endParaRPr lang="ko-KR" altLang="en-US"/>
           </a:p>
@@ -5465,7 +5467,7 @@
         </p:nvSpPr>
         <p:spPr>
           <a:xfrm>
-            <a:off x="4127629" y="6058507"/>
+            <a:off x="10223629" y="2890434"/>
             <a:ext cx="1437830" cy="369332"/>
           </a:xfrm>
           <a:prstGeom prst="rect">
@@ -5517,6 +5519,141 @@
           </a:prstGeom>
         </p:spPr>
       </p:pic>
+      <p:pic>
+        <p:nvPicPr>
+          <p:cNvPr id="3" name="그림 2">
+            <a:extLst>
+              <a:ext uri="{FF2B5EF4-FFF2-40B4-BE49-F238E27FC236}">
+                <a16:creationId xmlns:a16="http://schemas.microsoft.com/office/drawing/2014/main" id="{3E08B880-FF9B-887A-45AE-BE4F5B747B9E}"/>
+              </a:ext>
+            </a:extLst>
+          </p:cNvPr>
+          <p:cNvPicPr>
+            <a:picLocks noChangeAspect="1"/>
+          </p:cNvPicPr>
+          <p:nvPr/>
+        </p:nvPicPr>
+        <p:blipFill>
+          <a:blip r:embed="rId4"/>
+          <a:stretch>
+            <a:fillRect/>
+          </a:stretch>
+        </p:blipFill>
+        <p:spPr>
+          <a:xfrm>
+            <a:off x="49280" y="3910930"/>
+            <a:ext cx="1952525" cy="2027382"/>
+          </a:xfrm>
+          <a:prstGeom prst="rect">
+            <a:avLst/>
+          </a:prstGeom>
+        </p:spPr>
+      </p:pic>
+      <p:sp>
+        <p:nvSpPr>
+          <p:cNvPr id="4" name="TextBox 3">
+            <a:extLst>
+              <a:ext uri="{FF2B5EF4-FFF2-40B4-BE49-F238E27FC236}">
+                <a16:creationId xmlns:a16="http://schemas.microsoft.com/office/drawing/2014/main" id="{2DA435D3-C33E-FC6F-A7C7-123BDB94E2FB}"/>
+              </a:ext>
+            </a:extLst>
+          </p:cNvPr>
+          <p:cNvSpPr txBox="1"/>
+          <p:nvPr/>
+        </p:nvSpPr>
+        <p:spPr>
+          <a:xfrm>
+            <a:off x="2165105" y="5339802"/>
+            <a:ext cx="3400354" cy="646331"/>
+          </a:xfrm>
+          <a:prstGeom prst="rect">
+            <a:avLst/>
+          </a:prstGeom>
+          <a:noFill/>
+        </p:spPr>
+        <p:txBody>
+          <a:bodyPr wrap="none" rtlCol="0">
+            <a:spAutoFit/>
+          </a:bodyPr>
+          <a:lstStyle/>
+          <a:p>
+            <a:r>
+              <a:rPr lang="ko-KR" altLang="en-US" dirty="0" err="1"/>
+              <a:t>리턴값에</a:t>
+            </a:r>
+            <a:r>
+              <a:rPr lang="ko-KR" altLang="en-US" dirty="0"/>
+              <a:t> 따라 </a:t>
+            </a:r>
+            <a:r>
+              <a:rPr lang="en-US" altLang="ko-KR" dirty="0"/>
+              <a:t>view resolver</a:t>
+            </a:r>
+            <a:r>
+              <a:rPr lang="ko-KR" altLang="en-US" dirty="0"/>
+              <a:t>를 </a:t>
+            </a:r>
+            <a:endParaRPr lang="en-US" altLang="ko-KR" dirty="0"/>
+          </a:p>
+          <a:p>
+            <a:r>
+              <a:rPr lang="ko-KR" altLang="en-US" dirty="0"/>
+              <a:t>거치거나 아닐 수도 있음</a:t>
+            </a:r>
+            <a:r>
+              <a:rPr lang="en-US" altLang="ko-KR" dirty="0"/>
+              <a:t>.</a:t>
+            </a:r>
+            <a:endParaRPr lang="ko-KR" altLang="en-US" dirty="0"/>
+          </a:p>
+        </p:txBody>
+      </p:sp>
+      <p:sp>
+        <p:nvSpPr>
+          <p:cNvPr id="7" name="TextBox 6">
+            <a:extLst>
+              <a:ext uri="{FF2B5EF4-FFF2-40B4-BE49-F238E27FC236}">
+                <a16:creationId xmlns:a16="http://schemas.microsoft.com/office/drawing/2014/main" id="{75CAC5D4-1115-D31D-16E3-1E16734F293D}"/>
+              </a:ext>
+            </a:extLst>
+          </p:cNvPr>
+          <p:cNvSpPr txBox="1"/>
+          <p:nvPr/>
+        </p:nvSpPr>
+        <p:spPr>
+          <a:xfrm>
+            <a:off x="66732" y="5938312"/>
+            <a:ext cx="2611677" cy="646331"/>
+          </a:xfrm>
+          <a:prstGeom prst="rect">
+            <a:avLst/>
+          </a:prstGeom>
+          <a:noFill/>
+        </p:spPr>
+        <p:txBody>
+          <a:bodyPr wrap="none" rtlCol="0">
+            <a:spAutoFit/>
+          </a:bodyPr>
+          <a:lstStyle/>
+          <a:p>
+            <a:r>
+              <a:rPr lang="en-US" altLang="ko-KR" dirty="0"/>
+              <a:t>10. View resolve or not</a:t>
+            </a:r>
+          </a:p>
+          <a:p>
+            <a:r>
+              <a:rPr lang="en-US" altLang="ko-KR" dirty="0"/>
+              <a:t>11. </a:t>
+            </a:r>
+            <a:r>
+              <a:rPr lang="en-US" altLang="ko-KR" dirty="0" err="1"/>
+              <a:t>jsp</a:t>
+            </a:r>
+            <a:endParaRPr lang="ko-KR" altLang="en-US" dirty="0"/>
+          </a:p>
+        </p:txBody>
+      </p:sp>
     </p:spTree>
     <p:extLst>
       <p:ext uri="{BB962C8B-B14F-4D97-AF65-F5344CB8AC3E}">
@@ -5569,7 +5706,7 @@
         </p:blipFill>
         <p:spPr>
           <a:xfrm>
-            <a:off x="-22578" y="3466627"/>
+            <a:off x="0" y="0"/>
             <a:ext cx="9011908" cy="3391373"/>
           </a:xfrm>
           <a:prstGeom prst="rect">
@@ -5577,10 +5714,1629 @@
           </a:prstGeom>
         </p:spPr>
       </p:pic>
+      <p:pic>
+        <p:nvPicPr>
+          <p:cNvPr id="3" name="그림 2">
+            <a:extLst>
+              <a:ext uri="{FF2B5EF4-FFF2-40B4-BE49-F238E27FC236}">
+                <a16:creationId xmlns:a16="http://schemas.microsoft.com/office/drawing/2014/main" id="{B8DAA337-77BB-4213-6CB2-E6D5DD5BCC8A}"/>
+              </a:ext>
+            </a:extLst>
+          </p:cNvPr>
+          <p:cNvPicPr>
+            <a:picLocks noChangeAspect="1"/>
+          </p:cNvPicPr>
+          <p:nvPr/>
+        </p:nvPicPr>
+        <p:blipFill>
+          <a:blip r:embed="rId3"/>
+          <a:stretch>
+            <a:fillRect/>
+          </a:stretch>
+        </p:blipFill>
+        <p:spPr>
+          <a:xfrm>
+            <a:off x="153484" y="3466628"/>
+            <a:ext cx="7211431" cy="3258005"/>
+          </a:xfrm>
+          <a:prstGeom prst="rect">
+            <a:avLst/>
+          </a:prstGeom>
+        </p:spPr>
+      </p:pic>
+      <p:sp>
+        <p:nvSpPr>
+          <p:cNvPr id="4" name="TextBox 3">
+            <a:extLst>
+              <a:ext uri="{FF2B5EF4-FFF2-40B4-BE49-F238E27FC236}">
+                <a16:creationId xmlns:a16="http://schemas.microsoft.com/office/drawing/2014/main" id="{BA98FA08-92A5-81CF-28E8-23D0169E1AFC}"/>
+              </a:ext>
+            </a:extLst>
+          </p:cNvPr>
+          <p:cNvSpPr txBox="1"/>
+          <p:nvPr/>
+        </p:nvSpPr>
+        <p:spPr>
+          <a:xfrm>
+            <a:off x="5190836" y="4442691"/>
+            <a:ext cx="646331" cy="369332"/>
+          </a:xfrm>
+          <a:prstGeom prst="rect">
+            <a:avLst/>
+          </a:prstGeom>
+          <a:noFill/>
+        </p:spPr>
+        <p:txBody>
+          <a:bodyPr wrap="none" rtlCol="0">
+            <a:spAutoFit/>
+          </a:bodyPr>
+          <a:lstStyle/>
+          <a:p>
+            <a:r>
+              <a:rPr lang="ko-KR" altLang="en-US" dirty="0"/>
+              <a:t>조회</a:t>
+            </a:r>
+          </a:p>
+        </p:txBody>
+      </p:sp>
+      <p:sp>
+        <p:nvSpPr>
+          <p:cNvPr id="8" name="TextBox 7">
+            <a:extLst>
+              <a:ext uri="{FF2B5EF4-FFF2-40B4-BE49-F238E27FC236}">
+                <a16:creationId xmlns:a16="http://schemas.microsoft.com/office/drawing/2014/main" id="{BA1C6E4E-A2A9-E792-29F3-C42ECEC239E6}"/>
+              </a:ext>
+            </a:extLst>
+          </p:cNvPr>
+          <p:cNvSpPr txBox="1"/>
+          <p:nvPr/>
+        </p:nvSpPr>
+        <p:spPr>
+          <a:xfrm>
+            <a:off x="5514001" y="5329382"/>
+            <a:ext cx="5165197" cy="369332"/>
+          </a:xfrm>
+          <a:prstGeom prst="rect">
+            <a:avLst/>
+          </a:prstGeom>
+          <a:noFill/>
+        </p:spPr>
+        <p:txBody>
+          <a:bodyPr wrap="none" rtlCol="0">
+            <a:spAutoFit/>
+          </a:bodyPr>
+          <a:lstStyle/>
+          <a:p>
+            <a:r>
+              <a:rPr lang="ko-KR" altLang="en-US" dirty="0"/>
+              <a:t>조회 </a:t>
+            </a:r>
+            <a:r>
+              <a:rPr lang="en-US" altLang="ko-KR" dirty="0"/>
+              <a:t>&gt; servletcontext.xml</a:t>
+            </a:r>
+            <a:r>
+              <a:rPr lang="ko-KR" altLang="en-US" dirty="0"/>
+              <a:t>을 가져와서 사용 가능</a:t>
+            </a:r>
+          </a:p>
+        </p:txBody>
+      </p:sp>
+      <p:sp>
+        <p:nvSpPr>
+          <p:cNvPr id="9" name="TextBox 8">
+            <a:extLst>
+              <a:ext uri="{FF2B5EF4-FFF2-40B4-BE49-F238E27FC236}">
+                <a16:creationId xmlns:a16="http://schemas.microsoft.com/office/drawing/2014/main" id="{F1949B7E-FF55-2326-19D6-374F3CD2A6E6}"/>
+              </a:ext>
+            </a:extLst>
+          </p:cNvPr>
+          <p:cNvSpPr txBox="1"/>
+          <p:nvPr/>
+        </p:nvSpPr>
+        <p:spPr>
+          <a:xfrm>
+            <a:off x="7241308" y="6225309"/>
+            <a:ext cx="1651414" cy="369332"/>
+          </a:xfrm>
+          <a:prstGeom prst="rect">
+            <a:avLst/>
+          </a:prstGeom>
+          <a:noFill/>
+        </p:spPr>
+        <p:txBody>
+          <a:bodyPr wrap="none" rtlCol="0">
+            <a:spAutoFit/>
+          </a:bodyPr>
+          <a:lstStyle/>
+          <a:p>
+            <a:r>
+              <a:rPr lang="ko-KR" altLang="en-US" dirty="0"/>
+              <a:t>인스턴스 생성</a:t>
+            </a:r>
+          </a:p>
+        </p:txBody>
+      </p:sp>
+      <p:sp>
+        <p:nvSpPr>
+          <p:cNvPr id="10" name="TextBox 9">
+            <a:extLst>
+              <a:ext uri="{FF2B5EF4-FFF2-40B4-BE49-F238E27FC236}">
+                <a16:creationId xmlns:a16="http://schemas.microsoft.com/office/drawing/2014/main" id="{1BC96E9F-D006-A230-EF52-5CEF79EB43AF}"/>
+              </a:ext>
+            </a:extLst>
+          </p:cNvPr>
+          <p:cNvSpPr txBox="1"/>
+          <p:nvPr/>
+        </p:nvSpPr>
+        <p:spPr>
+          <a:xfrm>
+            <a:off x="9232940" y="3099728"/>
+            <a:ext cx="2805576" cy="369332"/>
+          </a:xfrm>
+          <a:prstGeom prst="rect">
+            <a:avLst/>
+          </a:prstGeom>
+          <a:noFill/>
+        </p:spPr>
+        <p:txBody>
+          <a:bodyPr wrap="none" rtlCol="0">
+            <a:spAutoFit/>
+          </a:bodyPr>
+          <a:lstStyle/>
+          <a:p>
+            <a:r>
+              <a:rPr lang="ko-KR" altLang="en-US" dirty="0"/>
+              <a:t>스프링프로젝트 구동단계</a:t>
+            </a:r>
+          </a:p>
+        </p:txBody>
+      </p:sp>
+      <p:sp>
+        <p:nvSpPr>
+          <p:cNvPr id="11" name="TextBox 10">
+            <a:extLst>
+              <a:ext uri="{FF2B5EF4-FFF2-40B4-BE49-F238E27FC236}">
+                <a16:creationId xmlns:a16="http://schemas.microsoft.com/office/drawing/2014/main" id="{8AA6C3F7-F0F6-24C6-A18D-FEBDC8387536}"/>
+              </a:ext>
+            </a:extLst>
+          </p:cNvPr>
+          <p:cNvSpPr txBox="1"/>
+          <p:nvPr/>
+        </p:nvSpPr>
+        <p:spPr>
+          <a:xfrm>
+            <a:off x="10874519" y="4461164"/>
+            <a:ext cx="877163" cy="369332"/>
+          </a:xfrm>
+          <a:prstGeom prst="rect">
+            <a:avLst/>
+          </a:prstGeom>
+          <a:noFill/>
+        </p:spPr>
+        <p:txBody>
+          <a:bodyPr wrap="none" rtlCol="0">
+            <a:spAutoFit/>
+          </a:bodyPr>
+          <a:lstStyle/>
+          <a:p>
+            <a:r>
+              <a:rPr lang="ko-KR" altLang="en-US" dirty="0"/>
+              <a:t>컨벤션</a:t>
+            </a:r>
+          </a:p>
+        </p:txBody>
+      </p:sp>
+      <p:cxnSp>
+        <p:nvCxnSpPr>
+          <p:cNvPr id="13" name="직선 화살표 연결선 12">
+            <a:extLst>
+              <a:ext uri="{FF2B5EF4-FFF2-40B4-BE49-F238E27FC236}">
+                <a16:creationId xmlns:a16="http://schemas.microsoft.com/office/drawing/2014/main" id="{2840F0F1-0593-7115-21F7-67CBA2843335}"/>
+              </a:ext>
+            </a:extLst>
+          </p:cNvPr>
+          <p:cNvCxnSpPr>
+            <a:cxnSpLocks/>
+            <a:stCxn id="11" idx="1"/>
+            <a:endCxn id="4" idx="3"/>
+          </p:cNvCxnSpPr>
+          <p:nvPr/>
+        </p:nvCxnSpPr>
+        <p:spPr>
+          <a:xfrm flipH="1" flipV="1">
+            <a:off x="5837167" y="4627357"/>
+            <a:ext cx="5037352" cy="18473"/>
+          </a:xfrm>
+          <a:prstGeom prst="straightConnector1">
+            <a:avLst/>
+          </a:prstGeom>
+          <a:ln>
+            <a:tailEnd type="triangle"/>
+          </a:ln>
+        </p:spPr>
+        <p:style>
+          <a:lnRef idx="1">
+            <a:schemeClr val="accent1"/>
+          </a:lnRef>
+          <a:fillRef idx="0">
+            <a:schemeClr val="accent1"/>
+          </a:fillRef>
+          <a:effectRef idx="0">
+            <a:schemeClr val="accent1"/>
+          </a:effectRef>
+          <a:fontRef idx="minor">
+            <a:schemeClr val="tx1"/>
+          </a:fontRef>
+        </p:style>
+      </p:cxnSp>
+      <p:cxnSp>
+        <p:nvCxnSpPr>
+          <p:cNvPr id="15" name="직선 화살표 연결선 14">
+            <a:extLst>
+              <a:ext uri="{FF2B5EF4-FFF2-40B4-BE49-F238E27FC236}">
+                <a16:creationId xmlns:a16="http://schemas.microsoft.com/office/drawing/2014/main" id="{AA7272E1-9464-374E-87DC-1FF37DF0A7DD}"/>
+              </a:ext>
+            </a:extLst>
+          </p:cNvPr>
+          <p:cNvCxnSpPr>
+            <a:stCxn id="11" idx="1"/>
+            <a:endCxn id="8" idx="3"/>
+          </p:cNvCxnSpPr>
+          <p:nvPr/>
+        </p:nvCxnSpPr>
+        <p:spPr>
+          <a:xfrm flipH="1">
+            <a:off x="10679198" y="4645830"/>
+            <a:ext cx="195321" cy="868218"/>
+          </a:xfrm>
+          <a:prstGeom prst="straightConnector1">
+            <a:avLst/>
+          </a:prstGeom>
+          <a:ln>
+            <a:tailEnd type="triangle"/>
+          </a:ln>
+        </p:spPr>
+        <p:style>
+          <a:lnRef idx="1">
+            <a:schemeClr val="accent1"/>
+          </a:lnRef>
+          <a:fillRef idx="0">
+            <a:schemeClr val="accent1"/>
+          </a:fillRef>
+          <a:effectRef idx="0">
+            <a:schemeClr val="accent1"/>
+          </a:effectRef>
+          <a:fontRef idx="minor">
+            <a:schemeClr val="tx1"/>
+          </a:fontRef>
+        </p:style>
+      </p:cxnSp>
     </p:spTree>
     <p:extLst>
       <p:ext uri="{BB962C8B-B14F-4D97-AF65-F5344CB8AC3E}">
         <p14:creationId xmlns:p14="http://schemas.microsoft.com/office/powerpoint/2010/main" val="214608870"/>
+      </p:ext>
+    </p:extLst>
+  </p:cSld>
+  <p:clrMapOvr>
+    <a:masterClrMapping/>
+  </p:clrMapOvr>
+</p:sld>
+</file>
+
+<file path=ppt/slides/slide7.xml><?xml version="1.0" encoding="utf-8"?>
+<p:sld xmlns:a="http://schemas.openxmlformats.org/drawingml/2006/main" xmlns:r="http://schemas.openxmlformats.org/officeDocument/2006/relationships" xmlns:p="http://schemas.openxmlformats.org/presentationml/2006/main">
+  <p:cSld>
+    <p:spTree>
+      <p:nvGrpSpPr>
+        <p:cNvPr id="1" name=""/>
+        <p:cNvGrpSpPr/>
+        <p:nvPr/>
+      </p:nvGrpSpPr>
+      <p:grpSpPr>
+        <a:xfrm>
+          <a:off x="0" y="0"/>
+          <a:ext cx="0" cy="0"/>
+          <a:chOff x="0" y="0"/>
+          <a:chExt cx="0" cy="0"/>
+        </a:xfrm>
+      </p:grpSpPr>
+      <p:pic>
+        <p:nvPicPr>
+          <p:cNvPr id="5" name="그림 4">
+            <a:extLst>
+              <a:ext uri="{FF2B5EF4-FFF2-40B4-BE49-F238E27FC236}">
+                <a16:creationId xmlns:a16="http://schemas.microsoft.com/office/drawing/2014/main" id="{438C9628-AFE3-321C-9CC3-E177F2445E05}"/>
+              </a:ext>
+            </a:extLst>
+          </p:cNvPr>
+          <p:cNvPicPr>
+            <a:picLocks noChangeAspect="1"/>
+          </p:cNvPicPr>
+          <p:nvPr/>
+        </p:nvPicPr>
+        <p:blipFill>
+          <a:blip r:embed="rId2"/>
+          <a:stretch>
+            <a:fillRect/>
+          </a:stretch>
+        </p:blipFill>
+        <p:spPr>
+          <a:xfrm>
+            <a:off x="147410" y="415499"/>
+            <a:ext cx="4677428" cy="2610214"/>
+          </a:xfrm>
+          <a:prstGeom prst="rect">
+            <a:avLst/>
+          </a:prstGeom>
+        </p:spPr>
+      </p:pic>
+      <p:sp>
+        <p:nvSpPr>
+          <p:cNvPr id="6" name="TextBox 5">
+            <a:extLst>
+              <a:ext uri="{FF2B5EF4-FFF2-40B4-BE49-F238E27FC236}">
+                <a16:creationId xmlns:a16="http://schemas.microsoft.com/office/drawing/2014/main" id="{E0C109F9-44B6-4CCA-F2D4-25C2A227A810}"/>
+              </a:ext>
+            </a:extLst>
+          </p:cNvPr>
+          <p:cNvSpPr txBox="1"/>
+          <p:nvPr/>
+        </p:nvSpPr>
+        <p:spPr>
+          <a:xfrm>
+            <a:off x="5125156" y="180622"/>
+            <a:ext cx="6253571" cy="1200329"/>
+          </a:xfrm>
+          <a:prstGeom prst="rect">
+            <a:avLst/>
+          </a:prstGeom>
+          <a:noFill/>
+        </p:spPr>
+        <p:txBody>
+          <a:bodyPr wrap="none" rtlCol="0">
+            <a:spAutoFit/>
+          </a:bodyPr>
+          <a:lstStyle/>
+          <a:p>
+            <a:r>
+              <a:rPr lang="en-US" altLang="ko-KR" dirty="0"/>
+              <a:t>Prom.xml</a:t>
+            </a:r>
+            <a:r>
+              <a:rPr lang="ko-KR" altLang="en-US" dirty="0"/>
+              <a:t>은 </a:t>
+            </a:r>
+            <a:r>
+              <a:rPr lang="ko-KR" altLang="en-US" dirty="0" err="1"/>
+              <a:t>메이븐의</a:t>
+            </a:r>
+            <a:r>
+              <a:rPr lang="ko-KR" altLang="en-US" dirty="0"/>
+              <a:t> 설정으로서 라이브러리 삽입을 위해</a:t>
+            </a:r>
+            <a:endParaRPr lang="en-US" altLang="ko-KR" dirty="0"/>
+          </a:p>
+          <a:p>
+            <a:r>
+              <a:rPr lang="en-US" altLang="ko-KR" dirty="0"/>
+              <a:t>Porm.xml</a:t>
+            </a:r>
+            <a:r>
+              <a:rPr lang="ko-KR" altLang="en-US" dirty="0"/>
+              <a:t>에 </a:t>
+            </a:r>
+            <a:r>
+              <a:rPr lang="en-US" altLang="ko-KR" dirty="0" err="1"/>
+              <a:t>dbcp</a:t>
+            </a:r>
+            <a:r>
+              <a:rPr lang="ko-KR" altLang="en-US" dirty="0"/>
+              <a:t>와 </a:t>
+            </a:r>
+            <a:r>
+              <a:rPr lang="en-US" altLang="ko-KR" dirty="0" err="1"/>
+              <a:t>jdbc</a:t>
+            </a:r>
+            <a:r>
+              <a:rPr lang="en-US" altLang="ko-KR" dirty="0"/>
+              <a:t> </a:t>
+            </a:r>
+            <a:r>
+              <a:rPr lang="ko-KR" altLang="en-US" dirty="0"/>
+              <a:t>입력 </a:t>
+            </a:r>
+            <a:r>
+              <a:rPr lang="en-US" altLang="ko-KR" dirty="0"/>
+              <a:t>&gt; dependency </a:t>
+            </a:r>
+            <a:r>
+              <a:rPr lang="ko-KR" altLang="en-US" dirty="0"/>
+              <a:t>내부에 넣음</a:t>
+            </a:r>
+            <a:r>
+              <a:rPr lang="en-US" altLang="ko-KR" dirty="0"/>
+              <a:t>.</a:t>
+            </a:r>
+          </a:p>
+          <a:p>
+            <a:endParaRPr lang="en-US" altLang="ko-KR" dirty="0"/>
+          </a:p>
+          <a:p>
+            <a:endParaRPr lang="ko-KR" altLang="en-US" dirty="0"/>
+          </a:p>
+        </p:txBody>
+      </p:sp>
+      <p:pic>
+        <p:nvPicPr>
+          <p:cNvPr id="8" name="그림 7">
+            <a:extLst>
+              <a:ext uri="{FF2B5EF4-FFF2-40B4-BE49-F238E27FC236}">
+                <a16:creationId xmlns:a16="http://schemas.microsoft.com/office/drawing/2014/main" id="{38D16498-5B26-5F91-9473-083AF73351E7}"/>
+              </a:ext>
+            </a:extLst>
+          </p:cNvPr>
+          <p:cNvPicPr>
+            <a:picLocks noChangeAspect="1"/>
+          </p:cNvPicPr>
+          <p:nvPr/>
+        </p:nvPicPr>
+        <p:blipFill>
+          <a:blip r:embed="rId3"/>
+          <a:stretch>
+            <a:fillRect/>
+          </a:stretch>
+        </p:blipFill>
+        <p:spPr>
+          <a:xfrm>
+            <a:off x="4924944" y="1120442"/>
+            <a:ext cx="3326997" cy="1200328"/>
+          </a:xfrm>
+          <a:prstGeom prst="rect">
+            <a:avLst/>
+          </a:prstGeom>
+        </p:spPr>
+      </p:pic>
+      <p:sp>
+        <p:nvSpPr>
+          <p:cNvPr id="9" name="TextBox 8">
+            <a:extLst>
+              <a:ext uri="{FF2B5EF4-FFF2-40B4-BE49-F238E27FC236}">
+                <a16:creationId xmlns:a16="http://schemas.microsoft.com/office/drawing/2014/main" id="{FE3C6D11-D6DC-E6BC-09B4-CB87CECD24D1}"/>
+              </a:ext>
+            </a:extLst>
+          </p:cNvPr>
+          <p:cNvSpPr txBox="1"/>
+          <p:nvPr/>
+        </p:nvSpPr>
+        <p:spPr>
+          <a:xfrm>
+            <a:off x="8383010" y="1120442"/>
+            <a:ext cx="3661580" cy="369332"/>
+          </a:xfrm>
+          <a:prstGeom prst="rect">
+            <a:avLst/>
+          </a:prstGeom>
+          <a:noFill/>
+        </p:spPr>
+        <p:txBody>
+          <a:bodyPr wrap="none" rtlCol="0">
+            <a:spAutoFit/>
+          </a:bodyPr>
+          <a:lstStyle/>
+          <a:p>
+            <a:r>
+              <a:rPr lang="ko-KR" altLang="en-US" dirty="0"/>
+              <a:t>관련 라이브러리를 모두 다운받음</a:t>
+            </a:r>
+          </a:p>
+        </p:txBody>
+      </p:sp>
+      <p:pic>
+        <p:nvPicPr>
+          <p:cNvPr id="10" name="그림 9">
+            <a:extLst>
+              <a:ext uri="{FF2B5EF4-FFF2-40B4-BE49-F238E27FC236}">
+                <a16:creationId xmlns:a16="http://schemas.microsoft.com/office/drawing/2014/main" id="{4E7EE94A-3A2D-F29A-999C-0DF9017115C2}"/>
+              </a:ext>
+            </a:extLst>
+          </p:cNvPr>
+          <p:cNvPicPr>
+            <a:picLocks noChangeAspect="1"/>
+          </p:cNvPicPr>
+          <p:nvPr/>
+        </p:nvPicPr>
+        <p:blipFill>
+          <a:blip r:embed="rId4"/>
+          <a:stretch>
+            <a:fillRect/>
+          </a:stretch>
+        </p:blipFill>
+        <p:spPr>
+          <a:xfrm>
+            <a:off x="361128" y="3304062"/>
+            <a:ext cx="2324546" cy="469990"/>
+          </a:xfrm>
+          <a:prstGeom prst="rect">
+            <a:avLst/>
+          </a:prstGeom>
+        </p:spPr>
+      </p:pic>
+      <p:pic>
+        <p:nvPicPr>
+          <p:cNvPr id="11" name="그림 10">
+            <a:extLst>
+              <a:ext uri="{FF2B5EF4-FFF2-40B4-BE49-F238E27FC236}">
+                <a16:creationId xmlns:a16="http://schemas.microsoft.com/office/drawing/2014/main" id="{A4F8977E-0D98-C321-897E-DEB84C02BC29}"/>
+              </a:ext>
+            </a:extLst>
+          </p:cNvPr>
+          <p:cNvPicPr>
+            <a:picLocks noChangeAspect="1"/>
+          </p:cNvPicPr>
+          <p:nvPr/>
+        </p:nvPicPr>
+        <p:blipFill>
+          <a:blip r:embed="rId5"/>
+          <a:stretch>
+            <a:fillRect/>
+          </a:stretch>
+        </p:blipFill>
+        <p:spPr>
+          <a:xfrm>
+            <a:off x="4046775" y="2759217"/>
+            <a:ext cx="8145225" cy="1275539"/>
+          </a:xfrm>
+          <a:prstGeom prst="rect">
+            <a:avLst/>
+          </a:prstGeom>
+        </p:spPr>
+      </p:pic>
+      <p:sp>
+        <p:nvSpPr>
+          <p:cNvPr id="12" name="TextBox 11">
+            <a:extLst>
+              <a:ext uri="{FF2B5EF4-FFF2-40B4-BE49-F238E27FC236}">
+                <a16:creationId xmlns:a16="http://schemas.microsoft.com/office/drawing/2014/main" id="{BD76A2DA-2A68-CD2F-0B90-3E605E20A46F}"/>
+              </a:ext>
+            </a:extLst>
+          </p:cNvPr>
+          <p:cNvSpPr txBox="1"/>
+          <p:nvPr/>
+        </p:nvSpPr>
+        <p:spPr>
+          <a:xfrm>
+            <a:off x="361128" y="4034756"/>
+            <a:ext cx="11469743" cy="2585323"/>
+          </a:xfrm>
+          <a:prstGeom prst="rect">
+            <a:avLst/>
+          </a:prstGeom>
+          <a:noFill/>
+        </p:spPr>
+        <p:txBody>
+          <a:bodyPr wrap="none" rtlCol="0">
+            <a:spAutoFit/>
+          </a:bodyPr>
+          <a:lstStyle/>
+          <a:p>
+            <a:r>
+              <a:rPr lang="en-US" altLang="ko-KR" dirty="0"/>
+              <a:t>Repositories </a:t>
+            </a:r>
+            <a:r>
+              <a:rPr lang="ko-KR" altLang="en-US" dirty="0"/>
+              <a:t>패키지 </a:t>
+            </a:r>
+            <a:r>
+              <a:rPr lang="en-US" altLang="ko-KR" dirty="0"/>
+              <a:t>DAO </a:t>
+            </a:r>
+            <a:r>
+              <a:rPr lang="ko-KR" altLang="en-US" dirty="0"/>
+              <a:t>생성 후</a:t>
+            </a:r>
+            <a:endParaRPr lang="en-US" altLang="ko-KR" dirty="0"/>
+          </a:p>
+          <a:p>
+            <a:r>
+              <a:rPr lang="en-US" altLang="ko-KR" sz="1800" dirty="0">
+                <a:solidFill>
+                  <a:srgbClr val="646464"/>
+                </a:solidFill>
+                <a:latin typeface="Consolas" panose="020B0609020204030204" pitchFamily="49" charset="0"/>
+              </a:rPr>
+              <a:t>@</a:t>
+            </a:r>
+            <a:r>
+              <a:rPr lang="ko-KR" altLang="en-US" sz="1800" dirty="0">
+                <a:solidFill>
+                  <a:srgbClr val="646464"/>
+                </a:solidFill>
+                <a:latin typeface="Consolas" panose="020B0609020204030204" pitchFamily="49" charset="0"/>
+              </a:rPr>
+              <a:t>상단에 </a:t>
+            </a:r>
+            <a:r>
+              <a:rPr lang="en-US" altLang="ko-KR" sz="1800" dirty="0">
+                <a:solidFill>
+                  <a:srgbClr val="646464"/>
+                </a:solidFill>
+                <a:latin typeface="Consolas" panose="020B0609020204030204" pitchFamily="49" charset="0"/>
+              </a:rPr>
+              <a:t>Repository</a:t>
+            </a:r>
+            <a:r>
+              <a:rPr lang="ko-KR" altLang="en-US" sz="1800" dirty="0">
+                <a:solidFill>
+                  <a:srgbClr val="646464"/>
+                </a:solidFill>
+                <a:latin typeface="Consolas" panose="020B0609020204030204" pitchFamily="49" charset="0"/>
+              </a:rPr>
+              <a:t>를 입력해 주어야</a:t>
+            </a:r>
+            <a:endParaRPr lang="en-US" altLang="ko-KR" sz="1800" dirty="0">
+              <a:solidFill>
+                <a:srgbClr val="646464"/>
+              </a:solidFill>
+              <a:latin typeface="Consolas" panose="020B0609020204030204" pitchFamily="49" charset="0"/>
+            </a:endParaRPr>
+          </a:p>
+          <a:p>
+            <a:r>
+              <a:rPr lang="ko-KR" altLang="en-US" dirty="0">
+                <a:solidFill>
+                  <a:srgbClr val="646464"/>
+                </a:solidFill>
+                <a:latin typeface="Consolas" panose="020B0609020204030204" pitchFamily="49" charset="0"/>
+              </a:rPr>
+              <a:t> </a:t>
+            </a:r>
+            <a:r>
+              <a:rPr lang="en-US" altLang="ko-KR" dirty="0">
+                <a:solidFill>
+                  <a:srgbClr val="646464"/>
+                </a:solidFill>
+                <a:latin typeface="Consolas" panose="020B0609020204030204" pitchFamily="49" charset="0"/>
+              </a:rPr>
+              <a:t>root-context</a:t>
+            </a:r>
+            <a:r>
+              <a:rPr lang="ko-KR" altLang="en-US" dirty="0">
+                <a:solidFill>
+                  <a:srgbClr val="646464"/>
+                </a:solidFill>
+                <a:latin typeface="Consolas" panose="020B0609020204030204" pitchFamily="49" charset="0"/>
+              </a:rPr>
+              <a:t>에서 </a:t>
+            </a:r>
+            <a:r>
+              <a:rPr lang="ko-KR" altLang="en-US" dirty="0" err="1">
+                <a:solidFill>
+                  <a:srgbClr val="646464"/>
+                </a:solidFill>
+                <a:latin typeface="Consolas" panose="020B0609020204030204" pitchFamily="49" charset="0"/>
+              </a:rPr>
+              <a:t>읽어들일</a:t>
+            </a:r>
+            <a:r>
+              <a:rPr lang="ko-KR" altLang="en-US" dirty="0">
+                <a:solidFill>
+                  <a:srgbClr val="646464"/>
+                </a:solidFill>
+                <a:latin typeface="Consolas" panose="020B0609020204030204" pitchFamily="49" charset="0"/>
+              </a:rPr>
+              <a:t> 수 있음</a:t>
+            </a:r>
+            <a:r>
+              <a:rPr lang="en-US" altLang="ko-KR" dirty="0">
+                <a:solidFill>
+                  <a:srgbClr val="646464"/>
+                </a:solidFill>
+                <a:latin typeface="Consolas" panose="020B0609020204030204" pitchFamily="49" charset="0"/>
+              </a:rPr>
+              <a:t>.</a:t>
+            </a:r>
+            <a:endParaRPr lang="en-US" altLang="ko-KR" sz="1800" dirty="0">
+              <a:solidFill>
+                <a:srgbClr val="646464"/>
+              </a:solidFill>
+              <a:latin typeface="Consolas" panose="020B0609020204030204" pitchFamily="49" charset="0"/>
+            </a:endParaRPr>
+          </a:p>
+          <a:p>
+            <a:r>
+              <a:rPr lang="en-US" altLang="ko-KR" dirty="0" err="1"/>
+              <a:t>rootcontext</a:t>
+            </a:r>
+            <a:r>
+              <a:rPr lang="ko-KR" altLang="en-US" dirty="0"/>
+              <a:t>에 </a:t>
+            </a:r>
+            <a:r>
+              <a:rPr lang="en-US" altLang="ko-KR" dirty="0" err="1"/>
+              <a:t>dbcp</a:t>
+            </a:r>
+            <a:r>
+              <a:rPr lang="en-US" altLang="ko-KR" dirty="0"/>
+              <a:t> bean</a:t>
+            </a:r>
+            <a:r>
+              <a:rPr lang="ko-KR" altLang="en-US" dirty="0"/>
+              <a:t>태그 생성</a:t>
+            </a:r>
+            <a:endParaRPr lang="en-US" altLang="ko-KR" dirty="0"/>
+          </a:p>
+          <a:p>
+            <a:endParaRPr lang="en-US" altLang="ko-KR" dirty="0"/>
+          </a:p>
+          <a:p>
+            <a:r>
+              <a:rPr lang="ko-KR" altLang="en-US" dirty="0"/>
+              <a:t>서버가 실행되면 </a:t>
+            </a:r>
+            <a:r>
+              <a:rPr lang="en-US" altLang="ko-KR" dirty="0"/>
+              <a:t>web.xml</a:t>
+            </a:r>
+            <a:r>
+              <a:rPr lang="ko-KR" altLang="en-US" dirty="0"/>
+              <a:t>을 읽은 후 </a:t>
+            </a:r>
+            <a:r>
+              <a:rPr lang="en-US" altLang="ko-KR" dirty="0" err="1"/>
+              <a:t>contextloaderlistener</a:t>
+            </a:r>
+            <a:r>
+              <a:rPr lang="ko-KR" altLang="en-US" dirty="0"/>
+              <a:t>가 </a:t>
+            </a:r>
+            <a:r>
+              <a:rPr lang="en-US" altLang="ko-KR" dirty="0"/>
+              <a:t>root-</a:t>
+            </a:r>
+            <a:r>
+              <a:rPr lang="en-US" altLang="ko-KR" dirty="0" err="1"/>
+              <a:t>contexct</a:t>
+            </a:r>
+            <a:r>
+              <a:rPr lang="ko-KR" altLang="en-US" dirty="0"/>
+              <a:t>를 읽기 때문에 </a:t>
+            </a:r>
+            <a:endParaRPr lang="en-US" altLang="ko-KR" dirty="0"/>
+          </a:p>
+          <a:p>
+            <a:r>
+              <a:rPr lang="en-US" altLang="ko-KR" dirty="0" err="1"/>
+              <a:t>dbcp</a:t>
+            </a:r>
+            <a:r>
+              <a:rPr lang="ko-KR" altLang="en-US" dirty="0"/>
+              <a:t>를 해당 위치에 입력하여 적용하게 함</a:t>
+            </a:r>
+            <a:r>
+              <a:rPr lang="en-US" altLang="ko-KR" dirty="0"/>
+              <a:t>.</a:t>
+            </a:r>
+          </a:p>
+          <a:p>
+            <a:r>
+              <a:rPr lang="en-US" altLang="ko-KR" dirty="0"/>
+              <a:t>&gt;Bean</a:t>
+            </a:r>
+            <a:r>
+              <a:rPr lang="ko-KR" altLang="en-US" dirty="0"/>
+              <a:t>태그를 직접 로드 한 것이 아닌 서버가 로드 한 것으로서 이후 </a:t>
+            </a:r>
+            <a:r>
+              <a:rPr lang="en-US" altLang="ko-KR" dirty="0"/>
+              <a:t>controller </a:t>
+            </a:r>
+            <a:r>
+              <a:rPr lang="ko-KR" altLang="en-US" dirty="0"/>
+              <a:t>등에서 주소를 모르기 때문에 </a:t>
+            </a:r>
+            <a:endParaRPr lang="en-US" altLang="ko-KR" dirty="0"/>
+          </a:p>
+          <a:p>
+            <a:r>
+              <a:rPr lang="ko-KR" altLang="en-US" dirty="0"/>
+              <a:t>호출 불가능 </a:t>
+            </a:r>
+            <a:r>
+              <a:rPr lang="en-US" altLang="ko-KR" dirty="0"/>
+              <a:t>(</a:t>
+            </a:r>
+            <a:r>
+              <a:rPr lang="en-US" altLang="ko-KR" dirty="0" err="1"/>
+              <a:t>getBean</a:t>
+            </a:r>
+            <a:r>
+              <a:rPr lang="en-US" altLang="ko-KR" dirty="0"/>
+              <a:t> </a:t>
+            </a:r>
+            <a:r>
+              <a:rPr lang="ko-KR" altLang="en-US" dirty="0"/>
+              <a:t>불가능</a:t>
+            </a:r>
+            <a:r>
+              <a:rPr lang="en-US" altLang="ko-KR" dirty="0"/>
+              <a:t>)&gt; </a:t>
+            </a:r>
+            <a:r>
+              <a:rPr lang="ko-KR" altLang="en-US" dirty="0"/>
+              <a:t>이후 </a:t>
+            </a:r>
+            <a:r>
+              <a:rPr lang="ko-KR" altLang="en-US" dirty="0" err="1"/>
+              <a:t>어노테이션으로</a:t>
+            </a:r>
+            <a:r>
+              <a:rPr lang="ko-KR" altLang="en-US" dirty="0"/>
+              <a:t> 해결</a:t>
+            </a:r>
+            <a:r>
+              <a:rPr lang="en-US" altLang="ko-KR" dirty="0"/>
+              <a:t> </a:t>
+            </a:r>
+            <a:r>
+              <a:rPr lang="ko-KR" altLang="en-US" dirty="0"/>
+              <a:t> </a:t>
+            </a:r>
+          </a:p>
+        </p:txBody>
+      </p:sp>
+    </p:spTree>
+    <p:extLst>
+      <p:ext uri="{BB962C8B-B14F-4D97-AF65-F5344CB8AC3E}">
+        <p14:creationId xmlns:p14="http://schemas.microsoft.com/office/powerpoint/2010/main" val="3813634738"/>
+      </p:ext>
+    </p:extLst>
+  </p:cSld>
+  <p:clrMapOvr>
+    <a:masterClrMapping/>
+  </p:clrMapOvr>
+</p:sld>
+</file>
+
+<file path=ppt/slides/slide8.xml><?xml version="1.0" encoding="utf-8"?>
+<p:sld xmlns:a="http://schemas.openxmlformats.org/drawingml/2006/main" xmlns:r="http://schemas.openxmlformats.org/officeDocument/2006/relationships" xmlns:p="http://schemas.openxmlformats.org/presentationml/2006/main">
+  <p:cSld>
+    <p:spTree>
+      <p:nvGrpSpPr>
+        <p:cNvPr id="1" name=""/>
+        <p:cNvGrpSpPr/>
+        <p:nvPr/>
+      </p:nvGrpSpPr>
+      <p:grpSpPr>
+        <a:xfrm>
+          <a:off x="0" y="0"/>
+          <a:ext cx="0" cy="0"/>
+          <a:chOff x="0" y="0"/>
+          <a:chExt cx="0" cy="0"/>
+        </a:xfrm>
+      </p:grpSpPr>
+      <p:pic>
+        <p:nvPicPr>
+          <p:cNvPr id="5" name="그림 4">
+            <a:extLst>
+              <a:ext uri="{FF2B5EF4-FFF2-40B4-BE49-F238E27FC236}">
+                <a16:creationId xmlns:a16="http://schemas.microsoft.com/office/drawing/2014/main" id="{D6883E7C-7AF0-82CC-B9AE-34F4EFE198C6}"/>
+              </a:ext>
+            </a:extLst>
+          </p:cNvPr>
+          <p:cNvPicPr>
+            <a:picLocks noChangeAspect="1"/>
+          </p:cNvPicPr>
+          <p:nvPr/>
+        </p:nvPicPr>
+        <p:blipFill>
+          <a:blip r:embed="rId2"/>
+          <a:stretch>
+            <a:fillRect/>
+          </a:stretch>
+        </p:blipFill>
+        <p:spPr>
+          <a:xfrm>
+            <a:off x="0" y="0"/>
+            <a:ext cx="6296904" cy="390580"/>
+          </a:xfrm>
+          <a:prstGeom prst="rect">
+            <a:avLst/>
+          </a:prstGeom>
+        </p:spPr>
+      </p:pic>
+      <p:pic>
+        <p:nvPicPr>
+          <p:cNvPr id="7" name="그림 6">
+            <a:extLst>
+              <a:ext uri="{FF2B5EF4-FFF2-40B4-BE49-F238E27FC236}">
+                <a16:creationId xmlns:a16="http://schemas.microsoft.com/office/drawing/2014/main" id="{0C1C2B8D-387F-9C07-448E-AD2464345938}"/>
+              </a:ext>
+            </a:extLst>
+          </p:cNvPr>
+          <p:cNvPicPr>
+            <a:picLocks noChangeAspect="1"/>
+          </p:cNvPicPr>
+          <p:nvPr/>
+        </p:nvPicPr>
+        <p:blipFill>
+          <a:blip r:embed="rId3"/>
+          <a:stretch>
+            <a:fillRect/>
+          </a:stretch>
+        </p:blipFill>
+        <p:spPr>
+          <a:xfrm>
+            <a:off x="385014" y="811803"/>
+            <a:ext cx="6696364" cy="267855"/>
+          </a:xfrm>
+          <a:prstGeom prst="rect">
+            <a:avLst/>
+          </a:prstGeom>
+        </p:spPr>
+      </p:pic>
+      <p:sp>
+        <p:nvSpPr>
+          <p:cNvPr id="8" name="TextBox 7">
+            <a:extLst>
+              <a:ext uri="{FF2B5EF4-FFF2-40B4-BE49-F238E27FC236}">
+                <a16:creationId xmlns:a16="http://schemas.microsoft.com/office/drawing/2014/main" id="{EA53D6E4-5663-99FE-4B02-D400CD63958A}"/>
+              </a:ext>
+            </a:extLst>
+          </p:cNvPr>
+          <p:cNvSpPr txBox="1"/>
+          <p:nvPr/>
+        </p:nvSpPr>
+        <p:spPr>
+          <a:xfrm>
+            <a:off x="424255" y="390580"/>
+            <a:ext cx="5671745" cy="369332"/>
+          </a:xfrm>
+          <a:prstGeom prst="rect">
+            <a:avLst/>
+          </a:prstGeom>
+          <a:noFill/>
+        </p:spPr>
+        <p:txBody>
+          <a:bodyPr wrap="none" rtlCol="0">
+            <a:spAutoFit/>
+          </a:bodyPr>
+          <a:lstStyle/>
+          <a:p>
+            <a:r>
+              <a:rPr lang="ko-KR" altLang="en-US" dirty="0"/>
+              <a:t>두번째 스프링 컨테이넌 인스턴스가 생성되면서 스캔</a:t>
+            </a:r>
+          </a:p>
+        </p:txBody>
+      </p:sp>
+      <p:pic>
+        <p:nvPicPr>
+          <p:cNvPr id="10" name="그림 9">
+            <a:extLst>
+              <a:ext uri="{FF2B5EF4-FFF2-40B4-BE49-F238E27FC236}">
+                <a16:creationId xmlns:a16="http://schemas.microsoft.com/office/drawing/2014/main" id="{81141707-C1E8-4B62-9006-3D57BC3F6D84}"/>
+              </a:ext>
+            </a:extLst>
+          </p:cNvPr>
+          <p:cNvPicPr>
+            <a:picLocks noChangeAspect="1"/>
+          </p:cNvPicPr>
+          <p:nvPr/>
+        </p:nvPicPr>
+        <p:blipFill>
+          <a:blip r:embed="rId4"/>
+          <a:stretch>
+            <a:fillRect/>
+          </a:stretch>
+        </p:blipFill>
+        <p:spPr>
+          <a:xfrm>
+            <a:off x="5723632" y="1133046"/>
+            <a:ext cx="5020376" cy="352474"/>
+          </a:xfrm>
+          <a:prstGeom prst="rect">
+            <a:avLst/>
+          </a:prstGeom>
+        </p:spPr>
+      </p:pic>
+      <p:sp>
+        <p:nvSpPr>
+          <p:cNvPr id="11" name="TextBox 10">
+            <a:extLst>
+              <a:ext uri="{FF2B5EF4-FFF2-40B4-BE49-F238E27FC236}">
+                <a16:creationId xmlns:a16="http://schemas.microsoft.com/office/drawing/2014/main" id="{027B7045-7C8E-93BF-646A-24A9AA87FE6E}"/>
+              </a:ext>
+            </a:extLst>
+          </p:cNvPr>
+          <p:cNvSpPr txBox="1"/>
+          <p:nvPr/>
+        </p:nvSpPr>
+        <p:spPr>
+          <a:xfrm>
+            <a:off x="385014" y="1111900"/>
+            <a:ext cx="5210081" cy="369332"/>
+          </a:xfrm>
+          <a:prstGeom prst="rect">
+            <a:avLst/>
+          </a:prstGeom>
+          <a:noFill/>
+        </p:spPr>
+        <p:txBody>
+          <a:bodyPr wrap="none" rtlCol="0">
+            <a:spAutoFit/>
+          </a:bodyPr>
+          <a:lstStyle/>
+          <a:p>
+            <a:r>
+              <a:rPr lang="ko-KR" altLang="en-US" dirty="0"/>
+              <a:t>컨트롤러만 </a:t>
+            </a:r>
+            <a:r>
+              <a:rPr lang="ko-KR" altLang="en-US" dirty="0" err="1"/>
+              <a:t>스캔되는</a:t>
+            </a:r>
+            <a:r>
+              <a:rPr lang="ko-KR" altLang="en-US" dirty="0"/>
+              <a:t> 설정을 전체 스캔으로 변경</a:t>
+            </a:r>
+          </a:p>
+        </p:txBody>
+      </p:sp>
+      <p:pic>
+        <p:nvPicPr>
+          <p:cNvPr id="13" name="그림 12">
+            <a:extLst>
+              <a:ext uri="{FF2B5EF4-FFF2-40B4-BE49-F238E27FC236}">
+                <a16:creationId xmlns:a16="http://schemas.microsoft.com/office/drawing/2014/main" id="{BDD6A1C0-E4C1-8745-7367-DED696B91B55}"/>
+              </a:ext>
+            </a:extLst>
+          </p:cNvPr>
+          <p:cNvPicPr>
+            <a:picLocks noChangeAspect="1"/>
+          </p:cNvPicPr>
+          <p:nvPr/>
+        </p:nvPicPr>
+        <p:blipFill>
+          <a:blip r:embed="rId5"/>
+          <a:stretch>
+            <a:fillRect/>
+          </a:stretch>
+        </p:blipFill>
+        <p:spPr>
+          <a:xfrm>
+            <a:off x="34650" y="1567239"/>
+            <a:ext cx="1638529" cy="1057423"/>
+          </a:xfrm>
+          <a:prstGeom prst="rect">
+            <a:avLst/>
+          </a:prstGeom>
+        </p:spPr>
+      </p:pic>
+      <p:sp>
+        <p:nvSpPr>
+          <p:cNvPr id="14" name="TextBox 13">
+            <a:extLst>
+              <a:ext uri="{FF2B5EF4-FFF2-40B4-BE49-F238E27FC236}">
+                <a16:creationId xmlns:a16="http://schemas.microsoft.com/office/drawing/2014/main" id="{A9EF6542-F32D-0557-2025-EB9090CA9D70}"/>
+              </a:ext>
+            </a:extLst>
+          </p:cNvPr>
+          <p:cNvSpPr txBox="1"/>
+          <p:nvPr/>
+        </p:nvSpPr>
+        <p:spPr>
+          <a:xfrm>
+            <a:off x="1928104" y="1829344"/>
+            <a:ext cx="8744702" cy="646331"/>
+          </a:xfrm>
+          <a:prstGeom prst="rect">
+            <a:avLst/>
+          </a:prstGeom>
+          <a:noFill/>
+        </p:spPr>
+        <p:txBody>
+          <a:bodyPr wrap="none" rtlCol="0">
+            <a:spAutoFit/>
+          </a:bodyPr>
+          <a:lstStyle/>
+          <a:p>
+            <a:r>
+              <a:rPr lang="en-US" altLang="ko-KR" dirty="0"/>
+              <a:t>S </a:t>
+            </a:r>
+            <a:r>
+              <a:rPr lang="ko-KR" altLang="en-US" dirty="0"/>
+              <a:t>가 생성된 경우는 스프링 컨테이너 인스턴스로 인해 인스턴스가 생성 </a:t>
+            </a:r>
+            <a:r>
+              <a:rPr lang="ko-KR" altLang="en-US" dirty="0" err="1"/>
+              <a:t>됬음을</a:t>
+            </a:r>
+            <a:r>
+              <a:rPr lang="ko-KR" altLang="en-US" dirty="0"/>
+              <a:t> 명시</a:t>
+            </a:r>
+            <a:endParaRPr lang="en-US" altLang="ko-KR" dirty="0"/>
+          </a:p>
+          <a:p>
+            <a:r>
+              <a:rPr lang="ko-KR" altLang="en-US" dirty="0"/>
+              <a:t>그러나 뜨지 않은 경우 에러 또는 잘못 설정한 경우로서 확인이 필요함</a:t>
+            </a:r>
+          </a:p>
+        </p:txBody>
+      </p:sp>
+      <p:sp>
+        <p:nvSpPr>
+          <p:cNvPr id="15" name="TextBox 14">
+            <a:extLst>
+              <a:ext uri="{FF2B5EF4-FFF2-40B4-BE49-F238E27FC236}">
+                <a16:creationId xmlns:a16="http://schemas.microsoft.com/office/drawing/2014/main" id="{54330D5C-B6C6-4900-87FF-E9902983ADB1}"/>
+              </a:ext>
+            </a:extLst>
+          </p:cNvPr>
+          <p:cNvSpPr txBox="1"/>
+          <p:nvPr/>
+        </p:nvSpPr>
+        <p:spPr>
+          <a:xfrm>
+            <a:off x="110038" y="5292453"/>
+            <a:ext cx="12081962" cy="1477328"/>
+          </a:xfrm>
+          <a:prstGeom prst="rect">
+            <a:avLst/>
+          </a:prstGeom>
+          <a:noFill/>
+        </p:spPr>
+        <p:txBody>
+          <a:bodyPr wrap="none" rtlCol="0">
+            <a:spAutoFit/>
+          </a:bodyPr>
+          <a:lstStyle/>
+          <a:p>
+            <a:r>
+              <a:rPr lang="ko-KR" altLang="en-US" dirty="0"/>
+              <a:t>컨트롤러에 </a:t>
+            </a:r>
+            <a:r>
+              <a:rPr lang="en-US" altLang="ko-KR" dirty="0"/>
+              <a:t>DAO</a:t>
+            </a:r>
+            <a:r>
+              <a:rPr lang="ko-KR" altLang="en-US" dirty="0"/>
+              <a:t>를 사용하기 위해서는</a:t>
+            </a:r>
+            <a:endParaRPr lang="en-US" altLang="ko-KR" dirty="0"/>
+          </a:p>
+          <a:p>
+            <a:r>
+              <a:rPr lang="en-US" altLang="ko-KR" dirty="0" err="1"/>
+              <a:t>getBean</a:t>
+            </a:r>
+            <a:r>
+              <a:rPr lang="ko-KR" altLang="en-US" dirty="0"/>
+              <a:t>을 통한 </a:t>
+            </a:r>
+            <a:r>
+              <a:rPr lang="en-US" altLang="ko-KR" dirty="0"/>
+              <a:t>DL </a:t>
+            </a:r>
+            <a:r>
+              <a:rPr lang="ko-KR" altLang="en-US" dirty="0"/>
+              <a:t>이 불가능하기 때문에 컨트롤러에 매개변수단에 </a:t>
+            </a:r>
+            <a:r>
+              <a:rPr lang="en-US" altLang="ko-KR" dirty="0"/>
+              <a:t>DAO </a:t>
+            </a:r>
+            <a:r>
+              <a:rPr lang="ko-KR" altLang="en-US" dirty="0"/>
+              <a:t>인스턴스를 생성 </a:t>
+            </a:r>
+            <a:r>
+              <a:rPr lang="en-US" altLang="ko-KR" dirty="0"/>
+              <a:t>(new</a:t>
+            </a:r>
+            <a:r>
+              <a:rPr lang="ko-KR" altLang="en-US" dirty="0"/>
+              <a:t> </a:t>
+            </a:r>
+            <a:r>
+              <a:rPr lang="en-US" altLang="ko-KR" dirty="0"/>
+              <a:t>DAO</a:t>
+            </a:r>
+            <a:r>
+              <a:rPr lang="ko-KR" altLang="en-US" dirty="0"/>
+              <a:t>한 것과 동일</a:t>
+            </a:r>
+            <a:r>
+              <a:rPr lang="en-US" altLang="ko-KR" dirty="0"/>
+              <a:t>)</a:t>
+            </a:r>
+          </a:p>
+          <a:p>
+            <a:pPr marL="285750" indent="-285750">
+              <a:buFont typeface="Wingdings" panose="05000000000000000000" pitchFamily="2" charset="2"/>
+              <a:buChar char="Ø"/>
+            </a:pPr>
+            <a:r>
+              <a:rPr lang="en-US" altLang="ko-KR" dirty="0" err="1"/>
+              <a:t>Autowired</a:t>
+            </a:r>
+            <a:r>
+              <a:rPr lang="en-US" altLang="ko-KR" dirty="0"/>
+              <a:t> </a:t>
+            </a:r>
+            <a:r>
+              <a:rPr lang="ko-KR" altLang="en-US" dirty="0" err="1"/>
+              <a:t>어노테이션으로</a:t>
+            </a:r>
+            <a:r>
+              <a:rPr lang="ko-KR" altLang="en-US" dirty="0"/>
+              <a:t> 삽입 </a:t>
+            </a:r>
+            <a:r>
+              <a:rPr lang="en-US" altLang="ko-KR" dirty="0"/>
+              <a:t>(</a:t>
+            </a:r>
+            <a:r>
+              <a:rPr lang="ko-KR" altLang="en-US" dirty="0"/>
+              <a:t>의존성 주입</a:t>
+            </a:r>
+            <a:r>
+              <a:rPr lang="en-US" altLang="ko-KR" dirty="0"/>
+              <a:t>)/ </a:t>
+            </a:r>
+            <a:r>
+              <a:rPr lang="en-US" altLang="ko-KR" dirty="0" err="1"/>
+              <a:t>Autowired</a:t>
+            </a:r>
+            <a:r>
+              <a:rPr lang="ko-KR" altLang="en-US" dirty="0"/>
+              <a:t>는 한번에 하나씩 밖에 사용이 불가능</a:t>
+            </a:r>
+            <a:endParaRPr lang="en-US" altLang="ko-KR" dirty="0"/>
+          </a:p>
+          <a:p>
+            <a:pPr marL="285750" indent="-285750">
+              <a:buFont typeface="Wingdings" panose="05000000000000000000" pitchFamily="2" charset="2"/>
+              <a:buChar char="Ø"/>
+            </a:pPr>
+            <a:r>
+              <a:rPr lang="ko-KR" altLang="en-US" dirty="0"/>
+              <a:t>외부에서 가져온 라이브러리는 </a:t>
+            </a:r>
+            <a:r>
+              <a:rPr lang="ko-KR" altLang="en-US" dirty="0" err="1"/>
+              <a:t>어노테이션을</a:t>
+            </a:r>
+            <a:r>
+              <a:rPr lang="ko-KR" altLang="en-US" dirty="0"/>
+              <a:t> 적용할 수 없어 </a:t>
+            </a:r>
+            <a:r>
+              <a:rPr lang="en-US" altLang="ko-KR" dirty="0" err="1"/>
+              <a:t>Datasource</a:t>
+            </a:r>
+            <a:r>
+              <a:rPr lang="ko-KR" altLang="en-US" dirty="0"/>
+              <a:t>는 </a:t>
+            </a:r>
+            <a:r>
+              <a:rPr lang="en-US" altLang="ko-KR" dirty="0" err="1"/>
+              <a:t>rootcontext</a:t>
+            </a:r>
+            <a:r>
+              <a:rPr lang="ko-KR" altLang="en-US" dirty="0"/>
+              <a:t>에 작성하여 불러옴</a:t>
+            </a:r>
+            <a:r>
+              <a:rPr lang="en-US" altLang="ko-KR" dirty="0"/>
+              <a:t>.</a:t>
+            </a:r>
+          </a:p>
+          <a:p>
+            <a:pPr marL="285750" indent="-285750">
+              <a:buFont typeface="Wingdings" panose="05000000000000000000" pitchFamily="2" charset="2"/>
+              <a:buChar char="Ø"/>
+            </a:pPr>
+            <a:r>
+              <a:rPr lang="en-US" altLang="ko-KR" dirty="0" err="1"/>
+              <a:t>Autowired</a:t>
+            </a:r>
+            <a:r>
+              <a:rPr lang="ko-KR" altLang="en-US" dirty="0"/>
+              <a:t>는 스프링컨테이너가 가지고 있는 인스턴스는 모두 적용 가능</a:t>
+            </a:r>
+          </a:p>
+        </p:txBody>
+      </p:sp>
+      <p:pic>
+        <p:nvPicPr>
+          <p:cNvPr id="17" name="그림 16">
+            <a:extLst>
+              <a:ext uri="{FF2B5EF4-FFF2-40B4-BE49-F238E27FC236}">
+                <a16:creationId xmlns:a16="http://schemas.microsoft.com/office/drawing/2014/main" id="{23AD1D62-7E4E-DFCA-FB08-4DFB3F4BC648}"/>
+              </a:ext>
+            </a:extLst>
+          </p:cNvPr>
+          <p:cNvPicPr>
+            <a:picLocks noChangeAspect="1"/>
+          </p:cNvPicPr>
+          <p:nvPr/>
+        </p:nvPicPr>
+        <p:blipFill>
+          <a:blip r:embed="rId6"/>
+          <a:stretch>
+            <a:fillRect/>
+          </a:stretch>
+        </p:blipFill>
+        <p:spPr>
+          <a:xfrm>
+            <a:off x="0" y="2910838"/>
+            <a:ext cx="2915057" cy="1105054"/>
+          </a:xfrm>
+          <a:prstGeom prst="rect">
+            <a:avLst/>
+          </a:prstGeom>
+        </p:spPr>
+      </p:pic>
+      <p:sp>
+        <p:nvSpPr>
+          <p:cNvPr id="23" name="TextBox 22">
+            <a:extLst>
+              <a:ext uri="{FF2B5EF4-FFF2-40B4-BE49-F238E27FC236}">
+                <a16:creationId xmlns:a16="http://schemas.microsoft.com/office/drawing/2014/main" id="{4FA1AAD0-4590-16E6-3766-40315397243F}"/>
+              </a:ext>
+            </a:extLst>
+          </p:cNvPr>
+          <p:cNvSpPr txBox="1"/>
+          <p:nvPr/>
+        </p:nvSpPr>
+        <p:spPr>
+          <a:xfrm>
+            <a:off x="3493892" y="2909746"/>
+            <a:ext cx="7526548" cy="369332"/>
+          </a:xfrm>
+          <a:prstGeom prst="rect">
+            <a:avLst/>
+          </a:prstGeom>
+          <a:noFill/>
+        </p:spPr>
+        <p:txBody>
+          <a:bodyPr wrap="none" rtlCol="0">
+            <a:spAutoFit/>
+          </a:bodyPr>
+          <a:lstStyle/>
+          <a:p>
+            <a:r>
+              <a:rPr lang="en-US" altLang="ko-KR" dirty="0"/>
+              <a:t>Root context</a:t>
+            </a:r>
+            <a:r>
+              <a:rPr lang="ko-KR" altLang="en-US" dirty="0"/>
+              <a:t>와 </a:t>
+            </a:r>
+            <a:r>
+              <a:rPr lang="en-US" altLang="ko-KR" dirty="0"/>
+              <a:t>servlet context</a:t>
+            </a:r>
+            <a:r>
+              <a:rPr lang="ko-KR" altLang="en-US" dirty="0"/>
+              <a:t>를 </a:t>
+            </a:r>
+            <a:r>
+              <a:rPr lang="ko-KR" altLang="en-US" dirty="0" err="1"/>
+              <a:t>나누어주기</a:t>
+            </a:r>
+            <a:r>
+              <a:rPr lang="ko-KR" altLang="en-US" dirty="0"/>
+              <a:t> 위해서 </a:t>
+            </a:r>
+            <a:r>
+              <a:rPr lang="en-US" altLang="ko-KR" dirty="0"/>
+              <a:t>root context</a:t>
+            </a:r>
+            <a:r>
+              <a:rPr lang="ko-KR" altLang="en-US" dirty="0"/>
+              <a:t>에는 </a:t>
+            </a:r>
+          </a:p>
+        </p:txBody>
+      </p:sp>
+      <p:pic>
+        <p:nvPicPr>
+          <p:cNvPr id="25" name="그림 24">
+            <a:extLst>
+              <a:ext uri="{FF2B5EF4-FFF2-40B4-BE49-F238E27FC236}">
+                <a16:creationId xmlns:a16="http://schemas.microsoft.com/office/drawing/2014/main" id="{8C4A34C7-4D6B-601A-4490-E5B85400B4B7}"/>
+              </a:ext>
+            </a:extLst>
+          </p:cNvPr>
+          <p:cNvPicPr>
+            <a:picLocks noChangeAspect="1"/>
+          </p:cNvPicPr>
+          <p:nvPr/>
+        </p:nvPicPr>
+        <p:blipFill>
+          <a:blip r:embed="rId7"/>
+          <a:stretch>
+            <a:fillRect/>
+          </a:stretch>
+        </p:blipFill>
+        <p:spPr>
+          <a:xfrm>
+            <a:off x="2990054" y="3219842"/>
+            <a:ext cx="8640381" cy="333422"/>
+          </a:xfrm>
+          <a:prstGeom prst="rect">
+            <a:avLst/>
+          </a:prstGeom>
+        </p:spPr>
+      </p:pic>
+      <p:sp>
+        <p:nvSpPr>
+          <p:cNvPr id="26" name="TextBox 25">
+            <a:extLst>
+              <a:ext uri="{FF2B5EF4-FFF2-40B4-BE49-F238E27FC236}">
+                <a16:creationId xmlns:a16="http://schemas.microsoft.com/office/drawing/2014/main" id="{31677327-19C3-596F-33E1-452BAB83760F}"/>
+              </a:ext>
+            </a:extLst>
+          </p:cNvPr>
+          <p:cNvSpPr txBox="1"/>
+          <p:nvPr/>
+        </p:nvSpPr>
+        <p:spPr>
+          <a:xfrm>
+            <a:off x="3493892" y="3494028"/>
+            <a:ext cx="2347181" cy="369332"/>
+          </a:xfrm>
+          <a:prstGeom prst="rect">
+            <a:avLst/>
+          </a:prstGeom>
+          <a:noFill/>
+        </p:spPr>
+        <p:txBody>
+          <a:bodyPr wrap="none" rtlCol="0">
+            <a:spAutoFit/>
+          </a:bodyPr>
+          <a:lstStyle/>
+          <a:p>
+            <a:r>
+              <a:rPr lang="en-US" altLang="ko-KR" dirty="0"/>
+              <a:t>servlet context </a:t>
+            </a:r>
+            <a:r>
+              <a:rPr lang="ko-KR" altLang="en-US" dirty="0"/>
+              <a:t>에는 </a:t>
+            </a:r>
+          </a:p>
+        </p:txBody>
+      </p:sp>
+      <p:pic>
+        <p:nvPicPr>
+          <p:cNvPr id="28" name="그림 27">
+            <a:extLst>
+              <a:ext uri="{FF2B5EF4-FFF2-40B4-BE49-F238E27FC236}">
+                <a16:creationId xmlns:a16="http://schemas.microsoft.com/office/drawing/2014/main" id="{9DAF8DE4-C790-F6A2-9CC7-D2C849E015D0}"/>
+              </a:ext>
+            </a:extLst>
+          </p:cNvPr>
+          <p:cNvPicPr>
+            <a:picLocks noChangeAspect="1"/>
+          </p:cNvPicPr>
+          <p:nvPr/>
+        </p:nvPicPr>
+        <p:blipFill>
+          <a:blip r:embed="rId8"/>
+          <a:stretch>
+            <a:fillRect/>
+          </a:stretch>
+        </p:blipFill>
+        <p:spPr>
+          <a:xfrm>
+            <a:off x="5841073" y="3559615"/>
+            <a:ext cx="6096851" cy="238158"/>
+          </a:xfrm>
+          <a:prstGeom prst="rect">
+            <a:avLst/>
+          </a:prstGeom>
+        </p:spPr>
+      </p:pic>
+      <p:sp>
+        <p:nvSpPr>
+          <p:cNvPr id="29" name="TextBox 28">
+            <a:extLst>
+              <a:ext uri="{FF2B5EF4-FFF2-40B4-BE49-F238E27FC236}">
+                <a16:creationId xmlns:a16="http://schemas.microsoft.com/office/drawing/2014/main" id="{E9939EC3-2E1E-8337-6424-8997C880041D}"/>
+              </a:ext>
+            </a:extLst>
+          </p:cNvPr>
+          <p:cNvSpPr txBox="1"/>
+          <p:nvPr/>
+        </p:nvSpPr>
+        <p:spPr>
+          <a:xfrm>
+            <a:off x="3493892" y="3928099"/>
+            <a:ext cx="8424935" cy="646331"/>
+          </a:xfrm>
+          <a:prstGeom prst="rect">
+            <a:avLst/>
+          </a:prstGeom>
+          <a:noFill/>
+        </p:spPr>
+        <p:txBody>
+          <a:bodyPr wrap="none" rtlCol="0">
+            <a:spAutoFit/>
+          </a:bodyPr>
+          <a:lstStyle/>
+          <a:p>
+            <a:r>
+              <a:rPr lang="ko-KR" altLang="en-US" dirty="0"/>
+              <a:t>와 같이 나누어 주며 </a:t>
+            </a:r>
+            <a:r>
+              <a:rPr lang="en-US" altLang="ko-KR" dirty="0"/>
+              <a:t>Root </a:t>
+            </a:r>
+            <a:r>
+              <a:rPr lang="en-US" altLang="ko-KR" dirty="0" err="1"/>
+              <a:t>contex</a:t>
+            </a:r>
+            <a:r>
+              <a:rPr lang="ko-KR" altLang="en-US" dirty="0"/>
+              <a:t>에는 </a:t>
+            </a:r>
+            <a:r>
+              <a:rPr lang="en-US" altLang="ko-KR" dirty="0"/>
+              <a:t>web tier</a:t>
+            </a:r>
+            <a:r>
+              <a:rPr lang="ko-KR" altLang="en-US" dirty="0"/>
+              <a:t>와 무관한 인스턴스 집합 및 명령</a:t>
+            </a:r>
+            <a:endParaRPr lang="en-US" altLang="ko-KR" dirty="0"/>
+          </a:p>
+          <a:p>
+            <a:r>
+              <a:rPr lang="en-US" altLang="ko-KR" dirty="0" err="1"/>
+              <a:t>Sevlet</a:t>
+            </a:r>
+            <a:r>
+              <a:rPr lang="en-US" altLang="ko-KR" dirty="0"/>
+              <a:t> </a:t>
+            </a:r>
+            <a:r>
+              <a:rPr lang="en-US" altLang="ko-KR" dirty="0" err="1"/>
+              <a:t>contex</a:t>
+            </a:r>
+            <a:r>
+              <a:rPr lang="ko-KR" altLang="en-US" dirty="0"/>
+              <a:t>에는 </a:t>
+            </a:r>
+            <a:r>
+              <a:rPr lang="en-US" altLang="ko-KR" dirty="0"/>
+              <a:t>web tier</a:t>
+            </a:r>
+            <a:r>
+              <a:rPr lang="ko-KR" altLang="en-US" dirty="0"/>
+              <a:t>에 관련된 인스턴스 집합 및 명령을 삽입해 준다</a:t>
+            </a:r>
+            <a:r>
+              <a:rPr lang="en-US" altLang="ko-KR" dirty="0"/>
+              <a:t>.</a:t>
+            </a:r>
+            <a:endParaRPr lang="ko-KR" altLang="en-US" dirty="0"/>
+          </a:p>
+        </p:txBody>
+      </p:sp>
+    </p:spTree>
+    <p:extLst>
+      <p:ext uri="{BB962C8B-B14F-4D97-AF65-F5344CB8AC3E}">
+        <p14:creationId xmlns:p14="http://schemas.microsoft.com/office/powerpoint/2010/main" val="2212477849"/>
       </p:ext>
     </p:extLst>
   </p:cSld>

--- a/STSWorkspace/Spring.pptx
+++ b/STSWorkspace/Spring.pptx
@@ -13,6 +13,11 @@
     <p:sldId id="261" r:id="rId7"/>
     <p:sldId id="263" r:id="rId8"/>
     <p:sldId id="262" r:id="rId9"/>
+    <p:sldId id="264" r:id="rId10"/>
+    <p:sldId id="265" r:id="rId11"/>
+    <p:sldId id="266" r:id="rId12"/>
+    <p:sldId id="267" r:id="rId13"/>
+    <p:sldId id="268" r:id="rId14"/>
   </p:sldIdLst>
   <p:sldSz cx="12192000" cy="6858000"/>
   <p:notesSz cx="6858000" cy="9144000"/>
@@ -266,7 +271,7 @@
           <a:p>
             <a:fld id="{26853DDB-FB21-4B86-AE9E-F20AFD11A4B3}" type="datetimeFigureOut">
               <a:rPr lang="ko-KR" altLang="en-US" smtClean="0"/>
-              <a:t>2023-05-18</a:t>
+              <a:t>2023-05-21</a:t>
             </a:fld>
             <a:endParaRPr lang="ko-KR" altLang="en-US"/>
           </a:p>
@@ -464,7 +469,7 @@
           <a:p>
             <a:fld id="{26853DDB-FB21-4B86-AE9E-F20AFD11A4B3}" type="datetimeFigureOut">
               <a:rPr lang="ko-KR" altLang="en-US" smtClean="0"/>
-              <a:t>2023-05-18</a:t>
+              <a:t>2023-05-21</a:t>
             </a:fld>
             <a:endParaRPr lang="ko-KR" altLang="en-US"/>
           </a:p>
@@ -672,7 +677,7 @@
           <a:p>
             <a:fld id="{26853DDB-FB21-4B86-AE9E-F20AFD11A4B3}" type="datetimeFigureOut">
               <a:rPr lang="ko-KR" altLang="en-US" smtClean="0"/>
-              <a:t>2023-05-18</a:t>
+              <a:t>2023-05-21</a:t>
             </a:fld>
             <a:endParaRPr lang="ko-KR" altLang="en-US"/>
           </a:p>
@@ -870,7 +875,7 @@
           <a:p>
             <a:fld id="{26853DDB-FB21-4B86-AE9E-F20AFD11A4B3}" type="datetimeFigureOut">
               <a:rPr lang="ko-KR" altLang="en-US" smtClean="0"/>
-              <a:t>2023-05-18</a:t>
+              <a:t>2023-05-21</a:t>
             </a:fld>
             <a:endParaRPr lang="ko-KR" altLang="en-US"/>
           </a:p>
@@ -1145,7 +1150,7 @@
           <a:p>
             <a:fld id="{26853DDB-FB21-4B86-AE9E-F20AFD11A4B3}" type="datetimeFigureOut">
               <a:rPr lang="ko-KR" altLang="en-US" smtClean="0"/>
-              <a:t>2023-05-18</a:t>
+              <a:t>2023-05-21</a:t>
             </a:fld>
             <a:endParaRPr lang="ko-KR" altLang="en-US"/>
           </a:p>
@@ -1410,7 +1415,7 @@
           <a:p>
             <a:fld id="{26853DDB-FB21-4B86-AE9E-F20AFD11A4B3}" type="datetimeFigureOut">
               <a:rPr lang="ko-KR" altLang="en-US" smtClean="0"/>
-              <a:t>2023-05-18</a:t>
+              <a:t>2023-05-21</a:t>
             </a:fld>
             <a:endParaRPr lang="ko-KR" altLang="en-US"/>
           </a:p>
@@ -1822,7 +1827,7 @@
           <a:p>
             <a:fld id="{26853DDB-FB21-4B86-AE9E-F20AFD11A4B3}" type="datetimeFigureOut">
               <a:rPr lang="ko-KR" altLang="en-US" smtClean="0"/>
-              <a:t>2023-05-18</a:t>
+              <a:t>2023-05-21</a:t>
             </a:fld>
             <a:endParaRPr lang="ko-KR" altLang="en-US"/>
           </a:p>
@@ -1963,7 +1968,7 @@
           <a:p>
             <a:fld id="{26853DDB-FB21-4B86-AE9E-F20AFD11A4B3}" type="datetimeFigureOut">
               <a:rPr lang="ko-KR" altLang="en-US" smtClean="0"/>
-              <a:t>2023-05-18</a:t>
+              <a:t>2023-05-21</a:t>
             </a:fld>
             <a:endParaRPr lang="ko-KR" altLang="en-US"/>
           </a:p>
@@ -2076,7 +2081,7 @@
           <a:p>
             <a:fld id="{26853DDB-FB21-4B86-AE9E-F20AFD11A4B3}" type="datetimeFigureOut">
               <a:rPr lang="ko-KR" altLang="en-US" smtClean="0"/>
-              <a:t>2023-05-18</a:t>
+              <a:t>2023-05-21</a:t>
             </a:fld>
             <a:endParaRPr lang="ko-KR" altLang="en-US"/>
           </a:p>
@@ -2387,7 +2392,7 @@
           <a:p>
             <a:fld id="{26853DDB-FB21-4B86-AE9E-F20AFD11A4B3}" type="datetimeFigureOut">
               <a:rPr lang="ko-KR" altLang="en-US" smtClean="0"/>
-              <a:t>2023-05-18</a:t>
+              <a:t>2023-05-21</a:t>
             </a:fld>
             <a:endParaRPr lang="ko-KR" altLang="en-US"/>
           </a:p>
@@ -2675,7 +2680,7 @@
           <a:p>
             <a:fld id="{26853DDB-FB21-4B86-AE9E-F20AFD11A4B3}" type="datetimeFigureOut">
               <a:rPr lang="ko-KR" altLang="en-US" smtClean="0"/>
-              <a:t>2023-05-18</a:t>
+              <a:t>2023-05-21</a:t>
             </a:fld>
             <a:endParaRPr lang="ko-KR" altLang="en-US"/>
           </a:p>
@@ -2916,7 +2921,7 @@
           <a:p>
             <a:fld id="{26853DDB-FB21-4B86-AE9E-F20AFD11A4B3}" type="datetimeFigureOut">
               <a:rPr lang="ko-KR" altLang="en-US" smtClean="0"/>
-              <a:t>2023-05-18</a:t>
+              <a:t>2023-05-21</a:t>
             </a:fld>
             <a:endParaRPr lang="ko-KR" altLang="en-US"/>
           </a:p>
@@ -3528,6 +3533,2058 @@
 </p:sld>
 </file>
 
+<file path=ppt/slides/slide10.xml><?xml version="1.0" encoding="utf-8"?>
+<p:sld xmlns:a="http://schemas.openxmlformats.org/drawingml/2006/main" xmlns:r="http://schemas.openxmlformats.org/officeDocument/2006/relationships" xmlns:p="http://schemas.openxmlformats.org/presentationml/2006/main">
+  <p:cSld>
+    <p:spTree>
+      <p:nvGrpSpPr>
+        <p:cNvPr id="1" name=""/>
+        <p:cNvGrpSpPr/>
+        <p:nvPr/>
+      </p:nvGrpSpPr>
+      <p:grpSpPr>
+        <a:xfrm>
+          <a:off x="0" y="0"/>
+          <a:ext cx="0" cy="0"/>
+          <a:chOff x="0" y="0"/>
+          <a:chExt cx="0" cy="0"/>
+        </a:xfrm>
+      </p:grpSpPr>
+      <p:pic>
+        <p:nvPicPr>
+          <p:cNvPr id="5" name="그림 4">
+            <a:extLst>
+              <a:ext uri="{FF2B5EF4-FFF2-40B4-BE49-F238E27FC236}">
+                <a16:creationId xmlns:a16="http://schemas.microsoft.com/office/drawing/2014/main" id="{4C1C9BE6-33BB-2324-7577-6D6C86201A92}"/>
+              </a:ext>
+            </a:extLst>
+          </p:cNvPr>
+          <p:cNvPicPr>
+            <a:picLocks noChangeAspect="1"/>
+          </p:cNvPicPr>
+          <p:nvPr/>
+        </p:nvPicPr>
+        <p:blipFill>
+          <a:blip r:embed="rId2"/>
+          <a:stretch>
+            <a:fillRect/>
+          </a:stretch>
+        </p:blipFill>
+        <p:spPr>
+          <a:xfrm>
+            <a:off x="0" y="0"/>
+            <a:ext cx="7354326" cy="809738"/>
+          </a:xfrm>
+          <a:prstGeom prst="rect">
+            <a:avLst/>
+          </a:prstGeom>
+        </p:spPr>
+      </p:pic>
+      <p:sp>
+        <p:nvSpPr>
+          <p:cNvPr id="6" name="TextBox 5">
+            <a:extLst>
+              <a:ext uri="{FF2B5EF4-FFF2-40B4-BE49-F238E27FC236}">
+                <a16:creationId xmlns:a16="http://schemas.microsoft.com/office/drawing/2014/main" id="{ADDD2E08-BF63-594F-4208-C9F6B0B365DC}"/>
+              </a:ext>
+            </a:extLst>
+          </p:cNvPr>
+          <p:cNvSpPr txBox="1"/>
+          <p:nvPr/>
+        </p:nvSpPr>
+        <p:spPr>
+          <a:xfrm>
+            <a:off x="121920" y="809738"/>
+            <a:ext cx="3087320" cy="923330"/>
+          </a:xfrm>
+          <a:prstGeom prst="rect">
+            <a:avLst/>
+          </a:prstGeom>
+          <a:noFill/>
+        </p:spPr>
+        <p:txBody>
+          <a:bodyPr wrap="none" rtlCol="0">
+            <a:spAutoFit/>
+          </a:bodyPr>
+          <a:lstStyle/>
+          <a:p>
+            <a:r>
+              <a:rPr lang="en-US" altLang="ko-KR" dirty="0"/>
+              <a:t>Xml </a:t>
+            </a:r>
+            <a:r>
+              <a:rPr lang="ko-KR" altLang="en-US" dirty="0"/>
+              <a:t>방식 </a:t>
+            </a:r>
+            <a:r>
+              <a:rPr lang="en-US" altLang="ko-KR" dirty="0"/>
+              <a:t>DI </a:t>
+            </a:r>
+            <a:r>
+              <a:rPr lang="ko-KR" altLang="en-US" dirty="0"/>
+              <a:t>방식 </a:t>
+            </a:r>
+            <a:endParaRPr lang="en-US" altLang="ko-KR" dirty="0"/>
+          </a:p>
+          <a:p>
+            <a:endParaRPr lang="en-US" altLang="ko-KR" dirty="0"/>
+          </a:p>
+          <a:p>
+            <a:r>
+              <a:rPr lang="ko-KR" altLang="en-US" dirty="0"/>
+              <a:t>포장해서 </a:t>
+            </a:r>
+            <a:r>
+              <a:rPr lang="en-US" altLang="ko-KR" dirty="0"/>
+              <a:t>@autowired &gt; DI </a:t>
+            </a:r>
+            <a:endParaRPr lang="ko-KR" altLang="en-US" dirty="0"/>
+          </a:p>
+        </p:txBody>
+      </p:sp>
+      <p:pic>
+        <p:nvPicPr>
+          <p:cNvPr id="7" name="그림 6">
+            <a:extLst>
+              <a:ext uri="{FF2B5EF4-FFF2-40B4-BE49-F238E27FC236}">
+                <a16:creationId xmlns:a16="http://schemas.microsoft.com/office/drawing/2014/main" id="{43A230B1-836F-53AB-CDD0-4C3BB862D64F}"/>
+              </a:ext>
+            </a:extLst>
+          </p:cNvPr>
+          <p:cNvPicPr>
+            <a:picLocks noChangeAspect="1"/>
+          </p:cNvPicPr>
+          <p:nvPr/>
+        </p:nvPicPr>
+        <p:blipFill>
+          <a:blip r:embed="rId3"/>
+          <a:stretch>
+            <a:fillRect/>
+          </a:stretch>
+        </p:blipFill>
+        <p:spPr>
+          <a:xfrm>
+            <a:off x="0" y="1866928"/>
+            <a:ext cx="7211431" cy="3258005"/>
+          </a:xfrm>
+          <a:prstGeom prst="rect">
+            <a:avLst/>
+          </a:prstGeom>
+        </p:spPr>
+      </p:pic>
+      <p:sp>
+        <p:nvSpPr>
+          <p:cNvPr id="8" name="TextBox 7">
+            <a:extLst>
+              <a:ext uri="{FF2B5EF4-FFF2-40B4-BE49-F238E27FC236}">
+                <a16:creationId xmlns:a16="http://schemas.microsoft.com/office/drawing/2014/main" id="{6F73CADA-D0C3-6B8A-9337-3AFE39D0768C}"/>
+              </a:ext>
+            </a:extLst>
+          </p:cNvPr>
+          <p:cNvSpPr txBox="1"/>
+          <p:nvPr/>
+        </p:nvSpPr>
+        <p:spPr>
+          <a:xfrm>
+            <a:off x="4335712" y="2000453"/>
+            <a:ext cx="2860463" cy="369332"/>
+          </a:xfrm>
+          <a:prstGeom prst="rect">
+            <a:avLst/>
+          </a:prstGeom>
+          <a:noFill/>
+        </p:spPr>
+        <p:txBody>
+          <a:bodyPr wrap="none" rtlCol="0">
+            <a:spAutoFit/>
+          </a:bodyPr>
+          <a:lstStyle/>
+          <a:p>
+            <a:r>
+              <a:rPr lang="en-US" altLang="ko-KR" dirty="0"/>
+              <a:t>Application</a:t>
+            </a:r>
+            <a:r>
+              <a:rPr lang="ko-KR" altLang="en-US" dirty="0"/>
+              <a:t> </a:t>
+            </a:r>
+            <a:r>
+              <a:rPr lang="en-US" altLang="ko-KR" dirty="0"/>
+              <a:t>memory</a:t>
+            </a:r>
+            <a:r>
+              <a:rPr lang="ko-KR" altLang="en-US" dirty="0"/>
+              <a:t> 영역</a:t>
+            </a:r>
+          </a:p>
+        </p:txBody>
+      </p:sp>
+      <p:cxnSp>
+        <p:nvCxnSpPr>
+          <p:cNvPr id="15" name="직선 화살표 연결선 14">
+            <a:extLst>
+              <a:ext uri="{FF2B5EF4-FFF2-40B4-BE49-F238E27FC236}">
+                <a16:creationId xmlns:a16="http://schemas.microsoft.com/office/drawing/2014/main" id="{8C8D9F5C-B4B3-51E3-708F-4CC702966718}"/>
+              </a:ext>
+            </a:extLst>
+          </p:cNvPr>
+          <p:cNvCxnSpPr>
+            <a:cxnSpLocks/>
+          </p:cNvCxnSpPr>
+          <p:nvPr/>
+        </p:nvCxnSpPr>
+        <p:spPr>
+          <a:xfrm flipV="1">
+            <a:off x="5386545" y="3022317"/>
+            <a:ext cx="1706880" cy="1"/>
+          </a:xfrm>
+          <a:prstGeom prst="straightConnector1">
+            <a:avLst/>
+          </a:prstGeom>
+          <a:ln>
+            <a:tailEnd type="triangle"/>
+          </a:ln>
+        </p:spPr>
+        <p:style>
+          <a:lnRef idx="1">
+            <a:schemeClr val="accent1"/>
+          </a:lnRef>
+          <a:fillRef idx="0">
+            <a:schemeClr val="accent1"/>
+          </a:fillRef>
+          <a:effectRef idx="0">
+            <a:schemeClr val="accent1"/>
+          </a:effectRef>
+          <a:fontRef idx="minor">
+            <a:schemeClr val="tx1"/>
+          </a:fontRef>
+        </p:style>
+      </p:cxnSp>
+      <p:sp>
+        <p:nvSpPr>
+          <p:cNvPr id="16" name="TextBox 15">
+            <a:extLst>
+              <a:ext uri="{FF2B5EF4-FFF2-40B4-BE49-F238E27FC236}">
+                <a16:creationId xmlns:a16="http://schemas.microsoft.com/office/drawing/2014/main" id="{1EAB9977-B642-2D1E-430A-D01D05AF5DD5}"/>
+              </a:ext>
+            </a:extLst>
+          </p:cNvPr>
+          <p:cNvSpPr txBox="1"/>
+          <p:nvPr/>
+        </p:nvSpPr>
+        <p:spPr>
+          <a:xfrm>
+            <a:off x="7093425" y="2519461"/>
+            <a:ext cx="5098575" cy="4247317"/>
+          </a:xfrm>
+          <a:prstGeom prst="rect">
+            <a:avLst/>
+          </a:prstGeom>
+          <a:noFill/>
+        </p:spPr>
+        <p:txBody>
+          <a:bodyPr wrap="none" rtlCol="0">
+            <a:spAutoFit/>
+          </a:bodyPr>
+          <a:lstStyle/>
+          <a:p>
+            <a:r>
+              <a:rPr lang="ko-KR" altLang="en-US" dirty="0" err="1"/>
+              <a:t>히카리</a:t>
+            </a:r>
+            <a:r>
+              <a:rPr lang="en-US" altLang="ko-KR" dirty="0"/>
+              <a:t>cp</a:t>
+            </a:r>
+            <a:r>
+              <a:rPr lang="ko-KR" altLang="en-US" dirty="0"/>
+              <a:t>만들어짐</a:t>
+            </a:r>
+            <a:endParaRPr lang="en-US" altLang="ko-KR" dirty="0"/>
+          </a:p>
+          <a:p>
+            <a:r>
+              <a:rPr lang="en-US" altLang="ko-KR" dirty="0"/>
+              <a:t>Spring </a:t>
+            </a:r>
+            <a:r>
+              <a:rPr lang="en-US" altLang="ko-KR" dirty="0" err="1"/>
+              <a:t>jdbc</a:t>
+            </a:r>
+            <a:r>
+              <a:rPr lang="ko-KR" altLang="en-US" dirty="0"/>
+              <a:t>만들어짐 </a:t>
+            </a:r>
+            <a:r>
+              <a:rPr lang="en-US" altLang="ko-KR" dirty="0"/>
+              <a:t>&gt; property=setter</a:t>
+            </a:r>
+          </a:p>
+          <a:p>
+            <a:r>
+              <a:rPr lang="en-US" altLang="ko-KR" dirty="0"/>
+              <a:t>(</a:t>
+            </a:r>
+            <a:r>
+              <a:rPr lang="en-US" altLang="ko-KR" dirty="0" err="1"/>
+              <a:t>sette</a:t>
+            </a:r>
+            <a:r>
+              <a:rPr lang="ko-KR" altLang="en-US" dirty="0"/>
+              <a:t>를 통해 데이터 삽입하겠다</a:t>
+            </a:r>
+            <a:r>
+              <a:rPr lang="en-US" altLang="ko-KR" dirty="0"/>
+              <a:t>)</a:t>
+            </a:r>
+          </a:p>
+          <a:p>
+            <a:r>
+              <a:rPr lang="en-US" altLang="ko-KR" dirty="0" err="1"/>
+              <a:t>Springjdbc</a:t>
+            </a:r>
+            <a:r>
+              <a:rPr lang="ko-KR" altLang="en-US" dirty="0"/>
+              <a:t>에 </a:t>
+            </a:r>
+            <a:r>
+              <a:rPr lang="ko-KR" altLang="en-US" dirty="0" err="1"/>
+              <a:t>히카리</a:t>
+            </a:r>
+            <a:r>
+              <a:rPr lang="en-US" altLang="ko-KR" dirty="0"/>
+              <a:t>cp</a:t>
+            </a:r>
+            <a:r>
+              <a:rPr lang="ko-KR" altLang="en-US" dirty="0"/>
+              <a:t>삽입</a:t>
+            </a:r>
+            <a:endParaRPr lang="en-US" altLang="ko-KR" dirty="0"/>
+          </a:p>
+          <a:p>
+            <a:r>
+              <a:rPr lang="en-US" altLang="ko-KR" dirty="0"/>
+              <a:t>-- </a:t>
+            </a:r>
+            <a:r>
+              <a:rPr lang="ko-KR" altLang="en-US" dirty="0"/>
+              <a:t>의존성 주입 </a:t>
+            </a:r>
+            <a:r>
+              <a:rPr lang="en-US" altLang="ko-KR" dirty="0"/>
+              <a:t>&gt; Dependency injection</a:t>
+            </a:r>
+          </a:p>
+          <a:p>
+            <a:r>
+              <a:rPr lang="en-US" altLang="ko-KR" dirty="0"/>
+              <a:t>(root context.xml </a:t>
+            </a:r>
+            <a:r>
+              <a:rPr lang="ko-KR" altLang="en-US" dirty="0"/>
+              <a:t>에서 했기때문에 </a:t>
+            </a:r>
+            <a:r>
+              <a:rPr lang="en-US" altLang="ko-KR" dirty="0"/>
+              <a:t>xml</a:t>
+            </a:r>
+            <a:r>
+              <a:rPr lang="ko-KR" altLang="en-US" dirty="0"/>
+              <a:t>방식의 </a:t>
+            </a:r>
+            <a:endParaRPr lang="en-US" altLang="ko-KR" dirty="0"/>
+          </a:p>
+          <a:p>
+            <a:r>
+              <a:rPr lang="en-US" altLang="ko-KR" dirty="0"/>
+              <a:t>DI)</a:t>
+            </a:r>
+          </a:p>
+          <a:p>
+            <a:r>
+              <a:rPr lang="en-US" altLang="ko-KR" dirty="0"/>
+              <a:t>Repositories </a:t>
+            </a:r>
+            <a:r>
+              <a:rPr lang="ko-KR" altLang="en-US" dirty="0" err="1"/>
+              <a:t>찾아감</a:t>
+            </a:r>
+            <a:r>
+              <a:rPr lang="en-US" altLang="ko-KR" dirty="0"/>
+              <a:t> </a:t>
+            </a:r>
+          </a:p>
+          <a:p>
+            <a:r>
+              <a:rPr lang="en-US" altLang="ko-KR" dirty="0"/>
+              <a:t>DAO</a:t>
+            </a:r>
+            <a:r>
+              <a:rPr lang="ko-KR" altLang="en-US" dirty="0"/>
+              <a:t>도 </a:t>
+            </a:r>
+            <a:r>
+              <a:rPr lang="en-US" altLang="ko-KR" dirty="0"/>
+              <a:t>Spring</a:t>
+            </a:r>
+            <a:r>
+              <a:rPr lang="ko-KR" altLang="en-US" dirty="0"/>
+              <a:t>컨테이너</a:t>
+            </a:r>
+            <a:r>
+              <a:rPr lang="en-US" altLang="ko-KR" dirty="0"/>
+              <a:t>1</a:t>
+            </a:r>
+            <a:r>
+              <a:rPr lang="ko-KR" altLang="en-US" dirty="0"/>
+              <a:t>에 </a:t>
+            </a:r>
+            <a:r>
+              <a:rPr lang="ko-KR" altLang="en-US" dirty="0" err="1"/>
+              <a:t>어노테이션방식으로</a:t>
+            </a:r>
+            <a:endParaRPr lang="en-US" altLang="ko-KR" dirty="0"/>
+          </a:p>
+          <a:p>
+            <a:r>
+              <a:rPr lang="ko-KR" altLang="en-US" dirty="0"/>
+              <a:t>생성됨</a:t>
+            </a:r>
+            <a:endParaRPr lang="en-US" altLang="ko-KR" dirty="0"/>
+          </a:p>
+          <a:p>
+            <a:endParaRPr lang="en-US" altLang="ko-KR" dirty="0"/>
+          </a:p>
+          <a:p>
+            <a:r>
+              <a:rPr lang="en-US" altLang="ko-KR" dirty="0"/>
+              <a:t>Bean</a:t>
+            </a:r>
+            <a:r>
+              <a:rPr lang="ko-KR" altLang="en-US" dirty="0"/>
+              <a:t>태그로 직접 </a:t>
+            </a:r>
+            <a:r>
+              <a:rPr lang="ko-KR" altLang="en-US" dirty="0" err="1"/>
+              <a:t>만든것</a:t>
+            </a:r>
+            <a:r>
+              <a:rPr lang="ko-KR" altLang="en-US" dirty="0"/>
+              <a:t> </a:t>
+            </a:r>
+            <a:r>
+              <a:rPr lang="en-US" altLang="ko-KR" dirty="0"/>
+              <a:t>&gt; xml</a:t>
+            </a:r>
+            <a:r>
+              <a:rPr lang="ko-KR" altLang="en-US" dirty="0"/>
+              <a:t>방식</a:t>
+            </a:r>
+            <a:endParaRPr lang="en-US" altLang="ko-KR" dirty="0"/>
+          </a:p>
+          <a:p>
+            <a:endParaRPr lang="en-US" altLang="ko-KR" dirty="0"/>
+          </a:p>
+          <a:p>
+            <a:r>
+              <a:rPr lang="en-US" altLang="ko-KR" dirty="0" err="1"/>
+              <a:t>Ccomponentscan</a:t>
+            </a:r>
+            <a:r>
+              <a:rPr lang="ko-KR" altLang="en-US" dirty="0"/>
+              <a:t>을 통한 스캔 </a:t>
+            </a:r>
+            <a:endParaRPr lang="en-US" altLang="ko-KR" dirty="0"/>
+          </a:p>
+          <a:p>
+            <a:r>
+              <a:rPr lang="en-US" altLang="ko-KR" dirty="0"/>
+              <a:t>&gt; </a:t>
+            </a:r>
+            <a:r>
+              <a:rPr lang="ko-KR" altLang="en-US" dirty="0" err="1"/>
+              <a:t>어노테이션</a:t>
+            </a:r>
+            <a:r>
+              <a:rPr lang="ko-KR" altLang="en-US" dirty="0"/>
+              <a:t> 방식</a:t>
+            </a:r>
+          </a:p>
+        </p:txBody>
+      </p:sp>
+    </p:spTree>
+    <p:extLst>
+      <p:ext uri="{BB962C8B-B14F-4D97-AF65-F5344CB8AC3E}">
+        <p14:creationId xmlns:p14="http://schemas.microsoft.com/office/powerpoint/2010/main" val="3856189193"/>
+      </p:ext>
+    </p:extLst>
+  </p:cSld>
+  <p:clrMapOvr>
+    <a:masterClrMapping/>
+  </p:clrMapOvr>
+</p:sld>
+</file>
+
+<file path=ppt/slides/slide11.xml><?xml version="1.0" encoding="utf-8"?>
+<p:sld xmlns:a="http://schemas.openxmlformats.org/drawingml/2006/main" xmlns:r="http://schemas.openxmlformats.org/officeDocument/2006/relationships" xmlns:p="http://schemas.openxmlformats.org/presentationml/2006/main">
+  <p:cSld>
+    <p:spTree>
+      <p:nvGrpSpPr>
+        <p:cNvPr id="1" name=""/>
+        <p:cNvGrpSpPr/>
+        <p:nvPr/>
+      </p:nvGrpSpPr>
+      <p:grpSpPr>
+        <a:xfrm>
+          <a:off x="0" y="0"/>
+          <a:ext cx="0" cy="0"/>
+          <a:chOff x="0" y="0"/>
+          <a:chExt cx="0" cy="0"/>
+        </a:xfrm>
+      </p:grpSpPr>
+      <p:sp>
+        <p:nvSpPr>
+          <p:cNvPr id="4" name="직사각형 3">
+            <a:extLst>
+              <a:ext uri="{FF2B5EF4-FFF2-40B4-BE49-F238E27FC236}">
+                <a16:creationId xmlns:a16="http://schemas.microsoft.com/office/drawing/2014/main" id="{6D83DA34-0877-8596-20A8-1FD44B0A04E6}"/>
+              </a:ext>
+            </a:extLst>
+          </p:cNvPr>
+          <p:cNvSpPr/>
+          <p:nvPr/>
+        </p:nvSpPr>
+        <p:spPr>
+          <a:xfrm>
+            <a:off x="406400" y="162560"/>
+            <a:ext cx="11236960" cy="5720080"/>
+          </a:xfrm>
+          <a:prstGeom prst="rect">
+            <a:avLst/>
+          </a:prstGeom>
+          <a:noFill/>
+        </p:spPr>
+        <p:style>
+          <a:lnRef idx="2">
+            <a:schemeClr val="accent1">
+              <a:shade val="50000"/>
+            </a:schemeClr>
+          </a:lnRef>
+          <a:fillRef idx="1">
+            <a:schemeClr val="accent1"/>
+          </a:fillRef>
+          <a:effectRef idx="0">
+            <a:schemeClr val="accent1"/>
+          </a:effectRef>
+          <a:fontRef idx="minor">
+            <a:schemeClr val="lt1"/>
+          </a:fontRef>
+        </p:style>
+        <p:txBody>
+          <a:bodyPr rtlCol="0" anchor="ctr"/>
+          <a:lstStyle/>
+          <a:p>
+            <a:pPr algn="ctr"/>
+            <a:endParaRPr lang="ko-KR" altLang="en-US"/>
+          </a:p>
+        </p:txBody>
+      </p:sp>
+      <p:sp>
+        <p:nvSpPr>
+          <p:cNvPr id="5" name="타원 4">
+            <a:extLst>
+              <a:ext uri="{FF2B5EF4-FFF2-40B4-BE49-F238E27FC236}">
+                <a16:creationId xmlns:a16="http://schemas.microsoft.com/office/drawing/2014/main" id="{067449D8-E84A-B15F-1595-4216F8E483B8}"/>
+              </a:ext>
+            </a:extLst>
+          </p:cNvPr>
+          <p:cNvSpPr/>
+          <p:nvPr/>
+        </p:nvSpPr>
+        <p:spPr>
+          <a:xfrm>
+            <a:off x="914400" y="853440"/>
+            <a:ext cx="4856480" cy="4572000"/>
+          </a:xfrm>
+          <a:prstGeom prst="ellipse">
+            <a:avLst/>
+          </a:prstGeom>
+          <a:noFill/>
+        </p:spPr>
+        <p:style>
+          <a:lnRef idx="2">
+            <a:schemeClr val="accent1">
+              <a:shade val="50000"/>
+            </a:schemeClr>
+          </a:lnRef>
+          <a:fillRef idx="1">
+            <a:schemeClr val="accent1"/>
+          </a:fillRef>
+          <a:effectRef idx="0">
+            <a:schemeClr val="accent1"/>
+          </a:effectRef>
+          <a:fontRef idx="minor">
+            <a:schemeClr val="lt1"/>
+          </a:fontRef>
+        </p:style>
+        <p:txBody>
+          <a:bodyPr rtlCol="0" anchor="ctr"/>
+          <a:lstStyle/>
+          <a:p>
+            <a:pPr algn="ctr"/>
+            <a:endParaRPr lang="ko-KR" altLang="en-US"/>
+          </a:p>
+        </p:txBody>
+      </p:sp>
+      <p:sp>
+        <p:nvSpPr>
+          <p:cNvPr id="6" name="타원 5">
+            <a:extLst>
+              <a:ext uri="{FF2B5EF4-FFF2-40B4-BE49-F238E27FC236}">
+                <a16:creationId xmlns:a16="http://schemas.microsoft.com/office/drawing/2014/main" id="{2AC733C2-9FBF-9360-F923-58B5A562A98E}"/>
+              </a:ext>
+            </a:extLst>
+          </p:cNvPr>
+          <p:cNvSpPr/>
+          <p:nvPr/>
+        </p:nvSpPr>
+        <p:spPr>
+          <a:xfrm>
+            <a:off x="6400800" y="853440"/>
+            <a:ext cx="4856480" cy="4572000"/>
+          </a:xfrm>
+          <a:prstGeom prst="ellipse">
+            <a:avLst/>
+          </a:prstGeom>
+          <a:noFill/>
+        </p:spPr>
+        <p:style>
+          <a:lnRef idx="2">
+            <a:schemeClr val="accent1">
+              <a:shade val="50000"/>
+            </a:schemeClr>
+          </a:lnRef>
+          <a:fillRef idx="1">
+            <a:schemeClr val="accent1"/>
+          </a:fillRef>
+          <a:effectRef idx="0">
+            <a:schemeClr val="accent1"/>
+          </a:effectRef>
+          <a:fontRef idx="minor">
+            <a:schemeClr val="lt1"/>
+          </a:fontRef>
+        </p:style>
+        <p:txBody>
+          <a:bodyPr rtlCol="0" anchor="ctr"/>
+          <a:lstStyle/>
+          <a:p>
+            <a:pPr algn="ctr"/>
+            <a:endParaRPr lang="ko-KR" altLang="en-US"/>
+          </a:p>
+        </p:txBody>
+      </p:sp>
+      <p:sp>
+        <p:nvSpPr>
+          <p:cNvPr id="7" name="TextBox 6">
+            <a:extLst>
+              <a:ext uri="{FF2B5EF4-FFF2-40B4-BE49-F238E27FC236}">
+                <a16:creationId xmlns:a16="http://schemas.microsoft.com/office/drawing/2014/main" id="{7AFB15A1-EAE7-6226-0CD0-9C11A225D7D2}"/>
+              </a:ext>
+            </a:extLst>
+          </p:cNvPr>
+          <p:cNvSpPr txBox="1"/>
+          <p:nvPr/>
+        </p:nvSpPr>
+        <p:spPr>
+          <a:xfrm>
+            <a:off x="2222782" y="323334"/>
+            <a:ext cx="2239716" cy="369332"/>
+          </a:xfrm>
+          <a:prstGeom prst="rect">
+            <a:avLst/>
+          </a:prstGeom>
+          <a:noFill/>
+        </p:spPr>
+        <p:txBody>
+          <a:bodyPr wrap="none" rtlCol="0">
+            <a:spAutoFit/>
+          </a:bodyPr>
+          <a:lstStyle/>
+          <a:p>
+            <a:r>
+              <a:rPr lang="en-US" altLang="ko-KR" dirty="0" err="1"/>
+              <a:t>Sptring</a:t>
+            </a:r>
+            <a:r>
+              <a:rPr lang="en-US" altLang="ko-KR" dirty="0"/>
+              <a:t> Container 1</a:t>
+            </a:r>
+            <a:endParaRPr lang="ko-KR" altLang="en-US" dirty="0"/>
+          </a:p>
+        </p:txBody>
+      </p:sp>
+      <p:sp>
+        <p:nvSpPr>
+          <p:cNvPr id="8" name="TextBox 7">
+            <a:extLst>
+              <a:ext uri="{FF2B5EF4-FFF2-40B4-BE49-F238E27FC236}">
+                <a16:creationId xmlns:a16="http://schemas.microsoft.com/office/drawing/2014/main" id="{C8C6127A-9124-9581-F03E-12F6A45A1FA6}"/>
+              </a:ext>
+            </a:extLst>
+          </p:cNvPr>
+          <p:cNvSpPr txBox="1"/>
+          <p:nvPr/>
+        </p:nvSpPr>
+        <p:spPr>
+          <a:xfrm>
+            <a:off x="7709182" y="323334"/>
+            <a:ext cx="2239716" cy="369332"/>
+          </a:xfrm>
+          <a:prstGeom prst="rect">
+            <a:avLst/>
+          </a:prstGeom>
+          <a:noFill/>
+        </p:spPr>
+        <p:txBody>
+          <a:bodyPr wrap="none" rtlCol="0">
+            <a:spAutoFit/>
+          </a:bodyPr>
+          <a:lstStyle/>
+          <a:p>
+            <a:r>
+              <a:rPr lang="en-US" altLang="ko-KR" dirty="0" err="1"/>
+              <a:t>Sptring</a:t>
+            </a:r>
+            <a:r>
+              <a:rPr lang="en-US" altLang="ko-KR" dirty="0"/>
+              <a:t> Container 2</a:t>
+            </a:r>
+            <a:endParaRPr lang="ko-KR" altLang="en-US" dirty="0"/>
+          </a:p>
+        </p:txBody>
+      </p:sp>
+      <p:sp>
+        <p:nvSpPr>
+          <p:cNvPr id="9" name="TextBox 8">
+            <a:extLst>
+              <a:ext uri="{FF2B5EF4-FFF2-40B4-BE49-F238E27FC236}">
+                <a16:creationId xmlns:a16="http://schemas.microsoft.com/office/drawing/2014/main" id="{5F5CF593-76E3-F7BF-93DF-8591AE263368}"/>
+              </a:ext>
+            </a:extLst>
+          </p:cNvPr>
+          <p:cNvSpPr txBox="1"/>
+          <p:nvPr/>
+        </p:nvSpPr>
+        <p:spPr>
+          <a:xfrm>
+            <a:off x="2011680" y="1889760"/>
+            <a:ext cx="1059906" cy="369332"/>
+          </a:xfrm>
+          <a:prstGeom prst="rect">
+            <a:avLst/>
+          </a:prstGeom>
+          <a:noFill/>
+        </p:spPr>
+        <p:txBody>
+          <a:bodyPr wrap="none" rtlCol="0">
+            <a:spAutoFit/>
+          </a:bodyPr>
+          <a:lstStyle/>
+          <a:p>
+            <a:r>
+              <a:rPr lang="en-US" altLang="ko-KR" dirty="0" err="1"/>
+              <a:t>HikariCP</a:t>
+            </a:r>
+            <a:endParaRPr lang="ko-KR" altLang="en-US" dirty="0"/>
+          </a:p>
+        </p:txBody>
+      </p:sp>
+      <p:sp>
+        <p:nvSpPr>
+          <p:cNvPr id="11" name="TextBox 10">
+            <a:extLst>
+              <a:ext uri="{FF2B5EF4-FFF2-40B4-BE49-F238E27FC236}">
+                <a16:creationId xmlns:a16="http://schemas.microsoft.com/office/drawing/2014/main" id="{92D04D70-BA11-7FD3-470D-86F9F01B6616}"/>
+              </a:ext>
+            </a:extLst>
+          </p:cNvPr>
+          <p:cNvSpPr txBox="1"/>
+          <p:nvPr/>
+        </p:nvSpPr>
+        <p:spPr>
+          <a:xfrm>
+            <a:off x="1782611" y="2807454"/>
+            <a:ext cx="1382110" cy="369332"/>
+          </a:xfrm>
+          <a:prstGeom prst="rect">
+            <a:avLst/>
+          </a:prstGeom>
+          <a:noFill/>
+        </p:spPr>
+        <p:txBody>
+          <a:bodyPr wrap="none" rtlCol="0">
+            <a:spAutoFit/>
+          </a:bodyPr>
+          <a:lstStyle/>
+          <a:p>
+            <a:r>
+              <a:rPr lang="en-US" altLang="ko-KR" dirty="0"/>
+              <a:t>Spring </a:t>
+            </a:r>
+            <a:r>
+              <a:rPr lang="en-US" altLang="ko-KR" dirty="0" err="1"/>
+              <a:t>jdbc</a:t>
+            </a:r>
+            <a:endParaRPr lang="ko-KR" altLang="en-US" dirty="0"/>
+          </a:p>
+        </p:txBody>
+      </p:sp>
+      <p:sp>
+        <p:nvSpPr>
+          <p:cNvPr id="12" name="TextBox 11">
+            <a:extLst>
+              <a:ext uri="{FF2B5EF4-FFF2-40B4-BE49-F238E27FC236}">
+                <a16:creationId xmlns:a16="http://schemas.microsoft.com/office/drawing/2014/main" id="{E616FD36-6507-FC5E-900D-64BF976CFF15}"/>
+              </a:ext>
+            </a:extLst>
+          </p:cNvPr>
+          <p:cNvSpPr txBox="1"/>
+          <p:nvPr/>
+        </p:nvSpPr>
+        <p:spPr>
+          <a:xfrm>
+            <a:off x="2011680" y="3931781"/>
+            <a:ext cx="672685" cy="369332"/>
+          </a:xfrm>
+          <a:prstGeom prst="rect">
+            <a:avLst/>
+          </a:prstGeom>
+          <a:noFill/>
+        </p:spPr>
+        <p:txBody>
+          <a:bodyPr wrap="none" rtlCol="0">
+            <a:spAutoFit/>
+          </a:bodyPr>
+          <a:lstStyle/>
+          <a:p>
+            <a:r>
+              <a:rPr lang="en-US" altLang="ko-KR" dirty="0"/>
+              <a:t>DAO</a:t>
+            </a:r>
+            <a:endParaRPr lang="ko-KR" altLang="en-US" dirty="0"/>
+          </a:p>
+        </p:txBody>
+      </p:sp>
+      <p:cxnSp>
+        <p:nvCxnSpPr>
+          <p:cNvPr id="14" name="직선 화살표 연결선 13">
+            <a:extLst>
+              <a:ext uri="{FF2B5EF4-FFF2-40B4-BE49-F238E27FC236}">
+                <a16:creationId xmlns:a16="http://schemas.microsoft.com/office/drawing/2014/main" id="{62E93943-7DD8-878E-BA63-797473E3DFBE}"/>
+              </a:ext>
+            </a:extLst>
+          </p:cNvPr>
+          <p:cNvCxnSpPr/>
+          <p:nvPr/>
+        </p:nvCxnSpPr>
+        <p:spPr>
+          <a:xfrm>
+            <a:off x="3164721" y="2074426"/>
+            <a:ext cx="0" cy="733028"/>
+          </a:xfrm>
+          <a:prstGeom prst="straightConnector1">
+            <a:avLst/>
+          </a:prstGeom>
+          <a:ln>
+            <a:tailEnd type="triangle"/>
+          </a:ln>
+        </p:spPr>
+        <p:style>
+          <a:lnRef idx="1">
+            <a:schemeClr val="accent1"/>
+          </a:lnRef>
+          <a:fillRef idx="0">
+            <a:schemeClr val="accent1"/>
+          </a:fillRef>
+          <a:effectRef idx="0">
+            <a:schemeClr val="accent1"/>
+          </a:effectRef>
+          <a:fontRef idx="minor">
+            <a:schemeClr val="tx1"/>
+          </a:fontRef>
+        </p:style>
+      </p:cxnSp>
+      <p:cxnSp>
+        <p:nvCxnSpPr>
+          <p:cNvPr id="15" name="직선 화살표 연결선 14">
+            <a:extLst>
+              <a:ext uri="{FF2B5EF4-FFF2-40B4-BE49-F238E27FC236}">
+                <a16:creationId xmlns:a16="http://schemas.microsoft.com/office/drawing/2014/main" id="{EE25B994-2EE6-D10B-B5A5-09DF7AE036BA}"/>
+              </a:ext>
+            </a:extLst>
+          </p:cNvPr>
+          <p:cNvCxnSpPr/>
+          <p:nvPr/>
+        </p:nvCxnSpPr>
+        <p:spPr>
+          <a:xfrm>
+            <a:off x="3164721" y="3303786"/>
+            <a:ext cx="0" cy="733028"/>
+          </a:xfrm>
+          <a:prstGeom prst="straightConnector1">
+            <a:avLst/>
+          </a:prstGeom>
+          <a:ln>
+            <a:tailEnd type="triangle"/>
+          </a:ln>
+        </p:spPr>
+        <p:style>
+          <a:lnRef idx="1">
+            <a:schemeClr val="accent1"/>
+          </a:lnRef>
+          <a:fillRef idx="0">
+            <a:schemeClr val="accent1"/>
+          </a:fillRef>
+          <a:effectRef idx="0">
+            <a:schemeClr val="accent1"/>
+          </a:effectRef>
+          <a:fontRef idx="minor">
+            <a:schemeClr val="tx1"/>
+          </a:fontRef>
+        </p:style>
+      </p:cxnSp>
+      <p:sp>
+        <p:nvSpPr>
+          <p:cNvPr id="16" name="TextBox 15">
+            <a:extLst>
+              <a:ext uri="{FF2B5EF4-FFF2-40B4-BE49-F238E27FC236}">
+                <a16:creationId xmlns:a16="http://schemas.microsoft.com/office/drawing/2014/main" id="{7D5E0E94-A364-32E8-68F3-5D29F84AA916}"/>
+              </a:ext>
+            </a:extLst>
+          </p:cNvPr>
+          <p:cNvSpPr txBox="1"/>
+          <p:nvPr/>
+        </p:nvSpPr>
+        <p:spPr>
+          <a:xfrm>
+            <a:off x="3342640" y="2248932"/>
+            <a:ext cx="1436612" cy="369332"/>
+          </a:xfrm>
+          <a:prstGeom prst="rect">
+            <a:avLst/>
+          </a:prstGeom>
+          <a:noFill/>
+        </p:spPr>
+        <p:txBody>
+          <a:bodyPr wrap="none" rtlCol="0">
+            <a:spAutoFit/>
+          </a:bodyPr>
+          <a:lstStyle/>
+          <a:p>
+            <a:r>
+              <a:rPr lang="en-US" altLang="ko-KR" dirty="0"/>
+              <a:t>Xml </a:t>
+            </a:r>
+            <a:r>
+              <a:rPr lang="ko-KR" altLang="en-US" dirty="0"/>
+              <a:t>방식 </a:t>
+            </a:r>
+            <a:r>
+              <a:rPr lang="en-US" altLang="ko-KR" dirty="0"/>
+              <a:t>DI</a:t>
+            </a:r>
+            <a:endParaRPr lang="ko-KR" altLang="en-US" dirty="0"/>
+          </a:p>
+        </p:txBody>
+      </p:sp>
+      <p:sp>
+        <p:nvSpPr>
+          <p:cNvPr id="17" name="TextBox 16">
+            <a:extLst>
+              <a:ext uri="{FF2B5EF4-FFF2-40B4-BE49-F238E27FC236}">
+                <a16:creationId xmlns:a16="http://schemas.microsoft.com/office/drawing/2014/main" id="{71E2136F-4387-1768-0862-DF5987D33BFF}"/>
+              </a:ext>
+            </a:extLst>
+          </p:cNvPr>
+          <p:cNvSpPr txBox="1"/>
+          <p:nvPr/>
+        </p:nvSpPr>
+        <p:spPr>
+          <a:xfrm>
+            <a:off x="3342640" y="3485634"/>
+            <a:ext cx="2191626" cy="369332"/>
+          </a:xfrm>
+          <a:prstGeom prst="rect">
+            <a:avLst/>
+          </a:prstGeom>
+          <a:noFill/>
+        </p:spPr>
+        <p:txBody>
+          <a:bodyPr wrap="none" rtlCol="0">
+            <a:spAutoFit/>
+          </a:bodyPr>
+          <a:lstStyle/>
+          <a:p>
+            <a:r>
+              <a:rPr lang="ko-KR" altLang="en-US" dirty="0" err="1"/>
+              <a:t>어노테이션</a:t>
+            </a:r>
+            <a:r>
+              <a:rPr lang="ko-KR" altLang="en-US" dirty="0"/>
+              <a:t> 방식 </a:t>
+            </a:r>
+            <a:r>
+              <a:rPr lang="en-US" altLang="ko-KR" dirty="0"/>
+              <a:t>DI</a:t>
+            </a:r>
+            <a:endParaRPr lang="ko-KR" altLang="en-US" dirty="0"/>
+          </a:p>
+        </p:txBody>
+      </p:sp>
+      <p:sp>
+        <p:nvSpPr>
+          <p:cNvPr id="18" name="TextBox 17">
+            <a:extLst>
+              <a:ext uri="{FF2B5EF4-FFF2-40B4-BE49-F238E27FC236}">
+                <a16:creationId xmlns:a16="http://schemas.microsoft.com/office/drawing/2014/main" id="{B0AE69F9-1A15-BFD8-2288-FB5BDD90B2A6}"/>
+              </a:ext>
+            </a:extLst>
+          </p:cNvPr>
+          <p:cNvSpPr txBox="1"/>
+          <p:nvPr/>
+        </p:nvSpPr>
+        <p:spPr>
+          <a:xfrm>
+            <a:off x="7152990" y="2151241"/>
+            <a:ext cx="1628523" cy="369332"/>
+          </a:xfrm>
+          <a:prstGeom prst="rect">
+            <a:avLst/>
+          </a:prstGeom>
+          <a:noFill/>
+        </p:spPr>
+        <p:txBody>
+          <a:bodyPr wrap="none" rtlCol="0">
+            <a:spAutoFit/>
+          </a:bodyPr>
+          <a:lstStyle/>
+          <a:p>
+            <a:r>
+              <a:rPr lang="en-US" altLang="ko-KR" dirty="0"/>
+              <a:t>View Resolver</a:t>
+            </a:r>
+            <a:endParaRPr lang="ko-KR" altLang="en-US" dirty="0"/>
+          </a:p>
+        </p:txBody>
+      </p:sp>
+      <p:sp>
+        <p:nvSpPr>
+          <p:cNvPr id="19" name="TextBox 18">
+            <a:extLst>
+              <a:ext uri="{FF2B5EF4-FFF2-40B4-BE49-F238E27FC236}">
+                <a16:creationId xmlns:a16="http://schemas.microsoft.com/office/drawing/2014/main" id="{D8629103-957A-F7A9-EB57-E5C91933DFFC}"/>
+              </a:ext>
+            </a:extLst>
+          </p:cNvPr>
+          <p:cNvSpPr txBox="1"/>
+          <p:nvPr/>
+        </p:nvSpPr>
+        <p:spPr>
+          <a:xfrm>
+            <a:off x="7152989" y="3592929"/>
+            <a:ext cx="1215333" cy="369332"/>
+          </a:xfrm>
+          <a:prstGeom prst="rect">
+            <a:avLst/>
+          </a:prstGeom>
+          <a:noFill/>
+        </p:spPr>
+        <p:txBody>
+          <a:bodyPr wrap="none" rtlCol="0">
+            <a:spAutoFit/>
+          </a:bodyPr>
+          <a:lstStyle/>
+          <a:p>
+            <a:r>
+              <a:rPr lang="en-US" altLang="ko-KR" dirty="0"/>
+              <a:t>Controller</a:t>
+            </a:r>
+            <a:endParaRPr lang="ko-KR" altLang="en-US" dirty="0"/>
+          </a:p>
+        </p:txBody>
+      </p:sp>
+      <p:sp>
+        <p:nvSpPr>
+          <p:cNvPr id="20" name="TextBox 19">
+            <a:extLst>
+              <a:ext uri="{FF2B5EF4-FFF2-40B4-BE49-F238E27FC236}">
+                <a16:creationId xmlns:a16="http://schemas.microsoft.com/office/drawing/2014/main" id="{403CB263-43BA-5E2E-E563-38870A7D52A2}"/>
+              </a:ext>
+            </a:extLst>
+          </p:cNvPr>
+          <p:cNvSpPr txBox="1"/>
+          <p:nvPr/>
+        </p:nvSpPr>
+        <p:spPr>
+          <a:xfrm>
+            <a:off x="833181" y="6165334"/>
+            <a:ext cx="10525638" cy="369332"/>
+          </a:xfrm>
+          <a:prstGeom prst="rect">
+            <a:avLst/>
+          </a:prstGeom>
+          <a:noFill/>
+        </p:spPr>
+        <p:txBody>
+          <a:bodyPr wrap="none" rtlCol="0">
+            <a:spAutoFit/>
+          </a:bodyPr>
+          <a:lstStyle/>
+          <a:p>
+            <a:r>
+              <a:rPr lang="en-US" altLang="ko-KR" dirty="0"/>
+              <a:t>SC 1</a:t>
+            </a:r>
+            <a:r>
+              <a:rPr lang="ko-KR" altLang="en-US" dirty="0"/>
+              <a:t>번에서 </a:t>
+            </a:r>
+            <a:r>
+              <a:rPr lang="en-US" altLang="ko-KR" dirty="0"/>
+              <a:t>2</a:t>
+            </a:r>
+            <a:r>
+              <a:rPr lang="ko-KR" altLang="en-US" dirty="0"/>
+              <a:t>번을 의존성주입 받을 수 없음</a:t>
+            </a:r>
+            <a:r>
+              <a:rPr lang="en-US" altLang="ko-KR" dirty="0"/>
+              <a:t>. </a:t>
+            </a:r>
+            <a:r>
+              <a:rPr lang="ko-KR" altLang="en-US" dirty="0"/>
+              <a:t>반대는 가능함 </a:t>
+            </a:r>
+            <a:r>
+              <a:rPr lang="en-US" altLang="ko-KR" dirty="0"/>
+              <a:t>&gt; </a:t>
+            </a:r>
+            <a:r>
+              <a:rPr lang="ko-KR" altLang="en-US" dirty="0"/>
+              <a:t>이미 만들어져 있는 인스턴스이기 때문</a:t>
+            </a:r>
+          </a:p>
+        </p:txBody>
+      </p:sp>
+      <p:cxnSp>
+        <p:nvCxnSpPr>
+          <p:cNvPr id="22" name="직선 화살표 연결선 21">
+            <a:extLst>
+              <a:ext uri="{FF2B5EF4-FFF2-40B4-BE49-F238E27FC236}">
+                <a16:creationId xmlns:a16="http://schemas.microsoft.com/office/drawing/2014/main" id="{1EBDC7A0-0C1D-1E4D-FEDE-A870E712FCDE}"/>
+              </a:ext>
+            </a:extLst>
+          </p:cNvPr>
+          <p:cNvCxnSpPr>
+            <a:stCxn id="9" idx="0"/>
+          </p:cNvCxnSpPr>
+          <p:nvPr/>
+        </p:nvCxnSpPr>
+        <p:spPr>
+          <a:xfrm flipV="1">
+            <a:off x="2541633" y="1595120"/>
+            <a:ext cx="623088" cy="294640"/>
+          </a:xfrm>
+          <a:prstGeom prst="straightConnector1">
+            <a:avLst/>
+          </a:prstGeom>
+          <a:ln>
+            <a:tailEnd type="triangle"/>
+          </a:ln>
+        </p:spPr>
+        <p:style>
+          <a:lnRef idx="1">
+            <a:schemeClr val="accent1"/>
+          </a:lnRef>
+          <a:fillRef idx="0">
+            <a:schemeClr val="accent1"/>
+          </a:fillRef>
+          <a:effectRef idx="0">
+            <a:schemeClr val="accent1"/>
+          </a:effectRef>
+          <a:fontRef idx="minor">
+            <a:schemeClr val="tx1"/>
+          </a:fontRef>
+        </p:style>
+      </p:cxnSp>
+      <p:sp>
+        <p:nvSpPr>
+          <p:cNvPr id="23" name="TextBox 22">
+            <a:extLst>
+              <a:ext uri="{FF2B5EF4-FFF2-40B4-BE49-F238E27FC236}">
+                <a16:creationId xmlns:a16="http://schemas.microsoft.com/office/drawing/2014/main" id="{4C1FED5A-C122-9288-221F-EFD165723920}"/>
+              </a:ext>
+            </a:extLst>
+          </p:cNvPr>
+          <p:cNvSpPr txBox="1"/>
+          <p:nvPr/>
+        </p:nvSpPr>
+        <p:spPr>
+          <a:xfrm>
+            <a:off x="3187964" y="1410454"/>
+            <a:ext cx="1013419" cy="369332"/>
+          </a:xfrm>
+          <a:prstGeom prst="rect">
+            <a:avLst/>
+          </a:prstGeom>
+          <a:noFill/>
+        </p:spPr>
+        <p:txBody>
+          <a:bodyPr wrap="none" rtlCol="0">
+            <a:spAutoFit/>
+          </a:bodyPr>
+          <a:lstStyle/>
+          <a:p>
+            <a:r>
+              <a:rPr lang="en-US" altLang="ko-KR" dirty="0"/>
+              <a:t>xml</a:t>
+            </a:r>
+            <a:r>
+              <a:rPr lang="ko-KR" altLang="en-US" dirty="0"/>
+              <a:t>방식</a:t>
+            </a:r>
+          </a:p>
+        </p:txBody>
+      </p:sp>
+      <p:cxnSp>
+        <p:nvCxnSpPr>
+          <p:cNvPr id="24" name="직선 화살표 연결선 23">
+            <a:extLst>
+              <a:ext uri="{FF2B5EF4-FFF2-40B4-BE49-F238E27FC236}">
+                <a16:creationId xmlns:a16="http://schemas.microsoft.com/office/drawing/2014/main" id="{9EF1014C-288E-9915-201B-F67832952F96}"/>
+              </a:ext>
+            </a:extLst>
+          </p:cNvPr>
+          <p:cNvCxnSpPr>
+            <a:cxnSpLocks/>
+            <a:stCxn id="12" idx="2"/>
+          </p:cNvCxnSpPr>
+          <p:nvPr/>
+        </p:nvCxnSpPr>
+        <p:spPr>
+          <a:xfrm>
+            <a:off x="2348023" y="4301113"/>
+            <a:ext cx="816698" cy="344448"/>
+          </a:xfrm>
+          <a:prstGeom prst="straightConnector1">
+            <a:avLst/>
+          </a:prstGeom>
+          <a:ln>
+            <a:tailEnd type="triangle"/>
+          </a:ln>
+        </p:spPr>
+        <p:style>
+          <a:lnRef idx="1">
+            <a:schemeClr val="accent1"/>
+          </a:lnRef>
+          <a:fillRef idx="0">
+            <a:schemeClr val="accent1"/>
+          </a:fillRef>
+          <a:effectRef idx="0">
+            <a:schemeClr val="accent1"/>
+          </a:effectRef>
+          <a:fontRef idx="minor">
+            <a:schemeClr val="tx1"/>
+          </a:fontRef>
+        </p:style>
+      </p:cxnSp>
+      <p:sp>
+        <p:nvSpPr>
+          <p:cNvPr id="25" name="TextBox 24">
+            <a:extLst>
+              <a:ext uri="{FF2B5EF4-FFF2-40B4-BE49-F238E27FC236}">
+                <a16:creationId xmlns:a16="http://schemas.microsoft.com/office/drawing/2014/main" id="{86835C6B-69EC-B71C-7405-29E6A0917020}"/>
+              </a:ext>
+            </a:extLst>
+          </p:cNvPr>
+          <p:cNvSpPr txBox="1"/>
+          <p:nvPr/>
+        </p:nvSpPr>
+        <p:spPr>
+          <a:xfrm>
+            <a:off x="3187964" y="4460895"/>
+            <a:ext cx="1591288" cy="646331"/>
+          </a:xfrm>
+          <a:prstGeom prst="rect">
+            <a:avLst/>
+          </a:prstGeom>
+          <a:noFill/>
+        </p:spPr>
+        <p:txBody>
+          <a:bodyPr wrap="square" rtlCol="0">
+            <a:spAutoFit/>
+          </a:bodyPr>
+          <a:lstStyle/>
+          <a:p>
+            <a:r>
+              <a:rPr lang="ko-KR" altLang="en-US" dirty="0" err="1"/>
+              <a:t>어노테이션</a:t>
+            </a:r>
+            <a:r>
+              <a:rPr lang="ko-KR" altLang="en-US" dirty="0"/>
+              <a:t> 방식</a:t>
+            </a:r>
+          </a:p>
+        </p:txBody>
+      </p:sp>
+    </p:spTree>
+    <p:extLst>
+      <p:ext uri="{BB962C8B-B14F-4D97-AF65-F5344CB8AC3E}">
+        <p14:creationId xmlns:p14="http://schemas.microsoft.com/office/powerpoint/2010/main" val="1614791597"/>
+      </p:ext>
+    </p:extLst>
+  </p:cSld>
+  <p:clrMapOvr>
+    <a:masterClrMapping/>
+  </p:clrMapOvr>
+</p:sld>
+</file>
+
+<file path=ppt/slides/slide12.xml><?xml version="1.0" encoding="utf-8"?>
+<p:sld xmlns:a="http://schemas.openxmlformats.org/drawingml/2006/main" xmlns:r="http://schemas.openxmlformats.org/officeDocument/2006/relationships" xmlns:p="http://schemas.openxmlformats.org/presentationml/2006/main">
+  <p:cSld>
+    <p:spTree>
+      <p:nvGrpSpPr>
+        <p:cNvPr id="1" name=""/>
+        <p:cNvGrpSpPr/>
+        <p:nvPr/>
+      </p:nvGrpSpPr>
+      <p:grpSpPr>
+        <a:xfrm>
+          <a:off x="0" y="0"/>
+          <a:ext cx="0" cy="0"/>
+          <a:chOff x="0" y="0"/>
+          <a:chExt cx="0" cy="0"/>
+        </a:xfrm>
+      </p:grpSpPr>
+      <p:pic>
+        <p:nvPicPr>
+          <p:cNvPr id="5" name="그림 4">
+            <a:extLst>
+              <a:ext uri="{FF2B5EF4-FFF2-40B4-BE49-F238E27FC236}">
+                <a16:creationId xmlns:a16="http://schemas.microsoft.com/office/drawing/2014/main" id="{4BB396D7-7568-3EF6-45B5-EC0C4E627298}"/>
+              </a:ext>
+            </a:extLst>
+          </p:cNvPr>
+          <p:cNvPicPr>
+            <a:picLocks noChangeAspect="1"/>
+          </p:cNvPicPr>
+          <p:nvPr/>
+        </p:nvPicPr>
+        <p:blipFill>
+          <a:blip r:embed="rId2"/>
+          <a:stretch>
+            <a:fillRect/>
+          </a:stretch>
+        </p:blipFill>
+        <p:spPr>
+          <a:xfrm>
+            <a:off x="1208899" y="6163592"/>
+            <a:ext cx="6563641" cy="504895"/>
+          </a:xfrm>
+          <a:prstGeom prst="rect">
+            <a:avLst/>
+          </a:prstGeom>
+        </p:spPr>
+      </p:pic>
+      <p:sp>
+        <p:nvSpPr>
+          <p:cNvPr id="6" name="TextBox 5">
+            <a:extLst>
+              <a:ext uri="{FF2B5EF4-FFF2-40B4-BE49-F238E27FC236}">
+                <a16:creationId xmlns:a16="http://schemas.microsoft.com/office/drawing/2014/main" id="{BE1B3DDB-25AC-EE26-CD64-811FBB64A997}"/>
+              </a:ext>
+            </a:extLst>
+          </p:cNvPr>
+          <p:cNvSpPr txBox="1"/>
+          <p:nvPr/>
+        </p:nvSpPr>
+        <p:spPr>
+          <a:xfrm>
+            <a:off x="8016240" y="6163592"/>
+            <a:ext cx="1651414" cy="369332"/>
+          </a:xfrm>
+          <a:prstGeom prst="rect">
+            <a:avLst/>
+          </a:prstGeom>
+          <a:noFill/>
+        </p:spPr>
+        <p:txBody>
+          <a:bodyPr wrap="none" rtlCol="0">
+            <a:spAutoFit/>
+          </a:bodyPr>
+          <a:lstStyle/>
+          <a:p>
+            <a:r>
+              <a:rPr lang="ko-KR" altLang="en-US" dirty="0"/>
+              <a:t>가변인자 형태</a:t>
+            </a:r>
+          </a:p>
+        </p:txBody>
+      </p:sp>
+      <p:pic>
+        <p:nvPicPr>
+          <p:cNvPr id="8" name="그림 7">
+            <a:extLst>
+              <a:ext uri="{FF2B5EF4-FFF2-40B4-BE49-F238E27FC236}">
+                <a16:creationId xmlns:a16="http://schemas.microsoft.com/office/drawing/2014/main" id="{B55395A7-C11B-E717-7AFF-B67C049E1B19}"/>
+              </a:ext>
+            </a:extLst>
+          </p:cNvPr>
+          <p:cNvPicPr>
+            <a:picLocks noChangeAspect="1"/>
+          </p:cNvPicPr>
+          <p:nvPr/>
+        </p:nvPicPr>
+        <p:blipFill>
+          <a:blip r:embed="rId3"/>
+          <a:stretch>
+            <a:fillRect/>
+          </a:stretch>
+        </p:blipFill>
+        <p:spPr>
+          <a:xfrm>
+            <a:off x="0" y="2698077"/>
+            <a:ext cx="6248400" cy="2085697"/>
+          </a:xfrm>
+          <a:prstGeom prst="rect">
+            <a:avLst/>
+          </a:prstGeom>
+        </p:spPr>
+      </p:pic>
+      <p:pic>
+        <p:nvPicPr>
+          <p:cNvPr id="10" name="그림 9">
+            <a:extLst>
+              <a:ext uri="{FF2B5EF4-FFF2-40B4-BE49-F238E27FC236}">
+                <a16:creationId xmlns:a16="http://schemas.microsoft.com/office/drawing/2014/main" id="{F6044F71-0445-297D-F0C8-345BC4E13BD8}"/>
+              </a:ext>
+            </a:extLst>
+          </p:cNvPr>
+          <p:cNvPicPr>
+            <a:picLocks noChangeAspect="1"/>
+          </p:cNvPicPr>
+          <p:nvPr/>
+        </p:nvPicPr>
+        <p:blipFill>
+          <a:blip r:embed="rId4"/>
+          <a:stretch>
+            <a:fillRect/>
+          </a:stretch>
+        </p:blipFill>
+        <p:spPr>
+          <a:xfrm>
+            <a:off x="91440" y="5115696"/>
+            <a:ext cx="7049484" cy="1047896"/>
+          </a:xfrm>
+          <a:prstGeom prst="rect">
+            <a:avLst/>
+          </a:prstGeom>
+        </p:spPr>
+      </p:pic>
+      <p:sp>
+        <p:nvSpPr>
+          <p:cNvPr id="11" name="TextBox 10">
+            <a:extLst>
+              <a:ext uri="{FF2B5EF4-FFF2-40B4-BE49-F238E27FC236}">
+                <a16:creationId xmlns:a16="http://schemas.microsoft.com/office/drawing/2014/main" id="{25A91CFA-C7E0-FA00-56BB-0723391D9496}"/>
+              </a:ext>
+            </a:extLst>
+          </p:cNvPr>
+          <p:cNvSpPr txBox="1"/>
+          <p:nvPr/>
+        </p:nvSpPr>
+        <p:spPr>
+          <a:xfrm>
+            <a:off x="111067" y="4673187"/>
+            <a:ext cx="4507068" cy="369332"/>
+          </a:xfrm>
+          <a:prstGeom prst="rect">
+            <a:avLst/>
+          </a:prstGeom>
+          <a:noFill/>
+        </p:spPr>
+        <p:txBody>
+          <a:bodyPr wrap="none" rtlCol="0">
+            <a:spAutoFit/>
+          </a:bodyPr>
+          <a:lstStyle/>
+          <a:p>
+            <a:r>
+              <a:rPr lang="en-US" altLang="ko-KR" dirty="0" err="1"/>
+              <a:t>Jdbc</a:t>
+            </a:r>
+            <a:r>
+              <a:rPr lang="en-US" altLang="ko-KR" dirty="0"/>
+              <a:t> spring</a:t>
+            </a:r>
+            <a:r>
+              <a:rPr lang="ko-KR" altLang="en-US" dirty="0"/>
+              <a:t>의 기능을 통한 </a:t>
+            </a:r>
+            <a:r>
+              <a:rPr lang="en-US" altLang="ko-KR" dirty="0"/>
+              <a:t>DAO</a:t>
+            </a:r>
+            <a:r>
+              <a:rPr lang="ko-KR" altLang="en-US" dirty="0"/>
+              <a:t>의 단순화</a:t>
+            </a:r>
+          </a:p>
+        </p:txBody>
+      </p:sp>
+      <p:pic>
+        <p:nvPicPr>
+          <p:cNvPr id="13" name="그림 12">
+            <a:extLst>
+              <a:ext uri="{FF2B5EF4-FFF2-40B4-BE49-F238E27FC236}">
+                <a16:creationId xmlns:a16="http://schemas.microsoft.com/office/drawing/2014/main" id="{6F83DBB1-8C23-3F2E-D594-A61EA22EB14B}"/>
+              </a:ext>
+            </a:extLst>
+          </p:cNvPr>
+          <p:cNvPicPr>
+            <a:picLocks noChangeAspect="1"/>
+          </p:cNvPicPr>
+          <p:nvPr/>
+        </p:nvPicPr>
+        <p:blipFill>
+          <a:blip r:embed="rId5"/>
+          <a:stretch>
+            <a:fillRect/>
+          </a:stretch>
+        </p:blipFill>
+        <p:spPr>
+          <a:xfrm>
+            <a:off x="0" y="1577004"/>
+            <a:ext cx="8268854" cy="1047896"/>
+          </a:xfrm>
+          <a:prstGeom prst="rect">
+            <a:avLst/>
+          </a:prstGeom>
+        </p:spPr>
+      </p:pic>
+      <p:pic>
+        <p:nvPicPr>
+          <p:cNvPr id="15" name="그림 14">
+            <a:extLst>
+              <a:ext uri="{FF2B5EF4-FFF2-40B4-BE49-F238E27FC236}">
+                <a16:creationId xmlns:a16="http://schemas.microsoft.com/office/drawing/2014/main" id="{45252D16-2EF6-114E-AEA5-02E5B0B6DE8A}"/>
+              </a:ext>
+            </a:extLst>
+          </p:cNvPr>
+          <p:cNvPicPr>
+            <a:picLocks noChangeAspect="1"/>
+          </p:cNvPicPr>
+          <p:nvPr/>
+        </p:nvPicPr>
+        <p:blipFill>
+          <a:blip r:embed="rId6"/>
+          <a:stretch>
+            <a:fillRect/>
+          </a:stretch>
+        </p:blipFill>
+        <p:spPr>
+          <a:xfrm>
+            <a:off x="91440" y="79953"/>
+            <a:ext cx="7552299" cy="1423873"/>
+          </a:xfrm>
+          <a:prstGeom prst="rect">
+            <a:avLst/>
+          </a:prstGeom>
+        </p:spPr>
+      </p:pic>
+      <p:sp>
+        <p:nvSpPr>
+          <p:cNvPr id="16" name="TextBox 15">
+            <a:extLst>
+              <a:ext uri="{FF2B5EF4-FFF2-40B4-BE49-F238E27FC236}">
+                <a16:creationId xmlns:a16="http://schemas.microsoft.com/office/drawing/2014/main" id="{89154319-409F-8A81-7501-4461ADF91044}"/>
+              </a:ext>
+            </a:extLst>
+          </p:cNvPr>
+          <p:cNvSpPr txBox="1"/>
+          <p:nvPr/>
+        </p:nvSpPr>
+        <p:spPr>
+          <a:xfrm>
+            <a:off x="8016240" y="398709"/>
+            <a:ext cx="3371949" cy="369332"/>
+          </a:xfrm>
+          <a:prstGeom prst="rect">
+            <a:avLst/>
+          </a:prstGeom>
+          <a:noFill/>
+        </p:spPr>
+        <p:txBody>
+          <a:bodyPr wrap="none" rtlCol="0">
+            <a:spAutoFit/>
+          </a:bodyPr>
+          <a:lstStyle/>
+          <a:p>
+            <a:r>
+              <a:rPr lang="en-US" altLang="ko-KR" dirty="0" err="1"/>
+              <a:t>Springjdbc</a:t>
+            </a:r>
+            <a:r>
+              <a:rPr lang="ko-KR" altLang="en-US" dirty="0"/>
+              <a:t>를 </a:t>
+            </a:r>
+            <a:r>
+              <a:rPr lang="en-US" altLang="ko-KR" dirty="0"/>
+              <a:t>porm.xml</a:t>
+            </a:r>
+            <a:r>
+              <a:rPr lang="ko-KR" altLang="en-US" dirty="0"/>
+              <a:t>에 삽입</a:t>
+            </a:r>
+          </a:p>
+        </p:txBody>
+      </p:sp>
+      <p:sp>
+        <p:nvSpPr>
+          <p:cNvPr id="17" name="TextBox 16">
+            <a:extLst>
+              <a:ext uri="{FF2B5EF4-FFF2-40B4-BE49-F238E27FC236}">
+                <a16:creationId xmlns:a16="http://schemas.microsoft.com/office/drawing/2014/main" id="{CAA03B95-9840-A14B-9739-90F062A389A9}"/>
+              </a:ext>
+            </a:extLst>
+          </p:cNvPr>
+          <p:cNvSpPr txBox="1"/>
+          <p:nvPr/>
+        </p:nvSpPr>
+        <p:spPr>
+          <a:xfrm>
+            <a:off x="7929187" y="1777786"/>
+            <a:ext cx="3940502" cy="646331"/>
+          </a:xfrm>
+          <a:prstGeom prst="rect">
+            <a:avLst/>
+          </a:prstGeom>
+          <a:noFill/>
+        </p:spPr>
+        <p:txBody>
+          <a:bodyPr wrap="none" rtlCol="0">
+            <a:spAutoFit/>
+          </a:bodyPr>
+          <a:lstStyle/>
+          <a:p>
+            <a:r>
+              <a:rPr lang="en-US" altLang="ko-KR" dirty="0"/>
+              <a:t>Root context.xml</a:t>
+            </a:r>
+            <a:r>
+              <a:rPr lang="ko-KR" altLang="en-US" dirty="0"/>
+              <a:t>에 </a:t>
+            </a:r>
+            <a:r>
+              <a:rPr lang="ko-KR" altLang="en-US" dirty="0" err="1"/>
+              <a:t>히카리</a:t>
+            </a:r>
+            <a:r>
+              <a:rPr lang="en-US" altLang="ko-KR" dirty="0"/>
+              <a:t>cp</a:t>
+            </a:r>
+            <a:r>
+              <a:rPr lang="ko-KR" altLang="en-US" dirty="0"/>
+              <a:t>를</a:t>
+            </a:r>
+            <a:endParaRPr lang="en-US" altLang="ko-KR" dirty="0"/>
+          </a:p>
+          <a:p>
+            <a:r>
+              <a:rPr lang="ko-KR" altLang="en-US" dirty="0"/>
+              <a:t>참조하는 </a:t>
+            </a:r>
+            <a:r>
+              <a:rPr lang="en-US" altLang="ko-KR" dirty="0" err="1"/>
+              <a:t>SpringJDBC</a:t>
+            </a:r>
+            <a:r>
+              <a:rPr lang="en-US" altLang="ko-KR" dirty="0"/>
+              <a:t> </a:t>
+            </a:r>
+            <a:r>
+              <a:rPr lang="ko-KR" altLang="en-US" dirty="0"/>
+              <a:t>인스턴스 생성</a:t>
+            </a:r>
+            <a:endParaRPr lang="en-US" altLang="ko-KR" dirty="0"/>
+          </a:p>
+        </p:txBody>
+      </p:sp>
+    </p:spTree>
+    <p:extLst>
+      <p:ext uri="{BB962C8B-B14F-4D97-AF65-F5344CB8AC3E}">
+        <p14:creationId xmlns:p14="http://schemas.microsoft.com/office/powerpoint/2010/main" val="330820886"/>
+      </p:ext>
+    </p:extLst>
+  </p:cSld>
+  <p:clrMapOvr>
+    <a:masterClrMapping/>
+  </p:clrMapOvr>
+</p:sld>
+</file>
+
+<file path=ppt/slides/slide13.xml><?xml version="1.0" encoding="utf-8"?>
+<p:sld xmlns:a="http://schemas.openxmlformats.org/drawingml/2006/main" xmlns:r="http://schemas.openxmlformats.org/officeDocument/2006/relationships" xmlns:p="http://schemas.openxmlformats.org/presentationml/2006/main">
+  <p:cSld>
+    <p:spTree>
+      <p:nvGrpSpPr>
+        <p:cNvPr id="1" name=""/>
+        <p:cNvGrpSpPr/>
+        <p:nvPr/>
+      </p:nvGrpSpPr>
+      <p:grpSpPr>
+        <a:xfrm>
+          <a:off x="0" y="0"/>
+          <a:ext cx="0" cy="0"/>
+          <a:chOff x="0" y="0"/>
+          <a:chExt cx="0" cy="0"/>
+        </a:xfrm>
+      </p:grpSpPr>
+      <p:pic>
+        <p:nvPicPr>
+          <p:cNvPr id="5" name="그림 4">
+            <a:extLst>
+              <a:ext uri="{FF2B5EF4-FFF2-40B4-BE49-F238E27FC236}">
+                <a16:creationId xmlns:a16="http://schemas.microsoft.com/office/drawing/2014/main" id="{EE206F28-B976-18CE-D448-2AE8BA34897D}"/>
+              </a:ext>
+            </a:extLst>
+          </p:cNvPr>
+          <p:cNvPicPr>
+            <a:picLocks noChangeAspect="1"/>
+          </p:cNvPicPr>
+          <p:nvPr/>
+        </p:nvPicPr>
+        <p:blipFill>
+          <a:blip r:embed="rId2"/>
+          <a:stretch>
+            <a:fillRect/>
+          </a:stretch>
+        </p:blipFill>
+        <p:spPr>
+          <a:xfrm>
+            <a:off x="0" y="724696"/>
+            <a:ext cx="8316486" cy="2238687"/>
+          </a:xfrm>
+          <a:prstGeom prst="rect">
+            <a:avLst/>
+          </a:prstGeom>
+        </p:spPr>
+      </p:pic>
+      <p:sp>
+        <p:nvSpPr>
+          <p:cNvPr id="6" name="TextBox 5">
+            <a:extLst>
+              <a:ext uri="{FF2B5EF4-FFF2-40B4-BE49-F238E27FC236}">
+                <a16:creationId xmlns:a16="http://schemas.microsoft.com/office/drawing/2014/main" id="{A2D354CD-08AE-1288-3F37-BC14732F26F4}"/>
+              </a:ext>
+            </a:extLst>
+          </p:cNvPr>
+          <p:cNvSpPr txBox="1"/>
+          <p:nvPr/>
+        </p:nvSpPr>
+        <p:spPr>
+          <a:xfrm>
+            <a:off x="152400" y="223520"/>
+            <a:ext cx="8104526" cy="369332"/>
+          </a:xfrm>
+          <a:prstGeom prst="rect">
+            <a:avLst/>
+          </a:prstGeom>
+          <a:noFill/>
+        </p:spPr>
+        <p:txBody>
+          <a:bodyPr wrap="none" rtlCol="0">
+            <a:spAutoFit/>
+          </a:bodyPr>
+          <a:lstStyle/>
+          <a:p>
+            <a:r>
+              <a:rPr lang="en-US" altLang="ko-KR" dirty="0"/>
+              <a:t>Ajax</a:t>
+            </a:r>
+            <a:r>
+              <a:rPr lang="ko-KR" altLang="en-US" dirty="0"/>
+              <a:t> 사용시데이터를 그대로 페이지로 보내기 위해서</a:t>
+            </a:r>
+            <a:r>
+              <a:rPr lang="en-US" altLang="ko-KR" dirty="0"/>
+              <a:t> @ResponseBody </a:t>
+            </a:r>
+            <a:r>
+              <a:rPr lang="ko-KR" altLang="en-US" dirty="0"/>
+              <a:t>설정 </a:t>
+            </a:r>
+          </a:p>
+        </p:txBody>
+      </p:sp>
+      <p:pic>
+        <p:nvPicPr>
+          <p:cNvPr id="8" name="그림 7">
+            <a:extLst>
+              <a:ext uri="{FF2B5EF4-FFF2-40B4-BE49-F238E27FC236}">
+                <a16:creationId xmlns:a16="http://schemas.microsoft.com/office/drawing/2014/main" id="{743416B5-78BE-D902-92AF-F56C00FAA1CB}"/>
+              </a:ext>
+            </a:extLst>
+          </p:cNvPr>
+          <p:cNvPicPr>
+            <a:picLocks noChangeAspect="1"/>
+          </p:cNvPicPr>
+          <p:nvPr/>
+        </p:nvPicPr>
+        <p:blipFill>
+          <a:blip r:embed="rId3"/>
+          <a:stretch>
+            <a:fillRect/>
+          </a:stretch>
+        </p:blipFill>
+        <p:spPr>
+          <a:xfrm>
+            <a:off x="0" y="3459029"/>
+            <a:ext cx="6382641" cy="238158"/>
+          </a:xfrm>
+          <a:prstGeom prst="rect">
+            <a:avLst/>
+          </a:prstGeom>
+        </p:spPr>
+      </p:pic>
+      <p:sp>
+        <p:nvSpPr>
+          <p:cNvPr id="9" name="TextBox 8">
+            <a:extLst>
+              <a:ext uri="{FF2B5EF4-FFF2-40B4-BE49-F238E27FC236}">
+                <a16:creationId xmlns:a16="http://schemas.microsoft.com/office/drawing/2014/main" id="{1F09D16A-B767-0717-AABD-794E2A8CB73C}"/>
+              </a:ext>
+            </a:extLst>
+          </p:cNvPr>
+          <p:cNvSpPr txBox="1"/>
+          <p:nvPr/>
+        </p:nvSpPr>
+        <p:spPr>
+          <a:xfrm>
+            <a:off x="152400" y="2910561"/>
+            <a:ext cx="3791423" cy="369332"/>
+          </a:xfrm>
+          <a:prstGeom prst="rect">
+            <a:avLst/>
+          </a:prstGeom>
+          <a:noFill/>
+        </p:spPr>
+        <p:txBody>
+          <a:bodyPr wrap="none" rtlCol="0">
+            <a:spAutoFit/>
+          </a:bodyPr>
+          <a:lstStyle/>
+          <a:p>
+            <a:r>
+              <a:rPr lang="ko-KR" altLang="en-US" dirty="0"/>
+              <a:t>한글 처리하기 위해 </a:t>
+            </a:r>
+            <a:r>
+              <a:rPr lang="en-US" altLang="ko-KR" dirty="0"/>
+              <a:t>encoding </a:t>
+            </a:r>
+            <a:r>
+              <a:rPr lang="ko-KR" altLang="en-US" dirty="0"/>
+              <a:t>처리</a:t>
+            </a:r>
+          </a:p>
+        </p:txBody>
+      </p:sp>
+      <p:pic>
+        <p:nvPicPr>
+          <p:cNvPr id="11" name="그림 10">
+            <a:extLst>
+              <a:ext uri="{FF2B5EF4-FFF2-40B4-BE49-F238E27FC236}">
+                <a16:creationId xmlns:a16="http://schemas.microsoft.com/office/drawing/2014/main" id="{0BDD7302-5979-EC39-E768-9FFA42D0C857}"/>
+              </a:ext>
+            </a:extLst>
+          </p:cNvPr>
+          <p:cNvPicPr>
+            <a:picLocks noChangeAspect="1"/>
+          </p:cNvPicPr>
+          <p:nvPr/>
+        </p:nvPicPr>
+        <p:blipFill>
+          <a:blip r:embed="rId4"/>
+          <a:stretch>
+            <a:fillRect/>
+          </a:stretch>
+        </p:blipFill>
+        <p:spPr>
+          <a:xfrm>
+            <a:off x="6704834" y="5124208"/>
+            <a:ext cx="5487166" cy="1733792"/>
+          </a:xfrm>
+          <a:prstGeom prst="rect">
+            <a:avLst/>
+          </a:prstGeom>
+        </p:spPr>
+      </p:pic>
+      <p:sp>
+        <p:nvSpPr>
+          <p:cNvPr id="12" name="TextBox 11">
+            <a:extLst>
+              <a:ext uri="{FF2B5EF4-FFF2-40B4-BE49-F238E27FC236}">
+                <a16:creationId xmlns:a16="http://schemas.microsoft.com/office/drawing/2014/main" id="{22534EEA-20EA-903A-2825-9BC0358BA485}"/>
+              </a:ext>
+            </a:extLst>
+          </p:cNvPr>
+          <p:cNvSpPr txBox="1"/>
+          <p:nvPr/>
+        </p:nvSpPr>
+        <p:spPr>
+          <a:xfrm>
+            <a:off x="7708286" y="4658081"/>
+            <a:ext cx="4094391" cy="369332"/>
+          </a:xfrm>
+          <a:prstGeom prst="rect">
+            <a:avLst/>
+          </a:prstGeom>
+          <a:noFill/>
+        </p:spPr>
+        <p:txBody>
+          <a:bodyPr wrap="none" rtlCol="0">
+            <a:spAutoFit/>
+          </a:bodyPr>
+          <a:lstStyle/>
+          <a:p>
+            <a:r>
+              <a:rPr lang="en-US" altLang="ko-KR" dirty="0"/>
+              <a:t>Ajax</a:t>
+            </a:r>
+            <a:r>
+              <a:rPr lang="ko-KR" altLang="en-US" dirty="0"/>
+              <a:t>시 </a:t>
+            </a:r>
+            <a:r>
+              <a:rPr lang="en-US" altLang="ko-KR" dirty="0" err="1"/>
+              <a:t>json</a:t>
+            </a:r>
+            <a:r>
+              <a:rPr lang="en-US" altLang="ko-KR" dirty="0"/>
+              <a:t> parse </a:t>
+            </a:r>
+            <a:r>
+              <a:rPr lang="ko-KR" altLang="en-US" dirty="0"/>
+              <a:t>시 </a:t>
+            </a:r>
+            <a:r>
+              <a:rPr lang="ko-KR" altLang="en-US" dirty="0" err="1"/>
+              <a:t>불가능에러</a:t>
+            </a:r>
+            <a:r>
+              <a:rPr lang="ko-KR" altLang="en-US" dirty="0"/>
+              <a:t> 참조</a:t>
+            </a:r>
+          </a:p>
+        </p:txBody>
+      </p:sp>
+      <p:pic>
+        <p:nvPicPr>
+          <p:cNvPr id="14" name="그림 13">
+            <a:extLst>
+              <a:ext uri="{FF2B5EF4-FFF2-40B4-BE49-F238E27FC236}">
+                <a16:creationId xmlns:a16="http://schemas.microsoft.com/office/drawing/2014/main" id="{5ADA4CF7-B248-DCA1-0129-DAF0AB62650B}"/>
+              </a:ext>
+            </a:extLst>
+          </p:cNvPr>
+          <p:cNvPicPr>
+            <a:picLocks noChangeAspect="1"/>
+          </p:cNvPicPr>
+          <p:nvPr/>
+        </p:nvPicPr>
+        <p:blipFill>
+          <a:blip r:embed="rId5"/>
+          <a:stretch>
+            <a:fillRect/>
+          </a:stretch>
+        </p:blipFill>
+        <p:spPr>
+          <a:xfrm>
+            <a:off x="0" y="6030036"/>
+            <a:ext cx="4067743" cy="771633"/>
+          </a:xfrm>
+          <a:prstGeom prst="rect">
+            <a:avLst/>
+          </a:prstGeom>
+        </p:spPr>
+      </p:pic>
+      <p:sp>
+        <p:nvSpPr>
+          <p:cNvPr id="15" name="TextBox 14">
+            <a:extLst>
+              <a:ext uri="{FF2B5EF4-FFF2-40B4-BE49-F238E27FC236}">
+                <a16:creationId xmlns:a16="http://schemas.microsoft.com/office/drawing/2014/main" id="{564F9A04-D412-6E2B-0F0E-A39E623100C4}"/>
+              </a:ext>
+            </a:extLst>
+          </p:cNvPr>
+          <p:cNvSpPr txBox="1"/>
+          <p:nvPr/>
+        </p:nvSpPr>
+        <p:spPr>
+          <a:xfrm>
+            <a:off x="0" y="5526339"/>
+            <a:ext cx="5402441" cy="369332"/>
+          </a:xfrm>
+          <a:prstGeom prst="rect">
+            <a:avLst/>
+          </a:prstGeom>
+          <a:noFill/>
+        </p:spPr>
+        <p:txBody>
+          <a:bodyPr wrap="none" rtlCol="0">
+            <a:spAutoFit/>
+          </a:bodyPr>
+          <a:lstStyle/>
+          <a:p>
+            <a:r>
+              <a:rPr lang="en-US" altLang="ko-KR" dirty="0"/>
+              <a:t>Boolean</a:t>
+            </a:r>
+            <a:r>
+              <a:rPr lang="ko-KR" altLang="en-US" dirty="0"/>
+              <a:t>형으로 받을 땐 </a:t>
+            </a:r>
+            <a:r>
+              <a:rPr lang="en-US" altLang="ko-KR" dirty="0"/>
+              <a:t>count(*)</a:t>
+            </a:r>
+            <a:r>
+              <a:rPr lang="ko-KR" altLang="en-US" dirty="0"/>
+              <a:t>처럼 숫자여야 함</a:t>
+            </a:r>
+            <a:r>
+              <a:rPr lang="en-US" altLang="ko-KR" dirty="0"/>
+              <a:t>.</a:t>
+            </a:r>
+            <a:endParaRPr lang="ko-KR" altLang="en-US" dirty="0"/>
+          </a:p>
+        </p:txBody>
+      </p:sp>
+    </p:spTree>
+    <p:extLst>
+      <p:ext uri="{BB962C8B-B14F-4D97-AF65-F5344CB8AC3E}">
+        <p14:creationId xmlns:p14="http://schemas.microsoft.com/office/powerpoint/2010/main" val="136316717"/>
+      </p:ext>
+    </p:extLst>
+  </p:cSld>
+  <p:clrMapOvr>
+    <a:masterClrMapping/>
+  </p:clrMapOvr>
+</p:sld>
+</file>
+
 <file path=ppt/slides/slide2.xml><?xml version="1.0" encoding="utf-8"?>
 <p:sld xmlns:a="http://schemas.openxmlformats.org/drawingml/2006/main" xmlns:r="http://schemas.openxmlformats.org/officeDocument/2006/relationships" xmlns:p="http://schemas.openxmlformats.org/presentationml/2006/main">
   <p:cSld>
@@ -7337,6 +9394,361 @@
     <p:extLst>
       <p:ext uri="{BB962C8B-B14F-4D97-AF65-F5344CB8AC3E}">
         <p14:creationId xmlns:p14="http://schemas.microsoft.com/office/powerpoint/2010/main" val="2212477849"/>
+      </p:ext>
+    </p:extLst>
+  </p:cSld>
+  <p:clrMapOvr>
+    <a:masterClrMapping/>
+  </p:clrMapOvr>
+</p:sld>
+</file>
+
+<file path=ppt/slides/slide9.xml><?xml version="1.0" encoding="utf-8"?>
+<p:sld xmlns:a="http://schemas.openxmlformats.org/drawingml/2006/main" xmlns:r="http://schemas.openxmlformats.org/officeDocument/2006/relationships" xmlns:p="http://schemas.openxmlformats.org/presentationml/2006/main">
+  <p:cSld>
+    <p:spTree>
+      <p:nvGrpSpPr>
+        <p:cNvPr id="1" name=""/>
+        <p:cNvGrpSpPr/>
+        <p:nvPr/>
+      </p:nvGrpSpPr>
+      <p:grpSpPr>
+        <a:xfrm>
+          <a:off x="0" y="0"/>
+          <a:ext cx="0" cy="0"/>
+          <a:chOff x="0" y="0"/>
+          <a:chExt cx="0" cy="0"/>
+        </a:xfrm>
+      </p:grpSpPr>
+      <p:pic>
+        <p:nvPicPr>
+          <p:cNvPr id="5" name="그림 4">
+            <a:extLst>
+              <a:ext uri="{FF2B5EF4-FFF2-40B4-BE49-F238E27FC236}">
+                <a16:creationId xmlns:a16="http://schemas.microsoft.com/office/drawing/2014/main" id="{569F4D5E-32C0-A85C-0B7A-4DC7A740FA2E}"/>
+              </a:ext>
+            </a:extLst>
+          </p:cNvPr>
+          <p:cNvPicPr>
+            <a:picLocks noChangeAspect="1"/>
+          </p:cNvPicPr>
+          <p:nvPr/>
+        </p:nvPicPr>
+        <p:blipFill>
+          <a:blip r:embed="rId2"/>
+          <a:stretch>
+            <a:fillRect/>
+          </a:stretch>
+        </p:blipFill>
+        <p:spPr>
+          <a:xfrm>
+            <a:off x="0" y="2103282"/>
+            <a:ext cx="8421275" cy="1371791"/>
+          </a:xfrm>
+          <a:prstGeom prst="rect">
+            <a:avLst/>
+          </a:prstGeom>
+        </p:spPr>
+      </p:pic>
+      <p:pic>
+        <p:nvPicPr>
+          <p:cNvPr id="7" name="그림 6">
+            <a:extLst>
+              <a:ext uri="{FF2B5EF4-FFF2-40B4-BE49-F238E27FC236}">
+                <a16:creationId xmlns:a16="http://schemas.microsoft.com/office/drawing/2014/main" id="{62931A63-6F2B-2D0B-479D-C7903849EB78}"/>
+              </a:ext>
+            </a:extLst>
+          </p:cNvPr>
+          <p:cNvPicPr>
+            <a:picLocks noChangeAspect="1"/>
+          </p:cNvPicPr>
+          <p:nvPr/>
+        </p:nvPicPr>
+        <p:blipFill>
+          <a:blip r:embed="rId3"/>
+          <a:stretch>
+            <a:fillRect/>
+          </a:stretch>
+        </p:blipFill>
+        <p:spPr>
+          <a:xfrm>
+            <a:off x="0" y="395207"/>
+            <a:ext cx="6268325" cy="1314633"/>
+          </a:xfrm>
+          <a:prstGeom prst="rect">
+            <a:avLst/>
+          </a:prstGeom>
+        </p:spPr>
+      </p:pic>
+      <p:sp>
+        <p:nvSpPr>
+          <p:cNvPr id="8" name="TextBox 7">
+            <a:extLst>
+              <a:ext uri="{FF2B5EF4-FFF2-40B4-BE49-F238E27FC236}">
+                <a16:creationId xmlns:a16="http://schemas.microsoft.com/office/drawing/2014/main" id="{800A9F7B-6227-5FCA-23AC-158484638829}"/>
+              </a:ext>
+            </a:extLst>
+          </p:cNvPr>
+          <p:cNvSpPr txBox="1"/>
+          <p:nvPr/>
+        </p:nvSpPr>
+        <p:spPr>
+          <a:xfrm>
+            <a:off x="0" y="25875"/>
+            <a:ext cx="1112356" cy="369332"/>
+          </a:xfrm>
+          <a:prstGeom prst="rect">
+            <a:avLst/>
+          </a:prstGeom>
+          <a:noFill/>
+        </p:spPr>
+        <p:txBody>
+          <a:bodyPr wrap="none" rtlCol="0">
+            <a:spAutoFit/>
+          </a:bodyPr>
+          <a:lstStyle/>
+          <a:p>
+            <a:r>
+              <a:rPr lang="en-US" altLang="ko-KR" dirty="0" err="1"/>
+              <a:t>pormxml</a:t>
+            </a:r>
+            <a:endParaRPr lang="ko-KR" altLang="en-US" dirty="0"/>
+          </a:p>
+        </p:txBody>
+      </p:sp>
+      <p:sp>
+        <p:nvSpPr>
+          <p:cNvPr id="9" name="TextBox 8">
+            <a:extLst>
+              <a:ext uri="{FF2B5EF4-FFF2-40B4-BE49-F238E27FC236}">
+                <a16:creationId xmlns:a16="http://schemas.microsoft.com/office/drawing/2014/main" id="{5EAB9ED9-3826-C029-BD0C-E77CE247AE3C}"/>
+              </a:ext>
+            </a:extLst>
+          </p:cNvPr>
+          <p:cNvSpPr txBox="1"/>
+          <p:nvPr/>
+        </p:nvSpPr>
+        <p:spPr>
+          <a:xfrm>
+            <a:off x="0" y="1733950"/>
+            <a:ext cx="3795078" cy="369332"/>
+          </a:xfrm>
+          <a:prstGeom prst="rect">
+            <a:avLst/>
+          </a:prstGeom>
+          <a:noFill/>
+        </p:spPr>
+        <p:txBody>
+          <a:bodyPr wrap="none" rtlCol="0">
+            <a:spAutoFit/>
+          </a:bodyPr>
+          <a:lstStyle/>
+          <a:p>
+            <a:r>
+              <a:rPr lang="en-US" altLang="ko-KR" dirty="0"/>
+              <a:t>Root context.xml </a:t>
+            </a:r>
+            <a:r>
+              <a:rPr lang="ko-KR" altLang="en-US" dirty="0" err="1"/>
+              <a:t>히카리</a:t>
+            </a:r>
+            <a:r>
+              <a:rPr lang="en-US" altLang="ko-KR" dirty="0"/>
+              <a:t>cp</a:t>
+            </a:r>
+            <a:r>
+              <a:rPr lang="ko-KR" altLang="en-US" dirty="0"/>
+              <a:t>로 변경</a:t>
+            </a:r>
+          </a:p>
+        </p:txBody>
+      </p:sp>
+      <p:pic>
+        <p:nvPicPr>
+          <p:cNvPr id="11" name="그림 10">
+            <a:extLst>
+              <a:ext uri="{FF2B5EF4-FFF2-40B4-BE49-F238E27FC236}">
+                <a16:creationId xmlns:a16="http://schemas.microsoft.com/office/drawing/2014/main" id="{2407B768-ED97-0B8A-206E-D619ED366EE0}"/>
+              </a:ext>
+            </a:extLst>
+          </p:cNvPr>
+          <p:cNvPicPr>
+            <a:picLocks noChangeAspect="1"/>
+          </p:cNvPicPr>
+          <p:nvPr/>
+        </p:nvPicPr>
+        <p:blipFill>
+          <a:blip r:embed="rId4"/>
+          <a:stretch>
+            <a:fillRect/>
+          </a:stretch>
+        </p:blipFill>
+        <p:spPr>
+          <a:xfrm>
+            <a:off x="0" y="3844405"/>
+            <a:ext cx="7449590" cy="1314633"/>
+          </a:xfrm>
+          <a:prstGeom prst="rect">
+            <a:avLst/>
+          </a:prstGeom>
+        </p:spPr>
+      </p:pic>
+      <p:sp>
+        <p:nvSpPr>
+          <p:cNvPr id="12" name="TextBox 11">
+            <a:extLst>
+              <a:ext uri="{FF2B5EF4-FFF2-40B4-BE49-F238E27FC236}">
+                <a16:creationId xmlns:a16="http://schemas.microsoft.com/office/drawing/2014/main" id="{FA3C4D55-6AF8-0BFE-B5F5-846EF0C00D0E}"/>
+              </a:ext>
+            </a:extLst>
+          </p:cNvPr>
+          <p:cNvSpPr txBox="1"/>
+          <p:nvPr/>
+        </p:nvSpPr>
+        <p:spPr>
+          <a:xfrm>
+            <a:off x="0" y="3499183"/>
+            <a:ext cx="10903947" cy="369332"/>
+          </a:xfrm>
+          <a:prstGeom prst="rect">
+            <a:avLst/>
+          </a:prstGeom>
+          <a:noFill/>
+        </p:spPr>
+        <p:txBody>
+          <a:bodyPr wrap="none" rtlCol="0">
+            <a:spAutoFit/>
+          </a:bodyPr>
+          <a:lstStyle/>
+          <a:p>
+            <a:r>
+              <a:rPr lang="en-US" altLang="ko-KR" dirty="0"/>
+              <a:t>Spring </a:t>
+            </a:r>
+            <a:r>
+              <a:rPr lang="en-US" altLang="ko-KR" dirty="0" err="1"/>
+              <a:t>jdbc</a:t>
+            </a:r>
+            <a:r>
+              <a:rPr lang="en-US" altLang="ko-KR" dirty="0"/>
+              <a:t> </a:t>
+            </a:r>
+            <a:r>
+              <a:rPr lang="ko-KR" altLang="en-US" dirty="0"/>
+              <a:t>추가 </a:t>
+            </a:r>
+            <a:r>
+              <a:rPr lang="en-US" altLang="ko-KR" dirty="0"/>
+              <a:t>/ </a:t>
+            </a:r>
+            <a:r>
+              <a:rPr lang="en-US" altLang="ko-KR" dirty="0" err="1"/>
+              <a:t>dbcp</a:t>
+            </a:r>
+            <a:r>
+              <a:rPr lang="ko-KR" altLang="en-US" dirty="0"/>
+              <a:t>를 사용한다는 기본 전제가 있음</a:t>
+            </a:r>
+            <a:r>
+              <a:rPr lang="en-US" altLang="ko-KR" dirty="0"/>
+              <a:t>. &gt; </a:t>
+            </a:r>
+            <a:r>
+              <a:rPr lang="ko-KR" altLang="en-US" dirty="0"/>
+              <a:t>스프링버전과 공유 </a:t>
+            </a:r>
+            <a:r>
+              <a:rPr lang="en-US" altLang="ko-KR" dirty="0"/>
+              <a:t>&gt; </a:t>
+            </a:r>
+            <a:r>
+              <a:rPr lang="ko-KR" altLang="en-US" dirty="0"/>
+              <a:t>스프링 버전으로 변경</a:t>
+            </a:r>
+          </a:p>
+        </p:txBody>
+      </p:sp>
+      <p:pic>
+        <p:nvPicPr>
+          <p:cNvPr id="14" name="그림 13">
+            <a:extLst>
+              <a:ext uri="{FF2B5EF4-FFF2-40B4-BE49-F238E27FC236}">
+                <a16:creationId xmlns:a16="http://schemas.microsoft.com/office/drawing/2014/main" id="{AAE18033-8A5D-C12F-73E2-68DA0C3AB63D}"/>
+              </a:ext>
+            </a:extLst>
+          </p:cNvPr>
+          <p:cNvPicPr>
+            <a:picLocks noChangeAspect="1"/>
+          </p:cNvPicPr>
+          <p:nvPr/>
+        </p:nvPicPr>
+        <p:blipFill>
+          <a:blip r:embed="rId5"/>
+          <a:stretch>
+            <a:fillRect/>
+          </a:stretch>
+        </p:blipFill>
+        <p:spPr>
+          <a:xfrm>
+            <a:off x="0" y="5524314"/>
+            <a:ext cx="7401958" cy="1333686"/>
+          </a:xfrm>
+          <a:prstGeom prst="rect">
+            <a:avLst/>
+          </a:prstGeom>
+        </p:spPr>
+      </p:pic>
+      <p:sp>
+        <p:nvSpPr>
+          <p:cNvPr id="15" name="TextBox 14">
+            <a:extLst>
+              <a:ext uri="{FF2B5EF4-FFF2-40B4-BE49-F238E27FC236}">
+                <a16:creationId xmlns:a16="http://schemas.microsoft.com/office/drawing/2014/main" id="{3470A377-3B94-5995-B25E-AA7591DB511A}"/>
+              </a:ext>
+            </a:extLst>
+          </p:cNvPr>
+          <p:cNvSpPr txBox="1"/>
+          <p:nvPr/>
+        </p:nvSpPr>
+        <p:spPr>
+          <a:xfrm>
+            <a:off x="6096000" y="4972344"/>
+            <a:ext cx="5241243" cy="369332"/>
+          </a:xfrm>
+          <a:prstGeom prst="rect">
+            <a:avLst/>
+          </a:prstGeom>
+          <a:noFill/>
+        </p:spPr>
+        <p:txBody>
+          <a:bodyPr wrap="none" rtlCol="0">
+            <a:spAutoFit/>
+          </a:bodyPr>
+          <a:lstStyle/>
+          <a:p>
+            <a:r>
+              <a:rPr lang="en-US" altLang="ko-KR" dirty="0"/>
+              <a:t>Porm.xml</a:t>
+            </a:r>
+            <a:r>
+              <a:rPr lang="ko-KR" altLang="en-US" dirty="0"/>
+              <a:t>상단의 </a:t>
+            </a:r>
+            <a:r>
+              <a:rPr lang="en-US" altLang="ko-KR" dirty="0"/>
+              <a:t>properties </a:t>
+            </a:r>
+            <a:r>
+              <a:rPr lang="ko-KR" altLang="en-US" dirty="0"/>
+              <a:t>값 변경 시 자동 변경</a:t>
+            </a:r>
+          </a:p>
+        </p:txBody>
+      </p:sp>
+    </p:spTree>
+    <p:extLst>
+      <p:ext uri="{BB962C8B-B14F-4D97-AF65-F5344CB8AC3E}">
+        <p14:creationId xmlns:p14="http://schemas.microsoft.com/office/powerpoint/2010/main" val="1203555392"/>
       </p:ext>
     </p:extLst>
   </p:cSld>

--- a/STSWorkspace/Spring.pptx
+++ b/STSWorkspace/Spring.pptx
@@ -18,6 +18,10 @@
     <p:sldId id="266" r:id="rId12"/>
     <p:sldId id="267" r:id="rId13"/>
     <p:sldId id="268" r:id="rId14"/>
+    <p:sldId id="269" r:id="rId15"/>
+    <p:sldId id="270" r:id="rId16"/>
+    <p:sldId id="271" r:id="rId17"/>
+    <p:sldId id="272" r:id="rId18"/>
   </p:sldIdLst>
   <p:sldSz cx="12192000" cy="6858000"/>
   <p:notesSz cx="6858000" cy="9144000"/>
@@ -271,7 +275,7 @@
           <a:p>
             <a:fld id="{26853DDB-FB21-4B86-AE9E-F20AFD11A4B3}" type="datetimeFigureOut">
               <a:rPr lang="ko-KR" altLang="en-US" smtClean="0"/>
-              <a:t>2023-05-21</a:t>
+              <a:t>2023-05-23</a:t>
             </a:fld>
             <a:endParaRPr lang="ko-KR" altLang="en-US"/>
           </a:p>
@@ -469,7 +473,7 @@
           <a:p>
             <a:fld id="{26853DDB-FB21-4B86-AE9E-F20AFD11A4B3}" type="datetimeFigureOut">
               <a:rPr lang="ko-KR" altLang="en-US" smtClean="0"/>
-              <a:t>2023-05-21</a:t>
+              <a:t>2023-05-23</a:t>
             </a:fld>
             <a:endParaRPr lang="ko-KR" altLang="en-US"/>
           </a:p>
@@ -677,7 +681,7 @@
           <a:p>
             <a:fld id="{26853DDB-FB21-4B86-AE9E-F20AFD11A4B3}" type="datetimeFigureOut">
               <a:rPr lang="ko-KR" altLang="en-US" smtClean="0"/>
-              <a:t>2023-05-21</a:t>
+              <a:t>2023-05-23</a:t>
             </a:fld>
             <a:endParaRPr lang="ko-KR" altLang="en-US"/>
           </a:p>
@@ -875,7 +879,7 @@
           <a:p>
             <a:fld id="{26853DDB-FB21-4B86-AE9E-F20AFD11A4B3}" type="datetimeFigureOut">
               <a:rPr lang="ko-KR" altLang="en-US" smtClean="0"/>
-              <a:t>2023-05-21</a:t>
+              <a:t>2023-05-23</a:t>
             </a:fld>
             <a:endParaRPr lang="ko-KR" altLang="en-US"/>
           </a:p>
@@ -1150,7 +1154,7 @@
           <a:p>
             <a:fld id="{26853DDB-FB21-4B86-AE9E-F20AFD11A4B3}" type="datetimeFigureOut">
               <a:rPr lang="ko-KR" altLang="en-US" smtClean="0"/>
-              <a:t>2023-05-21</a:t>
+              <a:t>2023-05-23</a:t>
             </a:fld>
             <a:endParaRPr lang="ko-KR" altLang="en-US"/>
           </a:p>
@@ -1415,7 +1419,7 @@
           <a:p>
             <a:fld id="{26853DDB-FB21-4B86-AE9E-F20AFD11A4B3}" type="datetimeFigureOut">
               <a:rPr lang="ko-KR" altLang="en-US" smtClean="0"/>
-              <a:t>2023-05-21</a:t>
+              <a:t>2023-05-23</a:t>
             </a:fld>
             <a:endParaRPr lang="ko-KR" altLang="en-US"/>
           </a:p>
@@ -1827,7 +1831,7 @@
           <a:p>
             <a:fld id="{26853DDB-FB21-4B86-AE9E-F20AFD11A4B3}" type="datetimeFigureOut">
               <a:rPr lang="ko-KR" altLang="en-US" smtClean="0"/>
-              <a:t>2023-05-21</a:t>
+              <a:t>2023-05-23</a:t>
             </a:fld>
             <a:endParaRPr lang="ko-KR" altLang="en-US"/>
           </a:p>
@@ -1968,7 +1972,7 @@
           <a:p>
             <a:fld id="{26853DDB-FB21-4B86-AE9E-F20AFD11A4B3}" type="datetimeFigureOut">
               <a:rPr lang="ko-KR" altLang="en-US" smtClean="0"/>
-              <a:t>2023-05-21</a:t>
+              <a:t>2023-05-23</a:t>
             </a:fld>
             <a:endParaRPr lang="ko-KR" altLang="en-US"/>
           </a:p>
@@ -2081,7 +2085,7 @@
           <a:p>
             <a:fld id="{26853DDB-FB21-4B86-AE9E-F20AFD11A4B3}" type="datetimeFigureOut">
               <a:rPr lang="ko-KR" altLang="en-US" smtClean="0"/>
-              <a:t>2023-05-21</a:t>
+              <a:t>2023-05-23</a:t>
             </a:fld>
             <a:endParaRPr lang="ko-KR" altLang="en-US"/>
           </a:p>
@@ -2392,7 +2396,7 @@
           <a:p>
             <a:fld id="{26853DDB-FB21-4B86-AE9E-F20AFD11A4B3}" type="datetimeFigureOut">
               <a:rPr lang="ko-KR" altLang="en-US" smtClean="0"/>
-              <a:t>2023-05-21</a:t>
+              <a:t>2023-05-23</a:t>
             </a:fld>
             <a:endParaRPr lang="ko-KR" altLang="en-US"/>
           </a:p>
@@ -2680,7 +2684,7 @@
           <a:p>
             <a:fld id="{26853DDB-FB21-4B86-AE9E-F20AFD11A4B3}" type="datetimeFigureOut">
               <a:rPr lang="ko-KR" altLang="en-US" smtClean="0"/>
-              <a:t>2023-05-21</a:t>
+              <a:t>2023-05-23</a:t>
             </a:fld>
             <a:endParaRPr lang="ko-KR" altLang="en-US"/>
           </a:p>
@@ -2921,7 +2925,7 @@
           <a:p>
             <a:fld id="{26853DDB-FB21-4B86-AE9E-F20AFD11A4B3}" type="datetimeFigureOut">
               <a:rPr lang="ko-KR" altLang="en-US" smtClean="0"/>
-              <a:t>2023-05-21</a:t>
+              <a:t>2023-05-23</a:t>
             </a:fld>
             <a:endParaRPr lang="ko-KR" altLang="en-US"/>
           </a:p>
@@ -3352,7 +3356,7 @@
         </p:nvSpPr>
         <p:spPr>
           <a:xfrm>
-            <a:off x="212436" y="203200"/>
+            <a:off x="226290" y="172720"/>
             <a:ext cx="11739419" cy="3693319"/>
           </a:xfrm>
           <a:prstGeom prst="rect">
@@ -5576,6 +5580,1529 @@
     <p:extLst>
       <p:ext uri="{BB962C8B-B14F-4D97-AF65-F5344CB8AC3E}">
         <p14:creationId xmlns:p14="http://schemas.microsoft.com/office/powerpoint/2010/main" val="136316717"/>
+      </p:ext>
+    </p:extLst>
+  </p:cSld>
+  <p:clrMapOvr>
+    <a:masterClrMapping/>
+  </p:clrMapOvr>
+</p:sld>
+</file>
+
+<file path=ppt/slides/slide14.xml><?xml version="1.0" encoding="utf-8"?>
+<p:sld xmlns:a="http://schemas.openxmlformats.org/drawingml/2006/main" xmlns:r="http://schemas.openxmlformats.org/officeDocument/2006/relationships" xmlns:p="http://schemas.openxmlformats.org/presentationml/2006/main">
+  <p:cSld>
+    <p:spTree>
+      <p:nvGrpSpPr>
+        <p:cNvPr id="1" name=""/>
+        <p:cNvGrpSpPr/>
+        <p:nvPr/>
+      </p:nvGrpSpPr>
+      <p:grpSpPr>
+        <a:xfrm>
+          <a:off x="0" y="0"/>
+          <a:ext cx="0" cy="0"/>
+          <a:chOff x="0" y="0"/>
+          <a:chExt cx="0" cy="0"/>
+        </a:xfrm>
+      </p:grpSpPr>
+      <p:sp>
+        <p:nvSpPr>
+          <p:cNvPr id="4" name="TextBox 3">
+            <a:extLst>
+              <a:ext uri="{FF2B5EF4-FFF2-40B4-BE49-F238E27FC236}">
+                <a16:creationId xmlns:a16="http://schemas.microsoft.com/office/drawing/2014/main" id="{61EB30AD-A02F-7BF3-905A-CB5D4B3CB247}"/>
+              </a:ext>
+            </a:extLst>
+          </p:cNvPr>
+          <p:cNvSpPr txBox="1"/>
+          <p:nvPr/>
+        </p:nvSpPr>
+        <p:spPr>
+          <a:xfrm>
+            <a:off x="193040" y="132080"/>
+            <a:ext cx="10895803" cy="2031325"/>
+          </a:xfrm>
+          <a:prstGeom prst="rect">
+            <a:avLst/>
+          </a:prstGeom>
+          <a:noFill/>
+        </p:spPr>
+        <p:txBody>
+          <a:bodyPr wrap="none" rtlCol="0">
+            <a:spAutoFit/>
+          </a:bodyPr>
+          <a:lstStyle/>
+          <a:p>
+            <a:r>
+              <a:rPr lang="en-US" altLang="ko-KR" dirty="0" err="1"/>
+              <a:t>MyBatis</a:t>
+            </a:r>
+            <a:r>
+              <a:rPr lang="en-US" altLang="ko-KR" dirty="0"/>
+              <a:t>(</a:t>
+            </a:r>
+            <a:r>
+              <a:rPr lang="ko-KR" altLang="en-US" dirty="0"/>
+              <a:t>프레임워크 종류</a:t>
+            </a:r>
+            <a:r>
+              <a:rPr lang="en-US" altLang="ko-KR" dirty="0"/>
+              <a:t>)</a:t>
+            </a:r>
+            <a:r>
+              <a:rPr lang="ko-KR" altLang="en-US" dirty="0"/>
+              <a:t> </a:t>
+            </a:r>
+            <a:r>
+              <a:rPr lang="en-US" altLang="ko-KR" dirty="0"/>
+              <a:t>–</a:t>
+            </a:r>
+            <a:r>
+              <a:rPr lang="ko-KR" altLang="en-US" dirty="0"/>
+              <a:t> </a:t>
+            </a:r>
+            <a:r>
+              <a:rPr lang="en-US" altLang="ko-KR" dirty="0"/>
+              <a:t>DAO + </a:t>
+            </a:r>
+            <a:r>
+              <a:rPr lang="en-US" altLang="ko-KR" dirty="0" err="1"/>
+              <a:t>MyBaits</a:t>
+            </a:r>
+            <a:r>
+              <a:rPr lang="ko-KR" altLang="en-US" dirty="0"/>
+              <a:t>로 작동 </a:t>
+            </a:r>
+            <a:r>
+              <a:rPr lang="en-US" altLang="ko-KR" dirty="0"/>
+              <a:t>/ </a:t>
+            </a:r>
+            <a:r>
+              <a:rPr lang="en-US" altLang="ko-KR" dirty="0" err="1"/>
+              <a:t>MyBais</a:t>
+            </a:r>
+            <a:r>
+              <a:rPr lang="en-US" altLang="ko-KR" dirty="0"/>
+              <a:t> </a:t>
+            </a:r>
+            <a:r>
+              <a:rPr lang="ko-KR" altLang="en-US" dirty="0"/>
+              <a:t>는 </a:t>
+            </a:r>
+            <a:r>
+              <a:rPr lang="en-US" altLang="ko-KR" dirty="0"/>
+              <a:t>ORM</a:t>
+            </a:r>
+            <a:r>
+              <a:rPr lang="ko-KR" altLang="en-US" dirty="0"/>
+              <a:t>이 아니다</a:t>
+            </a:r>
+            <a:r>
+              <a:rPr lang="en-US" altLang="ko-KR" dirty="0"/>
+              <a:t>. JAVA</a:t>
+            </a:r>
+            <a:r>
+              <a:rPr lang="ko-KR" altLang="en-US" dirty="0"/>
+              <a:t>에서 </a:t>
+            </a:r>
+            <a:r>
+              <a:rPr lang="en-US" altLang="ko-KR" dirty="0"/>
+              <a:t>ORM </a:t>
+            </a:r>
+            <a:r>
+              <a:rPr lang="ko-KR" altLang="en-US" dirty="0"/>
+              <a:t>은 </a:t>
+            </a:r>
+            <a:r>
+              <a:rPr lang="en-US" altLang="ko-KR" dirty="0"/>
+              <a:t>JPA</a:t>
+            </a:r>
+          </a:p>
+          <a:p>
+            <a:r>
+              <a:rPr lang="en-US" altLang="ko-KR" dirty="0"/>
+              <a:t>-Persistence Layer Framework</a:t>
+            </a:r>
+          </a:p>
+          <a:p>
+            <a:r>
+              <a:rPr lang="ko-KR" altLang="en-US" dirty="0"/>
+              <a:t>자바코드와 </a:t>
+            </a:r>
+            <a:r>
+              <a:rPr lang="en-US" altLang="ko-KR" dirty="0"/>
+              <a:t>DB SQL</a:t>
+            </a:r>
+            <a:r>
+              <a:rPr lang="ko-KR" altLang="en-US" dirty="0"/>
+              <a:t>을 분리하여 관리</a:t>
+            </a:r>
+            <a:endParaRPr lang="en-US" altLang="ko-KR" dirty="0"/>
+          </a:p>
+          <a:p>
+            <a:r>
+              <a:rPr lang="ko-KR" altLang="en-US" dirty="0" err="1"/>
+              <a:t>동적쿼리의</a:t>
+            </a:r>
+            <a:r>
+              <a:rPr lang="ko-KR" altLang="en-US" dirty="0"/>
+              <a:t> 관리가 편리</a:t>
+            </a:r>
+            <a:endParaRPr lang="en-US" altLang="ko-KR" dirty="0"/>
+          </a:p>
+          <a:p>
+            <a:r>
+              <a:rPr lang="en-US" altLang="ko-KR" dirty="0"/>
+              <a:t>Spring JDBC</a:t>
+            </a:r>
+            <a:r>
+              <a:rPr lang="ko-KR" altLang="en-US" dirty="0"/>
+              <a:t>를 의존</a:t>
+            </a:r>
+            <a:r>
+              <a:rPr lang="en-US" altLang="ko-KR" dirty="0"/>
+              <a:t>(</a:t>
+            </a:r>
+            <a:r>
+              <a:rPr lang="ko-KR" altLang="en-US" dirty="0"/>
+              <a:t>활용</a:t>
+            </a:r>
+            <a:r>
+              <a:rPr lang="en-US" altLang="ko-KR" dirty="0"/>
+              <a:t>)</a:t>
+            </a:r>
+            <a:r>
+              <a:rPr lang="ko-KR" altLang="en-US" dirty="0"/>
+              <a:t>하기 때문에 불필요하게 반복되는 코드 </a:t>
+            </a:r>
+            <a:r>
+              <a:rPr lang="en-US" altLang="ko-KR" dirty="0"/>
+              <a:t>(Boilerplate)</a:t>
+            </a:r>
+            <a:r>
+              <a:rPr lang="ko-KR" altLang="en-US" dirty="0"/>
+              <a:t>를 줄일 수 있음</a:t>
+            </a:r>
+            <a:r>
+              <a:rPr lang="en-US" altLang="ko-KR" dirty="0"/>
+              <a:t>.</a:t>
+            </a:r>
+          </a:p>
+          <a:p>
+            <a:r>
+              <a:rPr lang="en-US" altLang="ko-KR" dirty="0"/>
+              <a:t>Commercial Free </a:t>
+            </a:r>
+          </a:p>
+          <a:p>
+            <a:r>
+              <a:rPr lang="ko-KR" altLang="en-US" dirty="0"/>
+              <a:t>진입장벽 낮음 </a:t>
+            </a:r>
+            <a:r>
+              <a:rPr lang="en-US" altLang="ko-KR" dirty="0"/>
+              <a:t>/ </a:t>
+            </a:r>
+            <a:r>
+              <a:rPr lang="ko-KR" altLang="en-US" dirty="0"/>
+              <a:t>난이도 쉬움</a:t>
+            </a:r>
+            <a:endParaRPr lang="en-US" altLang="ko-KR" dirty="0"/>
+          </a:p>
+        </p:txBody>
+      </p:sp>
+      <p:sp>
+        <p:nvSpPr>
+          <p:cNvPr id="5" name="TextBox 4">
+            <a:extLst>
+              <a:ext uri="{FF2B5EF4-FFF2-40B4-BE49-F238E27FC236}">
+                <a16:creationId xmlns:a16="http://schemas.microsoft.com/office/drawing/2014/main" id="{BB7066FA-7601-0BC0-0157-5C2D82DFF8E1}"/>
+              </a:ext>
+            </a:extLst>
+          </p:cNvPr>
+          <p:cNvSpPr txBox="1"/>
+          <p:nvPr/>
+        </p:nvSpPr>
+        <p:spPr>
+          <a:xfrm>
+            <a:off x="91440" y="2870200"/>
+            <a:ext cx="4743606" cy="1754326"/>
+          </a:xfrm>
+          <a:prstGeom prst="rect">
+            <a:avLst/>
+          </a:prstGeom>
+          <a:noFill/>
+        </p:spPr>
+        <p:txBody>
+          <a:bodyPr wrap="none" rtlCol="0">
+            <a:spAutoFit/>
+          </a:bodyPr>
+          <a:lstStyle/>
+          <a:p>
+            <a:r>
+              <a:rPr lang="ko-KR" altLang="en-US" dirty="0"/>
+              <a:t>프로젝트의 </a:t>
+            </a:r>
+            <a:r>
+              <a:rPr lang="en-US" altLang="ko-KR" dirty="0"/>
+              <a:t>porm.xml </a:t>
+            </a:r>
+            <a:r>
+              <a:rPr lang="ko-KR" altLang="en-US" dirty="0"/>
+              <a:t>추가</a:t>
+            </a:r>
+            <a:endParaRPr lang="en-US" altLang="ko-KR" dirty="0"/>
+          </a:p>
+          <a:p>
+            <a:r>
+              <a:rPr lang="en-US" altLang="ko-KR" dirty="0"/>
+              <a:t>Maven Dependency </a:t>
+            </a:r>
+            <a:r>
+              <a:rPr lang="ko-KR" altLang="en-US" dirty="0"/>
+              <a:t>확인 </a:t>
+            </a:r>
+            <a:r>
+              <a:rPr lang="en-US" altLang="ko-KR" dirty="0"/>
+              <a:t>(</a:t>
+            </a:r>
+            <a:r>
+              <a:rPr lang="en-US" altLang="ko-KR" dirty="0" err="1"/>
+              <a:t>mybatis</a:t>
+            </a:r>
+            <a:r>
+              <a:rPr lang="ko-KR" altLang="en-US" dirty="0"/>
+              <a:t> </a:t>
+            </a:r>
+            <a:r>
+              <a:rPr lang="en-US" altLang="ko-KR" dirty="0"/>
+              <a:t>Spring)</a:t>
+            </a:r>
+          </a:p>
+          <a:p>
+            <a:endParaRPr lang="en-US" altLang="ko-KR" dirty="0"/>
+          </a:p>
+          <a:p>
+            <a:r>
+              <a:rPr lang="en-US" altLang="ko-KR" dirty="0"/>
+              <a:t>Root </a:t>
+            </a:r>
+            <a:r>
+              <a:rPr lang="en-US" altLang="ko-KR" dirty="0" err="1"/>
+              <a:t>contex</a:t>
+            </a:r>
+            <a:r>
+              <a:rPr lang="ko-KR" altLang="en-US" dirty="0"/>
+              <a:t>에서 수정</a:t>
+            </a:r>
+            <a:endParaRPr lang="en-US" altLang="ko-KR" dirty="0"/>
+          </a:p>
+          <a:p>
+            <a:pPr marL="285750" indent="-285750">
+              <a:buFont typeface="Wingdings" panose="05000000000000000000" pitchFamily="2" charset="2"/>
+              <a:buChar char="Ø"/>
+            </a:pPr>
+            <a:r>
+              <a:rPr lang="en-US" altLang="ko-KR" dirty="0" err="1"/>
+              <a:t>myBatis</a:t>
+            </a:r>
+            <a:r>
+              <a:rPr lang="ko-KR" altLang="en-US" dirty="0"/>
+              <a:t>로 인해 주석처리 후 새로운 </a:t>
+            </a:r>
+            <a:r>
+              <a:rPr lang="en-US" altLang="ko-KR" dirty="0"/>
+              <a:t>bean</a:t>
+            </a:r>
+          </a:p>
+          <a:p>
+            <a:r>
+              <a:rPr lang="ko-KR" altLang="en-US" dirty="0"/>
+              <a:t>태그 사용 </a:t>
+            </a:r>
+          </a:p>
+        </p:txBody>
+      </p:sp>
+      <p:pic>
+        <p:nvPicPr>
+          <p:cNvPr id="9" name="그림 8">
+            <a:extLst>
+              <a:ext uri="{FF2B5EF4-FFF2-40B4-BE49-F238E27FC236}">
+                <a16:creationId xmlns:a16="http://schemas.microsoft.com/office/drawing/2014/main" id="{E0F67C6E-ACEC-DAAF-3292-2ECC33BFF31B}"/>
+              </a:ext>
+            </a:extLst>
+          </p:cNvPr>
+          <p:cNvPicPr>
+            <a:picLocks noChangeAspect="1"/>
+          </p:cNvPicPr>
+          <p:nvPr/>
+        </p:nvPicPr>
+        <p:blipFill>
+          <a:blip r:embed="rId2"/>
+          <a:stretch>
+            <a:fillRect/>
+          </a:stretch>
+        </p:blipFill>
+        <p:spPr>
+          <a:xfrm>
+            <a:off x="4856145" y="1660534"/>
+            <a:ext cx="6232698" cy="2454283"/>
+          </a:xfrm>
+          <a:prstGeom prst="rect">
+            <a:avLst/>
+          </a:prstGeom>
+        </p:spPr>
+      </p:pic>
+      <p:pic>
+        <p:nvPicPr>
+          <p:cNvPr id="13" name="그림 12">
+            <a:extLst>
+              <a:ext uri="{FF2B5EF4-FFF2-40B4-BE49-F238E27FC236}">
+                <a16:creationId xmlns:a16="http://schemas.microsoft.com/office/drawing/2014/main" id="{6C97636C-9AC5-84EE-58B1-1A8B7BC3AC30}"/>
+              </a:ext>
+            </a:extLst>
+          </p:cNvPr>
+          <p:cNvPicPr>
+            <a:picLocks noChangeAspect="1"/>
+          </p:cNvPicPr>
+          <p:nvPr/>
+        </p:nvPicPr>
+        <p:blipFill>
+          <a:blip r:embed="rId3"/>
+          <a:stretch>
+            <a:fillRect/>
+          </a:stretch>
+        </p:blipFill>
+        <p:spPr>
+          <a:xfrm>
+            <a:off x="4625162" y="4199380"/>
+            <a:ext cx="7566837" cy="2658619"/>
+          </a:xfrm>
+          <a:prstGeom prst="rect">
+            <a:avLst/>
+          </a:prstGeom>
+        </p:spPr>
+      </p:pic>
+    </p:spTree>
+    <p:extLst>
+      <p:ext uri="{BB962C8B-B14F-4D97-AF65-F5344CB8AC3E}">
+        <p14:creationId xmlns:p14="http://schemas.microsoft.com/office/powerpoint/2010/main" val="3474661183"/>
+      </p:ext>
+    </p:extLst>
+  </p:cSld>
+  <p:clrMapOvr>
+    <a:masterClrMapping/>
+  </p:clrMapOvr>
+</p:sld>
+</file>
+
+<file path=ppt/slides/slide15.xml><?xml version="1.0" encoding="utf-8"?>
+<p:sld xmlns:a="http://schemas.openxmlformats.org/drawingml/2006/main" xmlns:r="http://schemas.openxmlformats.org/officeDocument/2006/relationships" xmlns:p="http://schemas.openxmlformats.org/presentationml/2006/main">
+  <p:cSld>
+    <p:spTree>
+      <p:nvGrpSpPr>
+        <p:cNvPr id="1" name=""/>
+        <p:cNvGrpSpPr/>
+        <p:nvPr/>
+      </p:nvGrpSpPr>
+      <p:grpSpPr>
+        <a:xfrm>
+          <a:off x="0" y="0"/>
+          <a:ext cx="0" cy="0"/>
+          <a:chOff x="0" y="0"/>
+          <a:chExt cx="0" cy="0"/>
+        </a:xfrm>
+      </p:grpSpPr>
+      <p:sp>
+        <p:nvSpPr>
+          <p:cNvPr id="4" name="TextBox 3">
+            <a:extLst>
+              <a:ext uri="{FF2B5EF4-FFF2-40B4-BE49-F238E27FC236}">
+                <a16:creationId xmlns:a16="http://schemas.microsoft.com/office/drawing/2014/main" id="{93BF4600-D5AA-75FD-6658-F9602FB8CB82}"/>
+              </a:ext>
+            </a:extLst>
+          </p:cNvPr>
+          <p:cNvSpPr txBox="1"/>
+          <p:nvPr/>
+        </p:nvSpPr>
+        <p:spPr>
+          <a:xfrm>
+            <a:off x="233916" y="308344"/>
+            <a:ext cx="3748783" cy="369332"/>
+          </a:xfrm>
+          <a:prstGeom prst="rect">
+            <a:avLst/>
+          </a:prstGeom>
+          <a:noFill/>
+        </p:spPr>
+        <p:txBody>
+          <a:bodyPr wrap="none" rtlCol="0">
+            <a:spAutoFit/>
+          </a:bodyPr>
+          <a:lstStyle/>
+          <a:p>
+            <a:r>
+              <a:rPr lang="en-US" altLang="ko-KR" dirty="0"/>
+              <a:t>DAO , Controller </a:t>
+            </a:r>
+            <a:r>
+              <a:rPr lang="ko-KR" altLang="en-US" dirty="0"/>
+              <a:t>전부 </a:t>
+            </a:r>
+            <a:r>
+              <a:rPr lang="ko-KR" altLang="en-US" dirty="0" err="1"/>
+              <a:t>수정해야함</a:t>
+            </a:r>
+            <a:r>
+              <a:rPr lang="en-US" altLang="ko-KR" dirty="0"/>
+              <a:t>.</a:t>
+            </a:r>
+            <a:endParaRPr lang="ko-KR" altLang="en-US" dirty="0"/>
+          </a:p>
+        </p:txBody>
+      </p:sp>
+      <p:pic>
+        <p:nvPicPr>
+          <p:cNvPr id="6" name="그림 5">
+            <a:extLst>
+              <a:ext uri="{FF2B5EF4-FFF2-40B4-BE49-F238E27FC236}">
+                <a16:creationId xmlns:a16="http://schemas.microsoft.com/office/drawing/2014/main" id="{8F9C59CA-E17F-F5D8-F3B9-CD69C4097E8C}"/>
+              </a:ext>
+            </a:extLst>
+          </p:cNvPr>
+          <p:cNvPicPr>
+            <a:picLocks noChangeAspect="1"/>
+          </p:cNvPicPr>
+          <p:nvPr/>
+        </p:nvPicPr>
+        <p:blipFill>
+          <a:blip r:embed="rId2"/>
+          <a:stretch>
+            <a:fillRect/>
+          </a:stretch>
+        </p:blipFill>
+        <p:spPr>
+          <a:xfrm>
+            <a:off x="4193742" y="1020304"/>
+            <a:ext cx="4001058" cy="438211"/>
+          </a:xfrm>
+          <a:prstGeom prst="rect">
+            <a:avLst/>
+          </a:prstGeom>
+        </p:spPr>
+      </p:pic>
+      <p:pic>
+        <p:nvPicPr>
+          <p:cNvPr id="8" name="그림 7">
+            <a:extLst>
+              <a:ext uri="{FF2B5EF4-FFF2-40B4-BE49-F238E27FC236}">
+                <a16:creationId xmlns:a16="http://schemas.microsoft.com/office/drawing/2014/main" id="{1AD677DF-6663-CDF7-81A7-40ED6948118F}"/>
+              </a:ext>
+            </a:extLst>
+          </p:cNvPr>
+          <p:cNvPicPr>
+            <a:picLocks noChangeAspect="1"/>
+          </p:cNvPicPr>
+          <p:nvPr/>
+        </p:nvPicPr>
+        <p:blipFill>
+          <a:blip r:embed="rId3"/>
+          <a:stretch>
+            <a:fillRect/>
+          </a:stretch>
+        </p:blipFill>
+        <p:spPr>
+          <a:xfrm>
+            <a:off x="509227" y="1020304"/>
+            <a:ext cx="3581900" cy="714475"/>
+          </a:xfrm>
+          <a:prstGeom prst="rect">
+            <a:avLst/>
+          </a:prstGeom>
+        </p:spPr>
+      </p:pic>
+      <p:pic>
+        <p:nvPicPr>
+          <p:cNvPr id="10" name="그림 9">
+            <a:extLst>
+              <a:ext uri="{FF2B5EF4-FFF2-40B4-BE49-F238E27FC236}">
+                <a16:creationId xmlns:a16="http://schemas.microsoft.com/office/drawing/2014/main" id="{35BBC0D0-843C-FEBC-7FE1-B669BA49C63A}"/>
+              </a:ext>
+            </a:extLst>
+          </p:cNvPr>
+          <p:cNvPicPr>
+            <a:picLocks noChangeAspect="1"/>
+          </p:cNvPicPr>
+          <p:nvPr/>
+        </p:nvPicPr>
+        <p:blipFill>
+          <a:blip r:embed="rId4"/>
+          <a:stretch>
+            <a:fillRect/>
+          </a:stretch>
+        </p:blipFill>
+        <p:spPr>
+          <a:xfrm>
+            <a:off x="408781" y="3939442"/>
+            <a:ext cx="5687219" cy="2610214"/>
+          </a:xfrm>
+          <a:prstGeom prst="rect">
+            <a:avLst/>
+          </a:prstGeom>
+        </p:spPr>
+      </p:pic>
+      <p:pic>
+        <p:nvPicPr>
+          <p:cNvPr id="12" name="그림 11">
+            <a:extLst>
+              <a:ext uri="{FF2B5EF4-FFF2-40B4-BE49-F238E27FC236}">
+                <a16:creationId xmlns:a16="http://schemas.microsoft.com/office/drawing/2014/main" id="{873BA345-A637-DA8F-4F76-3D255B7D3388}"/>
+              </a:ext>
+            </a:extLst>
+          </p:cNvPr>
+          <p:cNvPicPr>
+            <a:picLocks noChangeAspect="1"/>
+          </p:cNvPicPr>
+          <p:nvPr/>
+        </p:nvPicPr>
+        <p:blipFill>
+          <a:blip r:embed="rId5"/>
+          <a:stretch>
+            <a:fillRect/>
+          </a:stretch>
+        </p:blipFill>
+        <p:spPr>
+          <a:xfrm>
+            <a:off x="126455" y="2182377"/>
+            <a:ext cx="4629796" cy="809738"/>
+          </a:xfrm>
+          <a:prstGeom prst="rect">
+            <a:avLst/>
+          </a:prstGeom>
+        </p:spPr>
+      </p:pic>
+      <p:pic>
+        <p:nvPicPr>
+          <p:cNvPr id="14" name="그림 13">
+            <a:extLst>
+              <a:ext uri="{FF2B5EF4-FFF2-40B4-BE49-F238E27FC236}">
+                <a16:creationId xmlns:a16="http://schemas.microsoft.com/office/drawing/2014/main" id="{5D126B39-3BD7-B9FE-1085-763FEFCEBA51}"/>
+              </a:ext>
+            </a:extLst>
+          </p:cNvPr>
+          <p:cNvPicPr>
+            <a:picLocks noChangeAspect="1"/>
+          </p:cNvPicPr>
+          <p:nvPr/>
+        </p:nvPicPr>
+        <p:blipFill>
+          <a:blip r:embed="rId6"/>
+          <a:stretch>
+            <a:fillRect/>
+          </a:stretch>
+        </p:blipFill>
+        <p:spPr>
+          <a:xfrm>
+            <a:off x="4794903" y="1729696"/>
+            <a:ext cx="1781424" cy="381053"/>
+          </a:xfrm>
+          <a:prstGeom prst="rect">
+            <a:avLst/>
+          </a:prstGeom>
+        </p:spPr>
+      </p:pic>
+      <p:sp>
+        <p:nvSpPr>
+          <p:cNvPr id="21" name="TextBox 20">
+            <a:extLst>
+              <a:ext uri="{FF2B5EF4-FFF2-40B4-BE49-F238E27FC236}">
+                <a16:creationId xmlns:a16="http://schemas.microsoft.com/office/drawing/2014/main" id="{A1EB2540-6CA7-3F4F-00A1-00D389E5DFE6}"/>
+              </a:ext>
+            </a:extLst>
+          </p:cNvPr>
+          <p:cNvSpPr txBox="1"/>
+          <p:nvPr/>
+        </p:nvSpPr>
+        <p:spPr>
+          <a:xfrm>
+            <a:off x="320563" y="3082239"/>
+            <a:ext cx="6064545" cy="369332"/>
+          </a:xfrm>
+          <a:prstGeom prst="rect">
+            <a:avLst/>
+          </a:prstGeom>
+          <a:noFill/>
+        </p:spPr>
+        <p:txBody>
+          <a:bodyPr wrap="none" rtlCol="0">
+            <a:spAutoFit/>
+          </a:bodyPr>
+          <a:lstStyle/>
+          <a:p>
+            <a:r>
+              <a:rPr lang="en-US" altLang="ko-KR" dirty="0"/>
+              <a:t>DAO</a:t>
+            </a:r>
+            <a:r>
+              <a:rPr lang="ko-KR" altLang="en-US" dirty="0"/>
+              <a:t> 에서 </a:t>
+            </a:r>
+            <a:r>
+              <a:rPr lang="en-US" altLang="ko-KR" dirty="0"/>
+              <a:t>DTO </a:t>
+            </a:r>
+            <a:r>
+              <a:rPr lang="ko-KR" altLang="en-US" dirty="0"/>
+              <a:t>형태를 </a:t>
+            </a:r>
+            <a:r>
+              <a:rPr lang="en-US" altLang="ko-KR" dirty="0"/>
+              <a:t>Movies Mapper </a:t>
+            </a:r>
+            <a:r>
+              <a:rPr lang="ko-KR" altLang="en-US" dirty="0"/>
+              <a:t>에 </a:t>
+            </a:r>
+            <a:r>
+              <a:rPr lang="en-US" altLang="ko-KR" dirty="0"/>
+              <a:t>insert </a:t>
+            </a:r>
+            <a:r>
+              <a:rPr lang="ko-KR" altLang="en-US" dirty="0"/>
+              <a:t>로 보냄</a:t>
+            </a:r>
+          </a:p>
+        </p:txBody>
+      </p:sp>
+      <p:pic>
+        <p:nvPicPr>
+          <p:cNvPr id="24" name="그림 23">
+            <a:extLst>
+              <a:ext uri="{FF2B5EF4-FFF2-40B4-BE49-F238E27FC236}">
+                <a16:creationId xmlns:a16="http://schemas.microsoft.com/office/drawing/2014/main" id="{9640CDB3-5F15-8DF5-E7F6-7BAB968D2B19}"/>
+              </a:ext>
+            </a:extLst>
+          </p:cNvPr>
+          <p:cNvPicPr>
+            <a:picLocks noChangeAspect="1"/>
+          </p:cNvPicPr>
+          <p:nvPr/>
+        </p:nvPicPr>
+        <p:blipFill>
+          <a:blip r:embed="rId7"/>
+          <a:stretch>
+            <a:fillRect/>
+          </a:stretch>
+        </p:blipFill>
+        <p:spPr>
+          <a:xfrm>
+            <a:off x="6582689" y="1729696"/>
+            <a:ext cx="5482856" cy="2330402"/>
+          </a:xfrm>
+          <a:prstGeom prst="rect">
+            <a:avLst/>
+          </a:prstGeom>
+        </p:spPr>
+      </p:pic>
+      <p:sp>
+        <p:nvSpPr>
+          <p:cNvPr id="25" name="TextBox 24">
+            <a:extLst>
+              <a:ext uri="{FF2B5EF4-FFF2-40B4-BE49-F238E27FC236}">
+                <a16:creationId xmlns:a16="http://schemas.microsoft.com/office/drawing/2014/main" id="{E3198D1B-FBFC-C4FF-2DFD-ADF2FB03B2B7}"/>
+              </a:ext>
+            </a:extLst>
+          </p:cNvPr>
+          <p:cNvSpPr txBox="1"/>
+          <p:nvPr/>
+        </p:nvSpPr>
+        <p:spPr>
+          <a:xfrm>
+            <a:off x="6555704" y="4060098"/>
+            <a:ext cx="5203348" cy="646331"/>
+          </a:xfrm>
+          <a:prstGeom prst="rect">
+            <a:avLst/>
+          </a:prstGeom>
+          <a:noFill/>
+        </p:spPr>
+        <p:txBody>
+          <a:bodyPr wrap="none" rtlCol="0">
+            <a:spAutoFit/>
+          </a:bodyPr>
+          <a:lstStyle/>
+          <a:p>
+            <a:r>
+              <a:rPr lang="en-US" altLang="ko-KR" dirty="0" err="1"/>
+              <a:t>Dto</a:t>
+            </a:r>
+            <a:r>
+              <a:rPr lang="en-US" altLang="ko-KR" dirty="0"/>
+              <a:t> </a:t>
+            </a:r>
+            <a:r>
+              <a:rPr lang="ko-KR" altLang="en-US" dirty="0"/>
+              <a:t>객체를 표현할 때 </a:t>
+            </a:r>
+            <a:r>
+              <a:rPr lang="en-US" altLang="ko-KR" dirty="0"/>
+              <a:t>{}</a:t>
+            </a:r>
+            <a:r>
+              <a:rPr lang="ko-KR" altLang="en-US" dirty="0"/>
+              <a:t> 내에 정확하게 표현하며</a:t>
+            </a:r>
+            <a:endParaRPr lang="en-US" altLang="ko-KR" dirty="0"/>
+          </a:p>
+          <a:p>
+            <a:r>
+              <a:rPr lang="en-US" altLang="ko-KR" dirty="0"/>
+              <a:t>‘’ </a:t>
+            </a:r>
+            <a:r>
+              <a:rPr lang="ko-KR" altLang="en-US" dirty="0"/>
+              <a:t>가 필요하면 </a:t>
+            </a:r>
+            <a:r>
+              <a:rPr lang="en-US" altLang="ko-KR" dirty="0"/>
+              <a:t># </a:t>
+            </a:r>
+            <a:r>
+              <a:rPr lang="ko-KR" altLang="en-US" dirty="0" err="1"/>
+              <a:t>필요없으면</a:t>
+            </a:r>
+            <a:r>
+              <a:rPr lang="ko-KR" altLang="en-US" dirty="0"/>
+              <a:t> </a:t>
+            </a:r>
+            <a:r>
+              <a:rPr lang="en-US" altLang="ko-KR" dirty="0"/>
+              <a:t>$ </a:t>
+            </a:r>
+            <a:r>
+              <a:rPr lang="ko-KR" altLang="en-US" dirty="0"/>
+              <a:t>를 사용</a:t>
+            </a:r>
+            <a:endParaRPr lang="en-US" altLang="ko-KR" dirty="0"/>
+          </a:p>
+        </p:txBody>
+      </p:sp>
+      <p:pic>
+        <p:nvPicPr>
+          <p:cNvPr id="27" name="그림 26">
+            <a:extLst>
+              <a:ext uri="{FF2B5EF4-FFF2-40B4-BE49-F238E27FC236}">
+                <a16:creationId xmlns:a16="http://schemas.microsoft.com/office/drawing/2014/main" id="{7A7C3EC6-245C-309D-1871-F85B76AEE47F}"/>
+              </a:ext>
+            </a:extLst>
+          </p:cNvPr>
+          <p:cNvPicPr>
+            <a:picLocks noChangeAspect="1"/>
+          </p:cNvPicPr>
+          <p:nvPr/>
+        </p:nvPicPr>
+        <p:blipFill>
+          <a:blip r:embed="rId8"/>
+          <a:stretch>
+            <a:fillRect/>
+          </a:stretch>
+        </p:blipFill>
+        <p:spPr>
+          <a:xfrm>
+            <a:off x="6555704" y="4706429"/>
+            <a:ext cx="4903817" cy="642878"/>
+          </a:xfrm>
+          <a:prstGeom prst="rect">
+            <a:avLst/>
+          </a:prstGeom>
+        </p:spPr>
+      </p:pic>
+      <p:sp>
+        <p:nvSpPr>
+          <p:cNvPr id="28" name="TextBox 27">
+            <a:extLst>
+              <a:ext uri="{FF2B5EF4-FFF2-40B4-BE49-F238E27FC236}">
+                <a16:creationId xmlns:a16="http://schemas.microsoft.com/office/drawing/2014/main" id="{37A23120-8B24-1A7A-DB8F-3BD7A6E3F3F1}"/>
+              </a:ext>
+            </a:extLst>
+          </p:cNvPr>
+          <p:cNvSpPr txBox="1"/>
+          <p:nvPr/>
+        </p:nvSpPr>
+        <p:spPr>
+          <a:xfrm>
+            <a:off x="6582689" y="5345539"/>
+            <a:ext cx="5348580" cy="646331"/>
+          </a:xfrm>
+          <a:prstGeom prst="rect">
+            <a:avLst/>
+          </a:prstGeom>
+          <a:noFill/>
+        </p:spPr>
+        <p:txBody>
+          <a:bodyPr wrap="none" rtlCol="0">
+            <a:spAutoFit/>
+          </a:bodyPr>
+          <a:lstStyle/>
+          <a:p>
+            <a:r>
+              <a:rPr lang="en-US" altLang="ko-KR" dirty="0"/>
+              <a:t>Select</a:t>
+            </a:r>
+            <a:r>
+              <a:rPr lang="ko-KR" altLang="en-US" dirty="0"/>
+              <a:t>의 경우 </a:t>
+            </a:r>
+            <a:r>
+              <a:rPr lang="en-US" altLang="ko-KR" dirty="0" err="1"/>
+              <a:t>resultType</a:t>
+            </a:r>
+            <a:r>
+              <a:rPr lang="en-US" altLang="ko-KR" dirty="0"/>
+              <a:t> </a:t>
+            </a:r>
+            <a:r>
+              <a:rPr lang="ko-KR" altLang="en-US" dirty="0"/>
+              <a:t>으로 데이터 형태를 지정</a:t>
+            </a:r>
+            <a:endParaRPr lang="en-US" altLang="ko-KR" dirty="0"/>
+          </a:p>
+          <a:p>
+            <a:r>
+              <a:rPr lang="ko-KR" altLang="en-US" dirty="0"/>
+              <a:t>해주어야 함</a:t>
+            </a:r>
+            <a:endParaRPr lang="en-US" altLang="ko-KR" dirty="0"/>
+          </a:p>
+        </p:txBody>
+      </p:sp>
+      <p:pic>
+        <p:nvPicPr>
+          <p:cNvPr id="30" name="그림 29">
+            <a:extLst>
+              <a:ext uri="{FF2B5EF4-FFF2-40B4-BE49-F238E27FC236}">
+                <a16:creationId xmlns:a16="http://schemas.microsoft.com/office/drawing/2014/main" id="{9930E97E-EED7-F093-78AA-B9450E5F0E62}"/>
+              </a:ext>
+            </a:extLst>
+          </p:cNvPr>
+          <p:cNvPicPr>
+            <a:picLocks noChangeAspect="1"/>
+          </p:cNvPicPr>
+          <p:nvPr/>
+        </p:nvPicPr>
+        <p:blipFill>
+          <a:blip r:embed="rId9"/>
+          <a:stretch>
+            <a:fillRect/>
+          </a:stretch>
+        </p:blipFill>
+        <p:spPr>
+          <a:xfrm>
+            <a:off x="6122985" y="5988417"/>
+            <a:ext cx="3772426" cy="781159"/>
+          </a:xfrm>
+          <a:prstGeom prst="rect">
+            <a:avLst/>
+          </a:prstGeom>
+        </p:spPr>
+      </p:pic>
+      <p:sp>
+        <p:nvSpPr>
+          <p:cNvPr id="31" name="TextBox 30">
+            <a:extLst>
+              <a:ext uri="{FF2B5EF4-FFF2-40B4-BE49-F238E27FC236}">
+                <a16:creationId xmlns:a16="http://schemas.microsoft.com/office/drawing/2014/main" id="{8740279D-BB23-DB13-1CA6-05B86F3EF3FE}"/>
+              </a:ext>
+            </a:extLst>
+          </p:cNvPr>
+          <p:cNvSpPr txBox="1"/>
+          <p:nvPr/>
+        </p:nvSpPr>
+        <p:spPr>
+          <a:xfrm>
+            <a:off x="9983972" y="6134986"/>
+            <a:ext cx="2162772" cy="646331"/>
+          </a:xfrm>
+          <a:prstGeom prst="rect">
+            <a:avLst/>
+          </a:prstGeom>
+          <a:noFill/>
+        </p:spPr>
+        <p:txBody>
+          <a:bodyPr wrap="none" rtlCol="0">
+            <a:spAutoFit/>
+          </a:bodyPr>
+          <a:lstStyle/>
+          <a:p>
+            <a:r>
+              <a:rPr lang="ko-KR" altLang="en-US" dirty="0"/>
+              <a:t>숫자는 </a:t>
+            </a:r>
+            <a:r>
+              <a:rPr lang="en-US" altLang="ko-KR" dirty="0"/>
+              <a:t># $ </a:t>
+            </a:r>
+            <a:r>
+              <a:rPr lang="ko-KR" altLang="en-US" dirty="0"/>
+              <a:t>알아서 </a:t>
+            </a:r>
+            <a:endParaRPr lang="en-US" altLang="ko-KR" dirty="0"/>
+          </a:p>
+          <a:p>
+            <a:r>
+              <a:rPr lang="ko-KR" altLang="en-US" dirty="0"/>
+              <a:t>판별</a:t>
+            </a:r>
+          </a:p>
+        </p:txBody>
+      </p:sp>
+    </p:spTree>
+    <p:extLst>
+      <p:ext uri="{BB962C8B-B14F-4D97-AF65-F5344CB8AC3E}">
+        <p14:creationId xmlns:p14="http://schemas.microsoft.com/office/powerpoint/2010/main" val="4153511838"/>
+      </p:ext>
+    </p:extLst>
+  </p:cSld>
+  <p:clrMapOvr>
+    <a:masterClrMapping/>
+  </p:clrMapOvr>
+</p:sld>
+</file>
+
+<file path=ppt/slides/slide16.xml><?xml version="1.0" encoding="utf-8"?>
+<p:sld xmlns:a="http://schemas.openxmlformats.org/drawingml/2006/main" xmlns:r="http://schemas.openxmlformats.org/officeDocument/2006/relationships" xmlns:p="http://schemas.openxmlformats.org/presentationml/2006/main">
+  <p:cSld>
+    <p:spTree>
+      <p:nvGrpSpPr>
+        <p:cNvPr id="1" name=""/>
+        <p:cNvGrpSpPr/>
+        <p:nvPr/>
+      </p:nvGrpSpPr>
+      <p:grpSpPr>
+        <a:xfrm>
+          <a:off x="0" y="0"/>
+          <a:ext cx="0" cy="0"/>
+          <a:chOff x="0" y="0"/>
+          <a:chExt cx="0" cy="0"/>
+        </a:xfrm>
+      </p:grpSpPr>
+      <p:sp>
+        <p:nvSpPr>
+          <p:cNvPr id="6" name="TextBox 5">
+            <a:extLst>
+              <a:ext uri="{FF2B5EF4-FFF2-40B4-BE49-F238E27FC236}">
+                <a16:creationId xmlns:a16="http://schemas.microsoft.com/office/drawing/2014/main" id="{ABF1A0C4-7F51-C518-D683-6378C2687C95}"/>
+              </a:ext>
+            </a:extLst>
+          </p:cNvPr>
+          <p:cNvSpPr txBox="1"/>
+          <p:nvPr/>
+        </p:nvSpPr>
+        <p:spPr>
+          <a:xfrm>
+            <a:off x="5152838" y="774464"/>
+            <a:ext cx="6600012" cy="923330"/>
+          </a:xfrm>
+          <a:prstGeom prst="rect">
+            <a:avLst/>
+          </a:prstGeom>
+          <a:noFill/>
+        </p:spPr>
+        <p:txBody>
+          <a:bodyPr wrap="none" rtlCol="0">
+            <a:spAutoFit/>
+          </a:bodyPr>
+          <a:lstStyle/>
+          <a:p>
+            <a:r>
+              <a:rPr lang="en-US" altLang="ko-KR" dirty="0"/>
+              <a:t>DTO </a:t>
+            </a:r>
+            <a:r>
+              <a:rPr lang="ko-KR" altLang="en-US" dirty="0"/>
+              <a:t>두개를 하나로 만들어 사용하기 위해 </a:t>
+            </a:r>
+            <a:r>
+              <a:rPr lang="en-US" altLang="ko-KR" dirty="0"/>
+              <a:t>Map </a:t>
+            </a:r>
+            <a:r>
+              <a:rPr lang="ko-KR" altLang="en-US" dirty="0"/>
+              <a:t>이라는걸 사용</a:t>
+            </a:r>
+            <a:endParaRPr lang="en-US" altLang="ko-KR" dirty="0"/>
+          </a:p>
+          <a:p>
+            <a:r>
+              <a:rPr lang="en-US" altLang="ko-KR" dirty="0"/>
+              <a:t>Map : HashMap = List : </a:t>
+            </a:r>
+            <a:r>
+              <a:rPr lang="en-US" altLang="ko-KR" dirty="0" err="1"/>
+              <a:t>Arraylist</a:t>
+            </a:r>
+            <a:endParaRPr lang="en-US" altLang="ko-KR" dirty="0"/>
+          </a:p>
+          <a:p>
+            <a:r>
+              <a:rPr lang="en-US" altLang="ko-KR" dirty="0"/>
+              <a:t>Map&lt;String , </a:t>
+            </a:r>
+            <a:r>
+              <a:rPr lang="en-US" altLang="ko-KR" dirty="0" err="1"/>
+              <a:t>MoviesDTO</a:t>
+            </a:r>
+            <a:r>
+              <a:rPr lang="en-US" altLang="ko-KR" dirty="0"/>
+              <a:t>&gt; = </a:t>
+            </a:r>
+            <a:r>
+              <a:rPr lang="ko-KR" altLang="en-US" dirty="0"/>
+              <a:t>키</a:t>
+            </a:r>
+            <a:r>
+              <a:rPr lang="en-US" altLang="ko-KR" dirty="0"/>
+              <a:t>, </a:t>
+            </a:r>
+            <a:r>
+              <a:rPr lang="ko-KR" altLang="en-US" dirty="0" err="1"/>
+              <a:t>밸류</a:t>
+            </a:r>
+            <a:r>
+              <a:rPr lang="ko-KR" altLang="en-US" dirty="0"/>
+              <a:t> 형태</a:t>
+            </a:r>
+            <a:endParaRPr lang="en-US" altLang="ko-KR" dirty="0"/>
+          </a:p>
+        </p:txBody>
+      </p:sp>
+      <p:pic>
+        <p:nvPicPr>
+          <p:cNvPr id="8" name="그림 7">
+            <a:extLst>
+              <a:ext uri="{FF2B5EF4-FFF2-40B4-BE49-F238E27FC236}">
+                <a16:creationId xmlns:a16="http://schemas.microsoft.com/office/drawing/2014/main" id="{FE89CB47-96F7-73A7-B35C-65C1B758C697}"/>
+              </a:ext>
+            </a:extLst>
+          </p:cNvPr>
+          <p:cNvPicPr>
+            <a:picLocks noChangeAspect="1"/>
+          </p:cNvPicPr>
+          <p:nvPr/>
+        </p:nvPicPr>
+        <p:blipFill>
+          <a:blip r:embed="rId2"/>
+          <a:stretch>
+            <a:fillRect/>
+          </a:stretch>
+        </p:blipFill>
+        <p:spPr>
+          <a:xfrm>
+            <a:off x="248624" y="707791"/>
+            <a:ext cx="4629796" cy="1267002"/>
+          </a:xfrm>
+          <a:prstGeom prst="rect">
+            <a:avLst/>
+          </a:prstGeom>
+        </p:spPr>
+      </p:pic>
+      <p:pic>
+        <p:nvPicPr>
+          <p:cNvPr id="10" name="그림 9">
+            <a:extLst>
+              <a:ext uri="{FF2B5EF4-FFF2-40B4-BE49-F238E27FC236}">
+                <a16:creationId xmlns:a16="http://schemas.microsoft.com/office/drawing/2014/main" id="{D5911A33-F610-239F-2BBF-D22BC452B1F2}"/>
+              </a:ext>
+            </a:extLst>
+          </p:cNvPr>
+          <p:cNvPicPr>
+            <a:picLocks noChangeAspect="1"/>
+          </p:cNvPicPr>
+          <p:nvPr/>
+        </p:nvPicPr>
+        <p:blipFill>
+          <a:blip r:embed="rId3"/>
+          <a:stretch>
+            <a:fillRect/>
+          </a:stretch>
+        </p:blipFill>
+        <p:spPr>
+          <a:xfrm>
+            <a:off x="439150" y="136296"/>
+            <a:ext cx="4439270" cy="400106"/>
+          </a:xfrm>
+          <a:prstGeom prst="rect">
+            <a:avLst/>
+          </a:prstGeom>
+        </p:spPr>
+      </p:pic>
+      <p:sp>
+        <p:nvSpPr>
+          <p:cNvPr id="11" name="TextBox 10">
+            <a:extLst>
+              <a:ext uri="{FF2B5EF4-FFF2-40B4-BE49-F238E27FC236}">
+                <a16:creationId xmlns:a16="http://schemas.microsoft.com/office/drawing/2014/main" id="{83D30E34-CA70-A41A-3C17-3A553DA8C50C}"/>
+              </a:ext>
+            </a:extLst>
+          </p:cNvPr>
+          <p:cNvSpPr txBox="1"/>
+          <p:nvPr/>
+        </p:nvSpPr>
+        <p:spPr>
+          <a:xfrm>
+            <a:off x="5152838" y="167070"/>
+            <a:ext cx="5464766" cy="369332"/>
+          </a:xfrm>
+          <a:prstGeom prst="rect">
+            <a:avLst/>
+          </a:prstGeom>
+          <a:noFill/>
+        </p:spPr>
+        <p:txBody>
+          <a:bodyPr wrap="none" rtlCol="0">
+            <a:spAutoFit/>
+          </a:bodyPr>
+          <a:lstStyle/>
+          <a:p>
+            <a:r>
+              <a:rPr lang="en-US" altLang="ko-KR" dirty="0"/>
+              <a:t>DTO </a:t>
+            </a:r>
+            <a:r>
+              <a:rPr lang="ko-KR" altLang="en-US" dirty="0"/>
+              <a:t>하나를 가져오는 </a:t>
+            </a:r>
+            <a:r>
+              <a:rPr lang="en-US" altLang="ko-KR" dirty="0"/>
+              <a:t>select</a:t>
+            </a:r>
+            <a:r>
+              <a:rPr lang="ko-KR" altLang="en-US" dirty="0"/>
+              <a:t>의 경우 </a:t>
+            </a:r>
+            <a:r>
+              <a:rPr lang="en-US" altLang="ko-KR" dirty="0" err="1"/>
+              <a:t>selectOne</a:t>
+            </a:r>
+            <a:r>
+              <a:rPr lang="en-US" altLang="ko-KR" dirty="0"/>
+              <a:t> </a:t>
+            </a:r>
+            <a:r>
+              <a:rPr lang="ko-KR" altLang="en-US" dirty="0"/>
+              <a:t>사용</a:t>
+            </a:r>
+          </a:p>
+        </p:txBody>
+      </p:sp>
+      <p:sp>
+        <p:nvSpPr>
+          <p:cNvPr id="12" name="TextBox 11">
+            <a:extLst>
+              <a:ext uri="{FF2B5EF4-FFF2-40B4-BE49-F238E27FC236}">
+                <a16:creationId xmlns:a16="http://schemas.microsoft.com/office/drawing/2014/main" id="{2D41D42B-3C9E-F6A9-B975-C90C08E01F98}"/>
+              </a:ext>
+            </a:extLst>
+          </p:cNvPr>
+          <p:cNvSpPr txBox="1"/>
+          <p:nvPr/>
+        </p:nvSpPr>
+        <p:spPr>
+          <a:xfrm>
+            <a:off x="6566002" y="2162666"/>
+            <a:ext cx="4325223" cy="646331"/>
+          </a:xfrm>
+          <a:prstGeom prst="rect">
+            <a:avLst/>
+          </a:prstGeom>
+          <a:noFill/>
+        </p:spPr>
+        <p:txBody>
+          <a:bodyPr wrap="none" rtlCol="0">
+            <a:spAutoFit/>
+          </a:bodyPr>
+          <a:lstStyle/>
+          <a:p>
+            <a:r>
+              <a:rPr lang="en-US" altLang="ko-KR" dirty="0"/>
+              <a:t>DTO</a:t>
+            </a:r>
+            <a:r>
+              <a:rPr lang="ko-KR" altLang="en-US" dirty="0"/>
+              <a:t> 별 각각의 데이터를 가져오는 경우</a:t>
+            </a:r>
+            <a:endParaRPr lang="en-US" altLang="ko-KR" dirty="0"/>
+          </a:p>
+          <a:p>
+            <a:r>
+              <a:rPr lang="en-US" altLang="ko-KR" dirty="0"/>
+              <a:t>Param</a:t>
+            </a:r>
+            <a:r>
+              <a:rPr lang="ko-KR" altLang="en-US" dirty="0"/>
+              <a:t>이 넘어오고 키 값의 필드 명 작성</a:t>
+            </a:r>
+          </a:p>
+        </p:txBody>
+      </p:sp>
+      <p:pic>
+        <p:nvPicPr>
+          <p:cNvPr id="14" name="그림 13">
+            <a:extLst>
+              <a:ext uri="{FF2B5EF4-FFF2-40B4-BE49-F238E27FC236}">
+                <a16:creationId xmlns:a16="http://schemas.microsoft.com/office/drawing/2014/main" id="{EF066022-FA75-75E0-0417-7FEEDFC31779}"/>
+              </a:ext>
+            </a:extLst>
+          </p:cNvPr>
+          <p:cNvPicPr>
+            <a:picLocks noChangeAspect="1"/>
+          </p:cNvPicPr>
+          <p:nvPr/>
+        </p:nvPicPr>
+        <p:blipFill>
+          <a:blip r:embed="rId4"/>
+          <a:stretch>
+            <a:fillRect/>
+          </a:stretch>
+        </p:blipFill>
+        <p:spPr>
+          <a:xfrm>
+            <a:off x="174920" y="2146182"/>
+            <a:ext cx="6106377" cy="771633"/>
+          </a:xfrm>
+          <a:prstGeom prst="rect">
+            <a:avLst/>
+          </a:prstGeom>
+        </p:spPr>
+      </p:pic>
+      <p:pic>
+        <p:nvPicPr>
+          <p:cNvPr id="16" name="그림 15">
+            <a:extLst>
+              <a:ext uri="{FF2B5EF4-FFF2-40B4-BE49-F238E27FC236}">
+                <a16:creationId xmlns:a16="http://schemas.microsoft.com/office/drawing/2014/main" id="{C3731212-09A9-2968-6AB6-C98D919A2A20}"/>
+              </a:ext>
+            </a:extLst>
+          </p:cNvPr>
+          <p:cNvPicPr>
+            <a:picLocks noChangeAspect="1"/>
+          </p:cNvPicPr>
+          <p:nvPr/>
+        </p:nvPicPr>
+        <p:blipFill>
+          <a:blip r:embed="rId5"/>
+          <a:stretch>
+            <a:fillRect/>
+          </a:stretch>
+        </p:blipFill>
+        <p:spPr>
+          <a:xfrm>
+            <a:off x="0" y="4568754"/>
+            <a:ext cx="7687748" cy="2152950"/>
+          </a:xfrm>
+          <a:prstGeom prst="rect">
+            <a:avLst/>
+          </a:prstGeom>
+        </p:spPr>
+      </p:pic>
+      <p:sp>
+        <p:nvSpPr>
+          <p:cNvPr id="17" name="TextBox 16">
+            <a:extLst>
+              <a:ext uri="{FF2B5EF4-FFF2-40B4-BE49-F238E27FC236}">
+                <a16:creationId xmlns:a16="http://schemas.microsoft.com/office/drawing/2014/main" id="{5EA15706-11E5-7013-322B-36C87AA966BA}"/>
+              </a:ext>
+            </a:extLst>
+          </p:cNvPr>
+          <p:cNvSpPr txBox="1"/>
+          <p:nvPr/>
+        </p:nvSpPr>
+        <p:spPr>
+          <a:xfrm>
+            <a:off x="6566002" y="4568754"/>
+            <a:ext cx="5096267" cy="646331"/>
+          </a:xfrm>
+          <a:prstGeom prst="rect">
+            <a:avLst/>
+          </a:prstGeom>
+          <a:noFill/>
+        </p:spPr>
+        <p:txBody>
+          <a:bodyPr wrap="none" rtlCol="0">
+            <a:spAutoFit/>
+          </a:bodyPr>
+          <a:lstStyle/>
+          <a:p>
+            <a:r>
+              <a:rPr lang="en-US" altLang="ko-KR" dirty="0"/>
+              <a:t>If</a:t>
+            </a:r>
+            <a:r>
+              <a:rPr lang="ko-KR" altLang="en-US" dirty="0"/>
+              <a:t>문 </a:t>
+            </a:r>
+            <a:r>
+              <a:rPr lang="ko-KR" altLang="en-US" dirty="0" err="1"/>
+              <a:t>사용가능하며</a:t>
+            </a:r>
+            <a:r>
+              <a:rPr lang="ko-KR" altLang="en-US" dirty="0"/>
+              <a:t> 조건에 따라 </a:t>
+            </a:r>
+            <a:r>
+              <a:rPr lang="en-US" altLang="ko-KR" dirty="0"/>
+              <a:t>if</a:t>
+            </a:r>
+            <a:r>
+              <a:rPr lang="ko-KR" altLang="en-US" dirty="0"/>
+              <a:t>문 내부 구절이</a:t>
+            </a:r>
+            <a:endParaRPr lang="en-US" altLang="ko-KR" dirty="0"/>
+          </a:p>
+          <a:p>
+            <a:r>
+              <a:rPr lang="ko-KR" altLang="en-US" dirty="0"/>
+              <a:t>붙어서 사용됨</a:t>
+            </a:r>
+            <a:r>
+              <a:rPr lang="en-US" altLang="ko-KR" dirty="0"/>
+              <a:t>.</a:t>
+            </a:r>
+            <a:endParaRPr lang="ko-KR" altLang="en-US" dirty="0"/>
+          </a:p>
+        </p:txBody>
+      </p:sp>
+    </p:spTree>
+    <p:extLst>
+      <p:ext uri="{BB962C8B-B14F-4D97-AF65-F5344CB8AC3E}">
+        <p14:creationId xmlns:p14="http://schemas.microsoft.com/office/powerpoint/2010/main" val="3903306530"/>
+      </p:ext>
+    </p:extLst>
+  </p:cSld>
+  <p:clrMapOvr>
+    <a:masterClrMapping/>
+  </p:clrMapOvr>
+</p:sld>
+</file>
+
+<file path=ppt/slides/slide17.xml><?xml version="1.0" encoding="utf-8"?>
+<p:sld xmlns:a="http://schemas.openxmlformats.org/drawingml/2006/main" xmlns:r="http://schemas.openxmlformats.org/officeDocument/2006/relationships" xmlns:p="http://schemas.openxmlformats.org/presentationml/2006/main">
+  <p:cSld>
+    <p:spTree>
+      <p:nvGrpSpPr>
+        <p:cNvPr id="1" name=""/>
+        <p:cNvGrpSpPr/>
+        <p:nvPr/>
+      </p:nvGrpSpPr>
+      <p:grpSpPr>
+        <a:xfrm>
+          <a:off x="0" y="0"/>
+          <a:ext cx="0" cy="0"/>
+          <a:chOff x="0" y="0"/>
+          <a:chExt cx="0" cy="0"/>
+        </a:xfrm>
+      </p:grpSpPr>
+      <p:pic>
+        <p:nvPicPr>
+          <p:cNvPr id="5" name="그림 4">
+            <a:extLst>
+              <a:ext uri="{FF2B5EF4-FFF2-40B4-BE49-F238E27FC236}">
+                <a16:creationId xmlns:a16="http://schemas.microsoft.com/office/drawing/2014/main" id="{F0397AEA-4996-77C7-3113-6C2DD87A4341}"/>
+              </a:ext>
+            </a:extLst>
+          </p:cNvPr>
+          <p:cNvPicPr>
+            <a:picLocks noChangeAspect="1"/>
+          </p:cNvPicPr>
+          <p:nvPr/>
+        </p:nvPicPr>
+        <p:blipFill>
+          <a:blip r:embed="rId2"/>
+          <a:stretch>
+            <a:fillRect/>
+          </a:stretch>
+        </p:blipFill>
+        <p:spPr>
+          <a:xfrm>
+            <a:off x="0" y="1"/>
+            <a:ext cx="7607184" cy="4291444"/>
+          </a:xfrm>
+          <a:prstGeom prst="rect">
+            <a:avLst/>
+          </a:prstGeom>
+        </p:spPr>
+      </p:pic>
+      <p:sp>
+        <p:nvSpPr>
+          <p:cNvPr id="7" name="TextBox 6">
+            <a:extLst>
+              <a:ext uri="{FF2B5EF4-FFF2-40B4-BE49-F238E27FC236}">
+                <a16:creationId xmlns:a16="http://schemas.microsoft.com/office/drawing/2014/main" id="{A12893ED-9C1E-5409-D9AE-149B86436505}"/>
+              </a:ext>
+            </a:extLst>
+          </p:cNvPr>
+          <p:cNvSpPr txBox="1"/>
+          <p:nvPr/>
+        </p:nvSpPr>
+        <p:spPr>
+          <a:xfrm>
+            <a:off x="7607184" y="187036"/>
+            <a:ext cx="4137671" cy="923330"/>
+          </a:xfrm>
+          <a:prstGeom prst="rect">
+            <a:avLst/>
+          </a:prstGeom>
+          <a:noFill/>
+        </p:spPr>
+        <p:txBody>
+          <a:bodyPr wrap="none" rtlCol="0">
+            <a:spAutoFit/>
+          </a:bodyPr>
+          <a:lstStyle/>
+          <a:p>
+            <a:r>
+              <a:rPr lang="ko-KR" altLang="en-US" dirty="0"/>
+              <a:t>여러가지 입력을 받을 경우 </a:t>
+            </a:r>
+            <a:r>
+              <a:rPr lang="en-US" altLang="ko-KR" dirty="0" err="1"/>
+              <a:t>sql</a:t>
+            </a:r>
+            <a:r>
+              <a:rPr lang="ko-KR" altLang="en-US" dirty="0"/>
+              <a:t>문에서</a:t>
+            </a:r>
+            <a:endParaRPr lang="en-US" altLang="ko-KR" dirty="0"/>
+          </a:p>
+          <a:p>
+            <a:r>
+              <a:rPr lang="ko-KR" altLang="en-US" dirty="0"/>
+              <a:t>조건을 걸어 줄 경우 앞 구절을 컨트롤</a:t>
+            </a:r>
+            <a:endParaRPr lang="en-US" altLang="ko-KR" dirty="0"/>
+          </a:p>
+          <a:p>
+            <a:r>
+              <a:rPr lang="ko-KR" altLang="en-US" dirty="0"/>
+              <a:t>하는 방법 </a:t>
+            </a:r>
+            <a:r>
+              <a:rPr lang="en-US" altLang="ko-KR" dirty="0"/>
+              <a:t>– trim prefix </a:t>
+            </a:r>
+            <a:r>
+              <a:rPr lang="en-US" altLang="ko-KR" dirty="0" err="1"/>
+              <a:t>prefixoverrides</a:t>
+            </a:r>
+            <a:endParaRPr lang="ko-KR" altLang="en-US" dirty="0"/>
+          </a:p>
+        </p:txBody>
+      </p:sp>
+    </p:spTree>
+    <p:extLst>
+      <p:ext uri="{BB962C8B-B14F-4D97-AF65-F5344CB8AC3E}">
+        <p14:creationId xmlns:p14="http://schemas.microsoft.com/office/powerpoint/2010/main" val="325297437"/>
       </p:ext>
     </p:extLst>
   </p:cSld>

--- a/STSWorkspace/Spring.pptx
+++ b/STSWorkspace/Spring.pptx
@@ -22,6 +22,9 @@
     <p:sldId id="270" r:id="rId16"/>
     <p:sldId id="271" r:id="rId17"/>
     <p:sldId id="272" r:id="rId18"/>
+    <p:sldId id="273" r:id="rId19"/>
+    <p:sldId id="274" r:id="rId20"/>
+    <p:sldId id="275" r:id="rId21"/>
   </p:sldIdLst>
   <p:sldSz cx="12192000" cy="6858000"/>
   <p:notesSz cx="6858000" cy="9144000"/>
@@ -275,7 +278,7 @@
           <a:p>
             <a:fld id="{26853DDB-FB21-4B86-AE9E-F20AFD11A4B3}" type="datetimeFigureOut">
               <a:rPr lang="ko-KR" altLang="en-US" smtClean="0"/>
-              <a:t>2023-05-23</a:t>
+              <a:t>2023-05-25</a:t>
             </a:fld>
             <a:endParaRPr lang="ko-KR" altLang="en-US"/>
           </a:p>
@@ -473,7 +476,7 @@
           <a:p>
             <a:fld id="{26853DDB-FB21-4B86-AE9E-F20AFD11A4B3}" type="datetimeFigureOut">
               <a:rPr lang="ko-KR" altLang="en-US" smtClean="0"/>
-              <a:t>2023-05-23</a:t>
+              <a:t>2023-05-25</a:t>
             </a:fld>
             <a:endParaRPr lang="ko-KR" altLang="en-US"/>
           </a:p>
@@ -681,7 +684,7 @@
           <a:p>
             <a:fld id="{26853DDB-FB21-4B86-AE9E-F20AFD11A4B3}" type="datetimeFigureOut">
               <a:rPr lang="ko-KR" altLang="en-US" smtClean="0"/>
-              <a:t>2023-05-23</a:t>
+              <a:t>2023-05-25</a:t>
             </a:fld>
             <a:endParaRPr lang="ko-KR" altLang="en-US"/>
           </a:p>
@@ -879,7 +882,7 @@
           <a:p>
             <a:fld id="{26853DDB-FB21-4B86-AE9E-F20AFD11A4B3}" type="datetimeFigureOut">
               <a:rPr lang="ko-KR" altLang="en-US" smtClean="0"/>
-              <a:t>2023-05-23</a:t>
+              <a:t>2023-05-25</a:t>
             </a:fld>
             <a:endParaRPr lang="ko-KR" altLang="en-US"/>
           </a:p>
@@ -1154,7 +1157,7 @@
           <a:p>
             <a:fld id="{26853DDB-FB21-4B86-AE9E-F20AFD11A4B3}" type="datetimeFigureOut">
               <a:rPr lang="ko-KR" altLang="en-US" smtClean="0"/>
-              <a:t>2023-05-23</a:t>
+              <a:t>2023-05-25</a:t>
             </a:fld>
             <a:endParaRPr lang="ko-KR" altLang="en-US"/>
           </a:p>
@@ -1419,7 +1422,7 @@
           <a:p>
             <a:fld id="{26853DDB-FB21-4B86-AE9E-F20AFD11A4B3}" type="datetimeFigureOut">
               <a:rPr lang="ko-KR" altLang="en-US" smtClean="0"/>
-              <a:t>2023-05-23</a:t>
+              <a:t>2023-05-25</a:t>
             </a:fld>
             <a:endParaRPr lang="ko-KR" altLang="en-US"/>
           </a:p>
@@ -1831,7 +1834,7 @@
           <a:p>
             <a:fld id="{26853DDB-FB21-4B86-AE9E-F20AFD11A4B3}" type="datetimeFigureOut">
               <a:rPr lang="ko-KR" altLang="en-US" smtClean="0"/>
-              <a:t>2023-05-23</a:t>
+              <a:t>2023-05-25</a:t>
             </a:fld>
             <a:endParaRPr lang="ko-KR" altLang="en-US"/>
           </a:p>
@@ -1972,7 +1975,7 @@
           <a:p>
             <a:fld id="{26853DDB-FB21-4B86-AE9E-F20AFD11A4B3}" type="datetimeFigureOut">
               <a:rPr lang="ko-KR" altLang="en-US" smtClean="0"/>
-              <a:t>2023-05-23</a:t>
+              <a:t>2023-05-25</a:t>
             </a:fld>
             <a:endParaRPr lang="ko-KR" altLang="en-US"/>
           </a:p>
@@ -2085,7 +2088,7 @@
           <a:p>
             <a:fld id="{26853DDB-FB21-4B86-AE9E-F20AFD11A4B3}" type="datetimeFigureOut">
               <a:rPr lang="ko-KR" altLang="en-US" smtClean="0"/>
-              <a:t>2023-05-23</a:t>
+              <a:t>2023-05-25</a:t>
             </a:fld>
             <a:endParaRPr lang="ko-KR" altLang="en-US"/>
           </a:p>
@@ -2396,7 +2399,7 @@
           <a:p>
             <a:fld id="{26853DDB-FB21-4B86-AE9E-F20AFD11A4B3}" type="datetimeFigureOut">
               <a:rPr lang="ko-KR" altLang="en-US" smtClean="0"/>
-              <a:t>2023-05-23</a:t>
+              <a:t>2023-05-25</a:t>
             </a:fld>
             <a:endParaRPr lang="ko-KR" altLang="en-US"/>
           </a:p>
@@ -2684,7 +2687,7 @@
           <a:p>
             <a:fld id="{26853DDB-FB21-4B86-AE9E-F20AFD11A4B3}" type="datetimeFigureOut">
               <a:rPr lang="ko-KR" altLang="en-US" smtClean="0"/>
-              <a:t>2023-05-23</a:t>
+              <a:t>2023-05-25</a:t>
             </a:fld>
             <a:endParaRPr lang="ko-KR" altLang="en-US"/>
           </a:p>
@@ -2925,7 +2928,7 @@
           <a:p>
             <a:fld id="{26853DDB-FB21-4B86-AE9E-F20AFD11A4B3}" type="datetimeFigureOut">
               <a:rPr lang="ko-KR" altLang="en-US" smtClean="0"/>
-              <a:t>2023-05-23</a:t>
+              <a:t>2023-05-25</a:t>
             </a:fld>
             <a:endParaRPr lang="ko-KR" altLang="en-US"/>
           </a:p>
@@ -7112,6 +7115,593 @@
 </p:sld>
 </file>
 
+<file path=ppt/slides/slide18.xml><?xml version="1.0" encoding="utf-8"?>
+<p:sld xmlns:a="http://schemas.openxmlformats.org/drawingml/2006/main" xmlns:r="http://schemas.openxmlformats.org/officeDocument/2006/relationships" xmlns:p="http://schemas.openxmlformats.org/presentationml/2006/main">
+  <p:cSld>
+    <p:spTree>
+      <p:nvGrpSpPr>
+        <p:cNvPr id="1" name=""/>
+        <p:cNvGrpSpPr/>
+        <p:nvPr/>
+      </p:nvGrpSpPr>
+      <p:grpSpPr>
+        <a:xfrm>
+          <a:off x="0" y="0"/>
+          <a:ext cx="0" cy="0"/>
+          <a:chOff x="0" y="0"/>
+          <a:chExt cx="0" cy="0"/>
+        </a:xfrm>
+      </p:grpSpPr>
+      <p:sp>
+        <p:nvSpPr>
+          <p:cNvPr id="4" name="TextBox 3">
+            <a:extLst>
+              <a:ext uri="{FF2B5EF4-FFF2-40B4-BE49-F238E27FC236}">
+                <a16:creationId xmlns:a16="http://schemas.microsoft.com/office/drawing/2014/main" id="{34864584-E202-D472-4851-B1DAFBF9ADC8}"/>
+              </a:ext>
+            </a:extLst>
+          </p:cNvPr>
+          <p:cNvSpPr txBox="1"/>
+          <p:nvPr/>
+        </p:nvSpPr>
+        <p:spPr>
+          <a:xfrm>
+            <a:off x="101600" y="162560"/>
+            <a:ext cx="9377888" cy="1200329"/>
+          </a:xfrm>
+          <a:prstGeom prst="rect">
+            <a:avLst/>
+          </a:prstGeom>
+          <a:noFill/>
+        </p:spPr>
+        <p:txBody>
+          <a:bodyPr wrap="none" rtlCol="0">
+            <a:spAutoFit/>
+          </a:bodyPr>
+          <a:lstStyle/>
+          <a:p>
+            <a:r>
+              <a:rPr lang="en-US" altLang="ko-KR" dirty="0">
+                <a:hlinkClick r:id="rId2"/>
+              </a:rPr>
+              <a:t>https://mvnrepository.com/artifact/commons-fileupload/commons-fileupload</a:t>
+            </a:r>
+            <a:endParaRPr lang="en-US" altLang="ko-KR" dirty="0"/>
+          </a:p>
+          <a:p>
+            <a:r>
+              <a:rPr lang="ko-KR" altLang="en-US" dirty="0"/>
+              <a:t>아파치 </a:t>
+            </a:r>
+            <a:r>
+              <a:rPr lang="ko-KR" altLang="en-US" dirty="0" err="1"/>
+              <a:t>커먼스</a:t>
+            </a:r>
+            <a:r>
+              <a:rPr lang="ko-KR" altLang="en-US" dirty="0"/>
+              <a:t> 파일 </a:t>
+            </a:r>
+            <a:r>
+              <a:rPr lang="ko-KR" altLang="en-US" dirty="0" err="1"/>
+              <a:t>업로더</a:t>
+            </a:r>
+            <a:r>
+              <a:rPr lang="ko-KR" altLang="en-US" dirty="0"/>
+              <a:t> </a:t>
+            </a:r>
+            <a:r>
+              <a:rPr lang="en-US" altLang="ko-KR" dirty="0"/>
+              <a:t>– </a:t>
+            </a:r>
+            <a:r>
+              <a:rPr lang="ko-KR" altLang="en-US" dirty="0"/>
+              <a:t>스프링은 </a:t>
+            </a:r>
+            <a:r>
+              <a:rPr lang="en-US" altLang="ko-KR" dirty="0"/>
+              <a:t>cos.jar </a:t>
+            </a:r>
+            <a:r>
+              <a:rPr lang="ko-KR" altLang="en-US" dirty="0"/>
+              <a:t>보다 아파치 </a:t>
+            </a:r>
+            <a:r>
+              <a:rPr lang="ko-KR" altLang="en-US" dirty="0" err="1"/>
+              <a:t>업로더가</a:t>
+            </a:r>
+            <a:r>
+              <a:rPr lang="ko-KR" altLang="en-US" dirty="0"/>
+              <a:t> 더욱 연동성이 좋음</a:t>
+            </a:r>
+            <a:r>
+              <a:rPr lang="en-US" altLang="ko-KR" dirty="0"/>
+              <a:t>.</a:t>
+            </a:r>
+          </a:p>
+          <a:p>
+            <a:endParaRPr lang="en-US" altLang="ko-KR" dirty="0"/>
+          </a:p>
+          <a:p>
+            <a:endParaRPr lang="ko-KR" altLang="en-US" dirty="0"/>
+          </a:p>
+        </p:txBody>
+      </p:sp>
+      <p:pic>
+        <p:nvPicPr>
+          <p:cNvPr id="6" name="그림 5">
+            <a:extLst>
+              <a:ext uri="{FF2B5EF4-FFF2-40B4-BE49-F238E27FC236}">
+                <a16:creationId xmlns:a16="http://schemas.microsoft.com/office/drawing/2014/main" id="{501EA1D0-33B0-4B1B-BE65-30D09DD7E92B}"/>
+              </a:ext>
+            </a:extLst>
+          </p:cNvPr>
+          <p:cNvPicPr>
+            <a:picLocks noChangeAspect="1"/>
+          </p:cNvPicPr>
+          <p:nvPr/>
+        </p:nvPicPr>
+        <p:blipFill>
+          <a:blip r:embed="rId3"/>
+          <a:stretch>
+            <a:fillRect/>
+          </a:stretch>
+        </p:blipFill>
+        <p:spPr>
+          <a:xfrm>
+            <a:off x="219998" y="1132797"/>
+            <a:ext cx="9516803" cy="609685"/>
+          </a:xfrm>
+          <a:prstGeom prst="rect">
+            <a:avLst/>
+          </a:prstGeom>
+        </p:spPr>
+      </p:pic>
+      <p:pic>
+        <p:nvPicPr>
+          <p:cNvPr id="8" name="그림 7">
+            <a:extLst>
+              <a:ext uri="{FF2B5EF4-FFF2-40B4-BE49-F238E27FC236}">
+                <a16:creationId xmlns:a16="http://schemas.microsoft.com/office/drawing/2014/main" id="{C717CD7A-8FB4-5B16-3554-195C8FC73595}"/>
+              </a:ext>
+            </a:extLst>
+          </p:cNvPr>
+          <p:cNvPicPr>
+            <a:picLocks noChangeAspect="1"/>
+          </p:cNvPicPr>
+          <p:nvPr/>
+        </p:nvPicPr>
+        <p:blipFill>
+          <a:blip r:embed="rId4"/>
+          <a:stretch>
+            <a:fillRect/>
+          </a:stretch>
+        </p:blipFill>
+        <p:spPr>
+          <a:xfrm>
+            <a:off x="219998" y="1761546"/>
+            <a:ext cx="5611008" cy="1143160"/>
+          </a:xfrm>
+          <a:prstGeom prst="rect">
+            <a:avLst/>
+          </a:prstGeom>
+        </p:spPr>
+      </p:pic>
+      <p:pic>
+        <p:nvPicPr>
+          <p:cNvPr id="10" name="그림 9">
+            <a:extLst>
+              <a:ext uri="{FF2B5EF4-FFF2-40B4-BE49-F238E27FC236}">
+                <a16:creationId xmlns:a16="http://schemas.microsoft.com/office/drawing/2014/main" id="{D0B1B75B-5DBE-1AC9-C5AA-2B8C07377B44}"/>
+              </a:ext>
+            </a:extLst>
+          </p:cNvPr>
+          <p:cNvPicPr>
+            <a:picLocks noChangeAspect="1"/>
+          </p:cNvPicPr>
+          <p:nvPr/>
+        </p:nvPicPr>
+        <p:blipFill>
+          <a:blip r:embed="rId5"/>
+          <a:stretch>
+            <a:fillRect/>
+          </a:stretch>
+        </p:blipFill>
+        <p:spPr>
+          <a:xfrm>
+            <a:off x="8851900" y="1742482"/>
+            <a:ext cx="2838846" cy="485843"/>
+          </a:xfrm>
+          <a:prstGeom prst="rect">
+            <a:avLst/>
+          </a:prstGeom>
+        </p:spPr>
+      </p:pic>
+      <p:sp>
+        <p:nvSpPr>
+          <p:cNvPr id="11" name="TextBox 10">
+            <a:extLst>
+              <a:ext uri="{FF2B5EF4-FFF2-40B4-BE49-F238E27FC236}">
+                <a16:creationId xmlns:a16="http://schemas.microsoft.com/office/drawing/2014/main" id="{B2EDA9D1-5BDA-D11B-BDE9-38107363EA03}"/>
+              </a:ext>
+            </a:extLst>
+          </p:cNvPr>
+          <p:cNvSpPr txBox="1"/>
+          <p:nvPr/>
+        </p:nvSpPr>
+        <p:spPr>
+          <a:xfrm>
+            <a:off x="6302739" y="1742482"/>
+            <a:ext cx="2077428" cy="646331"/>
+          </a:xfrm>
+          <a:prstGeom prst="rect">
+            <a:avLst/>
+          </a:prstGeom>
+          <a:noFill/>
+        </p:spPr>
+        <p:txBody>
+          <a:bodyPr wrap="none" rtlCol="0">
+            <a:spAutoFit/>
+          </a:bodyPr>
+          <a:lstStyle/>
+          <a:p>
+            <a:r>
+              <a:rPr lang="ko-KR" altLang="en-US" dirty="0"/>
+              <a:t>파일 </a:t>
+            </a:r>
+            <a:r>
+              <a:rPr lang="en-US" altLang="ko-KR" dirty="0" err="1"/>
+              <a:t>realpath</a:t>
+            </a:r>
+            <a:r>
+              <a:rPr lang="ko-KR" altLang="en-US" dirty="0"/>
+              <a:t>위해</a:t>
+            </a:r>
+            <a:endParaRPr lang="en-US" altLang="ko-KR" dirty="0"/>
+          </a:p>
+          <a:p>
+            <a:r>
+              <a:rPr lang="en-US" altLang="ko-KR" dirty="0"/>
+              <a:t>Session </a:t>
+            </a:r>
+            <a:r>
+              <a:rPr lang="en-US" altLang="ko-KR" dirty="0" err="1"/>
+              <a:t>autowired</a:t>
+            </a:r>
+            <a:endParaRPr lang="ko-KR" altLang="en-US" dirty="0"/>
+          </a:p>
+        </p:txBody>
+      </p:sp>
+      <p:sp>
+        <p:nvSpPr>
+          <p:cNvPr id="12" name="TextBox 11">
+            <a:extLst>
+              <a:ext uri="{FF2B5EF4-FFF2-40B4-BE49-F238E27FC236}">
+                <a16:creationId xmlns:a16="http://schemas.microsoft.com/office/drawing/2014/main" id="{845D7C11-E5AC-02BE-C365-A1AF1E31DA4E}"/>
+              </a:ext>
+            </a:extLst>
+          </p:cNvPr>
+          <p:cNvSpPr txBox="1"/>
+          <p:nvPr/>
+        </p:nvSpPr>
+        <p:spPr>
+          <a:xfrm>
+            <a:off x="8163333" y="3983345"/>
+            <a:ext cx="4028667" cy="646331"/>
+          </a:xfrm>
+          <a:prstGeom prst="rect">
+            <a:avLst/>
+          </a:prstGeom>
+          <a:noFill/>
+        </p:spPr>
+        <p:txBody>
+          <a:bodyPr wrap="none" rtlCol="0">
+            <a:spAutoFit/>
+          </a:bodyPr>
+          <a:lstStyle/>
+          <a:p>
+            <a:r>
+              <a:rPr lang="en-US" altLang="ko-KR" dirty="0"/>
+              <a:t>If</a:t>
+            </a:r>
+            <a:r>
+              <a:rPr lang="ko-KR" altLang="en-US" dirty="0"/>
+              <a:t>문 </a:t>
+            </a:r>
+            <a:r>
+              <a:rPr lang="ko-KR" altLang="en-US" dirty="0" err="1"/>
+              <a:t>중괄호의경우</a:t>
+            </a:r>
+            <a:r>
+              <a:rPr lang="ko-KR" altLang="en-US" dirty="0"/>
+              <a:t> 한줄이면 생략가능</a:t>
+            </a:r>
+            <a:endParaRPr lang="en-US" altLang="ko-KR" dirty="0"/>
+          </a:p>
+          <a:p>
+            <a:r>
+              <a:rPr lang="en-US" altLang="ko-KR" dirty="0"/>
+              <a:t>(</a:t>
+            </a:r>
+            <a:r>
+              <a:rPr lang="ko-KR" altLang="en-US" dirty="0" err="1"/>
+              <a:t>쓰는게</a:t>
+            </a:r>
+            <a:r>
+              <a:rPr lang="ko-KR" altLang="en-US" dirty="0"/>
+              <a:t> 좋음</a:t>
+            </a:r>
+            <a:r>
+              <a:rPr lang="en-US" altLang="ko-KR" dirty="0"/>
+              <a:t>)</a:t>
+            </a:r>
+            <a:endParaRPr lang="ko-KR" altLang="en-US" dirty="0"/>
+          </a:p>
+        </p:txBody>
+      </p:sp>
+      <p:pic>
+        <p:nvPicPr>
+          <p:cNvPr id="16" name="그림 15">
+            <a:extLst>
+              <a:ext uri="{FF2B5EF4-FFF2-40B4-BE49-F238E27FC236}">
+                <a16:creationId xmlns:a16="http://schemas.microsoft.com/office/drawing/2014/main" id="{38088BC8-1C7C-5CEA-9AD2-D8C930D6026A}"/>
+              </a:ext>
+            </a:extLst>
+          </p:cNvPr>
+          <p:cNvPicPr>
+            <a:picLocks noChangeAspect="1"/>
+          </p:cNvPicPr>
+          <p:nvPr/>
+        </p:nvPicPr>
+        <p:blipFill>
+          <a:blip r:embed="rId6"/>
+          <a:stretch>
+            <a:fillRect/>
+          </a:stretch>
+        </p:blipFill>
+        <p:spPr>
+          <a:xfrm>
+            <a:off x="101600" y="3276352"/>
+            <a:ext cx="7811590" cy="3429479"/>
+          </a:xfrm>
+          <a:prstGeom prst="rect">
+            <a:avLst/>
+          </a:prstGeom>
+        </p:spPr>
+      </p:pic>
+    </p:spTree>
+    <p:extLst>
+      <p:ext uri="{BB962C8B-B14F-4D97-AF65-F5344CB8AC3E}">
+        <p14:creationId xmlns:p14="http://schemas.microsoft.com/office/powerpoint/2010/main" val="2630153722"/>
+      </p:ext>
+    </p:extLst>
+  </p:cSld>
+  <p:clrMapOvr>
+    <a:masterClrMapping/>
+  </p:clrMapOvr>
+</p:sld>
+</file>
+
+<file path=ppt/slides/slide19.xml><?xml version="1.0" encoding="utf-8"?>
+<p:sld xmlns:a="http://schemas.openxmlformats.org/drawingml/2006/main" xmlns:r="http://schemas.openxmlformats.org/officeDocument/2006/relationships" xmlns:p="http://schemas.openxmlformats.org/presentationml/2006/main">
+  <p:cSld>
+    <p:spTree>
+      <p:nvGrpSpPr>
+        <p:cNvPr id="1" name=""/>
+        <p:cNvGrpSpPr/>
+        <p:nvPr/>
+      </p:nvGrpSpPr>
+      <p:grpSpPr>
+        <a:xfrm>
+          <a:off x="0" y="0"/>
+          <a:ext cx="0" cy="0"/>
+          <a:chOff x="0" y="0"/>
+          <a:chExt cx="0" cy="0"/>
+        </a:xfrm>
+      </p:grpSpPr>
+      <p:sp>
+        <p:nvSpPr>
+          <p:cNvPr id="6" name="TextBox 5">
+            <a:extLst>
+              <a:ext uri="{FF2B5EF4-FFF2-40B4-BE49-F238E27FC236}">
+                <a16:creationId xmlns:a16="http://schemas.microsoft.com/office/drawing/2014/main" id="{FFA2EA2D-F5BC-F2A7-B527-05B30CB3D585}"/>
+              </a:ext>
+            </a:extLst>
+          </p:cNvPr>
+          <p:cNvSpPr txBox="1"/>
+          <p:nvPr/>
+        </p:nvSpPr>
+        <p:spPr>
+          <a:xfrm>
+            <a:off x="5843787" y="69787"/>
+            <a:ext cx="6348213" cy="369332"/>
+          </a:xfrm>
+          <a:prstGeom prst="rect">
+            <a:avLst/>
+          </a:prstGeom>
+          <a:noFill/>
+        </p:spPr>
+        <p:txBody>
+          <a:bodyPr wrap="none" rtlCol="0">
+            <a:spAutoFit/>
+          </a:bodyPr>
+          <a:lstStyle/>
+          <a:p>
+            <a:r>
+              <a:rPr lang="ko-KR" altLang="en-US" dirty="0"/>
+              <a:t>파일 업로드시 유니크한 이름 설정할당</a:t>
+            </a:r>
+            <a:r>
+              <a:rPr lang="en-US" altLang="ko-KR" dirty="0"/>
+              <a:t>. </a:t>
+            </a:r>
+            <a:r>
+              <a:rPr lang="ko-KR" altLang="en-US" dirty="0"/>
+              <a:t>중복확률 극히 적음</a:t>
+            </a:r>
+          </a:p>
+        </p:txBody>
+      </p:sp>
+      <p:pic>
+        <p:nvPicPr>
+          <p:cNvPr id="8" name="그림 7">
+            <a:extLst>
+              <a:ext uri="{FF2B5EF4-FFF2-40B4-BE49-F238E27FC236}">
+                <a16:creationId xmlns:a16="http://schemas.microsoft.com/office/drawing/2014/main" id="{3CD700B3-1D6D-AED6-5C85-6EBC38C870AB}"/>
+              </a:ext>
+            </a:extLst>
+          </p:cNvPr>
+          <p:cNvPicPr>
+            <a:picLocks noChangeAspect="1"/>
+          </p:cNvPicPr>
+          <p:nvPr/>
+        </p:nvPicPr>
+        <p:blipFill>
+          <a:blip r:embed="rId2"/>
+          <a:stretch>
+            <a:fillRect/>
+          </a:stretch>
+        </p:blipFill>
+        <p:spPr>
+          <a:xfrm>
+            <a:off x="95443" y="135374"/>
+            <a:ext cx="3439005" cy="238158"/>
+          </a:xfrm>
+          <a:prstGeom prst="rect">
+            <a:avLst/>
+          </a:prstGeom>
+        </p:spPr>
+      </p:pic>
+      <p:sp>
+        <p:nvSpPr>
+          <p:cNvPr id="13" name="TextBox 12">
+            <a:extLst>
+              <a:ext uri="{FF2B5EF4-FFF2-40B4-BE49-F238E27FC236}">
+                <a16:creationId xmlns:a16="http://schemas.microsoft.com/office/drawing/2014/main" id="{EA155ED6-4469-A587-99D6-CF5F8C189250}"/>
+              </a:ext>
+            </a:extLst>
+          </p:cNvPr>
+          <p:cNvSpPr txBox="1"/>
+          <p:nvPr/>
+        </p:nvSpPr>
+        <p:spPr>
+          <a:xfrm>
+            <a:off x="7926086" y="2088573"/>
+            <a:ext cx="2962671" cy="646331"/>
+          </a:xfrm>
+          <a:prstGeom prst="rect">
+            <a:avLst/>
+          </a:prstGeom>
+          <a:noFill/>
+        </p:spPr>
+        <p:txBody>
+          <a:bodyPr wrap="none" rtlCol="0">
+            <a:spAutoFit/>
+          </a:bodyPr>
+          <a:lstStyle/>
+          <a:p>
+            <a:r>
+              <a:rPr lang="en-US" altLang="ko-KR" dirty="0"/>
+              <a:t>Multiple </a:t>
+            </a:r>
+            <a:r>
+              <a:rPr lang="ko-KR" altLang="en-US" dirty="0"/>
+              <a:t>추가로 </a:t>
+            </a:r>
+            <a:r>
+              <a:rPr lang="en-US" altLang="ko-KR" dirty="0"/>
+              <a:t>for</a:t>
+            </a:r>
+            <a:r>
+              <a:rPr lang="ko-KR" altLang="en-US" dirty="0"/>
+              <a:t>문 사용</a:t>
+            </a:r>
+            <a:endParaRPr lang="en-US" altLang="ko-KR" dirty="0"/>
+          </a:p>
+          <a:p>
+            <a:r>
+              <a:rPr lang="ko-KR" altLang="en-US" dirty="0" err="1"/>
+              <a:t>여러파일</a:t>
+            </a:r>
+            <a:r>
+              <a:rPr lang="ko-KR" altLang="en-US" dirty="0"/>
+              <a:t> 업로드 가능</a:t>
+            </a:r>
+          </a:p>
+        </p:txBody>
+      </p:sp>
+      <p:pic>
+        <p:nvPicPr>
+          <p:cNvPr id="19" name="그림 18">
+            <a:extLst>
+              <a:ext uri="{FF2B5EF4-FFF2-40B4-BE49-F238E27FC236}">
+                <a16:creationId xmlns:a16="http://schemas.microsoft.com/office/drawing/2014/main" id="{732952D3-EA18-CBAB-A030-9C72B64D6B00}"/>
+              </a:ext>
+            </a:extLst>
+          </p:cNvPr>
+          <p:cNvPicPr>
+            <a:picLocks noChangeAspect="1"/>
+          </p:cNvPicPr>
+          <p:nvPr/>
+        </p:nvPicPr>
+        <p:blipFill>
+          <a:blip r:embed="rId3"/>
+          <a:stretch>
+            <a:fillRect/>
+          </a:stretch>
+        </p:blipFill>
+        <p:spPr>
+          <a:xfrm>
+            <a:off x="95443" y="570083"/>
+            <a:ext cx="6944694" cy="2229161"/>
+          </a:xfrm>
+          <a:prstGeom prst="rect">
+            <a:avLst/>
+          </a:prstGeom>
+        </p:spPr>
+      </p:pic>
+      <p:pic>
+        <p:nvPicPr>
+          <p:cNvPr id="21" name="그림 20">
+            <a:extLst>
+              <a:ext uri="{FF2B5EF4-FFF2-40B4-BE49-F238E27FC236}">
+                <a16:creationId xmlns:a16="http://schemas.microsoft.com/office/drawing/2014/main" id="{BD665184-F752-1391-8FED-CE7D0CFDF2F2}"/>
+              </a:ext>
+            </a:extLst>
+          </p:cNvPr>
+          <p:cNvPicPr>
+            <a:picLocks noChangeAspect="1"/>
+          </p:cNvPicPr>
+          <p:nvPr/>
+        </p:nvPicPr>
+        <p:blipFill>
+          <a:blip r:embed="rId4"/>
+          <a:stretch>
+            <a:fillRect/>
+          </a:stretch>
+        </p:blipFill>
+        <p:spPr>
+          <a:xfrm>
+            <a:off x="7645" y="2757691"/>
+            <a:ext cx="6850355" cy="4030522"/>
+          </a:xfrm>
+          <a:prstGeom prst="rect">
+            <a:avLst/>
+          </a:prstGeom>
+        </p:spPr>
+      </p:pic>
+    </p:spTree>
+    <p:extLst>
+      <p:ext uri="{BB962C8B-B14F-4D97-AF65-F5344CB8AC3E}">
+        <p14:creationId xmlns:p14="http://schemas.microsoft.com/office/powerpoint/2010/main" val="573930125"/>
+      </p:ext>
+    </p:extLst>
+  </p:cSld>
+  <p:clrMapOvr>
+    <a:masterClrMapping/>
+  </p:clrMapOvr>
+</p:sld>
+</file>
+
 <file path=ppt/slides/slide2.xml><?xml version="1.0" encoding="utf-8"?>
 <p:sld xmlns:a="http://schemas.openxmlformats.org/drawingml/2006/main" xmlns:r="http://schemas.openxmlformats.org/officeDocument/2006/relationships" xmlns:p="http://schemas.openxmlformats.org/presentationml/2006/main">
   <p:cSld>
@@ -7850,6 +8440,336 @@
     <p:extLst>
       <p:ext uri="{BB962C8B-B14F-4D97-AF65-F5344CB8AC3E}">
         <p14:creationId xmlns:p14="http://schemas.microsoft.com/office/powerpoint/2010/main" val="1883341662"/>
+      </p:ext>
+    </p:extLst>
+  </p:cSld>
+  <p:clrMapOvr>
+    <a:masterClrMapping/>
+  </p:clrMapOvr>
+</p:sld>
+</file>
+
+<file path=ppt/slides/slide20.xml><?xml version="1.0" encoding="utf-8"?>
+<p:sld xmlns:a="http://schemas.openxmlformats.org/drawingml/2006/main" xmlns:r="http://schemas.openxmlformats.org/officeDocument/2006/relationships" xmlns:p="http://schemas.openxmlformats.org/presentationml/2006/main">
+  <p:cSld>
+    <p:spTree>
+      <p:nvGrpSpPr>
+        <p:cNvPr id="1" name=""/>
+        <p:cNvGrpSpPr/>
+        <p:nvPr/>
+      </p:nvGrpSpPr>
+      <p:grpSpPr>
+        <a:xfrm>
+          <a:off x="0" y="0"/>
+          <a:ext cx="0" cy="0"/>
+          <a:chOff x="0" y="0"/>
+          <a:chExt cx="0" cy="0"/>
+        </a:xfrm>
+      </p:grpSpPr>
+      <p:pic>
+        <p:nvPicPr>
+          <p:cNvPr id="5" name="그림 4">
+            <a:extLst>
+              <a:ext uri="{FF2B5EF4-FFF2-40B4-BE49-F238E27FC236}">
+                <a16:creationId xmlns:a16="http://schemas.microsoft.com/office/drawing/2014/main" id="{CC53CB02-2DA3-8D43-F0F2-E8B5524E6596}"/>
+              </a:ext>
+            </a:extLst>
+          </p:cNvPr>
+          <p:cNvPicPr>
+            <a:picLocks noChangeAspect="1"/>
+          </p:cNvPicPr>
+          <p:nvPr/>
+        </p:nvPicPr>
+        <p:blipFill>
+          <a:blip r:embed="rId2"/>
+          <a:stretch>
+            <a:fillRect/>
+          </a:stretch>
+        </p:blipFill>
+        <p:spPr>
+          <a:xfrm>
+            <a:off x="101281" y="1748905"/>
+            <a:ext cx="4572638" cy="3724795"/>
+          </a:xfrm>
+          <a:prstGeom prst="rect">
+            <a:avLst/>
+          </a:prstGeom>
+        </p:spPr>
+      </p:pic>
+      <p:pic>
+        <p:nvPicPr>
+          <p:cNvPr id="7" name="그림 6">
+            <a:extLst>
+              <a:ext uri="{FF2B5EF4-FFF2-40B4-BE49-F238E27FC236}">
+                <a16:creationId xmlns:a16="http://schemas.microsoft.com/office/drawing/2014/main" id="{5C9C3983-F691-F0F8-57DC-13308F4E580B}"/>
+              </a:ext>
+            </a:extLst>
+          </p:cNvPr>
+          <p:cNvPicPr>
+            <a:picLocks noChangeAspect="1"/>
+          </p:cNvPicPr>
+          <p:nvPr/>
+        </p:nvPicPr>
+        <p:blipFill>
+          <a:blip r:embed="rId3"/>
+          <a:stretch>
+            <a:fillRect/>
+          </a:stretch>
+        </p:blipFill>
+        <p:spPr>
+          <a:xfrm>
+            <a:off x="101281" y="0"/>
+            <a:ext cx="4172532" cy="1619476"/>
+          </a:xfrm>
+          <a:prstGeom prst="rect">
+            <a:avLst/>
+          </a:prstGeom>
+        </p:spPr>
+      </p:pic>
+      <p:sp>
+        <p:nvSpPr>
+          <p:cNvPr id="8" name="TextBox 7">
+            <a:extLst>
+              <a:ext uri="{FF2B5EF4-FFF2-40B4-BE49-F238E27FC236}">
+                <a16:creationId xmlns:a16="http://schemas.microsoft.com/office/drawing/2014/main" id="{43170271-94EA-0222-4542-BE7F16F983DA}"/>
+              </a:ext>
+            </a:extLst>
+          </p:cNvPr>
+          <p:cNvSpPr txBox="1"/>
+          <p:nvPr/>
+        </p:nvSpPr>
+        <p:spPr>
+          <a:xfrm>
+            <a:off x="4844505" y="1302978"/>
+            <a:ext cx="7246214" cy="3139321"/>
+          </a:xfrm>
+          <a:prstGeom prst="rect">
+            <a:avLst/>
+          </a:prstGeom>
+          <a:noFill/>
+        </p:spPr>
+        <p:txBody>
+          <a:bodyPr wrap="none" rtlCol="0">
+            <a:spAutoFit/>
+          </a:bodyPr>
+          <a:lstStyle/>
+          <a:p>
+            <a:r>
+              <a:rPr lang="en-US" altLang="ko-KR" dirty="0"/>
+              <a:t>Ajax</a:t>
+            </a:r>
+            <a:r>
+              <a:rPr lang="ko-KR" altLang="en-US" dirty="0"/>
+              <a:t> 요청의 경우 </a:t>
+            </a:r>
+            <a:r>
+              <a:rPr lang="en-US" altLang="ko-KR" dirty="0" err="1"/>
+              <a:t>ResponsBody</a:t>
+            </a:r>
+            <a:r>
+              <a:rPr lang="en-US" altLang="ko-KR" dirty="0"/>
+              <a:t> </a:t>
+            </a:r>
+            <a:r>
+              <a:rPr lang="ko-KR" altLang="en-US" dirty="0"/>
+              <a:t>사용하여 </a:t>
+            </a:r>
+            <a:r>
+              <a:rPr lang="en-US" altLang="ko-KR" dirty="0"/>
+              <a:t>ajax </a:t>
+            </a:r>
+            <a:r>
+              <a:rPr lang="ko-KR" altLang="en-US" dirty="0"/>
+              <a:t>요청에 대한 응답을 </a:t>
+            </a:r>
+            <a:endParaRPr lang="en-US" altLang="ko-KR" dirty="0"/>
+          </a:p>
+          <a:p>
+            <a:r>
+              <a:rPr lang="ko-KR" altLang="en-US" dirty="0"/>
+              <a:t>설정해줌</a:t>
+            </a:r>
+            <a:endParaRPr lang="en-US" altLang="ko-KR" dirty="0"/>
+          </a:p>
+          <a:p>
+            <a:endParaRPr lang="en-US" altLang="ko-KR" dirty="0"/>
+          </a:p>
+          <a:p>
+            <a:r>
+              <a:rPr lang="ko-KR" altLang="en-US" dirty="0"/>
+              <a:t>기존의 </a:t>
+            </a:r>
+            <a:r>
+              <a:rPr lang="en-US" altLang="ko-KR" dirty="0"/>
+              <a:t>list</a:t>
+            </a:r>
+            <a:r>
+              <a:rPr lang="ko-KR" altLang="en-US" dirty="0"/>
+              <a:t>의 경우 </a:t>
+            </a:r>
+            <a:r>
+              <a:rPr lang="en-US" altLang="ko-KR" dirty="0"/>
+              <a:t>model </a:t>
+            </a:r>
+            <a:r>
+              <a:rPr lang="ko-KR" altLang="en-US" dirty="0"/>
+              <a:t>사용</a:t>
+            </a:r>
+            <a:r>
+              <a:rPr lang="en-US" altLang="ko-KR" dirty="0"/>
+              <a:t>. </a:t>
+            </a:r>
+            <a:r>
+              <a:rPr lang="en-US" altLang="ko-KR" dirty="0" err="1"/>
+              <a:t>Gson</a:t>
+            </a:r>
+            <a:r>
+              <a:rPr lang="ko-KR" altLang="en-US" dirty="0"/>
+              <a:t> 라이브러리를 사용하면 </a:t>
+            </a:r>
+            <a:endParaRPr lang="en-US" altLang="ko-KR" dirty="0"/>
+          </a:p>
+          <a:p>
+            <a:r>
+              <a:rPr lang="ko-KR" altLang="en-US" dirty="0"/>
+              <a:t>리턴 타입을 리스트로 정하여 보낼 경우 직렬화를 알아서 </a:t>
+            </a:r>
+            <a:r>
+              <a:rPr lang="ko-KR" altLang="en-US" dirty="0" err="1"/>
+              <a:t>해줌</a:t>
+            </a:r>
+            <a:endParaRPr lang="en-US" altLang="ko-KR" dirty="0"/>
+          </a:p>
+          <a:p>
+            <a:r>
+              <a:rPr lang="ko-KR" altLang="en-US" dirty="0"/>
+              <a:t>따라서 </a:t>
+            </a:r>
+            <a:r>
+              <a:rPr lang="en-US" altLang="ko-KR" dirty="0" err="1"/>
+              <a:t>jsp</a:t>
+            </a:r>
+            <a:r>
+              <a:rPr lang="ko-KR" altLang="en-US" dirty="0"/>
+              <a:t>단에서도 </a:t>
+            </a:r>
+            <a:r>
+              <a:rPr lang="en-US" altLang="ko-KR" dirty="0"/>
+              <a:t>type </a:t>
+            </a:r>
+            <a:r>
+              <a:rPr lang="en-US" altLang="ko-KR" dirty="0" err="1"/>
+              <a:t>json</a:t>
+            </a:r>
+            <a:r>
+              <a:rPr lang="ko-KR" altLang="en-US" dirty="0"/>
+              <a:t>이나 </a:t>
+            </a:r>
+            <a:r>
+              <a:rPr lang="en-US" altLang="ko-KR" dirty="0" err="1"/>
+              <a:t>JSON.parse</a:t>
+            </a:r>
+            <a:r>
+              <a:rPr lang="ko-KR" altLang="en-US" dirty="0"/>
+              <a:t>가 불필요함</a:t>
+            </a:r>
+            <a:r>
+              <a:rPr lang="en-US" altLang="ko-KR" dirty="0"/>
+              <a:t>.</a:t>
+            </a:r>
+          </a:p>
+          <a:p>
+            <a:endParaRPr lang="en-US" altLang="ko-KR" dirty="0"/>
+          </a:p>
+          <a:p>
+            <a:r>
+              <a:rPr lang="en-US" altLang="ko-KR" dirty="0"/>
+              <a:t>-</a:t>
+            </a:r>
+            <a:r>
+              <a:rPr lang="ko-KR" altLang="en-US" dirty="0"/>
+              <a:t>강사님 표현</a:t>
+            </a:r>
+            <a:r>
+              <a:rPr lang="en-US" altLang="ko-KR" dirty="0"/>
+              <a:t>-</a:t>
+            </a:r>
+          </a:p>
+          <a:p>
+            <a:r>
+              <a:rPr lang="en-US" altLang="ko-KR" dirty="0" err="1"/>
+              <a:t>Gson</a:t>
+            </a:r>
+            <a:r>
+              <a:rPr lang="ko-KR" altLang="en-US" dirty="0"/>
+              <a:t>에 의한 자동 직렬화 과정에서 </a:t>
+            </a:r>
+            <a:r>
+              <a:rPr lang="en-US" altLang="ko-KR" dirty="0"/>
+              <a:t>response</a:t>
+            </a:r>
+            <a:r>
+              <a:rPr lang="ko-KR" altLang="en-US" dirty="0"/>
+              <a:t>의 </a:t>
+            </a:r>
+            <a:r>
+              <a:rPr lang="en-US" altLang="ko-KR" dirty="0"/>
+              <a:t>content-type </a:t>
+            </a:r>
+            <a:r>
+              <a:rPr lang="ko-KR" altLang="en-US" dirty="0"/>
+              <a:t>필드에</a:t>
+            </a:r>
+            <a:endParaRPr lang="en-US" altLang="ko-KR" dirty="0"/>
+          </a:p>
+          <a:p>
+            <a:r>
+              <a:rPr lang="en-US" altLang="ko-KR" dirty="0"/>
+              <a:t>Application/</a:t>
+            </a:r>
+            <a:r>
+              <a:rPr lang="en-US" altLang="ko-KR" dirty="0" err="1"/>
+              <a:t>json</a:t>
+            </a:r>
+            <a:r>
+              <a:rPr lang="ko-KR" altLang="en-US" dirty="0"/>
+              <a:t>이 적용 </a:t>
+            </a:r>
+            <a:r>
+              <a:rPr lang="en-US" altLang="ko-KR" dirty="0"/>
+              <a:t>&gt; ajax</a:t>
+            </a:r>
+            <a:r>
+              <a:rPr lang="ko-KR" altLang="en-US" dirty="0"/>
+              <a:t>가 </a:t>
+            </a:r>
+            <a:r>
+              <a:rPr lang="en-US" altLang="ko-KR" dirty="0"/>
+              <a:t>content-type</a:t>
+            </a:r>
+            <a:r>
+              <a:rPr lang="ko-KR" altLang="en-US" dirty="0"/>
+              <a:t>을 참조하여 스스로</a:t>
+            </a:r>
+            <a:endParaRPr lang="en-US" altLang="ko-KR" dirty="0"/>
+          </a:p>
+          <a:p>
+            <a:r>
+              <a:rPr lang="ko-KR" altLang="en-US" dirty="0"/>
+              <a:t>역직렬화 시키기 </a:t>
+            </a:r>
+            <a:r>
+              <a:rPr lang="ko-KR" altLang="en-US" dirty="0" err="1"/>
+              <a:t>떄문</a:t>
+            </a:r>
+            <a:endParaRPr lang="ko-KR" altLang="en-US" dirty="0"/>
+          </a:p>
+        </p:txBody>
+      </p:sp>
+    </p:spTree>
+    <p:extLst>
+      <p:ext uri="{BB962C8B-B14F-4D97-AF65-F5344CB8AC3E}">
+        <p14:creationId xmlns:p14="http://schemas.microsoft.com/office/powerpoint/2010/main" val="820770041"/>
       </p:ext>
     </p:extLst>
   </p:cSld>

--- a/STSWorkspace/Spring.pptx
+++ b/STSWorkspace/Spring.pptx
@@ -25,6 +25,9 @@
     <p:sldId id="273" r:id="rId19"/>
     <p:sldId id="274" r:id="rId20"/>
     <p:sldId id="275" r:id="rId21"/>
+    <p:sldId id="276" r:id="rId22"/>
+    <p:sldId id="277" r:id="rId23"/>
+    <p:sldId id="278" r:id="rId24"/>
   </p:sldIdLst>
   <p:sldSz cx="12192000" cy="6858000"/>
   <p:notesSz cx="6858000" cy="9144000"/>
@@ -278,7 +281,7 @@
           <a:p>
             <a:fld id="{26853DDB-FB21-4B86-AE9E-F20AFD11A4B3}" type="datetimeFigureOut">
               <a:rPr lang="ko-KR" altLang="en-US" smtClean="0"/>
-              <a:t>2023-05-25</a:t>
+              <a:t>2023-05-26</a:t>
             </a:fld>
             <a:endParaRPr lang="ko-KR" altLang="en-US"/>
           </a:p>
@@ -476,7 +479,7 @@
           <a:p>
             <a:fld id="{26853DDB-FB21-4B86-AE9E-F20AFD11A4B3}" type="datetimeFigureOut">
               <a:rPr lang="ko-KR" altLang="en-US" smtClean="0"/>
-              <a:t>2023-05-25</a:t>
+              <a:t>2023-05-26</a:t>
             </a:fld>
             <a:endParaRPr lang="ko-KR" altLang="en-US"/>
           </a:p>
@@ -684,7 +687,7 @@
           <a:p>
             <a:fld id="{26853DDB-FB21-4B86-AE9E-F20AFD11A4B3}" type="datetimeFigureOut">
               <a:rPr lang="ko-KR" altLang="en-US" smtClean="0"/>
-              <a:t>2023-05-25</a:t>
+              <a:t>2023-05-26</a:t>
             </a:fld>
             <a:endParaRPr lang="ko-KR" altLang="en-US"/>
           </a:p>
@@ -882,7 +885,7 @@
           <a:p>
             <a:fld id="{26853DDB-FB21-4B86-AE9E-F20AFD11A4B3}" type="datetimeFigureOut">
               <a:rPr lang="ko-KR" altLang="en-US" smtClean="0"/>
-              <a:t>2023-05-25</a:t>
+              <a:t>2023-05-26</a:t>
             </a:fld>
             <a:endParaRPr lang="ko-KR" altLang="en-US"/>
           </a:p>
@@ -1157,7 +1160,7 @@
           <a:p>
             <a:fld id="{26853DDB-FB21-4B86-AE9E-F20AFD11A4B3}" type="datetimeFigureOut">
               <a:rPr lang="ko-KR" altLang="en-US" smtClean="0"/>
-              <a:t>2023-05-25</a:t>
+              <a:t>2023-05-26</a:t>
             </a:fld>
             <a:endParaRPr lang="ko-KR" altLang="en-US"/>
           </a:p>
@@ -1422,7 +1425,7 @@
           <a:p>
             <a:fld id="{26853DDB-FB21-4B86-AE9E-F20AFD11A4B3}" type="datetimeFigureOut">
               <a:rPr lang="ko-KR" altLang="en-US" smtClean="0"/>
-              <a:t>2023-05-25</a:t>
+              <a:t>2023-05-26</a:t>
             </a:fld>
             <a:endParaRPr lang="ko-KR" altLang="en-US"/>
           </a:p>
@@ -1834,7 +1837,7 @@
           <a:p>
             <a:fld id="{26853DDB-FB21-4B86-AE9E-F20AFD11A4B3}" type="datetimeFigureOut">
               <a:rPr lang="ko-KR" altLang="en-US" smtClean="0"/>
-              <a:t>2023-05-25</a:t>
+              <a:t>2023-05-26</a:t>
             </a:fld>
             <a:endParaRPr lang="ko-KR" altLang="en-US"/>
           </a:p>
@@ -1975,7 +1978,7 @@
           <a:p>
             <a:fld id="{26853DDB-FB21-4B86-AE9E-F20AFD11A4B3}" type="datetimeFigureOut">
               <a:rPr lang="ko-KR" altLang="en-US" smtClean="0"/>
-              <a:t>2023-05-25</a:t>
+              <a:t>2023-05-26</a:t>
             </a:fld>
             <a:endParaRPr lang="ko-KR" altLang="en-US"/>
           </a:p>
@@ -2088,7 +2091,7 @@
           <a:p>
             <a:fld id="{26853DDB-FB21-4B86-AE9E-F20AFD11A4B3}" type="datetimeFigureOut">
               <a:rPr lang="ko-KR" altLang="en-US" smtClean="0"/>
-              <a:t>2023-05-25</a:t>
+              <a:t>2023-05-26</a:t>
             </a:fld>
             <a:endParaRPr lang="ko-KR" altLang="en-US"/>
           </a:p>
@@ -2399,7 +2402,7 @@
           <a:p>
             <a:fld id="{26853DDB-FB21-4B86-AE9E-F20AFD11A4B3}" type="datetimeFigureOut">
               <a:rPr lang="ko-KR" altLang="en-US" smtClean="0"/>
-              <a:t>2023-05-25</a:t>
+              <a:t>2023-05-26</a:t>
             </a:fld>
             <a:endParaRPr lang="ko-KR" altLang="en-US"/>
           </a:p>
@@ -2687,7 +2690,7 @@
           <a:p>
             <a:fld id="{26853DDB-FB21-4B86-AE9E-F20AFD11A4B3}" type="datetimeFigureOut">
               <a:rPr lang="ko-KR" altLang="en-US" smtClean="0"/>
-              <a:t>2023-05-25</a:t>
+              <a:t>2023-05-26</a:t>
             </a:fld>
             <a:endParaRPr lang="ko-KR" altLang="en-US"/>
           </a:p>
@@ -2928,7 +2931,7 @@
           <a:p>
             <a:fld id="{26853DDB-FB21-4B86-AE9E-F20AFD11A4B3}" type="datetimeFigureOut">
               <a:rPr lang="ko-KR" altLang="en-US" smtClean="0"/>
-              <a:t>2023-05-25</a:t>
+              <a:t>2023-05-26</a:t>
             </a:fld>
             <a:endParaRPr lang="ko-KR" altLang="en-US"/>
           </a:p>
@@ -8779,6 +8782,1690 @@
 </p:sld>
 </file>
 
+<file path=ppt/slides/slide21.xml><?xml version="1.0" encoding="utf-8"?>
+<p:sld xmlns:a="http://schemas.openxmlformats.org/drawingml/2006/main" xmlns:r="http://schemas.openxmlformats.org/officeDocument/2006/relationships" xmlns:p="http://schemas.openxmlformats.org/presentationml/2006/main">
+  <p:cSld>
+    <p:spTree>
+      <p:nvGrpSpPr>
+        <p:cNvPr id="1" name=""/>
+        <p:cNvGrpSpPr/>
+        <p:nvPr/>
+      </p:nvGrpSpPr>
+      <p:grpSpPr>
+        <a:xfrm>
+          <a:off x="0" y="0"/>
+          <a:ext cx="0" cy="0"/>
+          <a:chOff x="0" y="0"/>
+          <a:chExt cx="0" cy="0"/>
+        </a:xfrm>
+      </p:grpSpPr>
+      <p:pic>
+        <p:nvPicPr>
+          <p:cNvPr id="5" name="그림 4">
+            <a:extLst>
+              <a:ext uri="{FF2B5EF4-FFF2-40B4-BE49-F238E27FC236}">
+                <a16:creationId xmlns:a16="http://schemas.microsoft.com/office/drawing/2014/main" id="{5518B271-185D-7795-D0F4-25913FDFBF05}"/>
+              </a:ext>
+            </a:extLst>
+          </p:cNvPr>
+          <p:cNvPicPr>
+            <a:picLocks noChangeAspect="1"/>
+          </p:cNvPicPr>
+          <p:nvPr/>
+        </p:nvPicPr>
+        <p:blipFill>
+          <a:blip r:embed="rId2"/>
+          <a:stretch>
+            <a:fillRect/>
+          </a:stretch>
+        </p:blipFill>
+        <p:spPr>
+          <a:xfrm>
+            <a:off x="0" y="0"/>
+            <a:ext cx="5858693" cy="1047896"/>
+          </a:xfrm>
+          <a:prstGeom prst="rect">
+            <a:avLst/>
+          </a:prstGeom>
+        </p:spPr>
+      </p:pic>
+      <p:pic>
+        <p:nvPicPr>
+          <p:cNvPr id="7" name="그림 6">
+            <a:extLst>
+              <a:ext uri="{FF2B5EF4-FFF2-40B4-BE49-F238E27FC236}">
+                <a16:creationId xmlns:a16="http://schemas.microsoft.com/office/drawing/2014/main" id="{DA63FD97-03D4-8C92-DBCE-A38AED56C009}"/>
+              </a:ext>
+            </a:extLst>
+          </p:cNvPr>
+          <p:cNvPicPr>
+            <a:picLocks noChangeAspect="1"/>
+          </p:cNvPicPr>
+          <p:nvPr/>
+        </p:nvPicPr>
+        <p:blipFill>
+          <a:blip r:embed="rId3"/>
+          <a:stretch>
+            <a:fillRect/>
+          </a:stretch>
+        </p:blipFill>
+        <p:spPr>
+          <a:xfrm>
+            <a:off x="0" y="1234091"/>
+            <a:ext cx="5982535" cy="447737"/>
+          </a:xfrm>
+          <a:prstGeom prst="rect">
+            <a:avLst/>
+          </a:prstGeom>
+        </p:spPr>
+      </p:pic>
+      <p:sp>
+        <p:nvSpPr>
+          <p:cNvPr id="8" name="TextBox 7">
+            <a:extLst>
+              <a:ext uri="{FF2B5EF4-FFF2-40B4-BE49-F238E27FC236}">
+                <a16:creationId xmlns:a16="http://schemas.microsoft.com/office/drawing/2014/main" id="{A53AD29A-B7E1-1154-4D62-3EEE6ACC14F3}"/>
+              </a:ext>
+            </a:extLst>
+          </p:cNvPr>
+          <p:cNvSpPr txBox="1"/>
+          <p:nvPr/>
+        </p:nvSpPr>
+        <p:spPr>
+          <a:xfrm>
+            <a:off x="182027" y="1868023"/>
+            <a:ext cx="5618480" cy="646331"/>
+          </a:xfrm>
+          <a:prstGeom prst="rect">
+            <a:avLst/>
+          </a:prstGeom>
+          <a:noFill/>
+        </p:spPr>
+        <p:txBody>
+          <a:bodyPr wrap="square" rtlCol="0">
+            <a:spAutoFit/>
+          </a:bodyPr>
+          <a:lstStyle/>
+          <a:p>
+            <a:r>
+              <a:rPr lang="ko-KR" altLang="en-US" dirty="0"/>
+              <a:t>요청주소가 </a:t>
+            </a:r>
+            <a:r>
+              <a:rPr lang="en-US" altLang="ko-KR" dirty="0"/>
+              <a:t>resources </a:t>
+            </a:r>
+            <a:r>
+              <a:rPr lang="ko-KR" altLang="en-US" dirty="0"/>
+              <a:t>뒤에 붙으면 </a:t>
+            </a:r>
+            <a:endParaRPr lang="en-US" altLang="ko-KR" dirty="0"/>
+          </a:p>
+          <a:p>
+            <a:r>
+              <a:rPr lang="ko-KR" altLang="en-US" dirty="0" err="1"/>
+              <a:t>핸들러</a:t>
+            </a:r>
+            <a:r>
+              <a:rPr lang="ko-KR" altLang="en-US" dirty="0"/>
+              <a:t> </a:t>
+            </a:r>
+            <a:r>
+              <a:rPr lang="ko-KR" altLang="en-US" dirty="0" err="1"/>
+              <a:t>매퍼가</a:t>
+            </a:r>
+            <a:r>
+              <a:rPr lang="ko-KR" altLang="en-US" dirty="0"/>
+              <a:t> 아닌  </a:t>
+            </a:r>
+            <a:r>
+              <a:rPr lang="en-US" altLang="ko-KR" dirty="0"/>
+              <a:t>resources</a:t>
+            </a:r>
+            <a:r>
+              <a:rPr lang="ko-KR" altLang="en-US" dirty="0"/>
+              <a:t>를 찾아가서 반환</a:t>
+            </a:r>
+          </a:p>
+        </p:txBody>
+      </p:sp>
+      <p:pic>
+        <p:nvPicPr>
+          <p:cNvPr id="10" name="그림 9">
+            <a:extLst>
+              <a:ext uri="{FF2B5EF4-FFF2-40B4-BE49-F238E27FC236}">
+                <a16:creationId xmlns:a16="http://schemas.microsoft.com/office/drawing/2014/main" id="{D72F575D-1600-AD04-4B26-5D05BB5A72BA}"/>
+              </a:ext>
+            </a:extLst>
+          </p:cNvPr>
+          <p:cNvPicPr>
+            <a:picLocks noChangeAspect="1"/>
+          </p:cNvPicPr>
+          <p:nvPr/>
+        </p:nvPicPr>
+        <p:blipFill>
+          <a:blip r:embed="rId4"/>
+          <a:stretch>
+            <a:fillRect/>
+          </a:stretch>
+        </p:blipFill>
+        <p:spPr>
+          <a:xfrm>
+            <a:off x="6133254" y="295316"/>
+            <a:ext cx="6058746" cy="457264"/>
+          </a:xfrm>
+          <a:prstGeom prst="rect">
+            <a:avLst/>
+          </a:prstGeom>
+        </p:spPr>
+      </p:pic>
+      <p:sp>
+        <p:nvSpPr>
+          <p:cNvPr id="11" name="TextBox 10">
+            <a:extLst>
+              <a:ext uri="{FF2B5EF4-FFF2-40B4-BE49-F238E27FC236}">
+                <a16:creationId xmlns:a16="http://schemas.microsoft.com/office/drawing/2014/main" id="{B51EC8E3-5738-1289-B5A7-FBFA9C79A196}"/>
+              </a:ext>
+            </a:extLst>
+          </p:cNvPr>
+          <p:cNvSpPr txBox="1"/>
+          <p:nvPr/>
+        </p:nvSpPr>
+        <p:spPr>
+          <a:xfrm>
+            <a:off x="6133254" y="752580"/>
+            <a:ext cx="5618480" cy="646331"/>
+          </a:xfrm>
+          <a:prstGeom prst="rect">
+            <a:avLst/>
+          </a:prstGeom>
+          <a:noFill/>
+        </p:spPr>
+        <p:txBody>
+          <a:bodyPr wrap="square" rtlCol="0">
+            <a:spAutoFit/>
+          </a:bodyPr>
+          <a:lstStyle/>
+          <a:p>
+            <a:r>
+              <a:rPr lang="ko-KR" altLang="en-US" dirty="0"/>
+              <a:t>컨트롤러를 활성화 하는 코드로 </a:t>
+            </a:r>
+            <a:r>
+              <a:rPr lang="ko-KR" altLang="en-US" dirty="0" err="1"/>
+              <a:t>리퀘스트</a:t>
+            </a:r>
+            <a:r>
+              <a:rPr lang="ko-KR" altLang="en-US" dirty="0"/>
+              <a:t> </a:t>
+            </a:r>
+            <a:r>
+              <a:rPr lang="ko-KR" altLang="en-US" dirty="0" err="1"/>
+              <a:t>매핑어노테이션을</a:t>
+            </a:r>
+            <a:r>
+              <a:rPr lang="ko-KR" altLang="en-US" dirty="0"/>
+              <a:t> 활용하여 컨트롤러를 활성화 할 수 있음</a:t>
+            </a:r>
+            <a:r>
+              <a:rPr lang="en-US" altLang="ko-KR" dirty="0"/>
+              <a:t>.</a:t>
+            </a:r>
+            <a:endParaRPr lang="ko-KR" altLang="en-US" dirty="0"/>
+          </a:p>
+        </p:txBody>
+      </p:sp>
+    </p:spTree>
+    <p:extLst>
+      <p:ext uri="{BB962C8B-B14F-4D97-AF65-F5344CB8AC3E}">
+        <p14:creationId xmlns:p14="http://schemas.microsoft.com/office/powerpoint/2010/main" val="516809652"/>
+      </p:ext>
+    </p:extLst>
+  </p:cSld>
+  <p:clrMapOvr>
+    <a:masterClrMapping/>
+  </p:clrMapOvr>
+</p:sld>
+</file>
+
+<file path=ppt/slides/slide22.xml><?xml version="1.0" encoding="utf-8"?>
+<p:sld xmlns:a="http://schemas.openxmlformats.org/drawingml/2006/main" xmlns:r="http://schemas.openxmlformats.org/officeDocument/2006/relationships" xmlns:p="http://schemas.openxmlformats.org/presentationml/2006/main">
+  <p:cSld>
+    <p:spTree>
+      <p:nvGrpSpPr>
+        <p:cNvPr id="1" name=""/>
+        <p:cNvGrpSpPr/>
+        <p:nvPr/>
+      </p:nvGrpSpPr>
+      <p:grpSpPr>
+        <a:xfrm>
+          <a:off x="0" y="0"/>
+          <a:ext cx="0" cy="0"/>
+          <a:chOff x="0" y="0"/>
+          <a:chExt cx="0" cy="0"/>
+        </a:xfrm>
+      </p:grpSpPr>
+      <p:sp>
+        <p:nvSpPr>
+          <p:cNvPr id="4" name="TextBox 3">
+            <a:extLst>
+              <a:ext uri="{FF2B5EF4-FFF2-40B4-BE49-F238E27FC236}">
+                <a16:creationId xmlns:a16="http://schemas.microsoft.com/office/drawing/2014/main" id="{56474FC2-6CF0-A2E1-308C-607905252A7D}"/>
+              </a:ext>
+            </a:extLst>
+          </p:cNvPr>
+          <p:cNvSpPr txBox="1"/>
+          <p:nvPr/>
+        </p:nvSpPr>
+        <p:spPr>
+          <a:xfrm>
+            <a:off x="4053840" y="365706"/>
+            <a:ext cx="3051541" cy="646331"/>
+          </a:xfrm>
+          <a:prstGeom prst="rect">
+            <a:avLst/>
+          </a:prstGeom>
+          <a:noFill/>
+        </p:spPr>
+        <p:txBody>
+          <a:bodyPr wrap="none" rtlCol="0">
+            <a:spAutoFit/>
+          </a:bodyPr>
+          <a:lstStyle/>
+          <a:p>
+            <a:r>
+              <a:rPr lang="ko-KR" altLang="en-US" dirty="0"/>
+              <a:t>기존의 </a:t>
+            </a:r>
+            <a:r>
+              <a:rPr lang="en-US" altLang="ko-KR" dirty="0" err="1"/>
+              <a:t>SpringMVC</a:t>
+            </a:r>
+            <a:endParaRPr lang="en-US" altLang="ko-KR" dirty="0"/>
+          </a:p>
+          <a:p>
+            <a:r>
+              <a:rPr lang="ko-KR" altLang="en-US" dirty="0"/>
+              <a:t>컨트롤러 </a:t>
+            </a:r>
+            <a:r>
+              <a:rPr lang="en-US" altLang="ko-KR" dirty="0"/>
+              <a:t>&gt; DAO &gt; mapper</a:t>
+            </a:r>
+            <a:endParaRPr lang="ko-KR" altLang="en-US" dirty="0"/>
+          </a:p>
+        </p:txBody>
+      </p:sp>
+      <p:sp>
+        <p:nvSpPr>
+          <p:cNvPr id="5" name="사각형: 둥근 모서리 4">
+            <a:extLst>
+              <a:ext uri="{FF2B5EF4-FFF2-40B4-BE49-F238E27FC236}">
+                <a16:creationId xmlns:a16="http://schemas.microsoft.com/office/drawing/2014/main" id="{CBACE37A-7F47-4C83-35B1-0CFA60CDF952}"/>
+              </a:ext>
+            </a:extLst>
+          </p:cNvPr>
+          <p:cNvSpPr/>
+          <p:nvPr/>
+        </p:nvSpPr>
+        <p:spPr>
+          <a:xfrm>
+            <a:off x="5303520" y="712093"/>
+            <a:ext cx="1872981" cy="341531"/>
+          </a:xfrm>
+          <a:prstGeom prst="roundRect">
+            <a:avLst/>
+          </a:prstGeom>
+          <a:noFill/>
+          <a:ln w="28575"/>
+        </p:spPr>
+        <p:style>
+          <a:lnRef idx="2">
+            <a:schemeClr val="accent1">
+              <a:shade val="50000"/>
+            </a:schemeClr>
+          </a:lnRef>
+          <a:fillRef idx="1">
+            <a:schemeClr val="accent1"/>
+          </a:fillRef>
+          <a:effectRef idx="0">
+            <a:schemeClr val="accent1"/>
+          </a:effectRef>
+          <a:fontRef idx="minor">
+            <a:schemeClr val="lt1"/>
+          </a:fontRef>
+        </p:style>
+        <p:txBody>
+          <a:bodyPr rtlCol="0" anchor="ctr"/>
+          <a:lstStyle/>
+          <a:p>
+            <a:pPr algn="ctr"/>
+            <a:endParaRPr lang="ko-KR" altLang="en-US"/>
+          </a:p>
+        </p:txBody>
+      </p:sp>
+      <p:cxnSp>
+        <p:nvCxnSpPr>
+          <p:cNvPr id="7" name="직선 연결선 6">
+            <a:extLst>
+              <a:ext uri="{FF2B5EF4-FFF2-40B4-BE49-F238E27FC236}">
+                <a16:creationId xmlns:a16="http://schemas.microsoft.com/office/drawing/2014/main" id="{9004F8E8-23D4-0C5D-6734-6A17202B40BC}"/>
+              </a:ext>
+            </a:extLst>
+          </p:cNvPr>
+          <p:cNvCxnSpPr>
+            <a:cxnSpLocks/>
+            <a:stCxn id="5" idx="3"/>
+            <a:endCxn id="8" idx="1"/>
+          </p:cNvCxnSpPr>
+          <p:nvPr/>
+        </p:nvCxnSpPr>
+        <p:spPr>
+          <a:xfrm>
+            <a:off x="7176501" y="882859"/>
+            <a:ext cx="703965" cy="244733"/>
+          </a:xfrm>
+          <a:prstGeom prst="line">
+            <a:avLst/>
+          </a:prstGeom>
+        </p:spPr>
+        <p:style>
+          <a:lnRef idx="1">
+            <a:schemeClr val="accent1"/>
+          </a:lnRef>
+          <a:fillRef idx="0">
+            <a:schemeClr val="accent1"/>
+          </a:fillRef>
+          <a:effectRef idx="0">
+            <a:schemeClr val="accent1"/>
+          </a:effectRef>
+          <a:fontRef idx="minor">
+            <a:schemeClr val="tx1"/>
+          </a:fontRef>
+        </p:style>
+      </p:cxnSp>
+      <p:sp>
+        <p:nvSpPr>
+          <p:cNvPr id="8" name="TextBox 7">
+            <a:extLst>
+              <a:ext uri="{FF2B5EF4-FFF2-40B4-BE49-F238E27FC236}">
+                <a16:creationId xmlns:a16="http://schemas.microsoft.com/office/drawing/2014/main" id="{2D6C4CEA-443E-C930-14FC-D89F6D6E9C38}"/>
+              </a:ext>
+            </a:extLst>
+          </p:cNvPr>
+          <p:cNvSpPr txBox="1"/>
+          <p:nvPr/>
+        </p:nvSpPr>
+        <p:spPr>
+          <a:xfrm>
+            <a:off x="7880466" y="665927"/>
+            <a:ext cx="3775981" cy="923330"/>
+          </a:xfrm>
+          <a:prstGeom prst="rect">
+            <a:avLst/>
+          </a:prstGeom>
+          <a:noFill/>
+        </p:spPr>
+        <p:txBody>
+          <a:bodyPr wrap="square" rtlCol="0">
+            <a:spAutoFit/>
+          </a:bodyPr>
+          <a:lstStyle/>
+          <a:p>
+            <a:r>
+              <a:rPr lang="en-US" altLang="ko-KR" dirty="0" err="1"/>
+              <a:t>PersistanceLayer</a:t>
+            </a:r>
+            <a:r>
+              <a:rPr lang="en-US" altLang="ko-KR" dirty="0"/>
+              <a:t>(</a:t>
+            </a:r>
+            <a:r>
+              <a:rPr lang="en-US" altLang="ko-KR" dirty="0" err="1"/>
+              <a:t>dataaccessLayer</a:t>
+            </a:r>
+            <a:r>
+              <a:rPr lang="en-US" altLang="ko-KR" dirty="0"/>
+              <a:t>)– </a:t>
+            </a:r>
+            <a:r>
+              <a:rPr lang="ko-KR" altLang="en-US" dirty="0"/>
+              <a:t>영구보존층</a:t>
+            </a:r>
+            <a:endParaRPr lang="en-US" altLang="ko-KR" dirty="0"/>
+          </a:p>
+          <a:p>
+            <a:r>
+              <a:rPr lang="en-US" altLang="ko-KR" dirty="0"/>
+              <a:t>DB</a:t>
+            </a:r>
+            <a:r>
+              <a:rPr lang="ko-KR" altLang="en-US" dirty="0"/>
+              <a:t>관련 로직 및 </a:t>
+            </a:r>
+            <a:r>
+              <a:rPr lang="en-US" altLang="ko-KR" dirty="0"/>
+              <a:t>Component</a:t>
+            </a:r>
+            <a:endParaRPr lang="ko-KR" altLang="en-US" dirty="0"/>
+          </a:p>
+        </p:txBody>
+      </p:sp>
+      <p:cxnSp>
+        <p:nvCxnSpPr>
+          <p:cNvPr id="10" name="직선 화살표 연결선 9">
+            <a:extLst>
+              <a:ext uri="{FF2B5EF4-FFF2-40B4-BE49-F238E27FC236}">
+                <a16:creationId xmlns:a16="http://schemas.microsoft.com/office/drawing/2014/main" id="{B8CB64F7-E182-A431-82AF-25891EACF0A2}"/>
+              </a:ext>
+            </a:extLst>
+          </p:cNvPr>
+          <p:cNvCxnSpPr>
+            <a:cxnSpLocks/>
+            <a:stCxn id="11" idx="0"/>
+          </p:cNvCxnSpPr>
+          <p:nvPr/>
+        </p:nvCxnSpPr>
+        <p:spPr>
+          <a:xfrm flipV="1">
+            <a:off x="5247640" y="924661"/>
+            <a:ext cx="0" cy="475350"/>
+          </a:xfrm>
+          <a:prstGeom prst="straightConnector1">
+            <a:avLst/>
+          </a:prstGeom>
+          <a:ln>
+            <a:tailEnd type="triangle"/>
+          </a:ln>
+        </p:spPr>
+        <p:style>
+          <a:lnRef idx="1">
+            <a:schemeClr val="accent1"/>
+          </a:lnRef>
+          <a:fillRef idx="0">
+            <a:schemeClr val="accent1"/>
+          </a:fillRef>
+          <a:effectRef idx="0">
+            <a:schemeClr val="accent1"/>
+          </a:effectRef>
+          <a:fontRef idx="minor">
+            <a:schemeClr val="tx1"/>
+          </a:fontRef>
+        </p:style>
+      </p:cxnSp>
+      <p:sp>
+        <p:nvSpPr>
+          <p:cNvPr id="11" name="TextBox 10">
+            <a:extLst>
+              <a:ext uri="{FF2B5EF4-FFF2-40B4-BE49-F238E27FC236}">
+                <a16:creationId xmlns:a16="http://schemas.microsoft.com/office/drawing/2014/main" id="{CBF358BC-061D-E312-2C3C-41AB890AF6D4}"/>
+              </a:ext>
+            </a:extLst>
+          </p:cNvPr>
+          <p:cNvSpPr txBox="1"/>
+          <p:nvPr/>
+        </p:nvSpPr>
+        <p:spPr>
+          <a:xfrm>
+            <a:off x="4053840" y="1400011"/>
+            <a:ext cx="2387600" cy="1754326"/>
+          </a:xfrm>
+          <a:prstGeom prst="rect">
+            <a:avLst/>
+          </a:prstGeom>
+          <a:noFill/>
+        </p:spPr>
+        <p:txBody>
+          <a:bodyPr wrap="square" rtlCol="0">
+            <a:spAutoFit/>
+          </a:bodyPr>
+          <a:lstStyle/>
+          <a:p>
+            <a:r>
+              <a:rPr lang="ko-KR" altLang="en-US" dirty="0"/>
+              <a:t>서비스 레이어 삽입</a:t>
+            </a:r>
+            <a:endParaRPr lang="en-US" altLang="ko-KR" dirty="0"/>
+          </a:p>
+          <a:p>
+            <a:r>
+              <a:rPr lang="en-US" altLang="ko-KR" dirty="0"/>
+              <a:t>(</a:t>
+            </a:r>
+            <a:r>
+              <a:rPr lang="en-US" altLang="ko-KR" dirty="0" err="1"/>
+              <a:t>serviceLayer</a:t>
+            </a:r>
+            <a:r>
+              <a:rPr lang="en-US" altLang="ko-KR" dirty="0"/>
+              <a:t>, </a:t>
+            </a:r>
+            <a:r>
+              <a:rPr lang="en-US" altLang="ko-KR" dirty="0" err="1"/>
+              <a:t>BusinessLayer</a:t>
+            </a:r>
+            <a:r>
+              <a:rPr lang="en-US" altLang="ko-KR" dirty="0"/>
+              <a:t>)</a:t>
+            </a:r>
+          </a:p>
+          <a:p>
+            <a:endParaRPr lang="en-US" altLang="ko-KR" dirty="0"/>
+          </a:p>
+          <a:p>
+            <a:r>
+              <a:rPr lang="en-US" altLang="ko-KR" dirty="0"/>
+              <a:t>Business Logic</a:t>
+            </a:r>
+          </a:p>
+          <a:p>
+            <a:endParaRPr lang="ko-KR" altLang="en-US" dirty="0"/>
+          </a:p>
+        </p:txBody>
+      </p:sp>
+      <p:sp>
+        <p:nvSpPr>
+          <p:cNvPr id="17" name="TextBox 16">
+            <a:extLst>
+              <a:ext uri="{FF2B5EF4-FFF2-40B4-BE49-F238E27FC236}">
+                <a16:creationId xmlns:a16="http://schemas.microsoft.com/office/drawing/2014/main" id="{AFB0B4C9-A20D-1D1C-A39F-967AA50B4CC4}"/>
+              </a:ext>
+            </a:extLst>
+          </p:cNvPr>
+          <p:cNvSpPr txBox="1"/>
+          <p:nvPr/>
+        </p:nvSpPr>
+        <p:spPr>
+          <a:xfrm>
+            <a:off x="935421" y="571166"/>
+            <a:ext cx="2020178" cy="1477328"/>
+          </a:xfrm>
+          <a:prstGeom prst="rect">
+            <a:avLst/>
+          </a:prstGeom>
+          <a:noFill/>
+        </p:spPr>
+        <p:txBody>
+          <a:bodyPr wrap="square" rtlCol="0">
+            <a:spAutoFit/>
+          </a:bodyPr>
+          <a:lstStyle/>
+          <a:p>
+            <a:r>
+              <a:rPr lang="en-US" altLang="ko-KR" dirty="0"/>
+              <a:t>Web tier</a:t>
+            </a:r>
+          </a:p>
+          <a:p>
+            <a:r>
+              <a:rPr lang="en-US" altLang="ko-KR" dirty="0"/>
+              <a:t>(</a:t>
+            </a:r>
+            <a:r>
+              <a:rPr lang="en-US" altLang="ko-KR" dirty="0" err="1"/>
+              <a:t>WebLayer</a:t>
+            </a:r>
+            <a:r>
+              <a:rPr lang="en-US" altLang="ko-KR" dirty="0"/>
+              <a:t>, </a:t>
+            </a:r>
+            <a:r>
+              <a:rPr lang="en-US" altLang="ko-KR" dirty="0" err="1"/>
+              <a:t>presentaionLayer</a:t>
+            </a:r>
+            <a:r>
+              <a:rPr lang="en-US" altLang="ko-KR" dirty="0"/>
+              <a:t>)</a:t>
+            </a:r>
+          </a:p>
+          <a:p>
+            <a:r>
+              <a:rPr lang="en-US" altLang="ko-KR" dirty="0"/>
+              <a:t>(Web </a:t>
+            </a:r>
+            <a:r>
+              <a:rPr lang="ko-KR" altLang="en-US" dirty="0"/>
+              <a:t>관련 로직 및 </a:t>
+            </a:r>
+            <a:r>
+              <a:rPr lang="en-US" altLang="ko-KR" dirty="0"/>
+              <a:t>Component)</a:t>
+            </a:r>
+          </a:p>
+        </p:txBody>
+      </p:sp>
+      <p:cxnSp>
+        <p:nvCxnSpPr>
+          <p:cNvPr id="19" name="직선 화살표 연결선 18">
+            <a:extLst>
+              <a:ext uri="{FF2B5EF4-FFF2-40B4-BE49-F238E27FC236}">
+                <a16:creationId xmlns:a16="http://schemas.microsoft.com/office/drawing/2014/main" id="{3080D44B-A6E4-417C-1BBC-82F2571263C5}"/>
+              </a:ext>
+            </a:extLst>
+          </p:cNvPr>
+          <p:cNvCxnSpPr>
+            <a:cxnSpLocks/>
+            <a:stCxn id="17" idx="3"/>
+          </p:cNvCxnSpPr>
+          <p:nvPr/>
+        </p:nvCxnSpPr>
+        <p:spPr>
+          <a:xfrm flipV="1">
+            <a:off x="2955599" y="755832"/>
+            <a:ext cx="1093008" cy="553998"/>
+          </a:xfrm>
+          <a:prstGeom prst="straightConnector1">
+            <a:avLst/>
+          </a:prstGeom>
+          <a:ln>
+            <a:tailEnd type="triangle"/>
+          </a:ln>
+        </p:spPr>
+        <p:style>
+          <a:lnRef idx="1">
+            <a:schemeClr val="accent1"/>
+          </a:lnRef>
+          <a:fillRef idx="0">
+            <a:schemeClr val="accent1"/>
+          </a:fillRef>
+          <a:effectRef idx="0">
+            <a:schemeClr val="accent1"/>
+          </a:effectRef>
+          <a:fontRef idx="minor">
+            <a:schemeClr val="tx1"/>
+          </a:fontRef>
+        </p:style>
+      </p:cxnSp>
+      <p:sp>
+        <p:nvSpPr>
+          <p:cNvPr id="21" name="직사각형 20">
+            <a:extLst>
+              <a:ext uri="{FF2B5EF4-FFF2-40B4-BE49-F238E27FC236}">
+                <a16:creationId xmlns:a16="http://schemas.microsoft.com/office/drawing/2014/main" id="{46DE256D-F1B5-C51A-95AE-D5D0FC6447EA}"/>
+              </a:ext>
+            </a:extLst>
+          </p:cNvPr>
+          <p:cNvSpPr/>
+          <p:nvPr/>
+        </p:nvSpPr>
+        <p:spPr>
+          <a:xfrm>
+            <a:off x="4048607" y="665927"/>
+            <a:ext cx="1093007" cy="341531"/>
+          </a:xfrm>
+          <a:prstGeom prst="rect">
+            <a:avLst/>
+          </a:prstGeom>
+          <a:noFill/>
+          <a:ln w="19050"/>
+        </p:spPr>
+        <p:style>
+          <a:lnRef idx="2">
+            <a:schemeClr val="accent1">
+              <a:shade val="50000"/>
+            </a:schemeClr>
+          </a:lnRef>
+          <a:fillRef idx="1">
+            <a:schemeClr val="accent1"/>
+          </a:fillRef>
+          <a:effectRef idx="0">
+            <a:schemeClr val="accent1"/>
+          </a:effectRef>
+          <a:fontRef idx="minor">
+            <a:schemeClr val="lt1"/>
+          </a:fontRef>
+        </p:style>
+        <p:txBody>
+          <a:bodyPr rtlCol="0" anchor="ctr"/>
+          <a:lstStyle/>
+          <a:p>
+            <a:pPr algn="ctr"/>
+            <a:endParaRPr lang="ko-KR" altLang="en-US"/>
+          </a:p>
+        </p:txBody>
+      </p:sp>
+      <p:pic>
+        <p:nvPicPr>
+          <p:cNvPr id="24" name="그림 23">
+            <a:extLst>
+              <a:ext uri="{FF2B5EF4-FFF2-40B4-BE49-F238E27FC236}">
+                <a16:creationId xmlns:a16="http://schemas.microsoft.com/office/drawing/2014/main" id="{D44C51FA-5167-7335-686A-33F8C5606427}"/>
+              </a:ext>
+            </a:extLst>
+          </p:cNvPr>
+          <p:cNvPicPr>
+            <a:picLocks noChangeAspect="1"/>
+          </p:cNvPicPr>
+          <p:nvPr/>
+        </p:nvPicPr>
+        <p:blipFill>
+          <a:blip r:embed="rId2"/>
+          <a:stretch>
+            <a:fillRect/>
+          </a:stretch>
+        </p:blipFill>
+        <p:spPr>
+          <a:xfrm>
+            <a:off x="0" y="3004540"/>
+            <a:ext cx="5381297" cy="3282294"/>
+          </a:xfrm>
+          <a:prstGeom prst="rect">
+            <a:avLst/>
+          </a:prstGeom>
+        </p:spPr>
+      </p:pic>
+      <p:sp>
+        <p:nvSpPr>
+          <p:cNvPr id="25" name="TextBox 24">
+            <a:extLst>
+              <a:ext uri="{FF2B5EF4-FFF2-40B4-BE49-F238E27FC236}">
+                <a16:creationId xmlns:a16="http://schemas.microsoft.com/office/drawing/2014/main" id="{D7B66C7E-A174-CEFB-C8C3-EA47160BD6CD}"/>
+              </a:ext>
+            </a:extLst>
+          </p:cNvPr>
+          <p:cNvSpPr txBox="1"/>
+          <p:nvPr/>
+        </p:nvSpPr>
+        <p:spPr>
+          <a:xfrm>
+            <a:off x="159057" y="6422928"/>
+            <a:ext cx="6519670" cy="369332"/>
+          </a:xfrm>
+          <a:prstGeom prst="rect">
+            <a:avLst/>
+          </a:prstGeom>
+          <a:noFill/>
+        </p:spPr>
+        <p:txBody>
+          <a:bodyPr wrap="none" rtlCol="0">
+            <a:spAutoFit/>
+          </a:bodyPr>
+          <a:lstStyle/>
+          <a:p>
+            <a:r>
+              <a:rPr lang="en-US" altLang="ko-KR" dirty="0"/>
+              <a:t>API </a:t>
+            </a:r>
+            <a:r>
+              <a:rPr lang="ko-KR" altLang="en-US" dirty="0"/>
+              <a:t>등에서 얻은 정보를 표현하는 곳은 </a:t>
+            </a:r>
+            <a:r>
+              <a:rPr lang="en-US" altLang="ko-KR" dirty="0"/>
+              <a:t>provider </a:t>
+            </a:r>
+            <a:r>
+              <a:rPr lang="ko-KR" altLang="en-US" dirty="0"/>
+              <a:t>등으로 표현 </a:t>
+            </a:r>
+          </a:p>
+        </p:txBody>
+      </p:sp>
+      <p:pic>
+        <p:nvPicPr>
+          <p:cNvPr id="27" name="그림 26">
+            <a:extLst>
+              <a:ext uri="{FF2B5EF4-FFF2-40B4-BE49-F238E27FC236}">
+                <a16:creationId xmlns:a16="http://schemas.microsoft.com/office/drawing/2014/main" id="{4269BACF-7345-AC3B-B649-2774C53233DE}"/>
+              </a:ext>
+            </a:extLst>
+          </p:cNvPr>
+          <p:cNvPicPr>
+            <a:picLocks noChangeAspect="1"/>
+          </p:cNvPicPr>
+          <p:nvPr/>
+        </p:nvPicPr>
+        <p:blipFill>
+          <a:blip r:embed="rId3"/>
+          <a:stretch>
+            <a:fillRect/>
+          </a:stretch>
+        </p:blipFill>
+        <p:spPr>
+          <a:xfrm>
+            <a:off x="6944771" y="1935644"/>
+            <a:ext cx="3568334" cy="4856616"/>
+          </a:xfrm>
+          <a:prstGeom prst="rect">
+            <a:avLst/>
+          </a:prstGeom>
+        </p:spPr>
+      </p:pic>
+      <p:sp>
+        <p:nvSpPr>
+          <p:cNvPr id="28" name="TextBox 27">
+            <a:extLst>
+              <a:ext uri="{FF2B5EF4-FFF2-40B4-BE49-F238E27FC236}">
+                <a16:creationId xmlns:a16="http://schemas.microsoft.com/office/drawing/2014/main" id="{7E1245F3-C9DF-CA2B-B5C4-6DAC72A7C962}"/>
+              </a:ext>
+            </a:extLst>
+          </p:cNvPr>
+          <p:cNvSpPr txBox="1"/>
+          <p:nvPr/>
+        </p:nvSpPr>
+        <p:spPr>
+          <a:xfrm>
+            <a:off x="8838608" y="3730054"/>
+            <a:ext cx="3348994" cy="2308324"/>
+          </a:xfrm>
+          <a:prstGeom prst="rect">
+            <a:avLst/>
+          </a:prstGeom>
+          <a:noFill/>
+        </p:spPr>
+        <p:txBody>
+          <a:bodyPr wrap="none" rtlCol="0">
+            <a:spAutoFit/>
+          </a:bodyPr>
+          <a:lstStyle/>
+          <a:p>
+            <a:r>
+              <a:rPr lang="en-US" altLang="ko-KR" dirty="0"/>
+              <a:t>DTO</a:t>
+            </a:r>
+            <a:r>
+              <a:rPr lang="ko-KR" altLang="en-US" dirty="0"/>
+              <a:t> </a:t>
+            </a:r>
+            <a:r>
+              <a:rPr lang="en-US" altLang="ko-KR" dirty="0"/>
+              <a:t>&lt;-&gt;</a:t>
+            </a:r>
+            <a:r>
+              <a:rPr lang="ko-KR" altLang="en-US" dirty="0"/>
+              <a:t> </a:t>
+            </a:r>
+            <a:r>
+              <a:rPr lang="en-US" altLang="ko-KR" dirty="0"/>
+              <a:t>Domain</a:t>
+            </a:r>
+          </a:p>
+          <a:p>
+            <a:endParaRPr lang="en-US" altLang="ko-KR" dirty="0"/>
+          </a:p>
+          <a:p>
+            <a:r>
+              <a:rPr lang="ko-KR" altLang="en-US" dirty="0"/>
+              <a:t>도메인객체는 </a:t>
+            </a:r>
+            <a:r>
+              <a:rPr lang="en-US" altLang="ko-KR" dirty="0"/>
+              <a:t>DTO </a:t>
+            </a:r>
+            <a:r>
+              <a:rPr lang="ko-KR" altLang="en-US" dirty="0"/>
+              <a:t>내에</a:t>
+            </a:r>
+            <a:endParaRPr lang="en-US" altLang="ko-KR" dirty="0"/>
+          </a:p>
+          <a:p>
+            <a:r>
+              <a:rPr lang="ko-KR" altLang="en-US" dirty="0" err="1"/>
+              <a:t>처리로직이</a:t>
+            </a:r>
+            <a:r>
+              <a:rPr lang="ko-KR" altLang="en-US" dirty="0"/>
+              <a:t> 있는 경우</a:t>
+            </a:r>
+            <a:endParaRPr lang="en-US" altLang="ko-KR" dirty="0"/>
+          </a:p>
+          <a:p>
+            <a:endParaRPr lang="en-US" altLang="ko-KR" dirty="0"/>
+          </a:p>
+          <a:p>
+            <a:r>
+              <a:rPr lang="en-US" altLang="ko-KR" dirty="0"/>
+              <a:t>VO - Value Object</a:t>
+            </a:r>
+          </a:p>
+          <a:p>
+            <a:r>
+              <a:rPr lang="ko-KR" altLang="en-US" dirty="0"/>
+              <a:t>멤버필드들이 </a:t>
+            </a:r>
+            <a:r>
+              <a:rPr lang="ko-KR" altLang="en-US" dirty="0" err="1"/>
+              <a:t>변하지않는</a:t>
+            </a:r>
+            <a:r>
+              <a:rPr lang="ko-KR" altLang="en-US" dirty="0"/>
+              <a:t> 경우</a:t>
+            </a:r>
+            <a:endParaRPr lang="en-US" altLang="ko-KR" dirty="0"/>
+          </a:p>
+          <a:p>
+            <a:r>
+              <a:rPr lang="ko-KR" altLang="en-US" dirty="0"/>
+              <a:t>불변성의 차이</a:t>
+            </a:r>
+          </a:p>
+        </p:txBody>
+      </p:sp>
+    </p:spTree>
+    <p:extLst>
+      <p:ext uri="{BB962C8B-B14F-4D97-AF65-F5344CB8AC3E}">
+        <p14:creationId xmlns:p14="http://schemas.microsoft.com/office/powerpoint/2010/main" val="1164700376"/>
+      </p:ext>
+    </p:extLst>
+  </p:cSld>
+  <p:clrMapOvr>
+    <a:masterClrMapping/>
+  </p:clrMapOvr>
+</p:sld>
+</file>
+
+<file path=ppt/slides/slide23.xml><?xml version="1.0" encoding="utf-8"?>
+<p:sld xmlns:a="http://schemas.openxmlformats.org/drawingml/2006/main" xmlns:r="http://schemas.openxmlformats.org/officeDocument/2006/relationships" xmlns:p="http://schemas.openxmlformats.org/presentationml/2006/main">
+  <p:cSld>
+    <p:spTree>
+      <p:nvGrpSpPr>
+        <p:cNvPr id="1" name=""/>
+        <p:cNvGrpSpPr/>
+        <p:nvPr/>
+      </p:nvGrpSpPr>
+      <p:grpSpPr>
+        <a:xfrm>
+          <a:off x="0" y="0"/>
+          <a:ext cx="0" cy="0"/>
+          <a:chOff x="0" y="0"/>
+          <a:chExt cx="0" cy="0"/>
+        </a:xfrm>
+      </p:grpSpPr>
+      <p:sp>
+        <p:nvSpPr>
+          <p:cNvPr id="7" name="직사각형 6">
+            <a:extLst>
+              <a:ext uri="{FF2B5EF4-FFF2-40B4-BE49-F238E27FC236}">
+                <a16:creationId xmlns:a16="http://schemas.microsoft.com/office/drawing/2014/main" id="{E04A97E3-A210-8502-9987-913BC349C29E}"/>
+              </a:ext>
+            </a:extLst>
+          </p:cNvPr>
+          <p:cNvSpPr/>
+          <p:nvPr/>
+        </p:nvSpPr>
+        <p:spPr>
+          <a:xfrm>
+            <a:off x="3058160" y="223520"/>
+            <a:ext cx="2844800" cy="6410960"/>
+          </a:xfrm>
+          <a:prstGeom prst="rect">
+            <a:avLst/>
+          </a:prstGeom>
+          <a:noFill/>
+        </p:spPr>
+        <p:style>
+          <a:lnRef idx="2">
+            <a:schemeClr val="accent1">
+              <a:shade val="50000"/>
+            </a:schemeClr>
+          </a:lnRef>
+          <a:fillRef idx="1">
+            <a:schemeClr val="accent1"/>
+          </a:fillRef>
+          <a:effectRef idx="0">
+            <a:schemeClr val="accent1"/>
+          </a:effectRef>
+          <a:fontRef idx="minor">
+            <a:schemeClr val="lt1"/>
+          </a:fontRef>
+        </p:style>
+        <p:txBody>
+          <a:bodyPr rtlCol="0" anchor="ctr"/>
+          <a:lstStyle/>
+          <a:p>
+            <a:pPr algn="ctr"/>
+            <a:endParaRPr lang="ko-KR" altLang="en-US"/>
+          </a:p>
+        </p:txBody>
+      </p:sp>
+      <p:sp>
+        <p:nvSpPr>
+          <p:cNvPr id="10" name="TextBox 9">
+            <a:extLst>
+              <a:ext uri="{FF2B5EF4-FFF2-40B4-BE49-F238E27FC236}">
+                <a16:creationId xmlns:a16="http://schemas.microsoft.com/office/drawing/2014/main" id="{CF4C0F61-D161-A6AC-C3B0-7361D5AEFB2F}"/>
+              </a:ext>
+            </a:extLst>
+          </p:cNvPr>
+          <p:cNvSpPr txBox="1"/>
+          <p:nvPr/>
+        </p:nvSpPr>
+        <p:spPr>
+          <a:xfrm>
+            <a:off x="3058160" y="223520"/>
+            <a:ext cx="2844800" cy="369332"/>
+          </a:xfrm>
+          <a:prstGeom prst="rect">
+            <a:avLst/>
+          </a:prstGeom>
+          <a:noFill/>
+        </p:spPr>
+        <p:txBody>
+          <a:bodyPr wrap="square" rtlCol="0">
+            <a:spAutoFit/>
+          </a:bodyPr>
+          <a:lstStyle/>
+          <a:p>
+            <a:pPr algn="ctr"/>
+            <a:r>
+              <a:rPr lang="en-US" altLang="ko-KR" dirty="0"/>
+              <a:t>Service Layer</a:t>
+            </a:r>
+            <a:endParaRPr lang="ko-KR" altLang="en-US" dirty="0"/>
+          </a:p>
+        </p:txBody>
+      </p:sp>
+      <p:sp>
+        <p:nvSpPr>
+          <p:cNvPr id="11" name="직사각형 10">
+            <a:extLst>
+              <a:ext uri="{FF2B5EF4-FFF2-40B4-BE49-F238E27FC236}">
+                <a16:creationId xmlns:a16="http://schemas.microsoft.com/office/drawing/2014/main" id="{6398EF8B-419D-77BA-8E02-C33740D13502}"/>
+              </a:ext>
+            </a:extLst>
+          </p:cNvPr>
+          <p:cNvSpPr/>
+          <p:nvPr/>
+        </p:nvSpPr>
+        <p:spPr>
+          <a:xfrm>
+            <a:off x="65109" y="223520"/>
+            <a:ext cx="2844800" cy="6410960"/>
+          </a:xfrm>
+          <a:prstGeom prst="rect">
+            <a:avLst/>
+          </a:prstGeom>
+          <a:noFill/>
+        </p:spPr>
+        <p:style>
+          <a:lnRef idx="2">
+            <a:schemeClr val="accent1">
+              <a:shade val="50000"/>
+            </a:schemeClr>
+          </a:lnRef>
+          <a:fillRef idx="1">
+            <a:schemeClr val="accent1"/>
+          </a:fillRef>
+          <a:effectRef idx="0">
+            <a:schemeClr val="accent1"/>
+          </a:effectRef>
+          <a:fontRef idx="minor">
+            <a:schemeClr val="lt1"/>
+          </a:fontRef>
+        </p:style>
+        <p:txBody>
+          <a:bodyPr rtlCol="0" anchor="ctr"/>
+          <a:lstStyle/>
+          <a:p>
+            <a:pPr algn="ctr"/>
+            <a:endParaRPr lang="ko-KR" altLang="en-US"/>
+          </a:p>
+        </p:txBody>
+      </p:sp>
+      <p:sp>
+        <p:nvSpPr>
+          <p:cNvPr id="12" name="TextBox 11">
+            <a:extLst>
+              <a:ext uri="{FF2B5EF4-FFF2-40B4-BE49-F238E27FC236}">
+                <a16:creationId xmlns:a16="http://schemas.microsoft.com/office/drawing/2014/main" id="{C3D68D85-3AE6-B7C6-91E6-0CD3A5078358}"/>
+              </a:ext>
+            </a:extLst>
+          </p:cNvPr>
+          <p:cNvSpPr txBox="1"/>
+          <p:nvPr/>
+        </p:nvSpPr>
+        <p:spPr>
+          <a:xfrm>
+            <a:off x="65109" y="223520"/>
+            <a:ext cx="2844800" cy="369332"/>
+          </a:xfrm>
+          <a:prstGeom prst="rect">
+            <a:avLst/>
+          </a:prstGeom>
+          <a:noFill/>
+        </p:spPr>
+        <p:txBody>
+          <a:bodyPr wrap="square" rtlCol="0">
+            <a:spAutoFit/>
+          </a:bodyPr>
+          <a:lstStyle/>
+          <a:p>
+            <a:pPr algn="ctr"/>
+            <a:r>
+              <a:rPr lang="en-US" altLang="ko-KR" dirty="0"/>
+              <a:t>Web tier</a:t>
+            </a:r>
+            <a:endParaRPr lang="ko-KR" altLang="en-US" dirty="0"/>
+          </a:p>
+        </p:txBody>
+      </p:sp>
+      <p:sp>
+        <p:nvSpPr>
+          <p:cNvPr id="13" name="직사각형 12">
+            <a:extLst>
+              <a:ext uri="{FF2B5EF4-FFF2-40B4-BE49-F238E27FC236}">
+                <a16:creationId xmlns:a16="http://schemas.microsoft.com/office/drawing/2014/main" id="{9F0BDDDC-AA43-6095-3865-2F76359DBCEC}"/>
+              </a:ext>
+            </a:extLst>
+          </p:cNvPr>
+          <p:cNvSpPr/>
+          <p:nvPr/>
+        </p:nvSpPr>
+        <p:spPr>
+          <a:xfrm>
+            <a:off x="6289042" y="223520"/>
+            <a:ext cx="2844800" cy="6410960"/>
+          </a:xfrm>
+          <a:prstGeom prst="rect">
+            <a:avLst/>
+          </a:prstGeom>
+          <a:noFill/>
+        </p:spPr>
+        <p:style>
+          <a:lnRef idx="2">
+            <a:schemeClr val="accent1">
+              <a:shade val="50000"/>
+            </a:schemeClr>
+          </a:lnRef>
+          <a:fillRef idx="1">
+            <a:schemeClr val="accent1"/>
+          </a:fillRef>
+          <a:effectRef idx="0">
+            <a:schemeClr val="accent1"/>
+          </a:effectRef>
+          <a:fontRef idx="minor">
+            <a:schemeClr val="lt1"/>
+          </a:fontRef>
+        </p:style>
+        <p:txBody>
+          <a:bodyPr rtlCol="0" anchor="ctr"/>
+          <a:lstStyle/>
+          <a:p>
+            <a:pPr algn="ctr"/>
+            <a:endParaRPr lang="ko-KR" altLang="en-US"/>
+          </a:p>
+        </p:txBody>
+      </p:sp>
+      <p:sp>
+        <p:nvSpPr>
+          <p:cNvPr id="14" name="TextBox 13">
+            <a:extLst>
+              <a:ext uri="{FF2B5EF4-FFF2-40B4-BE49-F238E27FC236}">
+                <a16:creationId xmlns:a16="http://schemas.microsoft.com/office/drawing/2014/main" id="{60A08DFF-86CD-DBF3-F507-EE1B128B8C9B}"/>
+              </a:ext>
+            </a:extLst>
+          </p:cNvPr>
+          <p:cNvSpPr txBox="1"/>
+          <p:nvPr/>
+        </p:nvSpPr>
+        <p:spPr>
+          <a:xfrm>
+            <a:off x="6289042" y="223520"/>
+            <a:ext cx="2844800" cy="369332"/>
+          </a:xfrm>
+          <a:prstGeom prst="rect">
+            <a:avLst/>
+          </a:prstGeom>
+          <a:noFill/>
+        </p:spPr>
+        <p:txBody>
+          <a:bodyPr wrap="square" rtlCol="0">
+            <a:spAutoFit/>
+          </a:bodyPr>
+          <a:lstStyle/>
+          <a:p>
+            <a:pPr algn="ctr"/>
+            <a:r>
+              <a:rPr lang="en-US" altLang="ko-KR" dirty="0"/>
+              <a:t>Repositories</a:t>
+            </a:r>
+            <a:endParaRPr lang="ko-KR" altLang="en-US" dirty="0"/>
+          </a:p>
+        </p:txBody>
+      </p:sp>
+      <p:sp>
+        <p:nvSpPr>
+          <p:cNvPr id="15" name="TextBox 14">
+            <a:extLst>
+              <a:ext uri="{FF2B5EF4-FFF2-40B4-BE49-F238E27FC236}">
+                <a16:creationId xmlns:a16="http://schemas.microsoft.com/office/drawing/2014/main" id="{33BDB976-51CA-198B-6356-6EF19499F269}"/>
+              </a:ext>
+            </a:extLst>
+          </p:cNvPr>
+          <p:cNvSpPr txBox="1"/>
+          <p:nvPr/>
+        </p:nvSpPr>
+        <p:spPr>
+          <a:xfrm>
+            <a:off x="369909" y="955040"/>
+            <a:ext cx="2393609" cy="369332"/>
+          </a:xfrm>
+          <a:prstGeom prst="rect">
+            <a:avLst/>
+          </a:prstGeom>
+          <a:noFill/>
+        </p:spPr>
+        <p:txBody>
+          <a:bodyPr wrap="square" rtlCol="0">
+            <a:spAutoFit/>
+          </a:bodyPr>
+          <a:lstStyle/>
+          <a:p>
+            <a:r>
+              <a:rPr lang="en-US" altLang="ko-KR" dirty="0"/>
+              <a:t>Web </a:t>
+            </a:r>
+            <a:r>
+              <a:rPr lang="ko-KR" altLang="en-US" dirty="0"/>
+              <a:t>관련</a:t>
+            </a:r>
+          </a:p>
+        </p:txBody>
+      </p:sp>
+      <p:sp>
+        <p:nvSpPr>
+          <p:cNvPr id="16" name="TextBox 15">
+            <a:extLst>
+              <a:ext uri="{FF2B5EF4-FFF2-40B4-BE49-F238E27FC236}">
+                <a16:creationId xmlns:a16="http://schemas.microsoft.com/office/drawing/2014/main" id="{9966A3FE-05A8-734B-367B-B2CA01F08BC7}"/>
+              </a:ext>
+            </a:extLst>
+          </p:cNvPr>
+          <p:cNvSpPr txBox="1"/>
+          <p:nvPr/>
+        </p:nvSpPr>
+        <p:spPr>
+          <a:xfrm>
+            <a:off x="369909" y="3794760"/>
+            <a:ext cx="2393609" cy="646331"/>
+          </a:xfrm>
+          <a:prstGeom prst="rect">
+            <a:avLst/>
+          </a:prstGeom>
+          <a:noFill/>
+        </p:spPr>
+        <p:txBody>
+          <a:bodyPr wrap="square" rtlCol="0">
+            <a:spAutoFit/>
+          </a:bodyPr>
+          <a:lstStyle/>
+          <a:p>
+            <a:r>
+              <a:rPr lang="en-US" altLang="ko-KR" dirty="0"/>
+              <a:t>Service </a:t>
+            </a:r>
+            <a:r>
+              <a:rPr lang="ko-KR" altLang="en-US" dirty="0"/>
+              <a:t>호출</a:t>
+            </a:r>
+            <a:endParaRPr lang="en-US" altLang="ko-KR" dirty="0"/>
+          </a:p>
+          <a:p>
+            <a:r>
+              <a:rPr lang="en-US" altLang="ko-KR" dirty="0" err="1"/>
+              <a:t>Jsp</a:t>
+            </a:r>
+            <a:r>
+              <a:rPr lang="ko-KR" altLang="en-US" dirty="0"/>
+              <a:t>로 데이터 송출</a:t>
+            </a:r>
+          </a:p>
+        </p:txBody>
+      </p:sp>
+      <p:sp>
+        <p:nvSpPr>
+          <p:cNvPr id="17" name="TextBox 16">
+            <a:extLst>
+              <a:ext uri="{FF2B5EF4-FFF2-40B4-BE49-F238E27FC236}">
+                <a16:creationId xmlns:a16="http://schemas.microsoft.com/office/drawing/2014/main" id="{00CC8144-6E73-DD78-25C0-301DA2FF26EC}"/>
+              </a:ext>
+            </a:extLst>
+          </p:cNvPr>
+          <p:cNvSpPr txBox="1"/>
+          <p:nvPr/>
+        </p:nvSpPr>
+        <p:spPr>
+          <a:xfrm>
+            <a:off x="6588762" y="955040"/>
+            <a:ext cx="2393609" cy="369332"/>
+          </a:xfrm>
+          <a:prstGeom prst="rect">
+            <a:avLst/>
+          </a:prstGeom>
+          <a:noFill/>
+        </p:spPr>
+        <p:txBody>
+          <a:bodyPr wrap="square" rtlCol="0">
+            <a:spAutoFit/>
+          </a:bodyPr>
+          <a:lstStyle/>
+          <a:p>
+            <a:r>
+              <a:rPr lang="en-US" altLang="ko-KR" dirty="0"/>
+              <a:t>DB </a:t>
+            </a:r>
+            <a:r>
+              <a:rPr lang="ko-KR" altLang="en-US" dirty="0"/>
+              <a:t>관련</a:t>
+            </a:r>
+          </a:p>
+        </p:txBody>
+      </p:sp>
+      <p:sp>
+        <p:nvSpPr>
+          <p:cNvPr id="18" name="TextBox 17">
+            <a:extLst>
+              <a:ext uri="{FF2B5EF4-FFF2-40B4-BE49-F238E27FC236}">
+                <a16:creationId xmlns:a16="http://schemas.microsoft.com/office/drawing/2014/main" id="{A7704C66-CC83-E893-3C09-0000062C35CE}"/>
+              </a:ext>
+            </a:extLst>
+          </p:cNvPr>
+          <p:cNvSpPr txBox="1"/>
+          <p:nvPr/>
+        </p:nvSpPr>
+        <p:spPr>
+          <a:xfrm>
+            <a:off x="6588762" y="3794759"/>
+            <a:ext cx="2393609" cy="646331"/>
+          </a:xfrm>
+          <a:prstGeom prst="rect">
+            <a:avLst/>
+          </a:prstGeom>
+          <a:noFill/>
+        </p:spPr>
+        <p:txBody>
+          <a:bodyPr wrap="square" rtlCol="0">
+            <a:spAutoFit/>
+          </a:bodyPr>
+          <a:lstStyle/>
+          <a:p>
+            <a:r>
+              <a:rPr lang="en-US" altLang="ko-KR" dirty="0" err="1"/>
+              <a:t>Mybatis</a:t>
+            </a:r>
+            <a:r>
+              <a:rPr lang="ko-KR" altLang="en-US" dirty="0"/>
+              <a:t> 호출 및 </a:t>
+            </a:r>
+            <a:r>
+              <a:rPr lang="en-US" altLang="ko-KR" dirty="0"/>
+              <a:t>Mapper </a:t>
+            </a:r>
+            <a:r>
+              <a:rPr lang="ko-KR" altLang="en-US" dirty="0"/>
+              <a:t>호출</a:t>
+            </a:r>
+            <a:endParaRPr lang="en-US" altLang="ko-KR" dirty="0"/>
+          </a:p>
+        </p:txBody>
+      </p:sp>
+      <p:sp>
+        <p:nvSpPr>
+          <p:cNvPr id="19" name="TextBox 18">
+            <a:extLst>
+              <a:ext uri="{FF2B5EF4-FFF2-40B4-BE49-F238E27FC236}">
+                <a16:creationId xmlns:a16="http://schemas.microsoft.com/office/drawing/2014/main" id="{14307945-9A10-3921-1157-F4F5D71E66F6}"/>
+              </a:ext>
+            </a:extLst>
+          </p:cNvPr>
+          <p:cNvSpPr txBox="1"/>
+          <p:nvPr/>
+        </p:nvSpPr>
+        <p:spPr>
+          <a:xfrm>
+            <a:off x="3283754" y="955040"/>
+            <a:ext cx="2393609" cy="646331"/>
+          </a:xfrm>
+          <a:prstGeom prst="rect">
+            <a:avLst/>
+          </a:prstGeom>
+          <a:noFill/>
+        </p:spPr>
+        <p:txBody>
+          <a:bodyPr wrap="square" rtlCol="0">
+            <a:spAutoFit/>
+          </a:bodyPr>
+          <a:lstStyle/>
+          <a:p>
+            <a:r>
+              <a:rPr lang="en-US" altLang="ko-KR" dirty="0"/>
+              <a:t>Web</a:t>
+            </a:r>
+            <a:r>
+              <a:rPr lang="ko-KR" altLang="en-US" dirty="0"/>
+              <a:t> 과 </a:t>
+            </a:r>
+            <a:r>
+              <a:rPr lang="en-US" altLang="ko-KR" dirty="0"/>
+              <a:t>DB</a:t>
+            </a:r>
+            <a:r>
+              <a:rPr lang="ko-KR" altLang="en-US" dirty="0"/>
+              <a:t>와 관련성이 낮은 코드</a:t>
+            </a:r>
+            <a:r>
+              <a:rPr lang="en-US" altLang="ko-KR" dirty="0"/>
+              <a:t> </a:t>
+            </a:r>
+            <a:endParaRPr lang="ko-KR" altLang="en-US" dirty="0"/>
+          </a:p>
+        </p:txBody>
+      </p:sp>
+      <p:sp>
+        <p:nvSpPr>
+          <p:cNvPr id="20" name="직사각형 19">
+            <a:extLst>
+              <a:ext uri="{FF2B5EF4-FFF2-40B4-BE49-F238E27FC236}">
+                <a16:creationId xmlns:a16="http://schemas.microsoft.com/office/drawing/2014/main" id="{2F72F845-C943-DC86-1722-FB6CC7070641}"/>
+              </a:ext>
+            </a:extLst>
+          </p:cNvPr>
+          <p:cNvSpPr/>
+          <p:nvPr/>
+        </p:nvSpPr>
+        <p:spPr>
+          <a:xfrm>
+            <a:off x="9282091" y="223520"/>
+            <a:ext cx="2844800" cy="6410960"/>
+          </a:xfrm>
+          <a:prstGeom prst="rect">
+            <a:avLst/>
+          </a:prstGeom>
+          <a:noFill/>
+        </p:spPr>
+        <p:style>
+          <a:lnRef idx="2">
+            <a:schemeClr val="accent1">
+              <a:shade val="50000"/>
+            </a:schemeClr>
+          </a:lnRef>
+          <a:fillRef idx="1">
+            <a:schemeClr val="accent1"/>
+          </a:fillRef>
+          <a:effectRef idx="0">
+            <a:schemeClr val="accent1"/>
+          </a:effectRef>
+          <a:fontRef idx="minor">
+            <a:schemeClr val="lt1"/>
+          </a:fontRef>
+        </p:style>
+        <p:txBody>
+          <a:bodyPr rtlCol="0" anchor="ctr"/>
+          <a:lstStyle/>
+          <a:p>
+            <a:pPr algn="ctr"/>
+            <a:endParaRPr lang="ko-KR" altLang="en-US"/>
+          </a:p>
+        </p:txBody>
+      </p:sp>
+      <p:sp>
+        <p:nvSpPr>
+          <p:cNvPr id="21" name="TextBox 20">
+            <a:extLst>
+              <a:ext uri="{FF2B5EF4-FFF2-40B4-BE49-F238E27FC236}">
+                <a16:creationId xmlns:a16="http://schemas.microsoft.com/office/drawing/2014/main" id="{5D88B0E5-501E-6C23-476B-D3A88167491B}"/>
+              </a:ext>
+            </a:extLst>
+          </p:cNvPr>
+          <p:cNvSpPr txBox="1"/>
+          <p:nvPr/>
+        </p:nvSpPr>
+        <p:spPr>
+          <a:xfrm>
+            <a:off x="9282091" y="223520"/>
+            <a:ext cx="2844800" cy="369332"/>
+          </a:xfrm>
+          <a:prstGeom prst="rect">
+            <a:avLst/>
+          </a:prstGeom>
+          <a:noFill/>
+        </p:spPr>
+        <p:txBody>
+          <a:bodyPr wrap="square" rtlCol="0">
+            <a:spAutoFit/>
+          </a:bodyPr>
+          <a:lstStyle/>
+          <a:p>
+            <a:pPr algn="ctr"/>
+            <a:r>
+              <a:rPr lang="en-US" altLang="ko-KR" dirty="0"/>
+              <a:t>Mapper</a:t>
+            </a:r>
+            <a:endParaRPr lang="ko-KR" altLang="en-US" dirty="0"/>
+          </a:p>
+        </p:txBody>
+      </p:sp>
+      <p:sp>
+        <p:nvSpPr>
+          <p:cNvPr id="22" name="TextBox 21">
+            <a:extLst>
+              <a:ext uri="{FF2B5EF4-FFF2-40B4-BE49-F238E27FC236}">
+                <a16:creationId xmlns:a16="http://schemas.microsoft.com/office/drawing/2014/main" id="{D454F670-FB12-33EA-C641-2145956C4776}"/>
+              </a:ext>
+            </a:extLst>
+          </p:cNvPr>
+          <p:cNvSpPr txBox="1"/>
+          <p:nvPr/>
+        </p:nvSpPr>
+        <p:spPr>
+          <a:xfrm>
+            <a:off x="9581811" y="955040"/>
+            <a:ext cx="2393609" cy="369332"/>
+          </a:xfrm>
+          <a:prstGeom prst="rect">
+            <a:avLst/>
+          </a:prstGeom>
+          <a:noFill/>
+        </p:spPr>
+        <p:txBody>
+          <a:bodyPr wrap="square" rtlCol="0">
+            <a:spAutoFit/>
+          </a:bodyPr>
+          <a:lstStyle/>
+          <a:p>
+            <a:r>
+              <a:rPr lang="en-US" altLang="ko-KR" dirty="0" err="1"/>
+              <a:t>Sql</a:t>
+            </a:r>
+            <a:r>
+              <a:rPr lang="ko-KR" altLang="en-US" dirty="0"/>
+              <a:t>문 작성</a:t>
+            </a:r>
+          </a:p>
+        </p:txBody>
+      </p:sp>
+      <p:sp>
+        <p:nvSpPr>
+          <p:cNvPr id="23" name="TextBox 22">
+            <a:extLst>
+              <a:ext uri="{FF2B5EF4-FFF2-40B4-BE49-F238E27FC236}">
+                <a16:creationId xmlns:a16="http://schemas.microsoft.com/office/drawing/2014/main" id="{2D73D454-BCA4-D6BE-9B2D-12CE2E4E7332}"/>
+              </a:ext>
+            </a:extLst>
+          </p:cNvPr>
+          <p:cNvSpPr txBox="1"/>
+          <p:nvPr/>
+        </p:nvSpPr>
+        <p:spPr>
+          <a:xfrm>
+            <a:off x="9581811" y="3794759"/>
+            <a:ext cx="2393609" cy="369332"/>
+          </a:xfrm>
+          <a:prstGeom prst="rect">
+            <a:avLst/>
+          </a:prstGeom>
+          <a:noFill/>
+        </p:spPr>
+        <p:txBody>
+          <a:bodyPr wrap="square" rtlCol="0">
+            <a:spAutoFit/>
+          </a:bodyPr>
+          <a:lstStyle/>
+          <a:p>
+            <a:r>
+              <a:rPr lang="en-US" altLang="ko-KR" dirty="0"/>
+              <a:t>DB</a:t>
+            </a:r>
+            <a:r>
+              <a:rPr lang="ko-KR" altLang="en-US" dirty="0"/>
+              <a:t>에 데이터 삽입</a:t>
+            </a:r>
+            <a:endParaRPr lang="en-US" altLang="ko-KR" dirty="0"/>
+          </a:p>
+        </p:txBody>
+      </p:sp>
+      <p:sp>
+        <p:nvSpPr>
+          <p:cNvPr id="24" name="TextBox 23">
+            <a:extLst>
+              <a:ext uri="{FF2B5EF4-FFF2-40B4-BE49-F238E27FC236}">
+                <a16:creationId xmlns:a16="http://schemas.microsoft.com/office/drawing/2014/main" id="{6318A135-1258-34A4-3817-2E5F31C41903}"/>
+              </a:ext>
+            </a:extLst>
+          </p:cNvPr>
+          <p:cNvSpPr txBox="1"/>
+          <p:nvPr/>
+        </p:nvSpPr>
+        <p:spPr>
+          <a:xfrm>
+            <a:off x="3283755" y="3840925"/>
+            <a:ext cx="2393609" cy="369332"/>
+          </a:xfrm>
+          <a:prstGeom prst="rect">
+            <a:avLst/>
+          </a:prstGeom>
+          <a:noFill/>
+        </p:spPr>
+        <p:txBody>
+          <a:bodyPr wrap="square" rtlCol="0">
+            <a:spAutoFit/>
+          </a:bodyPr>
+          <a:lstStyle/>
+          <a:p>
+            <a:r>
+              <a:rPr lang="en-US" altLang="ko-KR" dirty="0"/>
+              <a:t>DAO</a:t>
+            </a:r>
+            <a:r>
+              <a:rPr lang="ko-KR" altLang="en-US" dirty="0"/>
+              <a:t> 호출 </a:t>
+            </a:r>
+          </a:p>
+        </p:txBody>
+      </p:sp>
+    </p:spTree>
+    <p:extLst>
+      <p:ext uri="{BB962C8B-B14F-4D97-AF65-F5344CB8AC3E}">
+        <p14:creationId xmlns:p14="http://schemas.microsoft.com/office/powerpoint/2010/main" val="1506694292"/>
+      </p:ext>
+    </p:extLst>
+  </p:cSld>
+  <p:clrMapOvr>
+    <a:masterClrMapping/>
+  </p:clrMapOvr>
+</p:sld>
+</file>
+
 <file path=ppt/slides/slide3.xml><?xml version="1.0" encoding="utf-8"?>
 <p:sld xmlns:a="http://schemas.openxmlformats.org/drawingml/2006/main" xmlns:r="http://schemas.openxmlformats.org/officeDocument/2006/relationships" xmlns:p="http://schemas.openxmlformats.org/presentationml/2006/main">
   <p:cSld>

--- a/STSWorkspace/Spring.pptx
+++ b/STSWorkspace/Spring.pptx
@@ -28,6 +28,9 @@
     <p:sldId id="276" r:id="rId22"/>
     <p:sldId id="277" r:id="rId23"/>
     <p:sldId id="278" r:id="rId24"/>
+    <p:sldId id="279" r:id="rId25"/>
+    <p:sldId id="280" r:id="rId26"/>
+    <p:sldId id="281" r:id="rId27"/>
   </p:sldIdLst>
   <p:sldSz cx="12192000" cy="6858000"/>
   <p:notesSz cx="6858000" cy="9144000"/>
@@ -281,7 +284,7 @@
           <a:p>
             <a:fld id="{26853DDB-FB21-4B86-AE9E-F20AFD11A4B3}" type="datetimeFigureOut">
               <a:rPr lang="ko-KR" altLang="en-US" smtClean="0"/>
-              <a:t>2023-05-26</a:t>
+              <a:t>2023-05-29</a:t>
             </a:fld>
             <a:endParaRPr lang="ko-KR" altLang="en-US"/>
           </a:p>
@@ -479,7 +482,7 @@
           <a:p>
             <a:fld id="{26853DDB-FB21-4B86-AE9E-F20AFD11A4B3}" type="datetimeFigureOut">
               <a:rPr lang="ko-KR" altLang="en-US" smtClean="0"/>
-              <a:t>2023-05-26</a:t>
+              <a:t>2023-05-29</a:t>
             </a:fld>
             <a:endParaRPr lang="ko-KR" altLang="en-US"/>
           </a:p>
@@ -687,7 +690,7 @@
           <a:p>
             <a:fld id="{26853DDB-FB21-4B86-AE9E-F20AFD11A4B3}" type="datetimeFigureOut">
               <a:rPr lang="ko-KR" altLang="en-US" smtClean="0"/>
-              <a:t>2023-05-26</a:t>
+              <a:t>2023-05-29</a:t>
             </a:fld>
             <a:endParaRPr lang="ko-KR" altLang="en-US"/>
           </a:p>
@@ -885,7 +888,7 @@
           <a:p>
             <a:fld id="{26853DDB-FB21-4B86-AE9E-F20AFD11A4B3}" type="datetimeFigureOut">
               <a:rPr lang="ko-KR" altLang="en-US" smtClean="0"/>
-              <a:t>2023-05-26</a:t>
+              <a:t>2023-05-29</a:t>
             </a:fld>
             <a:endParaRPr lang="ko-KR" altLang="en-US"/>
           </a:p>
@@ -1160,7 +1163,7 @@
           <a:p>
             <a:fld id="{26853DDB-FB21-4B86-AE9E-F20AFD11A4B3}" type="datetimeFigureOut">
               <a:rPr lang="ko-KR" altLang="en-US" smtClean="0"/>
-              <a:t>2023-05-26</a:t>
+              <a:t>2023-05-29</a:t>
             </a:fld>
             <a:endParaRPr lang="ko-KR" altLang="en-US"/>
           </a:p>
@@ -1425,7 +1428,7 @@
           <a:p>
             <a:fld id="{26853DDB-FB21-4B86-AE9E-F20AFD11A4B3}" type="datetimeFigureOut">
               <a:rPr lang="ko-KR" altLang="en-US" smtClean="0"/>
-              <a:t>2023-05-26</a:t>
+              <a:t>2023-05-29</a:t>
             </a:fld>
             <a:endParaRPr lang="ko-KR" altLang="en-US"/>
           </a:p>
@@ -1837,7 +1840,7 @@
           <a:p>
             <a:fld id="{26853DDB-FB21-4B86-AE9E-F20AFD11A4B3}" type="datetimeFigureOut">
               <a:rPr lang="ko-KR" altLang="en-US" smtClean="0"/>
-              <a:t>2023-05-26</a:t>
+              <a:t>2023-05-29</a:t>
             </a:fld>
             <a:endParaRPr lang="ko-KR" altLang="en-US"/>
           </a:p>
@@ -1978,7 +1981,7 @@
           <a:p>
             <a:fld id="{26853DDB-FB21-4B86-AE9E-F20AFD11A4B3}" type="datetimeFigureOut">
               <a:rPr lang="ko-KR" altLang="en-US" smtClean="0"/>
-              <a:t>2023-05-26</a:t>
+              <a:t>2023-05-29</a:t>
             </a:fld>
             <a:endParaRPr lang="ko-KR" altLang="en-US"/>
           </a:p>
@@ -2091,7 +2094,7 @@
           <a:p>
             <a:fld id="{26853DDB-FB21-4B86-AE9E-F20AFD11A4B3}" type="datetimeFigureOut">
               <a:rPr lang="ko-KR" altLang="en-US" smtClean="0"/>
-              <a:t>2023-05-26</a:t>
+              <a:t>2023-05-29</a:t>
             </a:fld>
             <a:endParaRPr lang="ko-KR" altLang="en-US"/>
           </a:p>
@@ -2402,7 +2405,7 @@
           <a:p>
             <a:fld id="{26853DDB-FB21-4B86-AE9E-F20AFD11A4B3}" type="datetimeFigureOut">
               <a:rPr lang="ko-KR" altLang="en-US" smtClean="0"/>
-              <a:t>2023-05-26</a:t>
+              <a:t>2023-05-29</a:t>
             </a:fld>
             <a:endParaRPr lang="ko-KR" altLang="en-US"/>
           </a:p>
@@ -2690,7 +2693,7 @@
           <a:p>
             <a:fld id="{26853DDB-FB21-4B86-AE9E-F20AFD11A4B3}" type="datetimeFigureOut">
               <a:rPr lang="ko-KR" altLang="en-US" smtClean="0"/>
-              <a:t>2023-05-26</a:t>
+              <a:t>2023-05-29</a:t>
             </a:fld>
             <a:endParaRPr lang="ko-KR" altLang="en-US"/>
           </a:p>
@@ -2931,7 +2934,7 @@
           <a:p>
             <a:fld id="{26853DDB-FB21-4B86-AE9E-F20AFD11A4B3}" type="datetimeFigureOut">
               <a:rPr lang="ko-KR" altLang="en-US" smtClean="0"/>
-              <a:t>2023-05-26</a:t>
+              <a:t>2023-05-29</a:t>
             </a:fld>
             <a:endParaRPr lang="ko-KR" altLang="en-US"/>
           </a:p>
@@ -10466,6 +10469,843 @@
 </p:sld>
 </file>
 
+<file path=ppt/slides/slide24.xml><?xml version="1.0" encoding="utf-8"?>
+<p:sld xmlns:a="http://schemas.openxmlformats.org/drawingml/2006/main" xmlns:r="http://schemas.openxmlformats.org/officeDocument/2006/relationships" xmlns:p="http://schemas.openxmlformats.org/presentationml/2006/main">
+  <p:cSld>
+    <p:spTree>
+      <p:nvGrpSpPr>
+        <p:cNvPr id="1" name=""/>
+        <p:cNvGrpSpPr/>
+        <p:nvPr/>
+      </p:nvGrpSpPr>
+      <p:grpSpPr>
+        <a:xfrm>
+          <a:off x="0" y="0"/>
+          <a:ext cx="0" cy="0"/>
+          <a:chOff x="0" y="0"/>
+          <a:chExt cx="0" cy="0"/>
+        </a:xfrm>
+      </p:grpSpPr>
+      <p:sp>
+        <p:nvSpPr>
+          <p:cNvPr id="5" name="TextBox 4">
+            <a:extLst>
+              <a:ext uri="{FF2B5EF4-FFF2-40B4-BE49-F238E27FC236}">
+                <a16:creationId xmlns:a16="http://schemas.microsoft.com/office/drawing/2014/main" id="{0A792594-D404-3B54-5551-6B649DCAC4C0}"/>
+              </a:ext>
+            </a:extLst>
+          </p:cNvPr>
+          <p:cNvSpPr txBox="1"/>
+          <p:nvPr/>
+        </p:nvSpPr>
+        <p:spPr>
+          <a:xfrm>
+            <a:off x="355600" y="369054"/>
+            <a:ext cx="11369040" cy="923330"/>
+          </a:xfrm>
+          <a:prstGeom prst="rect">
+            <a:avLst/>
+          </a:prstGeom>
+          <a:noFill/>
+        </p:spPr>
+        <p:txBody>
+          <a:bodyPr wrap="square">
+            <a:spAutoFit/>
+          </a:bodyPr>
+          <a:lstStyle/>
+          <a:p>
+            <a:r>
+              <a:rPr lang="en-US" altLang="ko-KR" sz="1800" dirty="0">
+                <a:latin typeface="Consolas" panose="020B0609020204030204" pitchFamily="49" charset="0"/>
+              </a:rPr>
+              <a:t>Transaction – </a:t>
+            </a:r>
+            <a:r>
+              <a:rPr lang="ko-KR" altLang="en-US" sz="1800" dirty="0">
+                <a:latin typeface="Consolas" panose="020B0609020204030204" pitchFamily="49" charset="0"/>
+              </a:rPr>
+              <a:t>작업의 안전성</a:t>
+            </a:r>
+            <a:r>
+              <a:rPr lang="en-US" altLang="ko-KR" sz="1800" dirty="0">
+                <a:latin typeface="Consolas" panose="020B0609020204030204" pitchFamily="49" charset="0"/>
+              </a:rPr>
+              <a:t>,</a:t>
+            </a:r>
+            <a:r>
+              <a:rPr lang="ko-KR" altLang="en-US" sz="1800" dirty="0">
+                <a:latin typeface="Consolas" panose="020B0609020204030204" pitchFamily="49" charset="0"/>
+              </a:rPr>
+              <a:t>원자성과 큰 관련</a:t>
+            </a:r>
+            <a:endParaRPr lang="en-US" altLang="ko-KR" sz="1800" dirty="0">
+              <a:latin typeface="Consolas" panose="020B0609020204030204" pitchFamily="49" charset="0"/>
+            </a:endParaRPr>
+          </a:p>
+          <a:p>
+            <a:r>
+              <a:rPr lang="ko-KR" altLang="en-US" dirty="0">
+                <a:latin typeface="Consolas" panose="020B0609020204030204" pitchFamily="49" charset="0"/>
+              </a:rPr>
+              <a:t>한가지 행위로서 여러가지 </a:t>
+            </a:r>
+            <a:r>
+              <a:rPr lang="en-US" altLang="ko-KR" dirty="0">
+                <a:latin typeface="Consolas" panose="020B0609020204030204" pitchFamily="49" charset="0"/>
+              </a:rPr>
+              <a:t>DB </a:t>
+            </a:r>
+            <a:r>
+              <a:rPr lang="ko-KR" altLang="en-US" dirty="0">
+                <a:latin typeface="Consolas" panose="020B0609020204030204" pitchFamily="49" charset="0"/>
+              </a:rPr>
+              <a:t>작업이 이루어 질 때 하나와 같이 작동 되도록 하는 중요성</a:t>
+            </a:r>
+            <a:endParaRPr lang="en-US" altLang="ko-KR" dirty="0">
+              <a:latin typeface="Consolas" panose="020B0609020204030204" pitchFamily="49" charset="0"/>
+            </a:endParaRPr>
+          </a:p>
+          <a:p>
+            <a:r>
+              <a:rPr lang="en-US" altLang="ko-KR" dirty="0">
+                <a:latin typeface="Consolas" panose="020B0609020204030204" pitchFamily="49" charset="0"/>
+              </a:rPr>
+              <a:t>&gt;</a:t>
+            </a:r>
+            <a:r>
+              <a:rPr lang="ko-KR" altLang="en-US" dirty="0">
+                <a:latin typeface="Consolas" panose="020B0609020204030204" pitchFamily="49" charset="0"/>
+              </a:rPr>
+              <a:t> </a:t>
+            </a:r>
+            <a:r>
+              <a:rPr lang="ko-KR" altLang="en-US" dirty="0" err="1">
+                <a:latin typeface="Consolas" panose="020B0609020204030204" pitchFamily="49" charset="0"/>
+              </a:rPr>
+              <a:t>어노테이션</a:t>
+            </a:r>
+            <a:r>
+              <a:rPr lang="ko-KR" altLang="en-US" dirty="0">
+                <a:latin typeface="Consolas" panose="020B0609020204030204" pitchFamily="49" charset="0"/>
+              </a:rPr>
+              <a:t> 문법</a:t>
+            </a:r>
+            <a:endParaRPr lang="en-US" altLang="ko-KR" dirty="0">
+              <a:latin typeface="Consolas" panose="020B0609020204030204" pitchFamily="49" charset="0"/>
+            </a:endParaRPr>
+          </a:p>
+        </p:txBody>
+      </p:sp>
+      <p:pic>
+        <p:nvPicPr>
+          <p:cNvPr id="7" name="그림 6">
+            <a:extLst>
+              <a:ext uri="{FF2B5EF4-FFF2-40B4-BE49-F238E27FC236}">
+                <a16:creationId xmlns:a16="http://schemas.microsoft.com/office/drawing/2014/main" id="{067BF235-47A5-DB5F-DE77-2F436B514DD1}"/>
+              </a:ext>
+            </a:extLst>
+          </p:cNvPr>
+          <p:cNvPicPr>
+            <a:picLocks noChangeAspect="1"/>
+          </p:cNvPicPr>
+          <p:nvPr/>
+        </p:nvPicPr>
+        <p:blipFill>
+          <a:blip r:embed="rId2"/>
+          <a:stretch>
+            <a:fillRect/>
+          </a:stretch>
+        </p:blipFill>
+        <p:spPr>
+          <a:xfrm>
+            <a:off x="568585" y="4240570"/>
+            <a:ext cx="9916909" cy="1152686"/>
+          </a:xfrm>
+          <a:prstGeom prst="rect">
+            <a:avLst/>
+          </a:prstGeom>
+        </p:spPr>
+      </p:pic>
+      <p:pic>
+        <p:nvPicPr>
+          <p:cNvPr id="9" name="그림 8">
+            <a:extLst>
+              <a:ext uri="{FF2B5EF4-FFF2-40B4-BE49-F238E27FC236}">
+                <a16:creationId xmlns:a16="http://schemas.microsoft.com/office/drawing/2014/main" id="{24FDA447-A08D-31BD-9ADD-4CDBCB930AE2}"/>
+              </a:ext>
+            </a:extLst>
+          </p:cNvPr>
+          <p:cNvPicPr>
+            <a:picLocks noChangeAspect="1"/>
+          </p:cNvPicPr>
+          <p:nvPr/>
+        </p:nvPicPr>
+        <p:blipFill>
+          <a:blip r:embed="rId3"/>
+          <a:stretch>
+            <a:fillRect/>
+          </a:stretch>
+        </p:blipFill>
+        <p:spPr>
+          <a:xfrm>
+            <a:off x="568585" y="2743104"/>
+            <a:ext cx="4382112" cy="1371791"/>
+          </a:xfrm>
+          <a:prstGeom prst="rect">
+            <a:avLst/>
+          </a:prstGeom>
+        </p:spPr>
+      </p:pic>
+      <p:sp>
+        <p:nvSpPr>
+          <p:cNvPr id="10" name="TextBox 9">
+            <a:extLst>
+              <a:ext uri="{FF2B5EF4-FFF2-40B4-BE49-F238E27FC236}">
+                <a16:creationId xmlns:a16="http://schemas.microsoft.com/office/drawing/2014/main" id="{4458860F-58CD-8975-BACE-3F61550F4B4D}"/>
+              </a:ext>
+            </a:extLst>
+          </p:cNvPr>
+          <p:cNvSpPr txBox="1"/>
+          <p:nvPr/>
+        </p:nvSpPr>
+        <p:spPr>
+          <a:xfrm>
+            <a:off x="568585" y="5393256"/>
+            <a:ext cx="7700313" cy="369332"/>
+          </a:xfrm>
+          <a:prstGeom prst="rect">
+            <a:avLst/>
+          </a:prstGeom>
+          <a:noFill/>
+        </p:spPr>
+        <p:txBody>
+          <a:bodyPr wrap="none" rtlCol="0">
+            <a:spAutoFit/>
+          </a:bodyPr>
+          <a:lstStyle/>
+          <a:p>
+            <a:r>
+              <a:rPr lang="en-US" altLang="ko-KR" dirty="0"/>
+              <a:t>Transaction</a:t>
+            </a:r>
+            <a:r>
+              <a:rPr lang="ko-KR" altLang="en-US" dirty="0"/>
+              <a:t> </a:t>
+            </a:r>
+            <a:r>
+              <a:rPr lang="ko-KR" altLang="en-US" dirty="0" err="1"/>
+              <a:t>어노테이션</a:t>
+            </a:r>
+            <a:r>
+              <a:rPr lang="ko-KR" altLang="en-US" dirty="0"/>
+              <a:t> 붙은 기능들을 호출하여 작동하게끔 해주는 코드</a:t>
+            </a:r>
+          </a:p>
+        </p:txBody>
+      </p:sp>
+      <p:pic>
+        <p:nvPicPr>
+          <p:cNvPr id="12" name="그림 11">
+            <a:extLst>
+              <a:ext uri="{FF2B5EF4-FFF2-40B4-BE49-F238E27FC236}">
+                <a16:creationId xmlns:a16="http://schemas.microsoft.com/office/drawing/2014/main" id="{19FFA59D-B092-088B-484D-4AE7E80712E4}"/>
+              </a:ext>
+            </a:extLst>
+          </p:cNvPr>
+          <p:cNvPicPr>
+            <a:picLocks noChangeAspect="1"/>
+          </p:cNvPicPr>
+          <p:nvPr/>
+        </p:nvPicPr>
+        <p:blipFill>
+          <a:blip r:embed="rId4"/>
+          <a:stretch>
+            <a:fillRect/>
+          </a:stretch>
+        </p:blipFill>
+        <p:spPr>
+          <a:xfrm>
+            <a:off x="677037" y="5992079"/>
+            <a:ext cx="8287907" cy="257211"/>
+          </a:xfrm>
+          <a:prstGeom prst="rect">
+            <a:avLst/>
+          </a:prstGeom>
+        </p:spPr>
+      </p:pic>
+    </p:spTree>
+    <p:extLst>
+      <p:ext uri="{BB962C8B-B14F-4D97-AF65-F5344CB8AC3E}">
+        <p14:creationId xmlns:p14="http://schemas.microsoft.com/office/powerpoint/2010/main" val="3617170861"/>
+      </p:ext>
+    </p:extLst>
+  </p:cSld>
+  <p:clrMapOvr>
+    <a:masterClrMapping/>
+  </p:clrMapOvr>
+</p:sld>
+</file>
+
+<file path=ppt/slides/slide25.xml><?xml version="1.0" encoding="utf-8"?>
+<p:sld xmlns:a="http://schemas.openxmlformats.org/drawingml/2006/main" xmlns:r="http://schemas.openxmlformats.org/officeDocument/2006/relationships" xmlns:p="http://schemas.openxmlformats.org/presentationml/2006/main">
+  <p:cSld>
+    <p:spTree>
+      <p:nvGrpSpPr>
+        <p:cNvPr id="1" name=""/>
+        <p:cNvGrpSpPr/>
+        <p:nvPr/>
+      </p:nvGrpSpPr>
+      <p:grpSpPr>
+        <a:xfrm>
+          <a:off x="0" y="0"/>
+          <a:ext cx="0" cy="0"/>
+          <a:chOff x="0" y="0"/>
+          <a:chExt cx="0" cy="0"/>
+        </a:xfrm>
+      </p:grpSpPr>
+      <p:sp>
+        <p:nvSpPr>
+          <p:cNvPr id="4" name="TextBox 3">
+            <a:extLst>
+              <a:ext uri="{FF2B5EF4-FFF2-40B4-BE49-F238E27FC236}">
+                <a16:creationId xmlns:a16="http://schemas.microsoft.com/office/drawing/2014/main" id="{18E26B5A-46E7-01E8-F6AD-224723AC8CAB}"/>
+              </a:ext>
+            </a:extLst>
+          </p:cNvPr>
+          <p:cNvSpPr txBox="1"/>
+          <p:nvPr/>
+        </p:nvSpPr>
+        <p:spPr>
+          <a:xfrm>
+            <a:off x="132080" y="121920"/>
+            <a:ext cx="1428917" cy="369332"/>
+          </a:xfrm>
+          <a:prstGeom prst="rect">
+            <a:avLst/>
+          </a:prstGeom>
+          <a:noFill/>
+        </p:spPr>
+        <p:txBody>
+          <a:bodyPr wrap="none" rtlCol="0">
+            <a:spAutoFit/>
+          </a:bodyPr>
+          <a:lstStyle/>
+          <a:p>
+            <a:r>
+              <a:rPr lang="en-US" altLang="ko-KR" dirty="0"/>
+              <a:t>Web</a:t>
+            </a:r>
+            <a:r>
+              <a:rPr lang="ko-KR" altLang="en-US" dirty="0"/>
+              <a:t> </a:t>
+            </a:r>
+            <a:r>
+              <a:rPr lang="en-US" altLang="ko-KR" dirty="0"/>
+              <a:t>Socket</a:t>
+            </a:r>
+            <a:endParaRPr lang="ko-KR" altLang="en-US" dirty="0"/>
+          </a:p>
+        </p:txBody>
+      </p:sp>
+      <p:sp>
+        <p:nvSpPr>
+          <p:cNvPr id="5" name="TextBox 4">
+            <a:extLst>
+              <a:ext uri="{FF2B5EF4-FFF2-40B4-BE49-F238E27FC236}">
+                <a16:creationId xmlns:a16="http://schemas.microsoft.com/office/drawing/2014/main" id="{C585F1A1-B33C-3A3A-1B8C-708EE847A34E}"/>
+              </a:ext>
+            </a:extLst>
+          </p:cNvPr>
+          <p:cNvSpPr txBox="1"/>
+          <p:nvPr/>
+        </p:nvSpPr>
+        <p:spPr>
+          <a:xfrm>
+            <a:off x="132080" y="680720"/>
+            <a:ext cx="11755120" cy="2862322"/>
+          </a:xfrm>
+          <a:prstGeom prst="rect">
+            <a:avLst/>
+          </a:prstGeom>
+          <a:noFill/>
+        </p:spPr>
+        <p:txBody>
+          <a:bodyPr wrap="square" rtlCol="0">
+            <a:spAutoFit/>
+          </a:bodyPr>
+          <a:lstStyle/>
+          <a:p>
+            <a:r>
+              <a:rPr lang="ko-KR" altLang="en-US" dirty="0"/>
+              <a:t>채팅</a:t>
+            </a:r>
+            <a:r>
+              <a:rPr lang="en-US" altLang="ko-KR" dirty="0"/>
+              <a:t> </a:t>
+            </a:r>
+            <a:r>
+              <a:rPr lang="ko-KR" altLang="en-US" dirty="0"/>
+              <a:t>등은 </a:t>
+            </a:r>
+            <a:r>
+              <a:rPr lang="en-US" altLang="ko-KR" dirty="0"/>
+              <a:t>http</a:t>
+            </a:r>
+            <a:r>
+              <a:rPr lang="ko-KR" altLang="en-US" dirty="0"/>
+              <a:t>프로토콜의 규칙에 어긋남</a:t>
+            </a:r>
+            <a:endParaRPr lang="en-US" altLang="ko-KR" dirty="0"/>
+          </a:p>
+          <a:p>
+            <a:pPr marL="285750" indent="-285750">
+              <a:buFont typeface="Wingdings" panose="05000000000000000000" pitchFamily="2" charset="2"/>
+              <a:buChar char="Ø"/>
+            </a:pPr>
+            <a:r>
+              <a:rPr lang="ko-KR" altLang="en-US" dirty="0" err="1"/>
+              <a:t>리퀘스트</a:t>
+            </a:r>
+            <a:r>
+              <a:rPr lang="ko-KR" altLang="en-US" dirty="0"/>
+              <a:t> </a:t>
+            </a:r>
+            <a:r>
+              <a:rPr lang="en-US" altLang="ko-KR" dirty="0"/>
+              <a:t>&gt; </a:t>
+            </a:r>
+            <a:r>
+              <a:rPr lang="ko-KR" altLang="en-US" dirty="0" err="1"/>
+              <a:t>리스폰스</a:t>
+            </a:r>
+            <a:r>
+              <a:rPr lang="ko-KR" altLang="en-US" dirty="0"/>
+              <a:t> 의 순서</a:t>
+            </a:r>
+            <a:r>
+              <a:rPr lang="en-US" altLang="ko-KR" dirty="0"/>
+              <a:t> / </a:t>
+            </a:r>
+            <a:r>
+              <a:rPr lang="ko-KR" altLang="en-US" dirty="0"/>
+              <a:t>상황에 따라 </a:t>
+            </a:r>
+            <a:r>
+              <a:rPr lang="ko-KR" altLang="en-US" dirty="0" err="1"/>
+              <a:t>리스폰스부터</a:t>
+            </a:r>
+            <a:r>
+              <a:rPr lang="ko-KR" altLang="en-US" dirty="0"/>
+              <a:t> 있어야 함</a:t>
+            </a:r>
+            <a:endParaRPr lang="en-US" altLang="ko-KR" dirty="0"/>
+          </a:p>
+          <a:p>
+            <a:r>
+              <a:rPr lang="en-US" altLang="ko-KR" dirty="0"/>
+              <a:t>A </a:t>
+            </a:r>
+            <a:r>
+              <a:rPr lang="ko-KR" altLang="en-US" dirty="0"/>
+              <a:t>와 </a:t>
+            </a:r>
+            <a:r>
+              <a:rPr lang="en-US" altLang="ko-KR" dirty="0"/>
+              <a:t>B </a:t>
+            </a:r>
+            <a:r>
+              <a:rPr lang="ko-KR" altLang="en-US" dirty="0"/>
+              <a:t>채팅</a:t>
+            </a:r>
+            <a:endParaRPr lang="en-US" altLang="ko-KR" dirty="0"/>
+          </a:p>
+          <a:p>
+            <a:r>
+              <a:rPr lang="en-US" altLang="ko-KR" dirty="0"/>
+              <a:t>A </a:t>
+            </a:r>
+            <a:r>
+              <a:rPr lang="ko-KR" altLang="en-US" dirty="0"/>
+              <a:t>는 채팅서버에 </a:t>
+            </a:r>
+            <a:r>
+              <a:rPr lang="en-US" altLang="ko-KR" dirty="0"/>
+              <a:t>Hello </a:t>
+            </a:r>
+            <a:r>
+              <a:rPr lang="ko-KR" altLang="en-US" dirty="0"/>
+              <a:t>보냄 </a:t>
+            </a:r>
+            <a:r>
+              <a:rPr lang="en-US" altLang="ko-KR" dirty="0"/>
+              <a:t>&gt; </a:t>
+            </a:r>
+            <a:r>
+              <a:rPr lang="ko-KR" altLang="en-US" dirty="0"/>
+              <a:t>채팅서버가 </a:t>
+            </a:r>
+            <a:r>
+              <a:rPr lang="en-US" altLang="ko-KR" dirty="0"/>
+              <a:t>B </a:t>
+            </a:r>
+            <a:r>
+              <a:rPr lang="ko-KR" altLang="en-US" dirty="0"/>
+              <a:t>한테 </a:t>
+            </a:r>
+            <a:r>
+              <a:rPr lang="en-US" altLang="ko-KR" dirty="0"/>
+              <a:t>Hello </a:t>
+            </a:r>
+            <a:r>
+              <a:rPr lang="ko-KR" altLang="en-US" dirty="0"/>
+              <a:t>보냄 의</a:t>
+            </a:r>
+            <a:r>
+              <a:rPr lang="en-US" altLang="ko-KR" dirty="0"/>
+              <a:t> </a:t>
+            </a:r>
+            <a:r>
+              <a:rPr lang="ko-KR" altLang="en-US" dirty="0"/>
+              <a:t>방식  </a:t>
+            </a:r>
+            <a:r>
+              <a:rPr lang="en-US" altLang="ko-KR" dirty="0"/>
+              <a:t>// </a:t>
+            </a:r>
+            <a:r>
+              <a:rPr lang="ko-KR" altLang="en-US" dirty="0"/>
+              <a:t>채팅서버는 중계역할</a:t>
+            </a:r>
+            <a:endParaRPr lang="en-US" altLang="ko-KR" dirty="0"/>
+          </a:p>
+          <a:p>
+            <a:endParaRPr lang="en-US" altLang="ko-KR" dirty="0"/>
+          </a:p>
+          <a:p>
+            <a:r>
+              <a:rPr lang="en-US" altLang="ko-KR" dirty="0"/>
+              <a:t>Web socket</a:t>
+            </a:r>
+            <a:r>
+              <a:rPr lang="ko-KR" altLang="en-US" dirty="0"/>
+              <a:t>은 </a:t>
+            </a:r>
+            <a:r>
+              <a:rPr lang="en-US" altLang="ko-KR" dirty="0"/>
+              <a:t>http</a:t>
+            </a:r>
+            <a:r>
+              <a:rPr lang="ko-KR" altLang="en-US" dirty="0"/>
+              <a:t>가 아님 </a:t>
+            </a:r>
+            <a:r>
+              <a:rPr lang="en-US" altLang="ko-KR" dirty="0"/>
+              <a:t>&gt; WS </a:t>
+            </a:r>
+            <a:r>
+              <a:rPr lang="ko-KR" altLang="en-US" dirty="0"/>
+              <a:t>라는 자체 프로토콜임</a:t>
+            </a:r>
+            <a:r>
+              <a:rPr lang="en-US" altLang="ko-KR" dirty="0"/>
+              <a:t>.</a:t>
+            </a:r>
+          </a:p>
+          <a:p>
+            <a:endParaRPr lang="en-US" altLang="ko-KR" dirty="0"/>
+          </a:p>
+          <a:p>
+            <a:r>
+              <a:rPr lang="en-US" altLang="ko-KR" dirty="0"/>
+              <a:t>HTTP </a:t>
+            </a:r>
+            <a:r>
+              <a:rPr lang="ko-KR" altLang="en-US" dirty="0"/>
+              <a:t>연결하나</a:t>
+            </a:r>
+            <a:r>
+              <a:rPr lang="en-US" altLang="ko-KR" dirty="0"/>
+              <a:t>, web socket </a:t>
+            </a:r>
+            <a:r>
+              <a:rPr lang="ko-KR" altLang="en-US" dirty="0"/>
+              <a:t>연결 하나 </a:t>
+            </a:r>
+            <a:r>
+              <a:rPr lang="ko-KR" altLang="en-US" dirty="0" err="1"/>
+              <a:t>만듬</a:t>
+            </a:r>
+            <a:r>
+              <a:rPr lang="en-US" altLang="ko-KR" dirty="0"/>
+              <a:t>.</a:t>
+            </a:r>
+          </a:p>
+          <a:p>
+            <a:endParaRPr lang="en-US" altLang="ko-KR" dirty="0"/>
+          </a:p>
+          <a:p>
+            <a:endParaRPr lang="en-US" altLang="ko-KR" dirty="0"/>
+          </a:p>
+        </p:txBody>
+      </p:sp>
+    </p:spTree>
+    <p:extLst>
+      <p:ext uri="{BB962C8B-B14F-4D97-AF65-F5344CB8AC3E}">
+        <p14:creationId xmlns:p14="http://schemas.microsoft.com/office/powerpoint/2010/main" val="1132275286"/>
+      </p:ext>
+    </p:extLst>
+  </p:cSld>
+  <p:clrMapOvr>
+    <a:masterClrMapping/>
+  </p:clrMapOvr>
+</p:sld>
+</file>
+
+<file path=ppt/slides/slide26.xml><?xml version="1.0" encoding="utf-8"?>
+<p:sld xmlns:a="http://schemas.openxmlformats.org/drawingml/2006/main" xmlns:r="http://schemas.openxmlformats.org/officeDocument/2006/relationships" xmlns:p="http://schemas.openxmlformats.org/presentationml/2006/main">
+  <p:cSld>
+    <p:spTree>
+      <p:nvGrpSpPr>
+        <p:cNvPr id="1" name=""/>
+        <p:cNvGrpSpPr/>
+        <p:nvPr/>
+      </p:nvGrpSpPr>
+      <p:grpSpPr>
+        <a:xfrm>
+          <a:off x="0" y="0"/>
+          <a:ext cx="0" cy="0"/>
+          <a:chOff x="0" y="0"/>
+          <a:chExt cx="0" cy="0"/>
+        </a:xfrm>
+      </p:grpSpPr>
+      <p:pic>
+        <p:nvPicPr>
+          <p:cNvPr id="4" name="그림 3">
+            <a:extLst>
+              <a:ext uri="{FF2B5EF4-FFF2-40B4-BE49-F238E27FC236}">
+                <a16:creationId xmlns:a16="http://schemas.microsoft.com/office/drawing/2014/main" id="{4ABB17C6-449F-AE87-C96C-5352E94CE779}"/>
+              </a:ext>
+            </a:extLst>
+          </p:cNvPr>
+          <p:cNvPicPr>
+            <a:picLocks noChangeAspect="1"/>
+          </p:cNvPicPr>
+          <p:nvPr/>
+        </p:nvPicPr>
+        <p:blipFill>
+          <a:blip r:embed="rId2"/>
+          <a:stretch>
+            <a:fillRect/>
+          </a:stretch>
+        </p:blipFill>
+        <p:spPr>
+          <a:xfrm>
+            <a:off x="7419445" y="3543042"/>
+            <a:ext cx="4772555" cy="3314958"/>
+          </a:xfrm>
+          <a:prstGeom prst="rect">
+            <a:avLst/>
+          </a:prstGeom>
+        </p:spPr>
+      </p:pic>
+      <p:sp>
+        <p:nvSpPr>
+          <p:cNvPr id="5" name="TextBox 4">
+            <a:extLst>
+              <a:ext uri="{FF2B5EF4-FFF2-40B4-BE49-F238E27FC236}">
+                <a16:creationId xmlns:a16="http://schemas.microsoft.com/office/drawing/2014/main" id="{3A624B37-D8C7-8282-0B06-071170FD0EAC}"/>
+              </a:ext>
+            </a:extLst>
+          </p:cNvPr>
+          <p:cNvSpPr txBox="1"/>
+          <p:nvPr/>
+        </p:nvSpPr>
+        <p:spPr>
+          <a:xfrm>
+            <a:off x="111760" y="162560"/>
+            <a:ext cx="5142755" cy="2862322"/>
+          </a:xfrm>
+          <a:prstGeom prst="rect">
+            <a:avLst/>
+          </a:prstGeom>
+          <a:noFill/>
+        </p:spPr>
+        <p:txBody>
+          <a:bodyPr wrap="none" rtlCol="0">
+            <a:spAutoFit/>
+          </a:bodyPr>
+          <a:lstStyle/>
+          <a:p>
+            <a:r>
+              <a:rPr lang="ko-KR" altLang="en-US" dirty="0"/>
+              <a:t>각 접속자마다 </a:t>
+            </a:r>
+            <a:r>
+              <a:rPr lang="en-US" altLang="ko-KR" dirty="0"/>
+              <a:t>Endpoint</a:t>
+            </a:r>
+            <a:r>
+              <a:rPr lang="ko-KR" altLang="en-US" dirty="0"/>
+              <a:t>가 생성됨</a:t>
+            </a:r>
+            <a:endParaRPr lang="en-US" altLang="ko-KR" dirty="0"/>
+          </a:p>
+          <a:p>
+            <a:r>
+              <a:rPr lang="ko-KR" altLang="en-US" dirty="0"/>
+              <a:t>멤버필드로 </a:t>
+            </a:r>
+            <a:r>
+              <a:rPr lang="en-US" altLang="ko-KR" dirty="0"/>
+              <a:t>session</a:t>
+            </a:r>
+            <a:r>
+              <a:rPr lang="ko-KR" altLang="en-US" dirty="0"/>
+              <a:t>을 만들어 줌</a:t>
+            </a:r>
+            <a:r>
+              <a:rPr lang="en-US" altLang="ko-KR" dirty="0"/>
+              <a:t>. </a:t>
+            </a:r>
+          </a:p>
+          <a:p>
+            <a:r>
+              <a:rPr lang="ko-KR" altLang="en-US" dirty="0"/>
+              <a:t>세션이 생성되면 세션을 가진 사용자는 언제든 </a:t>
+            </a:r>
+            <a:endParaRPr lang="en-US" altLang="ko-KR" dirty="0"/>
+          </a:p>
+          <a:p>
+            <a:r>
+              <a:rPr lang="ko-KR" altLang="en-US" dirty="0"/>
+              <a:t>메시지 송신 가능</a:t>
+            </a:r>
+            <a:r>
+              <a:rPr lang="en-US" altLang="ko-KR" dirty="0"/>
+              <a:t>.</a:t>
+            </a:r>
+          </a:p>
+          <a:p>
+            <a:endParaRPr lang="en-US" altLang="ko-KR" dirty="0"/>
+          </a:p>
+          <a:p>
+            <a:r>
+              <a:rPr lang="ko-KR" altLang="en-US" dirty="0"/>
+              <a:t>각자를 향한 세션객체 하나만 가지고 있어 다른 </a:t>
+            </a:r>
+            <a:endParaRPr lang="en-US" altLang="ko-KR" dirty="0"/>
+          </a:p>
+          <a:p>
+            <a:r>
+              <a:rPr lang="ko-KR" altLang="en-US" dirty="0"/>
+              <a:t>사용자에겐 접근이 불가능</a:t>
+            </a:r>
+            <a:endParaRPr lang="en-US" altLang="ko-KR" dirty="0"/>
+          </a:p>
+          <a:p>
+            <a:endParaRPr lang="en-US" altLang="ko-KR" dirty="0"/>
+          </a:p>
+          <a:p>
+            <a:r>
+              <a:rPr lang="en-US" altLang="ko-KR" dirty="0"/>
+              <a:t>Static</a:t>
+            </a:r>
+            <a:r>
+              <a:rPr lang="ko-KR" altLang="en-US" dirty="0"/>
+              <a:t>을 사용하여 각 접속자의 리스트는 동일한</a:t>
+            </a:r>
+            <a:endParaRPr lang="en-US" altLang="ko-KR" dirty="0"/>
+          </a:p>
+          <a:p>
+            <a:r>
+              <a:rPr lang="en-US" altLang="ko-KR" dirty="0"/>
+              <a:t>List</a:t>
+            </a:r>
+            <a:r>
+              <a:rPr lang="ko-KR" altLang="en-US" dirty="0"/>
+              <a:t>를 가지게 됨</a:t>
+            </a:r>
+            <a:r>
+              <a:rPr lang="en-US" altLang="ko-KR" dirty="0"/>
+              <a:t>.</a:t>
+            </a:r>
+            <a:endParaRPr lang="ko-KR" altLang="en-US" dirty="0"/>
+          </a:p>
+        </p:txBody>
+      </p:sp>
+      <p:pic>
+        <p:nvPicPr>
+          <p:cNvPr id="7" name="그림 6">
+            <a:extLst>
+              <a:ext uri="{FF2B5EF4-FFF2-40B4-BE49-F238E27FC236}">
+                <a16:creationId xmlns:a16="http://schemas.microsoft.com/office/drawing/2014/main" id="{7F6FBECA-0689-D0B1-989D-B6C546A9BC34}"/>
+              </a:ext>
+            </a:extLst>
+          </p:cNvPr>
+          <p:cNvPicPr>
+            <a:picLocks noChangeAspect="1"/>
+          </p:cNvPicPr>
+          <p:nvPr/>
+        </p:nvPicPr>
+        <p:blipFill>
+          <a:blip r:embed="rId3"/>
+          <a:stretch>
+            <a:fillRect/>
+          </a:stretch>
+        </p:blipFill>
+        <p:spPr>
+          <a:xfrm>
+            <a:off x="5527040" y="0"/>
+            <a:ext cx="6553200" cy="2358555"/>
+          </a:xfrm>
+          <a:prstGeom prst="rect">
+            <a:avLst/>
+          </a:prstGeom>
+        </p:spPr>
+      </p:pic>
+      <p:pic>
+        <p:nvPicPr>
+          <p:cNvPr id="9" name="그림 8">
+            <a:extLst>
+              <a:ext uri="{FF2B5EF4-FFF2-40B4-BE49-F238E27FC236}">
+                <a16:creationId xmlns:a16="http://schemas.microsoft.com/office/drawing/2014/main" id="{B19FA584-30C6-AAFA-18FF-B7BCF8FF8CBE}"/>
+              </a:ext>
+            </a:extLst>
+          </p:cNvPr>
+          <p:cNvPicPr>
+            <a:picLocks noChangeAspect="1"/>
+          </p:cNvPicPr>
+          <p:nvPr/>
+        </p:nvPicPr>
+        <p:blipFill>
+          <a:blip r:embed="rId4"/>
+          <a:stretch>
+            <a:fillRect/>
+          </a:stretch>
+        </p:blipFill>
+        <p:spPr>
+          <a:xfrm>
+            <a:off x="5235058" y="2358555"/>
+            <a:ext cx="3849777" cy="2327479"/>
+          </a:xfrm>
+          <a:prstGeom prst="rect">
+            <a:avLst/>
+          </a:prstGeom>
+        </p:spPr>
+      </p:pic>
+    </p:spTree>
+    <p:extLst>
+      <p:ext uri="{BB962C8B-B14F-4D97-AF65-F5344CB8AC3E}">
+        <p14:creationId xmlns:p14="http://schemas.microsoft.com/office/powerpoint/2010/main" val="2017373934"/>
+      </p:ext>
+    </p:extLst>
+  </p:cSld>
+  <p:clrMapOvr>
+    <a:masterClrMapping/>
+  </p:clrMapOvr>
+</p:sld>
+</file>
+
 <file path=ppt/slides/slide3.xml><?xml version="1.0" encoding="utf-8"?>
 <p:sld xmlns:a="http://schemas.openxmlformats.org/drawingml/2006/main" xmlns:r="http://schemas.openxmlformats.org/officeDocument/2006/relationships" xmlns:p="http://schemas.openxmlformats.org/presentationml/2006/main">
   <p:cSld>

--- a/STSWorkspace/Spring.pptx
+++ b/STSWorkspace/Spring.pptx
@@ -31,6 +31,9 @@
     <p:sldId id="279" r:id="rId25"/>
     <p:sldId id="280" r:id="rId26"/>
     <p:sldId id="281" r:id="rId27"/>
+    <p:sldId id="282" r:id="rId28"/>
+    <p:sldId id="283" r:id="rId29"/>
+    <p:sldId id="284" r:id="rId30"/>
   </p:sldIdLst>
   <p:sldSz cx="12192000" cy="6858000"/>
   <p:notesSz cx="6858000" cy="9144000"/>
@@ -284,7 +287,7 @@
           <a:p>
             <a:fld id="{26853DDB-FB21-4B86-AE9E-F20AFD11A4B3}" type="datetimeFigureOut">
               <a:rPr lang="ko-KR" altLang="en-US" smtClean="0"/>
-              <a:t>2023-05-29</a:t>
+              <a:t>2023-05-30</a:t>
             </a:fld>
             <a:endParaRPr lang="ko-KR" altLang="en-US"/>
           </a:p>
@@ -482,7 +485,7 @@
           <a:p>
             <a:fld id="{26853DDB-FB21-4B86-AE9E-F20AFD11A4B3}" type="datetimeFigureOut">
               <a:rPr lang="ko-KR" altLang="en-US" smtClean="0"/>
-              <a:t>2023-05-29</a:t>
+              <a:t>2023-05-30</a:t>
             </a:fld>
             <a:endParaRPr lang="ko-KR" altLang="en-US"/>
           </a:p>
@@ -690,7 +693,7 @@
           <a:p>
             <a:fld id="{26853DDB-FB21-4B86-AE9E-F20AFD11A4B3}" type="datetimeFigureOut">
               <a:rPr lang="ko-KR" altLang="en-US" smtClean="0"/>
-              <a:t>2023-05-29</a:t>
+              <a:t>2023-05-30</a:t>
             </a:fld>
             <a:endParaRPr lang="ko-KR" altLang="en-US"/>
           </a:p>
@@ -888,7 +891,7 @@
           <a:p>
             <a:fld id="{26853DDB-FB21-4B86-AE9E-F20AFD11A4B3}" type="datetimeFigureOut">
               <a:rPr lang="ko-KR" altLang="en-US" smtClean="0"/>
-              <a:t>2023-05-29</a:t>
+              <a:t>2023-05-30</a:t>
             </a:fld>
             <a:endParaRPr lang="ko-KR" altLang="en-US"/>
           </a:p>
@@ -1163,7 +1166,7 @@
           <a:p>
             <a:fld id="{26853DDB-FB21-4B86-AE9E-F20AFD11A4B3}" type="datetimeFigureOut">
               <a:rPr lang="ko-KR" altLang="en-US" smtClean="0"/>
-              <a:t>2023-05-29</a:t>
+              <a:t>2023-05-30</a:t>
             </a:fld>
             <a:endParaRPr lang="ko-KR" altLang="en-US"/>
           </a:p>
@@ -1428,7 +1431,7 @@
           <a:p>
             <a:fld id="{26853DDB-FB21-4B86-AE9E-F20AFD11A4B3}" type="datetimeFigureOut">
               <a:rPr lang="ko-KR" altLang="en-US" smtClean="0"/>
-              <a:t>2023-05-29</a:t>
+              <a:t>2023-05-30</a:t>
             </a:fld>
             <a:endParaRPr lang="ko-KR" altLang="en-US"/>
           </a:p>
@@ -1840,7 +1843,7 @@
           <a:p>
             <a:fld id="{26853DDB-FB21-4B86-AE9E-F20AFD11A4B3}" type="datetimeFigureOut">
               <a:rPr lang="ko-KR" altLang="en-US" smtClean="0"/>
-              <a:t>2023-05-29</a:t>
+              <a:t>2023-05-30</a:t>
             </a:fld>
             <a:endParaRPr lang="ko-KR" altLang="en-US"/>
           </a:p>
@@ -1981,7 +1984,7 @@
           <a:p>
             <a:fld id="{26853DDB-FB21-4B86-AE9E-F20AFD11A4B3}" type="datetimeFigureOut">
               <a:rPr lang="ko-KR" altLang="en-US" smtClean="0"/>
-              <a:t>2023-05-29</a:t>
+              <a:t>2023-05-30</a:t>
             </a:fld>
             <a:endParaRPr lang="ko-KR" altLang="en-US"/>
           </a:p>
@@ -2094,7 +2097,7 @@
           <a:p>
             <a:fld id="{26853DDB-FB21-4B86-AE9E-F20AFD11A4B3}" type="datetimeFigureOut">
               <a:rPr lang="ko-KR" altLang="en-US" smtClean="0"/>
-              <a:t>2023-05-29</a:t>
+              <a:t>2023-05-30</a:t>
             </a:fld>
             <a:endParaRPr lang="ko-KR" altLang="en-US"/>
           </a:p>
@@ -2405,7 +2408,7 @@
           <a:p>
             <a:fld id="{26853DDB-FB21-4B86-AE9E-F20AFD11A4B3}" type="datetimeFigureOut">
               <a:rPr lang="ko-KR" altLang="en-US" smtClean="0"/>
-              <a:t>2023-05-29</a:t>
+              <a:t>2023-05-30</a:t>
             </a:fld>
             <a:endParaRPr lang="ko-KR" altLang="en-US"/>
           </a:p>
@@ -2693,7 +2696,7 @@
           <a:p>
             <a:fld id="{26853DDB-FB21-4B86-AE9E-F20AFD11A4B3}" type="datetimeFigureOut">
               <a:rPr lang="ko-KR" altLang="en-US" smtClean="0"/>
-              <a:t>2023-05-29</a:t>
+              <a:t>2023-05-30</a:t>
             </a:fld>
             <a:endParaRPr lang="ko-KR" altLang="en-US"/>
           </a:p>
@@ -2934,7 +2937,7 @@
           <a:p>
             <a:fld id="{26853DDB-FB21-4B86-AE9E-F20AFD11A4B3}" type="datetimeFigureOut">
               <a:rPr lang="ko-KR" altLang="en-US" smtClean="0"/>
-              <a:t>2023-05-29</a:t>
+              <a:t>2023-05-30</a:t>
             </a:fld>
             <a:endParaRPr lang="ko-KR" altLang="en-US"/>
           </a:p>
@@ -11306,6 +11309,805 @@
 </p:sld>
 </file>
 
+<file path=ppt/slides/slide27.xml><?xml version="1.0" encoding="utf-8"?>
+<p:sld xmlns:a="http://schemas.openxmlformats.org/drawingml/2006/main" xmlns:r="http://schemas.openxmlformats.org/officeDocument/2006/relationships" xmlns:p="http://schemas.openxmlformats.org/presentationml/2006/main">
+  <p:cSld>
+    <p:spTree>
+      <p:nvGrpSpPr>
+        <p:cNvPr id="1" name=""/>
+        <p:cNvGrpSpPr/>
+        <p:nvPr/>
+      </p:nvGrpSpPr>
+      <p:grpSpPr>
+        <a:xfrm>
+          <a:off x="0" y="0"/>
+          <a:ext cx="0" cy="0"/>
+          <a:chOff x="0" y="0"/>
+          <a:chExt cx="0" cy="0"/>
+        </a:xfrm>
+      </p:grpSpPr>
+      <p:pic>
+        <p:nvPicPr>
+          <p:cNvPr id="5" name="그림 4">
+            <a:extLst>
+              <a:ext uri="{FF2B5EF4-FFF2-40B4-BE49-F238E27FC236}">
+                <a16:creationId xmlns:a16="http://schemas.microsoft.com/office/drawing/2014/main" id="{8F9EC30C-6EDD-31F8-FB16-BF50AF0F075F}"/>
+              </a:ext>
+            </a:extLst>
+          </p:cNvPr>
+          <p:cNvPicPr>
+            <a:picLocks noChangeAspect="1"/>
+          </p:cNvPicPr>
+          <p:nvPr/>
+        </p:nvPicPr>
+        <p:blipFill rotWithShape="1">
+          <a:blip r:embed="rId2"/>
+          <a:srcRect t="-1" b="5736"/>
+          <a:stretch/>
+        </p:blipFill>
+        <p:spPr>
+          <a:xfrm>
+            <a:off x="0" y="129756"/>
+            <a:ext cx="9421540" cy="1373924"/>
+          </a:xfrm>
+          <a:prstGeom prst="rect">
+            <a:avLst/>
+          </a:prstGeom>
+        </p:spPr>
+      </p:pic>
+      <p:sp>
+        <p:nvSpPr>
+          <p:cNvPr id="6" name="TextBox 5">
+            <a:extLst>
+              <a:ext uri="{FF2B5EF4-FFF2-40B4-BE49-F238E27FC236}">
+                <a16:creationId xmlns:a16="http://schemas.microsoft.com/office/drawing/2014/main" id="{8D7DCD5C-9651-2A23-3580-1B68BC575064}"/>
+              </a:ext>
+            </a:extLst>
+          </p:cNvPr>
+          <p:cNvSpPr txBox="1"/>
+          <p:nvPr/>
+        </p:nvSpPr>
+        <p:spPr>
+          <a:xfrm>
+            <a:off x="0" y="1503680"/>
+            <a:ext cx="4799712" cy="369332"/>
+          </a:xfrm>
+          <a:prstGeom prst="rect">
+            <a:avLst/>
+          </a:prstGeom>
+          <a:noFill/>
+        </p:spPr>
+        <p:txBody>
+          <a:bodyPr wrap="none" rtlCol="0">
+            <a:spAutoFit/>
+          </a:bodyPr>
+          <a:lstStyle/>
+          <a:p>
+            <a:r>
+              <a:rPr lang="en-US" altLang="ko-KR" dirty="0"/>
+              <a:t>http </a:t>
+            </a:r>
+            <a:r>
+              <a:rPr lang="ko-KR" altLang="en-US" dirty="0" err="1"/>
+              <a:t>에있는</a:t>
+            </a:r>
+            <a:r>
+              <a:rPr lang="ko-KR" altLang="en-US" dirty="0"/>
+              <a:t> 로그인 </a:t>
+            </a:r>
+            <a:r>
+              <a:rPr lang="ko-KR" altLang="en-US" dirty="0" err="1"/>
+              <a:t>정보등</a:t>
+            </a:r>
+            <a:r>
+              <a:rPr lang="ko-KR" altLang="en-US" dirty="0"/>
+              <a:t> 을 가져오는 코드</a:t>
+            </a:r>
+          </a:p>
+        </p:txBody>
+      </p:sp>
+    </p:spTree>
+    <p:extLst>
+      <p:ext uri="{BB962C8B-B14F-4D97-AF65-F5344CB8AC3E}">
+        <p14:creationId xmlns:p14="http://schemas.microsoft.com/office/powerpoint/2010/main" val="1023169507"/>
+      </p:ext>
+    </p:extLst>
+  </p:cSld>
+  <p:clrMapOvr>
+    <a:masterClrMapping/>
+  </p:clrMapOvr>
+</p:sld>
+</file>
+
+<file path=ppt/slides/slide28.xml><?xml version="1.0" encoding="utf-8"?>
+<p:sld xmlns:a="http://schemas.openxmlformats.org/drawingml/2006/main" xmlns:r="http://schemas.openxmlformats.org/officeDocument/2006/relationships" xmlns:p="http://schemas.openxmlformats.org/presentationml/2006/main">
+  <p:cSld>
+    <p:spTree>
+      <p:nvGrpSpPr>
+        <p:cNvPr id="1" name=""/>
+        <p:cNvGrpSpPr/>
+        <p:nvPr/>
+      </p:nvGrpSpPr>
+      <p:grpSpPr>
+        <a:xfrm>
+          <a:off x="0" y="0"/>
+          <a:ext cx="0" cy="0"/>
+          <a:chOff x="0" y="0"/>
+          <a:chExt cx="0" cy="0"/>
+        </a:xfrm>
+      </p:grpSpPr>
+      <p:pic>
+        <p:nvPicPr>
+          <p:cNvPr id="5" name="그림 4">
+            <a:extLst>
+              <a:ext uri="{FF2B5EF4-FFF2-40B4-BE49-F238E27FC236}">
+                <a16:creationId xmlns:a16="http://schemas.microsoft.com/office/drawing/2014/main" id="{506443BD-876F-BDEF-D68D-1F453D02002C}"/>
+              </a:ext>
+            </a:extLst>
+          </p:cNvPr>
+          <p:cNvPicPr>
+            <a:picLocks noChangeAspect="1"/>
+          </p:cNvPicPr>
+          <p:nvPr/>
+        </p:nvPicPr>
+        <p:blipFill>
+          <a:blip r:embed="rId2"/>
+          <a:stretch>
+            <a:fillRect/>
+          </a:stretch>
+        </p:blipFill>
+        <p:spPr>
+          <a:xfrm>
+            <a:off x="232463" y="472769"/>
+            <a:ext cx="3781953" cy="752580"/>
+          </a:xfrm>
+          <a:prstGeom prst="rect">
+            <a:avLst/>
+          </a:prstGeom>
+        </p:spPr>
+      </p:pic>
+      <p:pic>
+        <p:nvPicPr>
+          <p:cNvPr id="7" name="그림 6">
+            <a:extLst>
+              <a:ext uri="{FF2B5EF4-FFF2-40B4-BE49-F238E27FC236}">
+                <a16:creationId xmlns:a16="http://schemas.microsoft.com/office/drawing/2014/main" id="{5DC9E837-59B2-1277-4E7E-2ED75B568129}"/>
+              </a:ext>
+            </a:extLst>
+          </p:cNvPr>
+          <p:cNvPicPr>
+            <a:picLocks noChangeAspect="1"/>
+          </p:cNvPicPr>
+          <p:nvPr/>
+        </p:nvPicPr>
+        <p:blipFill>
+          <a:blip r:embed="rId3"/>
+          <a:stretch>
+            <a:fillRect/>
+          </a:stretch>
+        </p:blipFill>
+        <p:spPr>
+          <a:xfrm>
+            <a:off x="266609" y="2019006"/>
+            <a:ext cx="5563376" cy="1762371"/>
+          </a:xfrm>
+          <a:prstGeom prst="rect">
+            <a:avLst/>
+          </a:prstGeom>
+        </p:spPr>
+      </p:pic>
+      <p:pic>
+        <p:nvPicPr>
+          <p:cNvPr id="9" name="그림 8">
+            <a:extLst>
+              <a:ext uri="{FF2B5EF4-FFF2-40B4-BE49-F238E27FC236}">
+                <a16:creationId xmlns:a16="http://schemas.microsoft.com/office/drawing/2014/main" id="{7AB718D9-1B02-3C73-1DFC-92161C9B2FAF}"/>
+              </a:ext>
+            </a:extLst>
+          </p:cNvPr>
+          <p:cNvPicPr>
+            <a:picLocks noChangeAspect="1"/>
+          </p:cNvPicPr>
+          <p:nvPr/>
+        </p:nvPicPr>
+        <p:blipFill>
+          <a:blip r:embed="rId4"/>
+          <a:stretch>
+            <a:fillRect/>
+          </a:stretch>
+        </p:blipFill>
+        <p:spPr>
+          <a:xfrm>
+            <a:off x="7696864" y="430292"/>
+            <a:ext cx="4363059" cy="266737"/>
+          </a:xfrm>
+          <a:prstGeom prst="rect">
+            <a:avLst/>
+          </a:prstGeom>
+        </p:spPr>
+      </p:pic>
+      <p:sp>
+        <p:nvSpPr>
+          <p:cNvPr id="10" name="TextBox 9">
+            <a:extLst>
+              <a:ext uri="{FF2B5EF4-FFF2-40B4-BE49-F238E27FC236}">
+                <a16:creationId xmlns:a16="http://schemas.microsoft.com/office/drawing/2014/main" id="{F02CCE6F-217F-093D-8B45-92EB88B156CD}"/>
+              </a:ext>
+            </a:extLst>
+          </p:cNvPr>
+          <p:cNvSpPr txBox="1"/>
+          <p:nvPr/>
+        </p:nvSpPr>
+        <p:spPr>
+          <a:xfrm>
+            <a:off x="7667598" y="60960"/>
+            <a:ext cx="827791" cy="369332"/>
+          </a:xfrm>
+          <a:prstGeom prst="rect">
+            <a:avLst/>
+          </a:prstGeom>
+          <a:noFill/>
+        </p:spPr>
+        <p:txBody>
+          <a:bodyPr wrap="none" rtlCol="0">
+            <a:spAutoFit/>
+          </a:bodyPr>
+          <a:lstStyle/>
+          <a:p>
+            <a:r>
+              <a:rPr lang="en-US" altLang="ko-KR" dirty="0"/>
+              <a:t>Guava</a:t>
+            </a:r>
+            <a:endParaRPr lang="ko-KR" altLang="en-US" dirty="0"/>
+          </a:p>
+        </p:txBody>
+      </p:sp>
+      <p:pic>
+        <p:nvPicPr>
+          <p:cNvPr id="14" name="그림 13">
+            <a:extLst>
+              <a:ext uri="{FF2B5EF4-FFF2-40B4-BE49-F238E27FC236}">
+                <a16:creationId xmlns:a16="http://schemas.microsoft.com/office/drawing/2014/main" id="{4E09D94F-B647-61BB-3106-FA7CC01A94AE}"/>
+              </a:ext>
+            </a:extLst>
+          </p:cNvPr>
+          <p:cNvPicPr>
+            <a:picLocks noChangeAspect="1"/>
+          </p:cNvPicPr>
+          <p:nvPr/>
+        </p:nvPicPr>
+        <p:blipFill rotWithShape="1">
+          <a:blip r:embed="rId5"/>
+          <a:srcRect t="11338"/>
+          <a:stretch/>
+        </p:blipFill>
+        <p:spPr>
+          <a:xfrm>
+            <a:off x="7280926" y="1233805"/>
+            <a:ext cx="4315427" cy="211154"/>
+          </a:xfrm>
+          <a:prstGeom prst="rect">
+            <a:avLst/>
+          </a:prstGeom>
+        </p:spPr>
+      </p:pic>
+      <p:sp>
+        <p:nvSpPr>
+          <p:cNvPr id="15" name="TextBox 14">
+            <a:extLst>
+              <a:ext uri="{FF2B5EF4-FFF2-40B4-BE49-F238E27FC236}">
+                <a16:creationId xmlns:a16="http://schemas.microsoft.com/office/drawing/2014/main" id="{08702E99-7889-7920-8D86-5BA767A23F11}"/>
+              </a:ext>
+            </a:extLst>
+          </p:cNvPr>
+          <p:cNvSpPr txBox="1"/>
+          <p:nvPr/>
+        </p:nvSpPr>
+        <p:spPr>
+          <a:xfrm>
+            <a:off x="7170443" y="1780715"/>
+            <a:ext cx="4889480" cy="923330"/>
+          </a:xfrm>
+          <a:prstGeom prst="rect">
+            <a:avLst/>
+          </a:prstGeom>
+          <a:noFill/>
+        </p:spPr>
+        <p:txBody>
+          <a:bodyPr wrap="none" rtlCol="0">
+            <a:spAutoFit/>
+          </a:bodyPr>
+          <a:lstStyle/>
+          <a:p>
+            <a:r>
+              <a:rPr lang="en-US" altLang="ko-KR" dirty="0"/>
+              <a:t>4</a:t>
+            </a:r>
+            <a:r>
+              <a:rPr lang="ko-KR" altLang="en-US" dirty="0"/>
+              <a:t>번째 데이터가 들어갈 시 가장 처음의</a:t>
+            </a:r>
+            <a:endParaRPr lang="en-US" altLang="ko-KR" dirty="0"/>
+          </a:p>
+          <a:p>
+            <a:r>
+              <a:rPr lang="ko-KR" altLang="en-US" dirty="0"/>
+              <a:t>데이터를 삭제하고 한 칸 씩 미뤄서 저장함</a:t>
+            </a:r>
+            <a:endParaRPr lang="en-US" altLang="ko-KR" dirty="0"/>
+          </a:p>
+          <a:p>
+            <a:r>
+              <a:rPr lang="en-US" altLang="ko-KR" dirty="0"/>
+              <a:t>(</a:t>
+            </a:r>
+            <a:r>
+              <a:rPr lang="ko-KR" altLang="en-US" dirty="0"/>
+              <a:t>가장 최신의 데이터를 지정한 개수만큼 저장</a:t>
+            </a:r>
+            <a:r>
+              <a:rPr lang="en-US" altLang="ko-KR" dirty="0"/>
+              <a:t>)</a:t>
+            </a:r>
+            <a:endParaRPr lang="ko-KR" altLang="en-US" dirty="0"/>
+          </a:p>
+        </p:txBody>
+      </p:sp>
+      <p:sp>
+        <p:nvSpPr>
+          <p:cNvPr id="17" name="TextBox 16">
+            <a:extLst>
+              <a:ext uri="{FF2B5EF4-FFF2-40B4-BE49-F238E27FC236}">
+                <a16:creationId xmlns:a16="http://schemas.microsoft.com/office/drawing/2014/main" id="{5FA588B8-8D85-5BA9-7D96-BE3155315F3A}"/>
+              </a:ext>
+            </a:extLst>
+          </p:cNvPr>
+          <p:cNvSpPr txBox="1"/>
+          <p:nvPr/>
+        </p:nvSpPr>
+        <p:spPr>
+          <a:xfrm>
+            <a:off x="232463" y="85603"/>
+            <a:ext cx="5488169" cy="369332"/>
+          </a:xfrm>
+          <a:prstGeom prst="rect">
+            <a:avLst/>
+          </a:prstGeom>
+          <a:noFill/>
+        </p:spPr>
+        <p:txBody>
+          <a:bodyPr wrap="none" rtlCol="0">
+            <a:spAutoFit/>
+          </a:bodyPr>
+          <a:lstStyle/>
+          <a:p>
+            <a:r>
+              <a:rPr lang="en-US" altLang="ko-KR" dirty="0" err="1"/>
+              <a:t>Json</a:t>
+            </a:r>
+            <a:r>
+              <a:rPr lang="en-US" altLang="ko-KR" dirty="0"/>
+              <a:t> </a:t>
+            </a:r>
+            <a:r>
+              <a:rPr lang="ko-KR" altLang="en-US" dirty="0"/>
+              <a:t>인스턴스를 생성하여 </a:t>
+            </a:r>
+            <a:r>
+              <a:rPr lang="en-US" altLang="ko-KR" dirty="0" err="1"/>
+              <a:t>addProperty</a:t>
+            </a:r>
+            <a:r>
+              <a:rPr lang="ko-KR" altLang="en-US" dirty="0"/>
+              <a:t>로 추가하여</a:t>
+            </a:r>
+          </a:p>
+        </p:txBody>
+      </p:sp>
+      <p:sp>
+        <p:nvSpPr>
+          <p:cNvPr id="18" name="TextBox 17">
+            <a:extLst>
+              <a:ext uri="{FF2B5EF4-FFF2-40B4-BE49-F238E27FC236}">
+                <a16:creationId xmlns:a16="http://schemas.microsoft.com/office/drawing/2014/main" id="{CB140441-6EAD-52DA-0A7A-D70FB5F29870}"/>
+              </a:ext>
+            </a:extLst>
+          </p:cNvPr>
+          <p:cNvSpPr txBox="1"/>
+          <p:nvPr/>
+        </p:nvSpPr>
+        <p:spPr>
+          <a:xfrm>
+            <a:off x="232462" y="1248592"/>
+            <a:ext cx="5631670" cy="646331"/>
+          </a:xfrm>
+          <a:prstGeom prst="rect">
+            <a:avLst/>
+          </a:prstGeom>
+          <a:noFill/>
+        </p:spPr>
+        <p:txBody>
+          <a:bodyPr wrap="none" rtlCol="0">
+            <a:spAutoFit/>
+          </a:bodyPr>
+          <a:lstStyle/>
+          <a:p>
+            <a:r>
+              <a:rPr lang="en-US" altLang="ko-KR" dirty="0" err="1"/>
+              <a:t>Jsp</a:t>
+            </a:r>
+            <a:r>
+              <a:rPr lang="ko-KR" altLang="en-US" dirty="0"/>
+              <a:t>단에서 받은 데이터를 </a:t>
+            </a:r>
+            <a:r>
+              <a:rPr lang="en-US" altLang="ko-KR" dirty="0"/>
+              <a:t>JSON </a:t>
+            </a:r>
+            <a:r>
+              <a:rPr lang="ko-KR" altLang="en-US" dirty="0"/>
+              <a:t>형태로서 역직렬화로</a:t>
+            </a:r>
+            <a:endParaRPr lang="en-US" altLang="ko-KR" dirty="0"/>
+          </a:p>
+          <a:p>
+            <a:r>
+              <a:rPr lang="ko-KR" altLang="en-US" dirty="0"/>
+              <a:t>변환하여 출력할 수 있음</a:t>
+            </a:r>
+          </a:p>
+        </p:txBody>
+      </p:sp>
+      <p:sp>
+        <p:nvSpPr>
+          <p:cNvPr id="21" name="TextBox 20">
+            <a:extLst>
+              <a:ext uri="{FF2B5EF4-FFF2-40B4-BE49-F238E27FC236}">
+                <a16:creationId xmlns:a16="http://schemas.microsoft.com/office/drawing/2014/main" id="{A6CEBC26-48E5-2B32-3CB3-A0D1B27E6543}"/>
+              </a:ext>
+            </a:extLst>
+          </p:cNvPr>
+          <p:cNvSpPr txBox="1"/>
+          <p:nvPr/>
+        </p:nvSpPr>
+        <p:spPr>
+          <a:xfrm>
+            <a:off x="6373806" y="2764926"/>
+            <a:ext cx="5254965" cy="369332"/>
+          </a:xfrm>
+          <a:prstGeom prst="rect">
+            <a:avLst/>
+          </a:prstGeom>
+          <a:noFill/>
+        </p:spPr>
+        <p:txBody>
+          <a:bodyPr wrap="none" rtlCol="0">
+            <a:spAutoFit/>
+          </a:bodyPr>
+          <a:lstStyle/>
+          <a:p>
+            <a:r>
+              <a:rPr lang="en-US" altLang="ko-KR" dirty="0" err="1"/>
+              <a:t>EvictingQueue</a:t>
+            </a:r>
+            <a:r>
+              <a:rPr lang="en-US" altLang="ko-KR" dirty="0"/>
+              <a:t> </a:t>
+            </a:r>
+            <a:r>
+              <a:rPr lang="ko-KR" altLang="en-US" dirty="0"/>
+              <a:t>리스트로 만든 메시지 또한 </a:t>
+            </a:r>
+            <a:r>
+              <a:rPr lang="en-US" altLang="ko-KR" dirty="0"/>
+              <a:t>static</a:t>
+            </a:r>
+            <a:r>
+              <a:rPr lang="ko-KR" altLang="en-US" dirty="0"/>
+              <a:t> </a:t>
+            </a:r>
+          </a:p>
+        </p:txBody>
+      </p:sp>
+      <p:pic>
+        <p:nvPicPr>
+          <p:cNvPr id="25" name="그림 24">
+            <a:extLst>
+              <a:ext uri="{FF2B5EF4-FFF2-40B4-BE49-F238E27FC236}">
+                <a16:creationId xmlns:a16="http://schemas.microsoft.com/office/drawing/2014/main" id="{5181E9DE-A46A-D1DD-2231-9F0B669E41BC}"/>
+              </a:ext>
+            </a:extLst>
+          </p:cNvPr>
+          <p:cNvPicPr>
+            <a:picLocks noChangeAspect="1"/>
+          </p:cNvPicPr>
+          <p:nvPr/>
+        </p:nvPicPr>
+        <p:blipFill rotWithShape="1">
+          <a:blip r:embed="rId6"/>
+          <a:srcRect t="38064"/>
+          <a:stretch/>
+        </p:blipFill>
+        <p:spPr>
+          <a:xfrm>
+            <a:off x="6147803" y="3632174"/>
+            <a:ext cx="5959882" cy="2306321"/>
+          </a:xfrm>
+          <a:prstGeom prst="rect">
+            <a:avLst/>
+          </a:prstGeom>
+        </p:spPr>
+      </p:pic>
+      <p:pic>
+        <p:nvPicPr>
+          <p:cNvPr id="27" name="그림 26">
+            <a:extLst>
+              <a:ext uri="{FF2B5EF4-FFF2-40B4-BE49-F238E27FC236}">
+                <a16:creationId xmlns:a16="http://schemas.microsoft.com/office/drawing/2014/main" id="{51E601F5-1649-D873-DE14-6F018FF77DCC}"/>
+              </a:ext>
+            </a:extLst>
+          </p:cNvPr>
+          <p:cNvPicPr>
+            <a:picLocks noChangeAspect="1"/>
+          </p:cNvPicPr>
+          <p:nvPr/>
+        </p:nvPicPr>
+        <p:blipFill>
+          <a:blip r:embed="rId7"/>
+          <a:stretch>
+            <a:fillRect/>
+          </a:stretch>
+        </p:blipFill>
+        <p:spPr>
+          <a:xfrm>
+            <a:off x="232462" y="4454955"/>
+            <a:ext cx="5963482" cy="1829055"/>
+          </a:xfrm>
+          <a:prstGeom prst="rect">
+            <a:avLst/>
+          </a:prstGeom>
+        </p:spPr>
+      </p:pic>
+      <p:pic>
+        <p:nvPicPr>
+          <p:cNvPr id="28" name="그림 27">
+            <a:extLst>
+              <a:ext uri="{FF2B5EF4-FFF2-40B4-BE49-F238E27FC236}">
+                <a16:creationId xmlns:a16="http://schemas.microsoft.com/office/drawing/2014/main" id="{D1959435-F06D-D2E2-0719-274AA3338AAC}"/>
+              </a:ext>
+            </a:extLst>
+          </p:cNvPr>
+          <p:cNvPicPr>
+            <a:picLocks noChangeAspect="1"/>
+          </p:cNvPicPr>
+          <p:nvPr/>
+        </p:nvPicPr>
+        <p:blipFill rotWithShape="1">
+          <a:blip r:embed="rId6"/>
+          <a:srcRect b="89766"/>
+          <a:stretch/>
+        </p:blipFill>
+        <p:spPr>
+          <a:xfrm>
+            <a:off x="6147803" y="3286659"/>
+            <a:ext cx="5959882" cy="381101"/>
+          </a:xfrm>
+          <a:prstGeom prst="rect">
+            <a:avLst/>
+          </a:prstGeom>
+        </p:spPr>
+      </p:pic>
+    </p:spTree>
+    <p:extLst>
+      <p:ext uri="{BB962C8B-B14F-4D97-AF65-F5344CB8AC3E}">
+        <p14:creationId xmlns:p14="http://schemas.microsoft.com/office/powerpoint/2010/main" val="2777213818"/>
+      </p:ext>
+    </p:extLst>
+  </p:cSld>
+  <p:clrMapOvr>
+    <a:masterClrMapping/>
+  </p:clrMapOvr>
+</p:sld>
+</file>
+
+<file path=ppt/slides/slide29.xml><?xml version="1.0" encoding="utf-8"?>
+<p:sld xmlns:a="http://schemas.openxmlformats.org/drawingml/2006/main" xmlns:r="http://schemas.openxmlformats.org/officeDocument/2006/relationships" xmlns:p="http://schemas.openxmlformats.org/presentationml/2006/main">
+  <p:cSld>
+    <p:spTree>
+      <p:nvGrpSpPr>
+        <p:cNvPr id="1" name=""/>
+        <p:cNvGrpSpPr/>
+        <p:nvPr/>
+      </p:nvGrpSpPr>
+      <p:grpSpPr>
+        <a:xfrm>
+          <a:off x="0" y="0"/>
+          <a:ext cx="0" cy="0"/>
+          <a:chOff x="0" y="0"/>
+          <a:chExt cx="0" cy="0"/>
+        </a:xfrm>
+      </p:grpSpPr>
+      <p:sp>
+        <p:nvSpPr>
+          <p:cNvPr id="4" name="TextBox 3">
+            <a:extLst>
+              <a:ext uri="{FF2B5EF4-FFF2-40B4-BE49-F238E27FC236}">
+                <a16:creationId xmlns:a16="http://schemas.microsoft.com/office/drawing/2014/main" id="{8D4BEEA8-4E98-AF67-69DB-1B4F73EDFF75}"/>
+              </a:ext>
+            </a:extLst>
+          </p:cNvPr>
+          <p:cNvSpPr txBox="1"/>
+          <p:nvPr/>
+        </p:nvSpPr>
+        <p:spPr>
+          <a:xfrm>
+            <a:off x="152400" y="223520"/>
+            <a:ext cx="10136108" cy="1754326"/>
+          </a:xfrm>
+          <a:prstGeom prst="rect">
+            <a:avLst/>
+          </a:prstGeom>
+          <a:noFill/>
+        </p:spPr>
+        <p:txBody>
+          <a:bodyPr wrap="none" rtlCol="0">
+            <a:spAutoFit/>
+          </a:bodyPr>
+          <a:lstStyle/>
+          <a:p>
+            <a:r>
+              <a:rPr lang="ko-KR" altLang="en-US" dirty="0"/>
+              <a:t>채팅을 </a:t>
+            </a:r>
+            <a:r>
+              <a:rPr lang="en-US" altLang="ko-KR" dirty="0"/>
+              <a:t>DB</a:t>
+            </a:r>
+            <a:r>
+              <a:rPr lang="ko-KR" altLang="en-US" dirty="0"/>
+              <a:t>에 저장하기 위한 방법 중 하나</a:t>
+            </a:r>
+            <a:endParaRPr lang="en-US" altLang="ko-KR" dirty="0"/>
+          </a:p>
+          <a:p>
+            <a:endParaRPr lang="en-US" altLang="ko-KR" dirty="0"/>
+          </a:p>
+          <a:p>
+            <a:r>
+              <a:rPr lang="en-US" altLang="ko-KR" dirty="0"/>
+              <a:t>DI</a:t>
+            </a:r>
+            <a:r>
+              <a:rPr lang="ko-KR" altLang="en-US" dirty="0"/>
+              <a:t>는 스프링 인스턴스가 한번 생성될 때에 한번 생성 </a:t>
+            </a:r>
+            <a:r>
+              <a:rPr lang="en-US" altLang="ko-KR" dirty="0"/>
+              <a:t>/ DL</a:t>
+            </a:r>
+            <a:r>
+              <a:rPr lang="ko-KR" altLang="en-US" dirty="0"/>
+              <a:t>은 생성된 인스턴스를 찾아 쓸 수 있음</a:t>
+            </a:r>
+            <a:r>
+              <a:rPr lang="en-US" altLang="ko-KR" dirty="0"/>
+              <a:t>.</a:t>
+            </a:r>
+          </a:p>
+          <a:p>
+            <a:endParaRPr lang="en-US" altLang="ko-KR" dirty="0"/>
+          </a:p>
+          <a:p>
+            <a:r>
+              <a:rPr lang="ko-KR" altLang="en-US" dirty="0"/>
+              <a:t>사용자가 새로 </a:t>
+            </a:r>
+            <a:r>
+              <a:rPr lang="ko-KR" altLang="en-US" dirty="0" err="1"/>
+              <a:t>접속할때</a:t>
+            </a:r>
+            <a:r>
+              <a:rPr lang="ko-KR" altLang="en-US" dirty="0"/>
+              <a:t> 마다 인스턴스가 반복적으로 생성되어 </a:t>
+            </a:r>
+            <a:r>
+              <a:rPr lang="en-US" altLang="ko-KR" dirty="0"/>
+              <a:t>DI</a:t>
+            </a:r>
+            <a:r>
+              <a:rPr lang="ko-KR" altLang="en-US" dirty="0"/>
+              <a:t>는 사용 불가능</a:t>
+            </a:r>
+            <a:endParaRPr lang="en-US" altLang="ko-KR" dirty="0"/>
+          </a:p>
+          <a:p>
+            <a:endParaRPr lang="ko-KR" altLang="en-US" dirty="0"/>
+          </a:p>
+        </p:txBody>
+      </p:sp>
+      <p:pic>
+        <p:nvPicPr>
+          <p:cNvPr id="6" name="그림 5">
+            <a:extLst>
+              <a:ext uri="{FF2B5EF4-FFF2-40B4-BE49-F238E27FC236}">
+                <a16:creationId xmlns:a16="http://schemas.microsoft.com/office/drawing/2014/main" id="{22D80786-D16C-29DC-11E5-745CEB0D42F1}"/>
+              </a:ext>
+            </a:extLst>
+          </p:cNvPr>
+          <p:cNvPicPr>
+            <a:picLocks noChangeAspect="1"/>
+          </p:cNvPicPr>
+          <p:nvPr/>
+        </p:nvPicPr>
+        <p:blipFill>
+          <a:blip r:embed="rId2"/>
+          <a:stretch>
+            <a:fillRect/>
+          </a:stretch>
+        </p:blipFill>
+        <p:spPr>
+          <a:xfrm>
+            <a:off x="152400" y="2033726"/>
+            <a:ext cx="3286584" cy="333422"/>
+          </a:xfrm>
+          <a:prstGeom prst="rect">
+            <a:avLst/>
+          </a:prstGeom>
+        </p:spPr>
+      </p:pic>
+      <p:sp>
+        <p:nvSpPr>
+          <p:cNvPr id="7" name="TextBox 6">
+            <a:extLst>
+              <a:ext uri="{FF2B5EF4-FFF2-40B4-BE49-F238E27FC236}">
+                <a16:creationId xmlns:a16="http://schemas.microsoft.com/office/drawing/2014/main" id="{7AB01D49-720A-4DBE-194F-336D14AD8D68}"/>
+              </a:ext>
+            </a:extLst>
+          </p:cNvPr>
+          <p:cNvSpPr txBox="1"/>
+          <p:nvPr/>
+        </p:nvSpPr>
+        <p:spPr>
+          <a:xfrm>
+            <a:off x="4094480" y="1977846"/>
+            <a:ext cx="3165931" cy="369332"/>
+          </a:xfrm>
+          <a:prstGeom prst="rect">
+            <a:avLst/>
+          </a:prstGeom>
+          <a:noFill/>
+        </p:spPr>
+        <p:txBody>
+          <a:bodyPr wrap="none" rtlCol="0">
+            <a:spAutoFit/>
+          </a:bodyPr>
+          <a:lstStyle/>
+          <a:p>
+            <a:r>
+              <a:rPr lang="en-US" altLang="ko-KR" dirty="0" err="1"/>
+              <a:t>ApplicationContext</a:t>
+            </a:r>
+            <a:r>
+              <a:rPr lang="en-US" altLang="ko-KR" dirty="0"/>
+              <a:t> = Spring</a:t>
+            </a:r>
+            <a:endParaRPr lang="ko-KR" altLang="en-US" dirty="0"/>
+          </a:p>
+        </p:txBody>
+      </p:sp>
+    </p:spTree>
+    <p:extLst>
+      <p:ext uri="{BB962C8B-B14F-4D97-AF65-F5344CB8AC3E}">
+        <p14:creationId xmlns:p14="http://schemas.microsoft.com/office/powerpoint/2010/main" val="2411712746"/>
+      </p:ext>
+    </p:extLst>
+  </p:cSld>
+  <p:clrMapOvr>
+    <a:masterClrMapping/>
+  </p:clrMapOvr>
+</p:sld>
+</file>
+
 <file path=ppt/slides/slide3.xml><?xml version="1.0" encoding="utf-8"?>
 <p:sld xmlns:a="http://schemas.openxmlformats.org/drawingml/2006/main" xmlns:r="http://schemas.openxmlformats.org/officeDocument/2006/relationships" xmlns:p="http://schemas.openxmlformats.org/presentationml/2006/main">
   <p:cSld>

--- a/STSWorkspace/Spring.pptx
+++ b/STSWorkspace/Spring.pptx
@@ -34,6 +34,9 @@
     <p:sldId id="282" r:id="rId28"/>
     <p:sldId id="283" r:id="rId29"/>
     <p:sldId id="284" r:id="rId30"/>
+    <p:sldId id="285" r:id="rId31"/>
+    <p:sldId id="286" r:id="rId32"/>
+    <p:sldId id="287" r:id="rId33"/>
   </p:sldIdLst>
   <p:sldSz cx="12192000" cy="6858000"/>
   <p:notesSz cx="6858000" cy="9144000"/>
@@ -287,7 +290,7 @@
           <a:p>
             <a:fld id="{26853DDB-FB21-4B86-AE9E-F20AFD11A4B3}" type="datetimeFigureOut">
               <a:rPr lang="ko-KR" altLang="en-US" smtClean="0"/>
-              <a:t>2023-05-30</a:t>
+              <a:t>2023-05-31</a:t>
             </a:fld>
             <a:endParaRPr lang="ko-KR" altLang="en-US"/>
           </a:p>
@@ -485,7 +488,7 @@
           <a:p>
             <a:fld id="{26853DDB-FB21-4B86-AE9E-F20AFD11A4B3}" type="datetimeFigureOut">
               <a:rPr lang="ko-KR" altLang="en-US" smtClean="0"/>
-              <a:t>2023-05-30</a:t>
+              <a:t>2023-05-31</a:t>
             </a:fld>
             <a:endParaRPr lang="ko-KR" altLang="en-US"/>
           </a:p>
@@ -693,7 +696,7 @@
           <a:p>
             <a:fld id="{26853DDB-FB21-4B86-AE9E-F20AFD11A4B3}" type="datetimeFigureOut">
               <a:rPr lang="ko-KR" altLang="en-US" smtClean="0"/>
-              <a:t>2023-05-30</a:t>
+              <a:t>2023-05-31</a:t>
             </a:fld>
             <a:endParaRPr lang="ko-KR" altLang="en-US"/>
           </a:p>
@@ -891,7 +894,7 @@
           <a:p>
             <a:fld id="{26853DDB-FB21-4B86-AE9E-F20AFD11A4B3}" type="datetimeFigureOut">
               <a:rPr lang="ko-KR" altLang="en-US" smtClean="0"/>
-              <a:t>2023-05-30</a:t>
+              <a:t>2023-05-31</a:t>
             </a:fld>
             <a:endParaRPr lang="ko-KR" altLang="en-US"/>
           </a:p>
@@ -1166,7 +1169,7 @@
           <a:p>
             <a:fld id="{26853DDB-FB21-4B86-AE9E-F20AFD11A4B3}" type="datetimeFigureOut">
               <a:rPr lang="ko-KR" altLang="en-US" smtClean="0"/>
-              <a:t>2023-05-30</a:t>
+              <a:t>2023-05-31</a:t>
             </a:fld>
             <a:endParaRPr lang="ko-KR" altLang="en-US"/>
           </a:p>
@@ -1431,7 +1434,7 @@
           <a:p>
             <a:fld id="{26853DDB-FB21-4B86-AE9E-F20AFD11A4B3}" type="datetimeFigureOut">
               <a:rPr lang="ko-KR" altLang="en-US" smtClean="0"/>
-              <a:t>2023-05-30</a:t>
+              <a:t>2023-05-31</a:t>
             </a:fld>
             <a:endParaRPr lang="ko-KR" altLang="en-US"/>
           </a:p>
@@ -1843,7 +1846,7 @@
           <a:p>
             <a:fld id="{26853DDB-FB21-4B86-AE9E-F20AFD11A4B3}" type="datetimeFigureOut">
               <a:rPr lang="ko-KR" altLang="en-US" smtClean="0"/>
-              <a:t>2023-05-30</a:t>
+              <a:t>2023-05-31</a:t>
             </a:fld>
             <a:endParaRPr lang="ko-KR" altLang="en-US"/>
           </a:p>
@@ -1984,7 +1987,7 @@
           <a:p>
             <a:fld id="{26853DDB-FB21-4B86-AE9E-F20AFD11A4B3}" type="datetimeFigureOut">
               <a:rPr lang="ko-KR" altLang="en-US" smtClean="0"/>
-              <a:t>2023-05-30</a:t>
+              <a:t>2023-05-31</a:t>
             </a:fld>
             <a:endParaRPr lang="ko-KR" altLang="en-US"/>
           </a:p>
@@ -2097,7 +2100,7 @@
           <a:p>
             <a:fld id="{26853DDB-FB21-4B86-AE9E-F20AFD11A4B3}" type="datetimeFigureOut">
               <a:rPr lang="ko-KR" altLang="en-US" smtClean="0"/>
-              <a:t>2023-05-30</a:t>
+              <a:t>2023-05-31</a:t>
             </a:fld>
             <a:endParaRPr lang="ko-KR" altLang="en-US"/>
           </a:p>
@@ -2408,7 +2411,7 @@
           <a:p>
             <a:fld id="{26853DDB-FB21-4B86-AE9E-F20AFD11A4B3}" type="datetimeFigureOut">
               <a:rPr lang="ko-KR" altLang="en-US" smtClean="0"/>
-              <a:t>2023-05-30</a:t>
+              <a:t>2023-05-31</a:t>
             </a:fld>
             <a:endParaRPr lang="ko-KR" altLang="en-US"/>
           </a:p>
@@ -2696,7 +2699,7 @@
           <a:p>
             <a:fld id="{26853DDB-FB21-4B86-AE9E-F20AFD11A4B3}" type="datetimeFigureOut">
               <a:rPr lang="ko-KR" altLang="en-US" smtClean="0"/>
-              <a:t>2023-05-30</a:t>
+              <a:t>2023-05-31</a:t>
             </a:fld>
             <a:endParaRPr lang="ko-KR" altLang="en-US"/>
           </a:p>
@@ -2937,7 +2940,7 @@
           <a:p>
             <a:fld id="{26853DDB-FB21-4B86-AE9E-F20AFD11A4B3}" type="datetimeFigureOut">
               <a:rPr lang="ko-KR" altLang="en-US" smtClean="0"/>
-              <a:t>2023-05-30</a:t>
+              <a:t>2023-05-31</a:t>
             </a:fld>
             <a:endParaRPr lang="ko-KR" altLang="en-US"/>
           </a:p>
@@ -12934,6 +12937,801 @@
 </p:sld>
 </file>
 
+<file path=ppt/slides/slide30.xml><?xml version="1.0" encoding="utf-8"?>
+<p:sld xmlns:a="http://schemas.openxmlformats.org/drawingml/2006/main" xmlns:r="http://schemas.openxmlformats.org/officeDocument/2006/relationships" xmlns:p="http://schemas.openxmlformats.org/presentationml/2006/main">
+  <p:cSld>
+    <p:spTree>
+      <p:nvGrpSpPr>
+        <p:cNvPr id="1" name=""/>
+        <p:cNvGrpSpPr/>
+        <p:nvPr/>
+      </p:nvGrpSpPr>
+      <p:grpSpPr>
+        <a:xfrm>
+          <a:off x="0" y="0"/>
+          <a:ext cx="0" cy="0"/>
+          <a:chOff x="0" y="0"/>
+          <a:chExt cx="0" cy="0"/>
+        </a:xfrm>
+      </p:grpSpPr>
+      <p:sp>
+        <p:nvSpPr>
+          <p:cNvPr id="4" name="TextBox 3">
+            <a:extLst>
+              <a:ext uri="{FF2B5EF4-FFF2-40B4-BE49-F238E27FC236}">
+                <a16:creationId xmlns:a16="http://schemas.microsoft.com/office/drawing/2014/main" id="{2A5ED7FB-32CF-262A-B0BB-245E1F4A9EA3}"/>
+              </a:ext>
+            </a:extLst>
+          </p:cNvPr>
+          <p:cNvSpPr txBox="1"/>
+          <p:nvPr/>
+        </p:nvSpPr>
+        <p:spPr>
+          <a:xfrm>
+            <a:off x="121920" y="81280"/>
+            <a:ext cx="942950" cy="369332"/>
+          </a:xfrm>
+          <a:prstGeom prst="rect">
+            <a:avLst/>
+          </a:prstGeom>
+          <a:noFill/>
+        </p:spPr>
+        <p:txBody>
+          <a:bodyPr wrap="none" rtlCol="0">
+            <a:spAutoFit/>
+          </a:bodyPr>
+          <a:lstStyle/>
+          <a:p>
+            <a:r>
+              <a:rPr lang="en-US" altLang="ko-KR"/>
+              <a:t>STOMP</a:t>
+            </a:r>
+            <a:endParaRPr lang="en-US" altLang="ko-KR" dirty="0"/>
+          </a:p>
+        </p:txBody>
+      </p:sp>
+      <p:pic>
+        <p:nvPicPr>
+          <p:cNvPr id="6" name="그림 5">
+            <a:extLst>
+              <a:ext uri="{FF2B5EF4-FFF2-40B4-BE49-F238E27FC236}">
+                <a16:creationId xmlns:a16="http://schemas.microsoft.com/office/drawing/2014/main" id="{CADA5F8F-F5E9-24FA-7B99-53DAFB63B39D}"/>
+              </a:ext>
+            </a:extLst>
+          </p:cNvPr>
+          <p:cNvPicPr>
+            <a:picLocks noChangeAspect="1"/>
+          </p:cNvPicPr>
+          <p:nvPr/>
+        </p:nvPicPr>
+        <p:blipFill>
+          <a:blip r:embed="rId2"/>
+          <a:stretch>
+            <a:fillRect/>
+          </a:stretch>
+        </p:blipFill>
+        <p:spPr>
+          <a:xfrm>
+            <a:off x="121920" y="450612"/>
+            <a:ext cx="8049748" cy="4239217"/>
+          </a:xfrm>
+          <a:prstGeom prst="rect">
+            <a:avLst/>
+          </a:prstGeom>
+        </p:spPr>
+      </p:pic>
+      <p:sp>
+        <p:nvSpPr>
+          <p:cNvPr id="7" name="TextBox 6">
+            <a:extLst>
+              <a:ext uri="{FF2B5EF4-FFF2-40B4-BE49-F238E27FC236}">
+                <a16:creationId xmlns:a16="http://schemas.microsoft.com/office/drawing/2014/main" id="{0D910E4F-8F16-9559-F674-6A97EF9D6914}"/>
+              </a:ext>
+            </a:extLst>
+          </p:cNvPr>
+          <p:cNvSpPr txBox="1"/>
+          <p:nvPr/>
+        </p:nvSpPr>
+        <p:spPr>
+          <a:xfrm>
+            <a:off x="121920" y="4826000"/>
+            <a:ext cx="8093562" cy="1477328"/>
+          </a:xfrm>
+          <a:prstGeom prst="rect">
+            <a:avLst/>
+          </a:prstGeom>
+          <a:noFill/>
+        </p:spPr>
+        <p:txBody>
+          <a:bodyPr wrap="none" rtlCol="0">
+            <a:spAutoFit/>
+          </a:bodyPr>
+          <a:lstStyle/>
+          <a:p>
+            <a:r>
+              <a:rPr lang="ko-KR" altLang="en-US" dirty="0" err="1"/>
+              <a:t>엔드포인트가</a:t>
+            </a:r>
+            <a:r>
+              <a:rPr lang="ko-KR" altLang="en-US" dirty="0"/>
+              <a:t> 텍스트를 작성하여 </a:t>
+            </a:r>
+            <a:r>
+              <a:rPr lang="en-US" altLang="ko-KR" dirty="0"/>
+              <a:t>/topic/a </a:t>
+            </a:r>
+            <a:r>
+              <a:rPr lang="ko-KR" altLang="en-US" dirty="0" err="1"/>
+              <a:t>라는곳으로</a:t>
+            </a:r>
+            <a:r>
+              <a:rPr lang="ko-KR" altLang="en-US" dirty="0"/>
+              <a:t> 보내면 그곳이 채널임</a:t>
+            </a:r>
+            <a:r>
+              <a:rPr lang="en-US" altLang="ko-KR" dirty="0"/>
+              <a:t>.</a:t>
+            </a:r>
+          </a:p>
+          <a:p>
+            <a:endParaRPr lang="en-US" altLang="ko-KR" dirty="0"/>
+          </a:p>
+          <a:p>
+            <a:r>
+              <a:rPr lang="ko-KR" altLang="en-US" dirty="0"/>
+              <a:t>하단의 </a:t>
+            </a:r>
+            <a:r>
+              <a:rPr lang="ko-KR" altLang="en-US" dirty="0" err="1"/>
+              <a:t>엔드포인트</a:t>
+            </a:r>
+            <a:r>
+              <a:rPr lang="ko-KR" altLang="en-US" dirty="0"/>
+              <a:t> </a:t>
+            </a:r>
+            <a:r>
+              <a:rPr lang="en-US" altLang="ko-KR" dirty="0"/>
+              <a:t>/chat </a:t>
+            </a:r>
+            <a:r>
+              <a:rPr lang="ko-KR" altLang="en-US" dirty="0"/>
+              <a:t>은 </a:t>
+            </a:r>
+            <a:r>
+              <a:rPr lang="ko-KR" altLang="en-US" dirty="0" err="1"/>
+              <a:t>접속할시에</a:t>
+            </a:r>
+            <a:r>
+              <a:rPr lang="ko-KR" altLang="en-US" dirty="0"/>
+              <a:t> </a:t>
+            </a:r>
+            <a:r>
+              <a:rPr lang="en-US" altLang="ko-KR" dirty="0" err="1"/>
+              <a:t>ip</a:t>
+            </a:r>
+            <a:r>
+              <a:rPr lang="en-US" altLang="ko-KR" dirty="0"/>
+              <a:t>/chat </a:t>
+            </a:r>
+            <a:r>
+              <a:rPr lang="ko-KR" altLang="en-US" dirty="0"/>
+              <a:t>에 사용됨</a:t>
+            </a:r>
+            <a:endParaRPr lang="en-US" altLang="ko-KR" dirty="0"/>
+          </a:p>
+          <a:p>
+            <a:endParaRPr lang="en-US" altLang="ko-KR" dirty="0"/>
+          </a:p>
+          <a:p>
+            <a:r>
+              <a:rPr lang="en-US" altLang="ko-KR" dirty="0" err="1"/>
+              <a:t>Jsp</a:t>
+            </a:r>
+            <a:r>
+              <a:rPr lang="ko-KR" altLang="en-US" dirty="0"/>
+              <a:t>단에 </a:t>
+            </a:r>
+            <a:r>
+              <a:rPr lang="en-US" altLang="ko-KR" dirty="0"/>
+              <a:t>topic</a:t>
+            </a:r>
+            <a:r>
+              <a:rPr lang="ko-KR" altLang="en-US" dirty="0"/>
+              <a:t>뒤 주소는 별개</a:t>
+            </a:r>
+            <a:r>
+              <a:rPr lang="en-US" altLang="ko-KR" dirty="0"/>
+              <a:t>.</a:t>
+            </a:r>
+            <a:endParaRPr lang="ko-KR" altLang="en-US" dirty="0"/>
+          </a:p>
+        </p:txBody>
+      </p:sp>
+    </p:spTree>
+    <p:extLst>
+      <p:ext uri="{BB962C8B-B14F-4D97-AF65-F5344CB8AC3E}">
+        <p14:creationId xmlns:p14="http://schemas.microsoft.com/office/powerpoint/2010/main" val="1841108314"/>
+      </p:ext>
+    </p:extLst>
+  </p:cSld>
+  <p:clrMapOvr>
+    <a:masterClrMapping/>
+  </p:clrMapOvr>
+</p:sld>
+</file>
+
+<file path=ppt/slides/slide31.xml><?xml version="1.0" encoding="utf-8"?>
+<p:sld xmlns:a="http://schemas.openxmlformats.org/drawingml/2006/main" xmlns:r="http://schemas.openxmlformats.org/officeDocument/2006/relationships" xmlns:p="http://schemas.openxmlformats.org/presentationml/2006/main">
+  <p:cSld>
+    <p:spTree>
+      <p:nvGrpSpPr>
+        <p:cNvPr id="1" name=""/>
+        <p:cNvGrpSpPr/>
+        <p:nvPr/>
+      </p:nvGrpSpPr>
+      <p:grpSpPr>
+        <a:xfrm>
+          <a:off x="0" y="0"/>
+          <a:ext cx="0" cy="0"/>
+          <a:chOff x="0" y="0"/>
+          <a:chExt cx="0" cy="0"/>
+        </a:xfrm>
+      </p:grpSpPr>
+      <p:sp>
+        <p:nvSpPr>
+          <p:cNvPr id="6" name="TextBox 5">
+            <a:extLst>
+              <a:ext uri="{FF2B5EF4-FFF2-40B4-BE49-F238E27FC236}">
+                <a16:creationId xmlns:a16="http://schemas.microsoft.com/office/drawing/2014/main" id="{4FB83E0E-EF95-83EB-117A-9AB7F7B73FB0}"/>
+              </a:ext>
+            </a:extLst>
+          </p:cNvPr>
+          <p:cNvSpPr txBox="1"/>
+          <p:nvPr/>
+        </p:nvSpPr>
+        <p:spPr>
+          <a:xfrm>
+            <a:off x="5740400" y="0"/>
+            <a:ext cx="1963999" cy="369332"/>
+          </a:xfrm>
+          <a:prstGeom prst="rect">
+            <a:avLst/>
+          </a:prstGeom>
+          <a:noFill/>
+        </p:spPr>
+        <p:txBody>
+          <a:bodyPr wrap="none" rtlCol="0">
+            <a:spAutoFit/>
+          </a:bodyPr>
+          <a:lstStyle/>
+          <a:p>
+            <a:r>
+              <a:rPr lang="ko-KR" altLang="en-US" dirty="0" err="1"/>
+              <a:t>웹소켓</a:t>
+            </a:r>
+            <a:r>
+              <a:rPr lang="ko-KR" altLang="en-US" dirty="0"/>
+              <a:t> 연결 확보</a:t>
+            </a:r>
+          </a:p>
+        </p:txBody>
+      </p:sp>
+      <p:sp>
+        <p:nvSpPr>
+          <p:cNvPr id="7" name="TextBox 6">
+            <a:extLst>
+              <a:ext uri="{FF2B5EF4-FFF2-40B4-BE49-F238E27FC236}">
+                <a16:creationId xmlns:a16="http://schemas.microsoft.com/office/drawing/2014/main" id="{D38C4606-EE67-05DA-2B79-226378E67E3B}"/>
+              </a:ext>
+            </a:extLst>
+          </p:cNvPr>
+          <p:cNvSpPr txBox="1"/>
+          <p:nvPr/>
+        </p:nvSpPr>
+        <p:spPr>
+          <a:xfrm>
+            <a:off x="4167211" y="369332"/>
+            <a:ext cx="1963999" cy="369332"/>
+          </a:xfrm>
+          <a:prstGeom prst="rect">
+            <a:avLst/>
+          </a:prstGeom>
+          <a:noFill/>
+        </p:spPr>
+        <p:txBody>
+          <a:bodyPr wrap="none" rtlCol="0">
+            <a:spAutoFit/>
+          </a:bodyPr>
+          <a:lstStyle/>
+          <a:p>
+            <a:r>
+              <a:rPr lang="ko-KR" altLang="en-US" err="1"/>
+              <a:t>스톰프</a:t>
+            </a:r>
+            <a:r>
+              <a:rPr lang="ko-KR" altLang="en-US" dirty="0"/>
+              <a:t> 추가 연결</a:t>
+            </a:r>
+          </a:p>
+        </p:txBody>
+      </p:sp>
+      <p:pic>
+        <p:nvPicPr>
+          <p:cNvPr id="10" name="그림 9">
+            <a:extLst>
+              <a:ext uri="{FF2B5EF4-FFF2-40B4-BE49-F238E27FC236}">
+                <a16:creationId xmlns:a16="http://schemas.microsoft.com/office/drawing/2014/main" id="{666CAE96-6096-F550-F5B5-0DC1C0394E0A}"/>
+              </a:ext>
+            </a:extLst>
+          </p:cNvPr>
+          <p:cNvPicPr>
+            <a:picLocks noChangeAspect="1"/>
+          </p:cNvPicPr>
+          <p:nvPr/>
+        </p:nvPicPr>
+        <p:blipFill>
+          <a:blip r:embed="rId2"/>
+          <a:stretch>
+            <a:fillRect/>
+          </a:stretch>
+        </p:blipFill>
+        <p:spPr>
+          <a:xfrm>
+            <a:off x="9278814" y="1157880"/>
+            <a:ext cx="1762371" cy="600159"/>
+          </a:xfrm>
+          <a:prstGeom prst="rect">
+            <a:avLst/>
+          </a:prstGeom>
+        </p:spPr>
+      </p:pic>
+      <p:pic>
+        <p:nvPicPr>
+          <p:cNvPr id="13" name="그림 12">
+            <a:extLst>
+              <a:ext uri="{FF2B5EF4-FFF2-40B4-BE49-F238E27FC236}">
+                <a16:creationId xmlns:a16="http://schemas.microsoft.com/office/drawing/2014/main" id="{A9255D73-5230-2998-AAA5-20F9013D73C2}"/>
+              </a:ext>
+            </a:extLst>
+          </p:cNvPr>
+          <p:cNvPicPr>
+            <a:picLocks noChangeAspect="1"/>
+          </p:cNvPicPr>
+          <p:nvPr/>
+        </p:nvPicPr>
+        <p:blipFill>
+          <a:blip r:embed="rId3"/>
+          <a:stretch>
+            <a:fillRect/>
+          </a:stretch>
+        </p:blipFill>
+        <p:spPr>
+          <a:xfrm>
+            <a:off x="0" y="0"/>
+            <a:ext cx="8688012" cy="4153480"/>
+          </a:xfrm>
+          <a:prstGeom prst="rect">
+            <a:avLst/>
+          </a:prstGeom>
+        </p:spPr>
+      </p:pic>
+      <p:sp>
+        <p:nvSpPr>
+          <p:cNvPr id="11" name="TextBox 10">
+            <a:extLst>
+              <a:ext uri="{FF2B5EF4-FFF2-40B4-BE49-F238E27FC236}">
+                <a16:creationId xmlns:a16="http://schemas.microsoft.com/office/drawing/2014/main" id="{3C2C234A-821F-6EC5-7D90-DB452445352A}"/>
+              </a:ext>
+            </a:extLst>
+          </p:cNvPr>
+          <p:cNvSpPr txBox="1"/>
+          <p:nvPr/>
+        </p:nvSpPr>
+        <p:spPr>
+          <a:xfrm>
+            <a:off x="8254669" y="1916737"/>
+            <a:ext cx="3810659" cy="923330"/>
+          </a:xfrm>
+          <a:prstGeom prst="rect">
+            <a:avLst/>
+          </a:prstGeom>
+          <a:noFill/>
+        </p:spPr>
+        <p:txBody>
+          <a:bodyPr wrap="none" rtlCol="0">
+            <a:spAutoFit/>
+          </a:bodyPr>
+          <a:lstStyle/>
+          <a:p>
+            <a:r>
+              <a:rPr lang="ko-KR" altLang="en-US" dirty="0"/>
+              <a:t>해당 형태의 메시지가 와도</a:t>
+            </a:r>
+            <a:endParaRPr lang="en-US" altLang="ko-KR" dirty="0"/>
+          </a:p>
+          <a:p>
+            <a:r>
+              <a:rPr lang="ko-KR" altLang="en-US" dirty="0"/>
+              <a:t>받고자 한 것은 </a:t>
+            </a:r>
+            <a:r>
+              <a:rPr lang="en-US" altLang="ko-KR" dirty="0"/>
+              <a:t>/topic/test</a:t>
+            </a:r>
+            <a:r>
+              <a:rPr lang="ko-KR" altLang="en-US" dirty="0"/>
+              <a:t>으로</a:t>
+            </a:r>
+            <a:endParaRPr lang="en-US" altLang="ko-KR" dirty="0"/>
+          </a:p>
+          <a:p>
+            <a:r>
+              <a:rPr lang="ko-KR" altLang="en-US" dirty="0"/>
+              <a:t>설정하였기에 </a:t>
+            </a:r>
+            <a:r>
+              <a:rPr lang="ko-KR" altLang="en-US" dirty="0" err="1"/>
+              <a:t>다른것들은</a:t>
+            </a:r>
+            <a:r>
+              <a:rPr lang="ko-KR" altLang="en-US" dirty="0"/>
+              <a:t> </a:t>
+            </a:r>
+            <a:r>
+              <a:rPr lang="ko-KR" altLang="en-US" dirty="0" err="1"/>
+              <a:t>받지않음</a:t>
+            </a:r>
+            <a:endParaRPr lang="ko-KR" altLang="en-US" dirty="0"/>
+          </a:p>
+        </p:txBody>
+      </p:sp>
+      <p:pic>
+        <p:nvPicPr>
+          <p:cNvPr id="18" name="그림 17">
+            <a:extLst>
+              <a:ext uri="{FF2B5EF4-FFF2-40B4-BE49-F238E27FC236}">
+                <a16:creationId xmlns:a16="http://schemas.microsoft.com/office/drawing/2014/main" id="{BBC92CE9-013E-5D68-C4AC-6D10C9B2162B}"/>
+              </a:ext>
+            </a:extLst>
+          </p:cNvPr>
+          <p:cNvPicPr>
+            <a:picLocks noChangeAspect="1"/>
+          </p:cNvPicPr>
+          <p:nvPr/>
+        </p:nvPicPr>
+        <p:blipFill>
+          <a:blip r:embed="rId4"/>
+          <a:stretch>
+            <a:fillRect/>
+          </a:stretch>
+        </p:blipFill>
+        <p:spPr>
+          <a:xfrm>
+            <a:off x="84622" y="4522812"/>
+            <a:ext cx="9313063" cy="2335188"/>
+          </a:xfrm>
+          <a:prstGeom prst="rect">
+            <a:avLst/>
+          </a:prstGeom>
+        </p:spPr>
+      </p:pic>
+      <p:pic>
+        <p:nvPicPr>
+          <p:cNvPr id="20" name="그림 19">
+            <a:extLst>
+              <a:ext uri="{FF2B5EF4-FFF2-40B4-BE49-F238E27FC236}">
+                <a16:creationId xmlns:a16="http://schemas.microsoft.com/office/drawing/2014/main" id="{F470623E-9B18-4849-CBD3-3BF5D0F5FCE0}"/>
+              </a:ext>
+            </a:extLst>
+          </p:cNvPr>
+          <p:cNvPicPr>
+            <a:picLocks noChangeAspect="1"/>
+          </p:cNvPicPr>
+          <p:nvPr/>
+        </p:nvPicPr>
+        <p:blipFill>
+          <a:blip r:embed="rId5"/>
+          <a:stretch>
+            <a:fillRect/>
+          </a:stretch>
+        </p:blipFill>
+        <p:spPr>
+          <a:xfrm>
+            <a:off x="3361312" y="2957565"/>
+            <a:ext cx="8316486" cy="1514686"/>
+          </a:xfrm>
+          <a:prstGeom prst="rect">
+            <a:avLst/>
+          </a:prstGeom>
+        </p:spPr>
+      </p:pic>
+    </p:spTree>
+    <p:extLst>
+      <p:ext uri="{BB962C8B-B14F-4D97-AF65-F5344CB8AC3E}">
+        <p14:creationId xmlns:p14="http://schemas.microsoft.com/office/powerpoint/2010/main" val="705517798"/>
+      </p:ext>
+    </p:extLst>
+  </p:cSld>
+  <p:clrMapOvr>
+    <a:masterClrMapping/>
+  </p:clrMapOvr>
+</p:sld>
+</file>
+
+<file path=ppt/slides/slide32.xml><?xml version="1.0" encoding="utf-8"?>
+<p:sld xmlns:a="http://schemas.openxmlformats.org/drawingml/2006/main" xmlns:r="http://schemas.openxmlformats.org/officeDocument/2006/relationships" xmlns:p="http://schemas.openxmlformats.org/presentationml/2006/main">
+  <p:cSld>
+    <p:spTree>
+      <p:nvGrpSpPr>
+        <p:cNvPr id="1" name=""/>
+        <p:cNvGrpSpPr/>
+        <p:nvPr/>
+      </p:nvGrpSpPr>
+      <p:grpSpPr>
+        <a:xfrm>
+          <a:off x="0" y="0"/>
+          <a:ext cx="0" cy="0"/>
+          <a:chOff x="0" y="0"/>
+          <a:chExt cx="0" cy="0"/>
+        </a:xfrm>
+      </p:grpSpPr>
+      <p:sp>
+        <p:nvSpPr>
+          <p:cNvPr id="4" name="TextBox 3">
+            <a:extLst>
+              <a:ext uri="{FF2B5EF4-FFF2-40B4-BE49-F238E27FC236}">
+                <a16:creationId xmlns:a16="http://schemas.microsoft.com/office/drawing/2014/main" id="{DB5590BE-6C01-5A29-F060-EE91B0851571}"/>
+              </a:ext>
+            </a:extLst>
+          </p:cNvPr>
+          <p:cNvSpPr txBox="1"/>
+          <p:nvPr/>
+        </p:nvSpPr>
+        <p:spPr>
+          <a:xfrm>
+            <a:off x="0" y="123767"/>
+            <a:ext cx="6265818" cy="369332"/>
+          </a:xfrm>
+          <a:prstGeom prst="rect">
+            <a:avLst/>
+          </a:prstGeom>
+          <a:noFill/>
+        </p:spPr>
+        <p:txBody>
+          <a:bodyPr wrap="none" rtlCol="0">
+            <a:spAutoFit/>
+          </a:bodyPr>
+          <a:lstStyle/>
+          <a:p>
+            <a:r>
+              <a:rPr lang="ko-KR" altLang="en-US" dirty="0"/>
+              <a:t>페이지</a:t>
+            </a:r>
+            <a:r>
+              <a:rPr lang="en-US" altLang="ko-KR" dirty="0"/>
+              <a:t>,</a:t>
+            </a:r>
+            <a:r>
+              <a:rPr lang="ko-KR" altLang="en-US" dirty="0"/>
+              <a:t>기능별 권한 통제 </a:t>
+            </a:r>
+            <a:r>
+              <a:rPr lang="en-US" altLang="ko-KR" dirty="0"/>
+              <a:t>–</a:t>
+            </a:r>
+            <a:r>
+              <a:rPr lang="ko-KR" altLang="en-US" dirty="0"/>
+              <a:t> </a:t>
+            </a:r>
+            <a:r>
+              <a:rPr lang="en-US" altLang="ko-KR" dirty="0" err="1"/>
+              <a:t>intercepter</a:t>
+            </a:r>
+            <a:r>
+              <a:rPr lang="en-US" altLang="ko-KR" dirty="0"/>
+              <a:t>(servlet </a:t>
+            </a:r>
+            <a:r>
+              <a:rPr lang="en-US" altLang="ko-KR" dirty="0" err="1"/>
+              <a:t>filte</a:t>
+            </a:r>
+            <a:r>
+              <a:rPr lang="ko-KR" altLang="en-US" dirty="0"/>
+              <a:t>와 유사</a:t>
+            </a:r>
+            <a:r>
+              <a:rPr lang="en-US" altLang="ko-KR" dirty="0"/>
+              <a:t>)</a:t>
+            </a:r>
+          </a:p>
+        </p:txBody>
+      </p:sp>
+      <p:sp>
+        <p:nvSpPr>
+          <p:cNvPr id="7" name="TextBox 6">
+            <a:extLst>
+              <a:ext uri="{FF2B5EF4-FFF2-40B4-BE49-F238E27FC236}">
+                <a16:creationId xmlns:a16="http://schemas.microsoft.com/office/drawing/2014/main" id="{A9171A7A-1C17-87FD-BF03-93589723C630}"/>
+              </a:ext>
+            </a:extLst>
+          </p:cNvPr>
+          <p:cNvSpPr txBox="1"/>
+          <p:nvPr/>
+        </p:nvSpPr>
+        <p:spPr>
+          <a:xfrm>
+            <a:off x="0" y="889446"/>
+            <a:ext cx="3892412" cy="646331"/>
+          </a:xfrm>
+          <a:prstGeom prst="rect">
+            <a:avLst/>
+          </a:prstGeom>
+          <a:noFill/>
+        </p:spPr>
+        <p:txBody>
+          <a:bodyPr wrap="none" rtlCol="0">
+            <a:spAutoFit/>
+          </a:bodyPr>
+          <a:lstStyle/>
+          <a:p>
+            <a:r>
+              <a:rPr lang="ko-KR" altLang="en-US" dirty="0"/>
+              <a:t>클라이언트의 요청 중간에서 처리함</a:t>
+            </a:r>
+            <a:endParaRPr lang="en-US" altLang="ko-KR" dirty="0"/>
+          </a:p>
+          <a:p>
+            <a:r>
+              <a:rPr lang="ko-KR" altLang="en-US" dirty="0"/>
+              <a:t>위치 및 영역이 </a:t>
+            </a:r>
+            <a:r>
+              <a:rPr lang="en-US" altLang="ko-KR" dirty="0"/>
+              <a:t>servlet filter</a:t>
+            </a:r>
+            <a:r>
+              <a:rPr lang="ko-KR" altLang="en-US" dirty="0"/>
+              <a:t>와 다름</a:t>
+            </a:r>
+          </a:p>
+        </p:txBody>
+      </p:sp>
+      <p:pic>
+        <p:nvPicPr>
+          <p:cNvPr id="9" name="그림 8">
+            <a:extLst>
+              <a:ext uri="{FF2B5EF4-FFF2-40B4-BE49-F238E27FC236}">
+                <a16:creationId xmlns:a16="http://schemas.microsoft.com/office/drawing/2014/main" id="{FE87E525-4508-A338-138E-9987D9164C13}"/>
+              </a:ext>
+            </a:extLst>
+          </p:cNvPr>
+          <p:cNvPicPr>
+            <a:picLocks noChangeAspect="1"/>
+          </p:cNvPicPr>
+          <p:nvPr/>
+        </p:nvPicPr>
+        <p:blipFill>
+          <a:blip r:embed="rId2"/>
+          <a:stretch>
+            <a:fillRect/>
+          </a:stretch>
+        </p:blipFill>
+        <p:spPr>
+          <a:xfrm>
+            <a:off x="6154155" y="0"/>
+            <a:ext cx="6037845" cy="5275073"/>
+          </a:xfrm>
+          <a:prstGeom prst="rect">
+            <a:avLst/>
+          </a:prstGeom>
+        </p:spPr>
+      </p:pic>
+      <p:sp>
+        <p:nvSpPr>
+          <p:cNvPr id="12" name="TextBox 11">
+            <a:extLst>
+              <a:ext uri="{FF2B5EF4-FFF2-40B4-BE49-F238E27FC236}">
+                <a16:creationId xmlns:a16="http://schemas.microsoft.com/office/drawing/2014/main" id="{DA14DBB0-2EA1-35BF-13B5-B650073ADFA4}"/>
+              </a:ext>
+            </a:extLst>
+          </p:cNvPr>
+          <p:cNvSpPr txBox="1"/>
+          <p:nvPr/>
+        </p:nvSpPr>
+        <p:spPr>
+          <a:xfrm>
+            <a:off x="154546" y="4232394"/>
+            <a:ext cx="2922531" cy="646331"/>
+          </a:xfrm>
+          <a:prstGeom prst="rect">
+            <a:avLst/>
+          </a:prstGeom>
+          <a:noFill/>
+        </p:spPr>
+        <p:txBody>
+          <a:bodyPr wrap="none" rtlCol="0">
+            <a:spAutoFit/>
+          </a:bodyPr>
+          <a:lstStyle/>
+          <a:p>
+            <a:r>
+              <a:rPr lang="en-US" altLang="ko-KR" dirty="0"/>
+              <a:t>Pre</a:t>
+            </a:r>
+            <a:r>
+              <a:rPr lang="ko-KR" altLang="en-US" dirty="0"/>
+              <a:t> 는 </a:t>
+            </a:r>
+            <a:r>
+              <a:rPr lang="ko-KR" altLang="en-US" dirty="0" err="1"/>
+              <a:t>디스패처로</a:t>
+            </a:r>
+            <a:r>
+              <a:rPr lang="ko-KR" altLang="en-US" dirty="0"/>
+              <a:t> 가기 전</a:t>
+            </a:r>
+            <a:endParaRPr lang="en-US" altLang="ko-KR" dirty="0"/>
+          </a:p>
+          <a:p>
+            <a:r>
+              <a:rPr lang="en-US" altLang="ko-KR" dirty="0"/>
+              <a:t>Post</a:t>
+            </a:r>
+            <a:r>
+              <a:rPr lang="ko-KR" altLang="en-US" dirty="0"/>
+              <a:t>는 </a:t>
+            </a:r>
+            <a:r>
+              <a:rPr lang="ko-KR" altLang="en-US" dirty="0" err="1"/>
+              <a:t>갔다올때</a:t>
+            </a:r>
+            <a:endParaRPr lang="ko-KR" altLang="en-US" dirty="0"/>
+          </a:p>
+        </p:txBody>
+      </p:sp>
+      <p:pic>
+        <p:nvPicPr>
+          <p:cNvPr id="14" name="그림 13">
+            <a:extLst>
+              <a:ext uri="{FF2B5EF4-FFF2-40B4-BE49-F238E27FC236}">
+                <a16:creationId xmlns:a16="http://schemas.microsoft.com/office/drawing/2014/main" id="{B0AD8D7B-AF80-0ACF-A661-3944D19BCFA2}"/>
+              </a:ext>
+            </a:extLst>
+          </p:cNvPr>
+          <p:cNvPicPr>
+            <a:picLocks noChangeAspect="1"/>
+          </p:cNvPicPr>
+          <p:nvPr/>
+        </p:nvPicPr>
+        <p:blipFill>
+          <a:blip r:embed="rId3"/>
+          <a:stretch>
+            <a:fillRect/>
+          </a:stretch>
+        </p:blipFill>
+        <p:spPr>
+          <a:xfrm>
+            <a:off x="195363" y="1717110"/>
+            <a:ext cx="5763429" cy="2333951"/>
+          </a:xfrm>
+          <a:prstGeom prst="rect">
+            <a:avLst/>
+          </a:prstGeom>
+        </p:spPr>
+      </p:pic>
+    </p:spTree>
+    <p:extLst>
+      <p:ext uri="{BB962C8B-B14F-4D97-AF65-F5344CB8AC3E}">
+        <p14:creationId xmlns:p14="http://schemas.microsoft.com/office/powerpoint/2010/main" val="2257371717"/>
+      </p:ext>
+    </p:extLst>
+  </p:cSld>
+  <p:clrMapOvr>
+    <a:masterClrMapping/>
+  </p:clrMapOvr>
+</p:sld>
+</file>
+
 <file path=ppt/slides/slide4.xml><?xml version="1.0" encoding="utf-8"?>
 <p:sld xmlns:a="http://schemas.openxmlformats.org/drawingml/2006/main" xmlns:r="http://schemas.openxmlformats.org/officeDocument/2006/relationships" xmlns:p="http://schemas.openxmlformats.org/presentationml/2006/main">
   <p:cSld>

--- a/STSWorkspace/Spring.pptx
+++ b/STSWorkspace/Spring.pptx
@@ -36,7 +36,9 @@
     <p:sldId id="284" r:id="rId30"/>
     <p:sldId id="285" r:id="rId31"/>
     <p:sldId id="286" r:id="rId32"/>
-    <p:sldId id="287" r:id="rId33"/>
+    <p:sldId id="288" r:id="rId33"/>
+    <p:sldId id="287" r:id="rId34"/>
+    <p:sldId id="289" r:id="rId35"/>
   </p:sldIdLst>
   <p:sldSz cx="12192000" cy="6858000"/>
   <p:notesSz cx="6858000" cy="9144000"/>
@@ -290,7 +292,7 @@
           <a:p>
             <a:fld id="{26853DDB-FB21-4B86-AE9E-F20AFD11A4B3}" type="datetimeFigureOut">
               <a:rPr lang="ko-KR" altLang="en-US" smtClean="0"/>
-              <a:t>2023-05-31</a:t>
+              <a:t>2023-06-01</a:t>
             </a:fld>
             <a:endParaRPr lang="ko-KR" altLang="en-US"/>
           </a:p>
@@ -488,7 +490,7 @@
           <a:p>
             <a:fld id="{26853DDB-FB21-4B86-AE9E-F20AFD11A4B3}" type="datetimeFigureOut">
               <a:rPr lang="ko-KR" altLang="en-US" smtClean="0"/>
-              <a:t>2023-05-31</a:t>
+              <a:t>2023-06-01</a:t>
             </a:fld>
             <a:endParaRPr lang="ko-KR" altLang="en-US"/>
           </a:p>
@@ -696,7 +698,7 @@
           <a:p>
             <a:fld id="{26853DDB-FB21-4B86-AE9E-F20AFD11A4B3}" type="datetimeFigureOut">
               <a:rPr lang="ko-KR" altLang="en-US" smtClean="0"/>
-              <a:t>2023-05-31</a:t>
+              <a:t>2023-06-01</a:t>
             </a:fld>
             <a:endParaRPr lang="ko-KR" altLang="en-US"/>
           </a:p>
@@ -894,7 +896,7 @@
           <a:p>
             <a:fld id="{26853DDB-FB21-4B86-AE9E-F20AFD11A4B3}" type="datetimeFigureOut">
               <a:rPr lang="ko-KR" altLang="en-US" smtClean="0"/>
-              <a:t>2023-05-31</a:t>
+              <a:t>2023-06-01</a:t>
             </a:fld>
             <a:endParaRPr lang="ko-KR" altLang="en-US"/>
           </a:p>
@@ -1169,7 +1171,7 @@
           <a:p>
             <a:fld id="{26853DDB-FB21-4B86-AE9E-F20AFD11A4B3}" type="datetimeFigureOut">
               <a:rPr lang="ko-KR" altLang="en-US" smtClean="0"/>
-              <a:t>2023-05-31</a:t>
+              <a:t>2023-06-01</a:t>
             </a:fld>
             <a:endParaRPr lang="ko-KR" altLang="en-US"/>
           </a:p>
@@ -1434,7 +1436,7 @@
           <a:p>
             <a:fld id="{26853DDB-FB21-4B86-AE9E-F20AFD11A4B3}" type="datetimeFigureOut">
               <a:rPr lang="ko-KR" altLang="en-US" smtClean="0"/>
-              <a:t>2023-05-31</a:t>
+              <a:t>2023-06-01</a:t>
             </a:fld>
             <a:endParaRPr lang="ko-KR" altLang="en-US"/>
           </a:p>
@@ -1846,7 +1848,7 @@
           <a:p>
             <a:fld id="{26853DDB-FB21-4B86-AE9E-F20AFD11A4B3}" type="datetimeFigureOut">
               <a:rPr lang="ko-KR" altLang="en-US" smtClean="0"/>
-              <a:t>2023-05-31</a:t>
+              <a:t>2023-06-01</a:t>
             </a:fld>
             <a:endParaRPr lang="ko-KR" altLang="en-US"/>
           </a:p>
@@ -1987,7 +1989,7 @@
           <a:p>
             <a:fld id="{26853DDB-FB21-4B86-AE9E-F20AFD11A4B3}" type="datetimeFigureOut">
               <a:rPr lang="ko-KR" altLang="en-US" smtClean="0"/>
-              <a:t>2023-05-31</a:t>
+              <a:t>2023-06-01</a:t>
             </a:fld>
             <a:endParaRPr lang="ko-KR" altLang="en-US"/>
           </a:p>
@@ -2100,7 +2102,7 @@
           <a:p>
             <a:fld id="{26853DDB-FB21-4B86-AE9E-F20AFD11A4B3}" type="datetimeFigureOut">
               <a:rPr lang="ko-KR" altLang="en-US" smtClean="0"/>
-              <a:t>2023-05-31</a:t>
+              <a:t>2023-06-01</a:t>
             </a:fld>
             <a:endParaRPr lang="ko-KR" altLang="en-US"/>
           </a:p>
@@ -2411,7 +2413,7 @@
           <a:p>
             <a:fld id="{26853DDB-FB21-4B86-AE9E-F20AFD11A4B3}" type="datetimeFigureOut">
               <a:rPr lang="ko-KR" altLang="en-US" smtClean="0"/>
-              <a:t>2023-05-31</a:t>
+              <a:t>2023-06-01</a:t>
             </a:fld>
             <a:endParaRPr lang="ko-KR" altLang="en-US"/>
           </a:p>
@@ -2699,7 +2701,7 @@
           <a:p>
             <a:fld id="{26853DDB-FB21-4B86-AE9E-F20AFD11A4B3}" type="datetimeFigureOut">
               <a:rPr lang="ko-KR" altLang="en-US" smtClean="0"/>
-              <a:t>2023-05-31</a:t>
+              <a:t>2023-06-01</a:t>
             </a:fld>
             <a:endParaRPr lang="ko-KR" altLang="en-US"/>
           </a:p>
@@ -2940,7 +2942,7 @@
           <a:p>
             <a:fld id="{26853DDB-FB21-4B86-AE9E-F20AFD11A4B3}" type="datetimeFigureOut">
               <a:rPr lang="ko-KR" altLang="en-US" smtClean="0"/>
-              <a:t>2023-05-31</a:t>
+              <a:t>2023-06-01</a:t>
             </a:fld>
             <a:endParaRPr lang="ko-KR" altLang="en-US"/>
           </a:p>
@@ -13407,7 +13409,7 @@
         </p:blipFill>
         <p:spPr>
           <a:xfrm>
-            <a:off x="84622" y="4522812"/>
+            <a:off x="0" y="4153480"/>
             <a:ext cx="9313063" cy="2335188"/>
           </a:xfrm>
           <a:prstGeom prst="rect">
@@ -13445,6 +13447,79 @@
           </a:prstGeom>
         </p:spPr>
       </p:pic>
+      <p:pic>
+        <p:nvPicPr>
+          <p:cNvPr id="3" name="그림 2">
+            <a:extLst>
+              <a:ext uri="{FF2B5EF4-FFF2-40B4-BE49-F238E27FC236}">
+                <a16:creationId xmlns:a16="http://schemas.microsoft.com/office/drawing/2014/main" id="{728CEBA8-4421-4D42-9A60-08F7593CF4A8}"/>
+              </a:ext>
+            </a:extLst>
+          </p:cNvPr>
+          <p:cNvPicPr>
+            <a:picLocks noChangeAspect="1"/>
+          </p:cNvPicPr>
+          <p:nvPr/>
+        </p:nvPicPr>
+        <p:blipFill>
+          <a:blip r:embed="rId6"/>
+          <a:stretch>
+            <a:fillRect/>
+          </a:stretch>
+        </p:blipFill>
+        <p:spPr>
+          <a:xfrm>
+            <a:off x="8818880" y="4470084"/>
+            <a:ext cx="3373118" cy="368438"/>
+          </a:xfrm>
+          <a:prstGeom prst="rect">
+            <a:avLst/>
+          </a:prstGeom>
+        </p:spPr>
+      </p:pic>
+      <p:sp>
+        <p:nvSpPr>
+          <p:cNvPr id="4" name="TextBox 3">
+            <a:extLst>
+              <a:ext uri="{FF2B5EF4-FFF2-40B4-BE49-F238E27FC236}">
+                <a16:creationId xmlns:a16="http://schemas.microsoft.com/office/drawing/2014/main" id="{903566C0-E89D-2113-D7C9-3CC8658D6B88}"/>
+              </a:ext>
+            </a:extLst>
+          </p:cNvPr>
+          <p:cNvSpPr txBox="1"/>
+          <p:nvPr/>
+        </p:nvSpPr>
+        <p:spPr>
+          <a:xfrm>
+            <a:off x="2208234" y="5572563"/>
+            <a:ext cx="3050835" cy="369332"/>
+          </a:xfrm>
+          <a:prstGeom prst="rect">
+            <a:avLst/>
+          </a:prstGeom>
+          <a:noFill/>
+        </p:spPr>
+        <p:txBody>
+          <a:bodyPr wrap="none" rtlCol="0">
+            <a:spAutoFit/>
+          </a:bodyPr>
+          <a:lstStyle/>
+          <a:p>
+            <a:r>
+              <a:rPr lang="ko-KR" altLang="en-US" dirty="0"/>
+              <a:t>구독 </a:t>
+            </a:r>
+            <a:r>
+              <a:rPr lang="ko-KR" altLang="en-US" dirty="0" err="1"/>
+              <a:t>채널명</a:t>
+            </a:r>
+            <a:r>
+              <a:rPr lang="ko-KR" altLang="en-US" dirty="0"/>
+              <a:t> 고정일 때 사용</a:t>
+            </a:r>
+          </a:p>
+        </p:txBody>
+      </p:sp>
     </p:spTree>
     <p:extLst>
       <p:ext uri="{BB962C8B-B14F-4D97-AF65-F5344CB8AC3E}">
@@ -13475,133 +13550,12 @@
           <a:chExt cx="0" cy="0"/>
         </a:xfrm>
       </p:grpSpPr>
-      <p:sp>
-        <p:nvSpPr>
-          <p:cNvPr id="4" name="TextBox 3">
-            <a:extLst>
-              <a:ext uri="{FF2B5EF4-FFF2-40B4-BE49-F238E27FC236}">
-                <a16:creationId xmlns:a16="http://schemas.microsoft.com/office/drawing/2014/main" id="{DB5590BE-6C01-5A29-F060-EE91B0851571}"/>
-              </a:ext>
-            </a:extLst>
-          </p:cNvPr>
-          <p:cNvSpPr txBox="1"/>
-          <p:nvPr/>
-        </p:nvSpPr>
-        <p:spPr>
-          <a:xfrm>
-            <a:off x="0" y="123767"/>
-            <a:ext cx="6265818" cy="369332"/>
-          </a:xfrm>
-          <a:prstGeom prst="rect">
-            <a:avLst/>
-          </a:prstGeom>
-          <a:noFill/>
-        </p:spPr>
-        <p:txBody>
-          <a:bodyPr wrap="none" rtlCol="0">
-            <a:spAutoFit/>
-          </a:bodyPr>
-          <a:lstStyle/>
-          <a:p>
-            <a:r>
-              <a:rPr lang="ko-KR" altLang="en-US" dirty="0"/>
-              <a:t>페이지</a:t>
-            </a:r>
-            <a:r>
-              <a:rPr lang="en-US" altLang="ko-KR" dirty="0"/>
-              <a:t>,</a:t>
-            </a:r>
-            <a:r>
-              <a:rPr lang="ko-KR" altLang="en-US" dirty="0"/>
-              <a:t>기능별 권한 통제 </a:t>
-            </a:r>
-            <a:r>
-              <a:rPr lang="en-US" altLang="ko-KR" dirty="0"/>
-              <a:t>–</a:t>
-            </a:r>
-            <a:r>
-              <a:rPr lang="ko-KR" altLang="en-US" dirty="0"/>
-              <a:t> </a:t>
-            </a:r>
-            <a:r>
-              <a:rPr lang="en-US" altLang="ko-KR" dirty="0" err="1"/>
-              <a:t>intercepter</a:t>
-            </a:r>
-            <a:r>
-              <a:rPr lang="en-US" altLang="ko-KR" dirty="0"/>
-              <a:t>(servlet </a:t>
-            </a:r>
-            <a:r>
-              <a:rPr lang="en-US" altLang="ko-KR" dirty="0" err="1"/>
-              <a:t>filte</a:t>
-            </a:r>
-            <a:r>
-              <a:rPr lang="ko-KR" altLang="en-US" dirty="0"/>
-              <a:t>와 유사</a:t>
-            </a:r>
-            <a:r>
-              <a:rPr lang="en-US" altLang="ko-KR" dirty="0"/>
-              <a:t>)</a:t>
-            </a:r>
-          </a:p>
-        </p:txBody>
-      </p:sp>
-      <p:sp>
-        <p:nvSpPr>
-          <p:cNvPr id="7" name="TextBox 6">
-            <a:extLst>
-              <a:ext uri="{FF2B5EF4-FFF2-40B4-BE49-F238E27FC236}">
-                <a16:creationId xmlns:a16="http://schemas.microsoft.com/office/drawing/2014/main" id="{A9171A7A-1C17-87FD-BF03-93589723C630}"/>
-              </a:ext>
-            </a:extLst>
-          </p:cNvPr>
-          <p:cNvSpPr txBox="1"/>
-          <p:nvPr/>
-        </p:nvSpPr>
-        <p:spPr>
-          <a:xfrm>
-            <a:off x="0" y="889446"/>
-            <a:ext cx="3892412" cy="646331"/>
-          </a:xfrm>
-          <a:prstGeom prst="rect">
-            <a:avLst/>
-          </a:prstGeom>
-          <a:noFill/>
-        </p:spPr>
-        <p:txBody>
-          <a:bodyPr wrap="none" rtlCol="0">
-            <a:spAutoFit/>
-          </a:bodyPr>
-          <a:lstStyle/>
-          <a:p>
-            <a:r>
-              <a:rPr lang="ko-KR" altLang="en-US" dirty="0"/>
-              <a:t>클라이언트의 요청 중간에서 처리함</a:t>
-            </a:r>
-            <a:endParaRPr lang="en-US" altLang="ko-KR" dirty="0"/>
-          </a:p>
-          <a:p>
-            <a:r>
-              <a:rPr lang="ko-KR" altLang="en-US" dirty="0"/>
-              <a:t>위치 및 영역이 </a:t>
-            </a:r>
-            <a:r>
-              <a:rPr lang="en-US" altLang="ko-KR" dirty="0"/>
-              <a:t>servlet filter</a:t>
-            </a:r>
-            <a:r>
-              <a:rPr lang="ko-KR" altLang="en-US" dirty="0"/>
-              <a:t>와 다름</a:t>
-            </a:r>
-          </a:p>
-        </p:txBody>
-      </p:sp>
       <p:pic>
         <p:nvPicPr>
-          <p:cNvPr id="9" name="그림 8">
-            <a:extLst>
-              <a:ext uri="{FF2B5EF4-FFF2-40B4-BE49-F238E27FC236}">
-                <a16:creationId xmlns:a16="http://schemas.microsoft.com/office/drawing/2014/main" id="{FE87E525-4508-A338-138E-9987D9164C13}"/>
+          <p:cNvPr id="6" name="그림 5">
+            <a:extLst>
+              <a:ext uri="{FF2B5EF4-FFF2-40B4-BE49-F238E27FC236}">
+                <a16:creationId xmlns:a16="http://schemas.microsoft.com/office/drawing/2014/main" id="{1A633271-D3B3-9C06-431A-341FAAB109E4}"/>
               </a:ext>
             </a:extLst>
           </p:cNvPr>
@@ -13618,8 +13572,8 @@
         </p:blipFill>
         <p:spPr>
           <a:xfrm>
-            <a:off x="6154155" y="0"/>
-            <a:ext cx="6037845" cy="5275073"/>
+            <a:off x="-1910" y="1640489"/>
+            <a:ext cx="5439534" cy="1247949"/>
           </a:xfrm>
           <a:prstGeom prst="rect">
             <a:avLst/>
@@ -13628,10 +13582,10 @@
       </p:pic>
       <p:sp>
         <p:nvSpPr>
-          <p:cNvPr id="12" name="TextBox 11">
-            <a:extLst>
-              <a:ext uri="{FF2B5EF4-FFF2-40B4-BE49-F238E27FC236}">
-                <a16:creationId xmlns:a16="http://schemas.microsoft.com/office/drawing/2014/main" id="{DA14DBB0-2EA1-35BF-13B5-B650073ADFA4}"/>
+          <p:cNvPr id="7" name="TextBox 6">
+            <a:extLst>
+              <a:ext uri="{FF2B5EF4-FFF2-40B4-BE49-F238E27FC236}">
+                <a16:creationId xmlns:a16="http://schemas.microsoft.com/office/drawing/2014/main" id="{F1BEEE39-3E60-07DD-B009-4C881E719146}"/>
               </a:ext>
             </a:extLst>
           </p:cNvPr>
@@ -13640,8 +13594,8 @@
         </p:nvSpPr>
         <p:spPr>
           <a:xfrm>
-            <a:off x="154546" y="4232394"/>
-            <a:ext cx="2922531" cy="646331"/>
+            <a:off x="94616" y="2888438"/>
+            <a:ext cx="3281668" cy="369332"/>
           </a:xfrm>
           <a:prstGeom prst="rect">
             <a:avLst/>
@@ -13655,46 +13609,34 @@
           <a:lstStyle/>
           <a:p>
             <a:r>
-              <a:rPr lang="en-US" altLang="ko-KR" dirty="0"/>
-              <a:t>Pre</a:t>
-            </a:r>
-            <a:r>
-              <a:rPr lang="ko-KR" altLang="en-US" dirty="0"/>
-              <a:t> 는 </a:t>
+              <a:rPr lang="ko-KR" altLang="en-US" dirty="0"/>
+              <a:t>구독 </a:t>
             </a:r>
             <a:r>
               <a:rPr lang="ko-KR" altLang="en-US" dirty="0" err="1"/>
-              <a:t>디스패처로</a:t>
-            </a:r>
-            <a:r>
-              <a:rPr lang="ko-KR" altLang="en-US" dirty="0"/>
-              <a:t> 가기 전</a:t>
-            </a:r>
-            <a:endParaRPr lang="en-US" altLang="ko-KR" dirty="0"/>
-          </a:p>
-          <a:p>
-            <a:r>
-              <a:rPr lang="en-US" altLang="ko-KR" dirty="0"/>
-              <a:t>Post</a:t>
-            </a:r>
-            <a:r>
-              <a:rPr lang="ko-KR" altLang="en-US" dirty="0"/>
-              <a:t>는 </a:t>
+              <a:t>채널명</a:t>
+            </a:r>
+            <a:r>
+              <a:rPr lang="ko-KR" altLang="en-US" dirty="0"/>
+              <a:t> 동적 </a:t>
             </a:r>
             <a:r>
               <a:rPr lang="ko-KR" altLang="en-US" dirty="0" err="1"/>
-              <a:t>갔다올때</a:t>
-            </a:r>
-            <a:endParaRPr lang="ko-KR" altLang="en-US" dirty="0"/>
+              <a:t>변화시</a:t>
+            </a:r>
+            <a:r>
+              <a:rPr lang="ko-KR" altLang="en-US" dirty="0"/>
+              <a:t> 사용</a:t>
+            </a:r>
           </a:p>
         </p:txBody>
       </p:sp>
       <p:pic>
         <p:nvPicPr>
-          <p:cNvPr id="14" name="그림 13">
-            <a:extLst>
-              <a:ext uri="{FF2B5EF4-FFF2-40B4-BE49-F238E27FC236}">
-                <a16:creationId xmlns:a16="http://schemas.microsoft.com/office/drawing/2014/main" id="{B0AD8D7B-AF80-0ACF-A661-3944D19BCFA2}"/>
+          <p:cNvPr id="9" name="그림 8">
+            <a:extLst>
+              <a:ext uri="{FF2B5EF4-FFF2-40B4-BE49-F238E27FC236}">
+                <a16:creationId xmlns:a16="http://schemas.microsoft.com/office/drawing/2014/main" id="{84F24D8F-F0AE-721F-182A-921650D1C52C}"/>
               </a:ext>
             </a:extLst>
           </p:cNvPr>
@@ -13711,6 +13653,386 @@
         </p:blipFill>
         <p:spPr>
           <a:xfrm>
+            <a:off x="0" y="240363"/>
+            <a:ext cx="8268854" cy="1228896"/>
+          </a:xfrm>
+          <a:prstGeom prst="rect">
+            <a:avLst/>
+          </a:prstGeom>
+        </p:spPr>
+      </p:pic>
+      <p:sp>
+        <p:nvSpPr>
+          <p:cNvPr id="14" name="TextBox 13">
+            <a:extLst>
+              <a:ext uri="{FF2B5EF4-FFF2-40B4-BE49-F238E27FC236}">
+                <a16:creationId xmlns:a16="http://schemas.microsoft.com/office/drawing/2014/main" id="{FAA3163E-0DF6-64A2-5B61-41923B1F2F86}"/>
+              </a:ext>
+            </a:extLst>
+          </p:cNvPr>
+          <p:cNvSpPr txBox="1"/>
+          <p:nvPr/>
+        </p:nvSpPr>
+        <p:spPr>
+          <a:xfrm>
+            <a:off x="4807602" y="3331810"/>
+            <a:ext cx="4435830" cy="369332"/>
+          </a:xfrm>
+          <a:prstGeom prst="rect">
+            <a:avLst/>
+          </a:prstGeom>
+          <a:noFill/>
+        </p:spPr>
+        <p:txBody>
+          <a:bodyPr wrap="none" rtlCol="0">
+            <a:spAutoFit/>
+          </a:bodyPr>
+          <a:lstStyle/>
+          <a:p>
+            <a:r>
+              <a:rPr lang="ko-KR" altLang="en-US"/>
+              <a:t>매개변수에 의해 이벤트의 종류가 </a:t>
+            </a:r>
+            <a:r>
+              <a:rPr lang="ko-KR" altLang="en-US" dirty="0" err="1"/>
+              <a:t>정해짐</a:t>
+            </a:r>
+            <a:endParaRPr lang="ko-KR" altLang="en-US" dirty="0"/>
+          </a:p>
+        </p:txBody>
+      </p:sp>
+      <p:sp>
+        <p:nvSpPr>
+          <p:cNvPr id="15" name="TextBox 14">
+            <a:extLst>
+              <a:ext uri="{FF2B5EF4-FFF2-40B4-BE49-F238E27FC236}">
+                <a16:creationId xmlns:a16="http://schemas.microsoft.com/office/drawing/2014/main" id="{CA9E6424-A452-6688-9E70-1A7573EF796B}"/>
+              </a:ext>
+            </a:extLst>
+          </p:cNvPr>
+          <p:cNvSpPr txBox="1"/>
+          <p:nvPr/>
+        </p:nvSpPr>
+        <p:spPr>
+          <a:xfrm>
+            <a:off x="4807602" y="4913490"/>
+            <a:ext cx="3974165" cy="369332"/>
+          </a:xfrm>
+          <a:prstGeom prst="rect">
+            <a:avLst/>
+          </a:prstGeom>
+          <a:noFill/>
+        </p:spPr>
+        <p:txBody>
+          <a:bodyPr wrap="none" rtlCol="0">
+            <a:spAutoFit/>
+          </a:bodyPr>
+          <a:lstStyle/>
+          <a:p>
+            <a:r>
+              <a:rPr lang="ko-KR" altLang="en-US"/>
+              <a:t>구독할 시 채팅내역을 뿌려주는 코드</a:t>
+            </a:r>
+            <a:endParaRPr lang="ko-KR" altLang="en-US" dirty="0"/>
+          </a:p>
+        </p:txBody>
+      </p:sp>
+      <p:pic>
+        <p:nvPicPr>
+          <p:cNvPr id="17" name="그림 16">
+            <a:extLst>
+              <a:ext uri="{FF2B5EF4-FFF2-40B4-BE49-F238E27FC236}">
+                <a16:creationId xmlns:a16="http://schemas.microsoft.com/office/drawing/2014/main" id="{046B8B85-491C-4425-9434-B62E3C308574}"/>
+              </a:ext>
+            </a:extLst>
+          </p:cNvPr>
+          <p:cNvPicPr>
+            <a:picLocks noChangeAspect="1"/>
+          </p:cNvPicPr>
+          <p:nvPr/>
+        </p:nvPicPr>
+        <p:blipFill>
+          <a:blip r:embed="rId4"/>
+          <a:stretch>
+            <a:fillRect/>
+          </a:stretch>
+        </p:blipFill>
+        <p:spPr>
+          <a:xfrm>
+            <a:off x="4853665" y="3722699"/>
+            <a:ext cx="6830378" cy="1190791"/>
+          </a:xfrm>
+          <a:prstGeom prst="rect">
+            <a:avLst/>
+          </a:prstGeom>
+        </p:spPr>
+      </p:pic>
+    </p:spTree>
+    <p:extLst>
+      <p:ext uri="{BB962C8B-B14F-4D97-AF65-F5344CB8AC3E}">
+        <p14:creationId xmlns:p14="http://schemas.microsoft.com/office/powerpoint/2010/main" val="3533809946"/>
+      </p:ext>
+    </p:extLst>
+  </p:cSld>
+  <p:clrMapOvr>
+    <a:masterClrMapping/>
+  </p:clrMapOvr>
+</p:sld>
+</file>
+
+<file path=ppt/slides/slide33.xml><?xml version="1.0" encoding="utf-8"?>
+<p:sld xmlns:a="http://schemas.openxmlformats.org/drawingml/2006/main" xmlns:r="http://schemas.openxmlformats.org/officeDocument/2006/relationships" xmlns:p="http://schemas.openxmlformats.org/presentationml/2006/main">
+  <p:cSld>
+    <p:spTree>
+      <p:nvGrpSpPr>
+        <p:cNvPr id="1" name=""/>
+        <p:cNvGrpSpPr/>
+        <p:nvPr/>
+      </p:nvGrpSpPr>
+      <p:grpSpPr>
+        <a:xfrm>
+          <a:off x="0" y="0"/>
+          <a:ext cx="0" cy="0"/>
+          <a:chOff x="0" y="0"/>
+          <a:chExt cx="0" cy="0"/>
+        </a:xfrm>
+      </p:grpSpPr>
+      <p:sp>
+        <p:nvSpPr>
+          <p:cNvPr id="4" name="TextBox 3">
+            <a:extLst>
+              <a:ext uri="{FF2B5EF4-FFF2-40B4-BE49-F238E27FC236}">
+                <a16:creationId xmlns:a16="http://schemas.microsoft.com/office/drawing/2014/main" id="{DB5590BE-6C01-5A29-F060-EE91B0851571}"/>
+              </a:ext>
+            </a:extLst>
+          </p:cNvPr>
+          <p:cNvSpPr txBox="1"/>
+          <p:nvPr/>
+        </p:nvSpPr>
+        <p:spPr>
+          <a:xfrm>
+            <a:off x="0" y="123767"/>
+            <a:ext cx="6265818" cy="369332"/>
+          </a:xfrm>
+          <a:prstGeom prst="rect">
+            <a:avLst/>
+          </a:prstGeom>
+          <a:noFill/>
+        </p:spPr>
+        <p:txBody>
+          <a:bodyPr wrap="none" rtlCol="0">
+            <a:spAutoFit/>
+          </a:bodyPr>
+          <a:lstStyle/>
+          <a:p>
+            <a:r>
+              <a:rPr lang="ko-KR" altLang="en-US" dirty="0"/>
+              <a:t>페이지</a:t>
+            </a:r>
+            <a:r>
+              <a:rPr lang="en-US" altLang="ko-KR" dirty="0"/>
+              <a:t>,</a:t>
+            </a:r>
+            <a:r>
+              <a:rPr lang="ko-KR" altLang="en-US" dirty="0"/>
+              <a:t>기능별 권한 통제 </a:t>
+            </a:r>
+            <a:r>
+              <a:rPr lang="en-US" altLang="ko-KR" dirty="0"/>
+              <a:t>–</a:t>
+            </a:r>
+            <a:r>
+              <a:rPr lang="ko-KR" altLang="en-US" dirty="0"/>
+              <a:t> </a:t>
+            </a:r>
+            <a:r>
+              <a:rPr lang="en-US" altLang="ko-KR" dirty="0" err="1"/>
+              <a:t>intercepter</a:t>
+            </a:r>
+            <a:r>
+              <a:rPr lang="en-US" altLang="ko-KR" dirty="0"/>
+              <a:t>(servlet </a:t>
+            </a:r>
+            <a:r>
+              <a:rPr lang="en-US" altLang="ko-KR" dirty="0" err="1"/>
+              <a:t>filte</a:t>
+            </a:r>
+            <a:r>
+              <a:rPr lang="ko-KR" altLang="en-US" dirty="0"/>
+              <a:t>와 유사</a:t>
+            </a:r>
+            <a:r>
+              <a:rPr lang="en-US" altLang="ko-KR" dirty="0"/>
+              <a:t>)</a:t>
+            </a:r>
+          </a:p>
+        </p:txBody>
+      </p:sp>
+      <p:sp>
+        <p:nvSpPr>
+          <p:cNvPr id="7" name="TextBox 6">
+            <a:extLst>
+              <a:ext uri="{FF2B5EF4-FFF2-40B4-BE49-F238E27FC236}">
+                <a16:creationId xmlns:a16="http://schemas.microsoft.com/office/drawing/2014/main" id="{A9171A7A-1C17-87FD-BF03-93589723C630}"/>
+              </a:ext>
+            </a:extLst>
+          </p:cNvPr>
+          <p:cNvSpPr txBox="1"/>
+          <p:nvPr/>
+        </p:nvSpPr>
+        <p:spPr>
+          <a:xfrm>
+            <a:off x="0" y="889446"/>
+            <a:ext cx="3892412" cy="646331"/>
+          </a:xfrm>
+          <a:prstGeom prst="rect">
+            <a:avLst/>
+          </a:prstGeom>
+          <a:noFill/>
+        </p:spPr>
+        <p:txBody>
+          <a:bodyPr wrap="none" rtlCol="0">
+            <a:spAutoFit/>
+          </a:bodyPr>
+          <a:lstStyle/>
+          <a:p>
+            <a:r>
+              <a:rPr lang="ko-KR" altLang="en-US" dirty="0"/>
+              <a:t>클라이언트의 요청 중간에서 처리함</a:t>
+            </a:r>
+            <a:endParaRPr lang="en-US" altLang="ko-KR" dirty="0"/>
+          </a:p>
+          <a:p>
+            <a:r>
+              <a:rPr lang="ko-KR" altLang="en-US" dirty="0"/>
+              <a:t>위치 및 영역이 </a:t>
+            </a:r>
+            <a:r>
+              <a:rPr lang="en-US" altLang="ko-KR" dirty="0"/>
+              <a:t>servlet filter</a:t>
+            </a:r>
+            <a:r>
+              <a:rPr lang="ko-KR" altLang="en-US" dirty="0"/>
+              <a:t>와 다름</a:t>
+            </a:r>
+          </a:p>
+        </p:txBody>
+      </p:sp>
+      <p:pic>
+        <p:nvPicPr>
+          <p:cNvPr id="9" name="그림 8">
+            <a:extLst>
+              <a:ext uri="{FF2B5EF4-FFF2-40B4-BE49-F238E27FC236}">
+                <a16:creationId xmlns:a16="http://schemas.microsoft.com/office/drawing/2014/main" id="{FE87E525-4508-A338-138E-9987D9164C13}"/>
+              </a:ext>
+            </a:extLst>
+          </p:cNvPr>
+          <p:cNvPicPr>
+            <a:picLocks noChangeAspect="1"/>
+          </p:cNvPicPr>
+          <p:nvPr/>
+        </p:nvPicPr>
+        <p:blipFill>
+          <a:blip r:embed="rId2"/>
+          <a:stretch>
+            <a:fillRect/>
+          </a:stretch>
+        </p:blipFill>
+        <p:spPr>
+          <a:xfrm>
+            <a:off x="6154155" y="0"/>
+            <a:ext cx="6037845" cy="5275073"/>
+          </a:xfrm>
+          <a:prstGeom prst="rect">
+            <a:avLst/>
+          </a:prstGeom>
+        </p:spPr>
+      </p:pic>
+      <p:sp>
+        <p:nvSpPr>
+          <p:cNvPr id="12" name="TextBox 11">
+            <a:extLst>
+              <a:ext uri="{FF2B5EF4-FFF2-40B4-BE49-F238E27FC236}">
+                <a16:creationId xmlns:a16="http://schemas.microsoft.com/office/drawing/2014/main" id="{DA14DBB0-2EA1-35BF-13B5-B650073ADFA4}"/>
+              </a:ext>
+            </a:extLst>
+          </p:cNvPr>
+          <p:cNvSpPr txBox="1"/>
+          <p:nvPr/>
+        </p:nvSpPr>
+        <p:spPr>
+          <a:xfrm>
+            <a:off x="154546" y="4232394"/>
+            <a:ext cx="2922531" cy="646331"/>
+          </a:xfrm>
+          <a:prstGeom prst="rect">
+            <a:avLst/>
+          </a:prstGeom>
+          <a:noFill/>
+        </p:spPr>
+        <p:txBody>
+          <a:bodyPr wrap="none" rtlCol="0">
+            <a:spAutoFit/>
+          </a:bodyPr>
+          <a:lstStyle/>
+          <a:p>
+            <a:r>
+              <a:rPr lang="en-US" altLang="ko-KR" dirty="0"/>
+              <a:t>Pre</a:t>
+            </a:r>
+            <a:r>
+              <a:rPr lang="ko-KR" altLang="en-US" dirty="0"/>
+              <a:t> 는 </a:t>
+            </a:r>
+            <a:r>
+              <a:rPr lang="ko-KR" altLang="en-US" dirty="0" err="1"/>
+              <a:t>디스패처로</a:t>
+            </a:r>
+            <a:r>
+              <a:rPr lang="ko-KR" altLang="en-US" dirty="0"/>
+              <a:t> 가기 전</a:t>
+            </a:r>
+            <a:endParaRPr lang="en-US" altLang="ko-KR" dirty="0"/>
+          </a:p>
+          <a:p>
+            <a:r>
+              <a:rPr lang="en-US" altLang="ko-KR" dirty="0"/>
+              <a:t>Post</a:t>
+            </a:r>
+            <a:r>
+              <a:rPr lang="ko-KR" altLang="en-US" dirty="0"/>
+              <a:t>는 </a:t>
+            </a:r>
+            <a:r>
+              <a:rPr lang="ko-KR" altLang="en-US" dirty="0" err="1"/>
+              <a:t>갔다올때</a:t>
+            </a:r>
+            <a:endParaRPr lang="ko-KR" altLang="en-US" dirty="0"/>
+          </a:p>
+        </p:txBody>
+      </p:sp>
+      <p:pic>
+        <p:nvPicPr>
+          <p:cNvPr id="14" name="그림 13">
+            <a:extLst>
+              <a:ext uri="{FF2B5EF4-FFF2-40B4-BE49-F238E27FC236}">
+                <a16:creationId xmlns:a16="http://schemas.microsoft.com/office/drawing/2014/main" id="{B0AD8D7B-AF80-0ACF-A661-3944D19BCFA2}"/>
+              </a:ext>
+            </a:extLst>
+          </p:cNvPr>
+          <p:cNvPicPr>
+            <a:picLocks noChangeAspect="1"/>
+          </p:cNvPicPr>
+          <p:nvPr/>
+        </p:nvPicPr>
+        <p:blipFill>
+          <a:blip r:embed="rId3"/>
+          <a:stretch>
+            <a:fillRect/>
+          </a:stretch>
+        </p:blipFill>
+        <p:spPr>
+          <a:xfrm>
             <a:off x="195363" y="1717110"/>
             <a:ext cx="5763429" cy="2333951"/>
           </a:xfrm>
@@ -13723,6 +14045,353 @@
     <p:extLst>
       <p:ext uri="{BB962C8B-B14F-4D97-AF65-F5344CB8AC3E}">
         <p14:creationId xmlns:p14="http://schemas.microsoft.com/office/powerpoint/2010/main" val="2257371717"/>
+      </p:ext>
+    </p:extLst>
+  </p:cSld>
+  <p:clrMapOvr>
+    <a:masterClrMapping/>
+  </p:clrMapOvr>
+</p:sld>
+</file>
+
+<file path=ppt/slides/slide34.xml><?xml version="1.0" encoding="utf-8"?>
+<p:sld xmlns:a="http://schemas.openxmlformats.org/drawingml/2006/main" xmlns:r="http://schemas.openxmlformats.org/officeDocument/2006/relationships" xmlns:p="http://schemas.openxmlformats.org/presentationml/2006/main">
+  <p:cSld>
+    <p:spTree>
+      <p:nvGrpSpPr>
+        <p:cNvPr id="1" name=""/>
+        <p:cNvGrpSpPr/>
+        <p:nvPr/>
+      </p:nvGrpSpPr>
+      <p:grpSpPr>
+        <a:xfrm>
+          <a:off x="0" y="0"/>
+          <a:ext cx="0" cy="0"/>
+          <a:chOff x="0" y="0"/>
+          <a:chExt cx="0" cy="0"/>
+        </a:xfrm>
+      </p:grpSpPr>
+      <p:pic>
+        <p:nvPicPr>
+          <p:cNvPr id="5" name="그림 4">
+            <a:extLst>
+              <a:ext uri="{FF2B5EF4-FFF2-40B4-BE49-F238E27FC236}">
+                <a16:creationId xmlns:a16="http://schemas.microsoft.com/office/drawing/2014/main" id="{FEEEC78E-FD11-6D72-C8C8-DDAA0B2B3EBE}"/>
+              </a:ext>
+            </a:extLst>
+          </p:cNvPr>
+          <p:cNvPicPr>
+            <a:picLocks noChangeAspect="1"/>
+          </p:cNvPicPr>
+          <p:nvPr/>
+        </p:nvPicPr>
+        <p:blipFill>
+          <a:blip r:embed="rId2"/>
+          <a:stretch>
+            <a:fillRect/>
+          </a:stretch>
+        </p:blipFill>
+        <p:spPr>
+          <a:xfrm>
+            <a:off x="135169" y="2992120"/>
+            <a:ext cx="6601746" cy="714475"/>
+          </a:xfrm>
+          <a:prstGeom prst="rect">
+            <a:avLst/>
+          </a:prstGeom>
+        </p:spPr>
+      </p:pic>
+      <p:pic>
+        <p:nvPicPr>
+          <p:cNvPr id="7" name="그림 6">
+            <a:extLst>
+              <a:ext uri="{FF2B5EF4-FFF2-40B4-BE49-F238E27FC236}">
+                <a16:creationId xmlns:a16="http://schemas.microsoft.com/office/drawing/2014/main" id="{0A041C2C-1A0D-C166-B687-A5A6371A45AB}"/>
+              </a:ext>
+            </a:extLst>
+          </p:cNvPr>
+          <p:cNvPicPr>
+            <a:picLocks noChangeAspect="1"/>
+          </p:cNvPicPr>
+          <p:nvPr/>
+        </p:nvPicPr>
+        <p:blipFill>
+          <a:blip r:embed="rId3"/>
+          <a:stretch>
+            <a:fillRect/>
+          </a:stretch>
+        </p:blipFill>
+        <p:spPr>
+          <a:xfrm>
+            <a:off x="4793544" y="785824"/>
+            <a:ext cx="3886742" cy="2191056"/>
+          </a:xfrm>
+          <a:prstGeom prst="rect">
+            <a:avLst/>
+          </a:prstGeom>
+        </p:spPr>
+      </p:pic>
+      <p:pic>
+        <p:nvPicPr>
+          <p:cNvPr id="9" name="그림 8">
+            <a:extLst>
+              <a:ext uri="{FF2B5EF4-FFF2-40B4-BE49-F238E27FC236}">
+                <a16:creationId xmlns:a16="http://schemas.microsoft.com/office/drawing/2014/main" id="{96D5025F-DB5C-9612-3254-7571664443C4}"/>
+              </a:ext>
+            </a:extLst>
+          </p:cNvPr>
+          <p:cNvPicPr>
+            <a:picLocks noChangeAspect="1"/>
+          </p:cNvPicPr>
+          <p:nvPr/>
+        </p:nvPicPr>
+        <p:blipFill>
+          <a:blip r:embed="rId4"/>
+          <a:stretch>
+            <a:fillRect/>
+          </a:stretch>
+        </p:blipFill>
+        <p:spPr>
+          <a:xfrm>
+            <a:off x="68050" y="310692"/>
+            <a:ext cx="4429743" cy="2772162"/>
+          </a:xfrm>
+          <a:prstGeom prst="rect">
+            <a:avLst/>
+          </a:prstGeom>
+        </p:spPr>
+      </p:pic>
+      <p:sp>
+        <p:nvSpPr>
+          <p:cNvPr id="10" name="TextBox 9">
+            <a:extLst>
+              <a:ext uri="{FF2B5EF4-FFF2-40B4-BE49-F238E27FC236}">
+                <a16:creationId xmlns:a16="http://schemas.microsoft.com/office/drawing/2014/main" id="{DAC4A136-852D-4389-9420-7DF8D1BA0ABF}"/>
+              </a:ext>
+            </a:extLst>
+          </p:cNvPr>
+          <p:cNvSpPr txBox="1"/>
+          <p:nvPr/>
+        </p:nvSpPr>
+        <p:spPr>
+          <a:xfrm>
+            <a:off x="-10160" y="3381"/>
+            <a:ext cx="877163" cy="369332"/>
+          </a:xfrm>
+          <a:prstGeom prst="rect">
+            <a:avLst/>
+          </a:prstGeom>
+          <a:noFill/>
+        </p:spPr>
+        <p:txBody>
+          <a:bodyPr wrap="none" rtlCol="0">
+            <a:spAutoFit/>
+          </a:bodyPr>
+          <a:lstStyle/>
+          <a:p>
+            <a:r>
+              <a:rPr lang="ko-KR" altLang="en-US" dirty="0"/>
+              <a:t>스케쥴</a:t>
+            </a:r>
+          </a:p>
+        </p:txBody>
+      </p:sp>
+      <p:sp>
+        <p:nvSpPr>
+          <p:cNvPr id="11" name="TextBox 10">
+            <a:extLst>
+              <a:ext uri="{FF2B5EF4-FFF2-40B4-BE49-F238E27FC236}">
+                <a16:creationId xmlns:a16="http://schemas.microsoft.com/office/drawing/2014/main" id="{CB974A35-32C7-82E8-8185-248C22AB681C}"/>
+              </a:ext>
+            </a:extLst>
+          </p:cNvPr>
+          <p:cNvSpPr txBox="1"/>
+          <p:nvPr/>
+        </p:nvSpPr>
+        <p:spPr>
+          <a:xfrm>
+            <a:off x="1441876" y="298083"/>
+            <a:ext cx="5295039" cy="369332"/>
+          </a:xfrm>
+          <a:prstGeom prst="rect">
+            <a:avLst/>
+          </a:prstGeom>
+          <a:noFill/>
+        </p:spPr>
+        <p:txBody>
+          <a:bodyPr wrap="none" rtlCol="0">
+            <a:spAutoFit/>
+          </a:bodyPr>
+          <a:lstStyle/>
+          <a:p>
+            <a:r>
+              <a:rPr lang="en-US" altLang="ko-KR" dirty="0"/>
+              <a:t>Dao </a:t>
+            </a:r>
+            <a:r>
+              <a:rPr lang="ko-KR" altLang="en-US" dirty="0"/>
+              <a:t>등이 아닌 경우 </a:t>
+            </a:r>
+            <a:r>
+              <a:rPr lang="en-US" altLang="ko-KR" dirty="0"/>
+              <a:t>component </a:t>
+            </a:r>
+            <a:r>
+              <a:rPr lang="ko-KR" altLang="en-US" dirty="0" err="1"/>
+              <a:t>어노테이션</a:t>
+            </a:r>
+            <a:r>
+              <a:rPr lang="ko-KR" altLang="en-US" dirty="0"/>
+              <a:t> 사용</a:t>
+            </a:r>
+          </a:p>
+        </p:txBody>
+      </p:sp>
+      <p:sp>
+        <p:nvSpPr>
+          <p:cNvPr id="14" name="TextBox 13">
+            <a:extLst>
+              <a:ext uri="{FF2B5EF4-FFF2-40B4-BE49-F238E27FC236}">
+                <a16:creationId xmlns:a16="http://schemas.microsoft.com/office/drawing/2014/main" id="{FDBFCCEE-7223-9279-4BCF-00A57882FFCA}"/>
+              </a:ext>
+            </a:extLst>
+          </p:cNvPr>
+          <p:cNvSpPr txBox="1"/>
+          <p:nvPr/>
+        </p:nvSpPr>
+        <p:spPr>
+          <a:xfrm>
+            <a:off x="428421" y="2653799"/>
+            <a:ext cx="4517712" cy="369332"/>
+          </a:xfrm>
+          <a:prstGeom prst="rect">
+            <a:avLst/>
+          </a:prstGeom>
+          <a:noFill/>
+        </p:spPr>
+        <p:txBody>
+          <a:bodyPr wrap="none" rtlCol="0">
+            <a:spAutoFit/>
+          </a:bodyPr>
+          <a:lstStyle/>
+          <a:p>
+            <a:r>
+              <a:rPr lang="en-US" altLang="ko-KR" dirty="0"/>
+              <a:t>Root context </a:t>
+            </a:r>
+            <a:r>
+              <a:rPr lang="ko-KR" altLang="en-US" dirty="0"/>
+              <a:t>에 추가 </a:t>
+            </a:r>
+            <a:r>
+              <a:rPr lang="en-US" altLang="ko-KR" dirty="0"/>
+              <a:t>&gt; task context </a:t>
+            </a:r>
+            <a:r>
+              <a:rPr lang="ko-KR" altLang="en-US" dirty="0"/>
+              <a:t>체크</a:t>
+            </a:r>
+          </a:p>
+        </p:txBody>
+      </p:sp>
+      <p:pic>
+        <p:nvPicPr>
+          <p:cNvPr id="19" name="그림 18">
+            <a:extLst>
+              <a:ext uri="{FF2B5EF4-FFF2-40B4-BE49-F238E27FC236}">
+                <a16:creationId xmlns:a16="http://schemas.microsoft.com/office/drawing/2014/main" id="{1F39E6D5-6113-4BE2-0625-4719FE2729F2}"/>
+              </a:ext>
+            </a:extLst>
+          </p:cNvPr>
+          <p:cNvPicPr>
+            <a:picLocks noChangeAspect="1"/>
+          </p:cNvPicPr>
+          <p:nvPr/>
+        </p:nvPicPr>
+        <p:blipFill>
+          <a:blip r:embed="rId5"/>
+          <a:stretch>
+            <a:fillRect/>
+          </a:stretch>
+        </p:blipFill>
+        <p:spPr>
+          <a:xfrm>
+            <a:off x="68050" y="3716049"/>
+            <a:ext cx="3762900" cy="2095792"/>
+          </a:xfrm>
+          <a:prstGeom prst="rect">
+            <a:avLst/>
+          </a:prstGeom>
+        </p:spPr>
+      </p:pic>
+      <p:sp>
+        <p:nvSpPr>
+          <p:cNvPr id="17" name="TextBox 16">
+            <a:extLst>
+              <a:ext uri="{FF2B5EF4-FFF2-40B4-BE49-F238E27FC236}">
+                <a16:creationId xmlns:a16="http://schemas.microsoft.com/office/drawing/2014/main" id="{D9C67ABD-00C9-AFBE-B6F9-92D2EFF86D4C}"/>
+              </a:ext>
+            </a:extLst>
+          </p:cNvPr>
+          <p:cNvSpPr txBox="1"/>
+          <p:nvPr/>
+        </p:nvSpPr>
+        <p:spPr>
+          <a:xfrm>
+            <a:off x="1479178" y="4044916"/>
+            <a:ext cx="10201832" cy="369332"/>
+          </a:xfrm>
+          <a:prstGeom prst="rect">
+            <a:avLst/>
+          </a:prstGeom>
+          <a:noFill/>
+        </p:spPr>
+        <p:txBody>
+          <a:bodyPr wrap="none" rtlCol="0">
+            <a:spAutoFit/>
+          </a:bodyPr>
+          <a:lstStyle/>
+          <a:p>
+            <a:r>
+              <a:rPr lang="ko-KR" altLang="en-US" dirty="0"/>
+              <a:t>일 과 주 는 동시에 작성될 수 없어 하나는 </a:t>
+            </a:r>
+            <a:r>
+              <a:rPr lang="en-US" altLang="ko-KR" dirty="0"/>
+              <a:t>? </a:t>
+            </a:r>
+            <a:r>
+              <a:rPr lang="ko-KR" altLang="en-US" dirty="0"/>
+              <a:t>사용해야 함 </a:t>
+            </a:r>
+            <a:r>
+              <a:rPr lang="en-US" altLang="ko-KR" dirty="0"/>
+              <a:t>/ </a:t>
+            </a:r>
+            <a:r>
+              <a:rPr lang="ko-KR" altLang="en-US" dirty="0"/>
+              <a:t>띄어쓰기가 필드구분</a:t>
+            </a:r>
+            <a:r>
+              <a:rPr lang="en-US" altLang="ko-KR" dirty="0"/>
+              <a:t>- </a:t>
+            </a:r>
+            <a:r>
+              <a:rPr lang="ko-KR" altLang="en-US" dirty="0"/>
+              <a:t>띄어쓰기 사용</a:t>
+            </a:r>
+            <a:r>
+              <a:rPr lang="en-US" altLang="ko-KR" dirty="0"/>
+              <a:t>x</a:t>
+            </a:r>
+            <a:endParaRPr lang="ko-KR" altLang="en-US" dirty="0"/>
+          </a:p>
+        </p:txBody>
+      </p:sp>
+    </p:spTree>
+    <p:extLst>
+      <p:ext uri="{BB962C8B-B14F-4D97-AF65-F5344CB8AC3E}">
+        <p14:creationId xmlns:p14="http://schemas.microsoft.com/office/powerpoint/2010/main" val="1121618999"/>
       </p:ext>
     </p:extLst>
   </p:cSld>
